--- a/Zephyr/Documentation/Wolverton_Defense_Slides.pptx
+++ b/Zephyr/Documentation/Wolverton_Defense_Slides.pptx
@@ -10,14 +10,28 @@
     <p:sldId id="258" r:id="rId4"/>
     <p:sldId id="260" r:id="rId5"/>
     <p:sldId id="259" r:id="rId6"/>
-    <p:sldId id="261" r:id="rId7"/>
-    <p:sldId id="262" r:id="rId8"/>
-    <p:sldId id="263" r:id="rId9"/>
-    <p:sldId id="264" r:id="rId10"/>
-    <p:sldId id="265" r:id="rId11"/>
-    <p:sldId id="266" r:id="rId12"/>
-    <p:sldId id="267" r:id="rId13"/>
-    <p:sldId id="268" r:id="rId14"/>
+    <p:sldId id="269" r:id="rId7"/>
+    <p:sldId id="270" r:id="rId8"/>
+    <p:sldId id="271" r:id="rId9"/>
+    <p:sldId id="274" r:id="rId10"/>
+    <p:sldId id="280" r:id="rId11"/>
+    <p:sldId id="281" r:id="rId12"/>
+    <p:sldId id="273" r:id="rId13"/>
+    <p:sldId id="282" r:id="rId14"/>
+    <p:sldId id="272" r:id="rId15"/>
+    <p:sldId id="275" r:id="rId16"/>
+    <p:sldId id="261" r:id="rId17"/>
+    <p:sldId id="276" r:id="rId18"/>
+    <p:sldId id="262" r:id="rId19"/>
+    <p:sldId id="263" r:id="rId20"/>
+    <p:sldId id="277" r:id="rId21"/>
+    <p:sldId id="278" r:id="rId22"/>
+    <p:sldId id="279" r:id="rId23"/>
+    <p:sldId id="264" r:id="rId24"/>
+    <p:sldId id="265" r:id="rId25"/>
+    <p:sldId id="266" r:id="rId26"/>
+    <p:sldId id="267" r:id="rId27"/>
+    <p:sldId id="268" r:id="rId28"/>
   </p:sldIdLst>
   <p:sldSz cx="12192000" cy="6858000"/>
   <p:notesSz cx="6858000" cy="9144000"/>
@@ -116,6 +130,11 @@
       </a:defRPr>
     </a:lvl9pPr>
   </p:defaultTextStyle>
+  <p:extLst>
+    <p:ext uri="{EFAFB233-063F-42B5-8137-9DF3F51BA10A}">
+      <p15:sldGuideLst xmlns:p15="http://schemas.microsoft.com/office/powerpoint/2012/main"/>
+    </p:ext>
+  </p:extLst>
 </p:presentation>
 </file>
 
@@ -315,7 +334,7 @@
           <a:p>
             <a:fld id="{0A3D40DE-2B7D-47C7-95F2-5DED07D050F8}" type="datetimeFigureOut">
               <a:rPr lang="en-US" smtClean="0"/>
-              <a:t>2/3/2021</a:t>
+              <a:t>2/11/2021</a:t>
             </a:fld>
             <a:endParaRPr lang="en-US"/>
           </a:p>
@@ -536,7 +555,7 @@
           <a:p>
             <a:fld id="{0A3D40DE-2B7D-47C7-95F2-5DED07D050F8}" type="datetimeFigureOut">
               <a:rPr lang="en-US" smtClean="0"/>
-              <a:t>2/3/2021</a:t>
+              <a:t>2/11/2021</a:t>
             </a:fld>
             <a:endParaRPr lang="en-US"/>
           </a:p>
@@ -716,7 +735,7 @@
           <a:p>
             <a:fld id="{0A3D40DE-2B7D-47C7-95F2-5DED07D050F8}" type="datetimeFigureOut">
               <a:rPr lang="en-US" smtClean="0"/>
-              <a:t>2/3/2021</a:t>
+              <a:t>2/11/2021</a:t>
             </a:fld>
             <a:endParaRPr lang="en-US"/>
           </a:p>
@@ -886,7 +905,7 @@
           <a:p>
             <a:fld id="{0A3D40DE-2B7D-47C7-95F2-5DED07D050F8}" type="datetimeFigureOut">
               <a:rPr lang="en-US" smtClean="0"/>
-              <a:t>2/3/2021</a:t>
+              <a:t>2/11/2021</a:t>
             </a:fld>
             <a:endParaRPr lang="en-US"/>
           </a:p>
@@ -1137,7 +1156,7 @@
           <a:p>
             <a:fld id="{0A3D40DE-2B7D-47C7-95F2-5DED07D050F8}" type="datetimeFigureOut">
               <a:rPr lang="en-US" smtClean="0"/>
-              <a:t>2/3/2021</a:t>
+              <a:t>2/11/2021</a:t>
             </a:fld>
             <a:endParaRPr lang="en-US"/>
           </a:p>
@@ -1460,7 +1479,7 @@
           <a:p>
             <a:fld id="{0A3D40DE-2B7D-47C7-95F2-5DED07D050F8}" type="datetimeFigureOut">
               <a:rPr lang="en-US" smtClean="0"/>
-              <a:t>2/3/2021</a:t>
+              <a:t>2/11/2021</a:t>
             </a:fld>
             <a:endParaRPr lang="en-US"/>
           </a:p>
@@ -1884,7 +1903,7 @@
           <a:p>
             <a:fld id="{0A3D40DE-2B7D-47C7-95F2-5DED07D050F8}" type="datetimeFigureOut">
               <a:rPr lang="en-US" smtClean="0"/>
-              <a:t>2/3/2021</a:t>
+              <a:t>2/11/2021</a:t>
             </a:fld>
             <a:endParaRPr lang="en-US"/>
           </a:p>
@@ -2002,7 +2021,7 @@
           <a:p>
             <a:fld id="{0A3D40DE-2B7D-47C7-95F2-5DED07D050F8}" type="datetimeFigureOut">
               <a:rPr lang="en-US" smtClean="0"/>
-              <a:t>2/3/2021</a:t>
+              <a:t>2/11/2021</a:t>
             </a:fld>
             <a:endParaRPr lang="en-US"/>
           </a:p>
@@ -2097,7 +2116,7 @@
           <a:p>
             <a:fld id="{0A3D40DE-2B7D-47C7-95F2-5DED07D050F8}" type="datetimeFigureOut">
               <a:rPr lang="en-US" smtClean="0"/>
-              <a:t>2/3/2021</a:t>
+              <a:t>2/11/2021</a:t>
             </a:fld>
             <a:endParaRPr lang="en-US"/>
           </a:p>
@@ -2387,7 +2406,7 @@
           <a:p>
             <a:fld id="{0A3D40DE-2B7D-47C7-95F2-5DED07D050F8}" type="datetimeFigureOut">
               <a:rPr lang="en-US" smtClean="0"/>
-              <a:t>2/3/2021</a:t>
+              <a:t>2/11/2021</a:t>
             </a:fld>
             <a:endParaRPr lang="en-US"/>
           </a:p>
@@ -2659,7 +2678,7 @@
           <a:p>
             <a:fld id="{0A3D40DE-2B7D-47C7-95F2-5DED07D050F8}" type="datetimeFigureOut">
               <a:rPr lang="en-US" smtClean="0"/>
-              <a:t>2/3/2021</a:t>
+              <a:t>2/11/2021</a:t>
             </a:fld>
             <a:endParaRPr lang="en-US"/>
           </a:p>
@@ -2913,7 +2932,7 @@
           <a:p>
             <a:fld id="{0A3D40DE-2B7D-47C7-95F2-5DED07D050F8}" type="datetimeFigureOut">
               <a:rPr lang="en-US" smtClean="0"/>
-              <a:t>2/3/2021</a:t>
+              <a:t>2/11/2021</a:t>
             </a:fld>
             <a:endParaRPr lang="en-US"/>
           </a:p>
@@ -3499,7 +3518,7 @@
           <a:p>
             <a:r>
               <a:rPr lang="en-US" dirty="0"/>
-              <a:t>Syntax</a:t>
+              <a:t>Scanner</a:t>
             </a:r>
           </a:p>
         </p:txBody>
@@ -3532,7 +3551,37 @@
           </a:bodyPr>
           <a:lstStyle/>
           <a:p>
-            <a:endParaRPr lang="en-US" dirty="0"/>
+            <a:r>
+              <a:rPr lang="en-US" dirty="0"/>
+              <a:t>The scanner uses a single token lookahead approach to process the source string into a list of tokens [9]. </a:t>
+            </a:r>
+          </a:p>
+          <a:p>
+            <a:r>
+              <a:rPr lang="en-US" dirty="0"/>
+              <a:t>Token data</a:t>
+            </a:r>
+          </a:p>
+          <a:p>
+            <a:pPr lvl="1"/>
+            <a:r>
+              <a:rPr lang="en-US" dirty="0"/>
+              <a:t>Type</a:t>
+            </a:r>
+          </a:p>
+          <a:p>
+            <a:pPr lvl="1"/>
+            <a:r>
+              <a:rPr lang="en-US" dirty="0"/>
+              <a:t>Data </a:t>
+            </a:r>
+          </a:p>
+          <a:p>
+            <a:pPr lvl="1"/>
+            <a:r>
+              <a:rPr lang="en-US" dirty="0"/>
+              <a:t>Line number </a:t>
+            </a:r>
           </a:p>
         </p:txBody>
       </p:sp>
@@ -3551,7 +3600,7 @@
         <p:spPr>
           <a:xfrm>
             <a:off x="226646" y="220785"/>
-            <a:ext cx="1258277" cy="2031325"/>
+            <a:ext cx="1258277" cy="2308324"/>
           </a:xfrm>
           <a:prstGeom prst="rect">
             <a:avLst/>
@@ -3565,7 +3614,7 @@
           <a:lstStyle/>
           <a:p>
             <a:r>
-              <a:rPr lang="en-US" sz="1050" dirty="0">
+              <a:rPr lang="en-US" sz="1200" dirty="0">
                 <a:solidFill>
                   <a:schemeClr val="accent1"/>
                 </a:solidFill>
@@ -3575,7 +3624,7 @@
           </a:p>
           <a:p>
             <a:r>
-              <a:rPr lang="en-US" sz="1050" dirty="0">
+              <a:rPr lang="en-US" sz="1200" dirty="0">
                 <a:solidFill>
                   <a:schemeClr val="accent1"/>
                 </a:solidFill>
@@ -3585,7 +3634,7 @@
           </a:p>
           <a:p>
             <a:r>
-              <a:rPr lang="en-US" sz="1050" dirty="0">
+              <a:rPr lang="en-US" sz="1200" dirty="0">
                 <a:solidFill>
                   <a:schemeClr val="accent1"/>
                 </a:solidFill>
@@ -3595,7 +3644,7 @@
           </a:p>
           <a:p>
             <a:r>
-              <a:rPr lang="en-US" sz="1050" dirty="0">
+              <a:rPr lang="en-US" sz="1200" b="1" dirty="0">
                 <a:solidFill>
                   <a:schemeClr val="accent1"/>
                 </a:solidFill>
@@ -3605,7 +3654,7 @@
           </a:p>
           <a:p>
             <a:r>
-              <a:rPr lang="en-US" sz="1050" dirty="0">
+              <a:rPr lang="en-US" sz="1200" dirty="0">
                 <a:solidFill>
                   <a:schemeClr val="accent1"/>
                 </a:solidFill>
@@ -3615,7 +3664,7 @@
           </a:p>
           <a:p>
             <a:r>
-              <a:rPr lang="en-US" sz="1050" dirty="0">
+              <a:rPr lang="en-US" sz="1200" dirty="0">
                 <a:solidFill>
                   <a:schemeClr val="accent1"/>
                 </a:solidFill>
@@ -3625,7 +3674,7 @@
           </a:p>
           <a:p>
             <a:r>
-              <a:rPr lang="en-US" sz="1050" dirty="0">
+              <a:rPr lang="en-US" sz="1200" dirty="0">
                 <a:solidFill>
                   <a:schemeClr val="accent1"/>
                 </a:solidFill>
@@ -3635,7 +3684,7 @@
           </a:p>
           <a:p>
             <a:r>
-              <a:rPr lang="en-US" sz="1050" dirty="0">
+              <a:rPr lang="en-US" sz="1200" dirty="0">
                 <a:solidFill>
                   <a:schemeClr val="accent1"/>
                 </a:solidFill>
@@ -3645,7 +3694,7 @@
           </a:p>
           <a:p>
             <a:r>
-              <a:rPr lang="en-US" sz="1050" b="1" dirty="0">
+              <a:rPr lang="en-US" sz="1200" dirty="0">
                 <a:solidFill>
                   <a:schemeClr val="accent1"/>
                 </a:solidFill>
@@ -3655,17 +3704,17 @@
           </a:p>
           <a:p>
             <a:r>
-              <a:rPr lang="en-US" sz="1050" dirty="0">
-                <a:solidFill>
-                  <a:schemeClr val="accent1"/>
-                </a:solidFill>
-              </a:rPr>
-              <a:t>Playtest Results</a:t>
-            </a:r>
-          </a:p>
-          <a:p>
-            <a:r>
-              <a:rPr lang="en-US" sz="1050" dirty="0">
+              <a:rPr lang="en-US" sz="1200" dirty="0">
+                <a:solidFill>
+                  <a:schemeClr val="accent1"/>
+                </a:solidFill>
+              </a:rPr>
+              <a:t>User Feedback</a:t>
+            </a:r>
+          </a:p>
+          <a:p>
+            <a:r>
+              <a:rPr lang="en-US" sz="1200" dirty="0">
                 <a:solidFill>
                   <a:schemeClr val="accent1"/>
                 </a:solidFill>
@@ -3675,7 +3724,7 @@
           </a:p>
           <a:p>
             <a:r>
-              <a:rPr lang="en-US" sz="1050" dirty="0">
+              <a:rPr lang="en-US" sz="1200" dirty="0">
                 <a:solidFill>
                   <a:schemeClr val="accent1"/>
                 </a:solidFill>
@@ -3688,7 +3737,7 @@
     </p:spTree>
     <p:extLst>
       <p:ext uri="{BB962C8B-B14F-4D97-AF65-F5344CB8AC3E}">
-        <p14:creationId xmlns:p14="http://schemas.microsoft.com/office/powerpoint/2010/main" val="2986862166"/>
+        <p14:creationId xmlns:p14="http://schemas.microsoft.com/office/powerpoint/2010/main" val="3107463797"/>
       </p:ext>
     </p:extLst>
   </p:cSld>
@@ -3743,7 +3792,7 @@
           <a:p>
             <a:r>
               <a:rPr lang="en-US" dirty="0"/>
-              <a:t>Playtest Results</a:t>
+              <a:t>Parser</a:t>
             </a:r>
           </a:p>
         </p:txBody>
@@ -3776,7 +3825,22 @@
           </a:bodyPr>
           <a:lstStyle/>
           <a:p>
-            <a:endParaRPr lang="en-US" dirty="0"/>
+            <a:r>
+              <a:rPr lang="en-US" dirty="0"/>
+              <a:t>The Zephyr compiler is a single-pass compiler, which converts tokens directly into bytecode. </a:t>
+            </a:r>
+          </a:p>
+          <a:p>
+            <a:r>
+              <a:rPr lang="en-US" dirty="0"/>
+              <a:t>Zephyr compiles one source file into multiple chunks of bytecode to be managed as states and events. </a:t>
+            </a:r>
+          </a:p>
+          <a:p>
+            <a:r>
+              <a:rPr lang="en-US" dirty="0"/>
+              <a:t>Each bytecode chunk is small and does not need much context which makes a single-pass compiler feasible [9]. </a:t>
+            </a:r>
           </a:p>
         </p:txBody>
       </p:sp>
@@ -3795,7 +3859,7 @@
         <p:spPr>
           <a:xfrm>
             <a:off x="226646" y="220785"/>
-            <a:ext cx="1258277" cy="2031325"/>
+            <a:ext cx="1258277" cy="2308324"/>
           </a:xfrm>
           <a:prstGeom prst="rect">
             <a:avLst/>
@@ -3809,7 +3873,7 @@
           <a:lstStyle/>
           <a:p>
             <a:r>
-              <a:rPr lang="en-US" sz="1050" dirty="0">
+              <a:rPr lang="en-US" sz="1200" dirty="0">
                 <a:solidFill>
                   <a:schemeClr val="accent1"/>
                 </a:solidFill>
@@ -3819,7 +3883,7 @@
           </a:p>
           <a:p>
             <a:r>
-              <a:rPr lang="en-US" sz="1050" dirty="0">
+              <a:rPr lang="en-US" sz="1200" dirty="0">
                 <a:solidFill>
                   <a:schemeClr val="accent1"/>
                 </a:solidFill>
@@ -3829,7 +3893,7 @@
           </a:p>
           <a:p>
             <a:r>
-              <a:rPr lang="en-US" sz="1050" dirty="0">
+              <a:rPr lang="en-US" sz="1200" dirty="0">
                 <a:solidFill>
                   <a:schemeClr val="accent1"/>
                 </a:solidFill>
@@ -3839,7 +3903,7 @@
           </a:p>
           <a:p>
             <a:r>
-              <a:rPr lang="en-US" sz="1050" dirty="0">
+              <a:rPr lang="en-US" sz="1200" b="1" dirty="0">
                 <a:solidFill>
                   <a:schemeClr val="accent1"/>
                 </a:solidFill>
@@ -3849,7 +3913,7 @@
           </a:p>
           <a:p>
             <a:r>
-              <a:rPr lang="en-US" sz="1050" dirty="0">
+              <a:rPr lang="en-US" sz="1200" dirty="0">
                 <a:solidFill>
                   <a:schemeClr val="accent1"/>
                 </a:solidFill>
@@ -3859,7 +3923,7 @@
           </a:p>
           <a:p>
             <a:r>
-              <a:rPr lang="en-US" sz="1050" dirty="0">
+              <a:rPr lang="en-US" sz="1200" dirty="0">
                 <a:solidFill>
                   <a:schemeClr val="accent1"/>
                 </a:solidFill>
@@ -3869,7 +3933,7 @@
           </a:p>
           <a:p>
             <a:r>
-              <a:rPr lang="en-US" sz="1050" dirty="0">
+              <a:rPr lang="en-US" sz="1200" dirty="0">
                 <a:solidFill>
                   <a:schemeClr val="accent1"/>
                 </a:solidFill>
@@ -3879,7 +3943,7 @@
           </a:p>
           <a:p>
             <a:r>
-              <a:rPr lang="en-US" sz="1050" dirty="0">
+              <a:rPr lang="en-US" sz="1200" dirty="0">
                 <a:solidFill>
                   <a:schemeClr val="accent1"/>
                 </a:solidFill>
@@ -3889,7 +3953,7 @@
           </a:p>
           <a:p>
             <a:r>
-              <a:rPr lang="en-US" sz="1050" dirty="0">
+              <a:rPr lang="en-US" sz="1200" dirty="0">
                 <a:solidFill>
                   <a:schemeClr val="accent1"/>
                 </a:solidFill>
@@ -3899,17 +3963,17 @@
           </a:p>
           <a:p>
             <a:r>
-              <a:rPr lang="en-US" sz="1050" b="1" dirty="0">
-                <a:solidFill>
-                  <a:schemeClr val="accent1"/>
-                </a:solidFill>
-              </a:rPr>
-              <a:t>Playtest Results</a:t>
-            </a:r>
-          </a:p>
-          <a:p>
-            <a:r>
-              <a:rPr lang="en-US" sz="1050" dirty="0">
+              <a:rPr lang="en-US" sz="1200" dirty="0">
+                <a:solidFill>
+                  <a:schemeClr val="accent1"/>
+                </a:solidFill>
+              </a:rPr>
+              <a:t>User Feedback</a:t>
+            </a:r>
+          </a:p>
+          <a:p>
+            <a:r>
+              <a:rPr lang="en-US" sz="1200" dirty="0">
                 <a:solidFill>
                   <a:schemeClr val="accent1"/>
                 </a:solidFill>
@@ -3919,7 +3983,7 @@
           </a:p>
           <a:p>
             <a:r>
-              <a:rPr lang="en-US" sz="1050" dirty="0">
+              <a:rPr lang="en-US" sz="1200" dirty="0">
                 <a:solidFill>
                   <a:schemeClr val="accent1"/>
                 </a:solidFill>
@@ -3932,7 +3996,7 @@
     </p:spTree>
     <p:extLst>
       <p:ext uri="{BB962C8B-B14F-4D97-AF65-F5344CB8AC3E}">
-        <p14:creationId xmlns:p14="http://schemas.microsoft.com/office/powerpoint/2010/main" val="2790549481"/>
+        <p14:creationId xmlns:p14="http://schemas.microsoft.com/office/powerpoint/2010/main" val="584366143"/>
       </p:ext>
     </p:extLst>
   </p:cSld>
@@ -3987,7 +4051,7 @@
           <a:p>
             <a:r>
               <a:rPr lang="en-US" dirty="0"/>
-              <a:t>Profiling Results</a:t>
+              <a:t>Virtual Machine</a:t>
             </a:r>
           </a:p>
         </p:txBody>
@@ -4020,7 +4084,10 @@
           </a:bodyPr>
           <a:lstStyle/>
           <a:p>
-            <a:endParaRPr lang="en-US" dirty="0"/>
+            <a:r>
+              <a:rPr lang="en-US" dirty="0"/>
+              <a:t>Each chunk of bytecode is interpreted by a virtual machine at runtime. The VM processes the bytecode one byte at a time and executes each operation.</a:t>
+            </a:r>
           </a:p>
         </p:txBody>
       </p:sp>
@@ -4039,7 +4106,7 @@
         <p:spPr>
           <a:xfrm>
             <a:off x="226646" y="220785"/>
-            <a:ext cx="1258277" cy="2031325"/>
+            <a:ext cx="1258277" cy="2308324"/>
           </a:xfrm>
           <a:prstGeom prst="rect">
             <a:avLst/>
@@ -4053,7 +4120,7 @@
           <a:lstStyle/>
           <a:p>
             <a:r>
-              <a:rPr lang="en-US" sz="1050" dirty="0">
+              <a:rPr lang="en-US" sz="1200" dirty="0">
                 <a:solidFill>
                   <a:schemeClr val="accent1"/>
                 </a:solidFill>
@@ -4063,7 +4130,7 @@
           </a:p>
           <a:p>
             <a:r>
-              <a:rPr lang="en-US" sz="1050" dirty="0">
+              <a:rPr lang="en-US" sz="1200" dirty="0">
                 <a:solidFill>
                   <a:schemeClr val="accent1"/>
                 </a:solidFill>
@@ -4073,7 +4140,7 @@
           </a:p>
           <a:p>
             <a:r>
-              <a:rPr lang="en-US" sz="1050" dirty="0">
+              <a:rPr lang="en-US" sz="1200" dirty="0">
                 <a:solidFill>
                   <a:schemeClr val="accent1"/>
                 </a:solidFill>
@@ -4083,7 +4150,7 @@
           </a:p>
           <a:p>
             <a:r>
-              <a:rPr lang="en-US" sz="1050" dirty="0">
+              <a:rPr lang="en-US" sz="1200" b="1" dirty="0">
                 <a:solidFill>
                   <a:schemeClr val="accent1"/>
                 </a:solidFill>
@@ -4093,7 +4160,7 @@
           </a:p>
           <a:p>
             <a:r>
-              <a:rPr lang="en-US" sz="1050" dirty="0">
+              <a:rPr lang="en-US" sz="1200" dirty="0">
                 <a:solidFill>
                   <a:schemeClr val="accent1"/>
                 </a:solidFill>
@@ -4103,7 +4170,7 @@
           </a:p>
           <a:p>
             <a:r>
-              <a:rPr lang="en-US" sz="1050" dirty="0">
+              <a:rPr lang="en-US" sz="1200" dirty="0">
                 <a:solidFill>
                   <a:schemeClr val="accent1"/>
                 </a:solidFill>
@@ -4113,7 +4180,7 @@
           </a:p>
           <a:p>
             <a:r>
-              <a:rPr lang="en-US" sz="1050" dirty="0">
+              <a:rPr lang="en-US" sz="1200" dirty="0">
                 <a:solidFill>
                   <a:schemeClr val="accent1"/>
                 </a:solidFill>
@@ -4123,7 +4190,7 @@
           </a:p>
           <a:p>
             <a:r>
-              <a:rPr lang="en-US" sz="1050" dirty="0">
+              <a:rPr lang="en-US" sz="1200" dirty="0">
                 <a:solidFill>
                   <a:schemeClr val="accent1"/>
                 </a:solidFill>
@@ -4133,7 +4200,7 @@
           </a:p>
           <a:p>
             <a:r>
-              <a:rPr lang="en-US" sz="1050" dirty="0">
+              <a:rPr lang="en-US" sz="1200" dirty="0">
                 <a:solidFill>
                   <a:schemeClr val="accent1"/>
                 </a:solidFill>
@@ -4143,17 +4210,17 @@
           </a:p>
           <a:p>
             <a:r>
-              <a:rPr lang="en-US" sz="1050" dirty="0">
-                <a:solidFill>
-                  <a:schemeClr val="accent1"/>
-                </a:solidFill>
-              </a:rPr>
-              <a:t>Playtest Results</a:t>
-            </a:r>
-          </a:p>
-          <a:p>
-            <a:r>
-              <a:rPr lang="en-US" sz="1050" b="1" dirty="0">
+              <a:rPr lang="en-US" sz="1200" dirty="0">
+                <a:solidFill>
+                  <a:schemeClr val="accent1"/>
+                </a:solidFill>
+              </a:rPr>
+              <a:t>User Feedback</a:t>
+            </a:r>
+          </a:p>
+          <a:p>
+            <a:r>
+              <a:rPr lang="en-US" sz="1200" dirty="0">
                 <a:solidFill>
                   <a:schemeClr val="accent1"/>
                 </a:solidFill>
@@ -4163,7 +4230,7 @@
           </a:p>
           <a:p>
             <a:r>
-              <a:rPr lang="en-US" sz="1050" dirty="0">
+              <a:rPr lang="en-US" sz="1200" dirty="0">
                 <a:solidFill>
                   <a:schemeClr val="accent1"/>
                 </a:solidFill>
@@ -4176,7 +4243,7 @@
     </p:spTree>
     <p:extLst>
       <p:ext uri="{BB962C8B-B14F-4D97-AF65-F5344CB8AC3E}">
-        <p14:creationId xmlns:p14="http://schemas.microsoft.com/office/powerpoint/2010/main" val="4243312310"/>
+        <p14:creationId xmlns:p14="http://schemas.microsoft.com/office/powerpoint/2010/main" val="480551745"/>
       </p:ext>
     </p:extLst>
   </p:cSld>
@@ -4231,7 +4298,7 @@
           <a:p>
             <a:r>
               <a:rPr lang="en-US" dirty="0"/>
-              <a:t>Bibliography</a:t>
+              <a:t>Bytecode</a:t>
             </a:r>
           </a:p>
         </p:txBody>
@@ -4264,7 +4331,42 @@
           </a:bodyPr>
           <a:lstStyle/>
           <a:p>
-            <a:endParaRPr lang="en-US" dirty="0"/>
+            <a:r>
+              <a:rPr lang="en-US" dirty="0"/>
+              <a:t>Bytecode contains instructions and references to constant values used in operations [10]. </a:t>
+            </a:r>
+          </a:p>
+          <a:p>
+            <a:r>
+              <a:rPr lang="en-US" dirty="0"/>
+              <a:t>Constant values are saved in a side vector and the indices into that vector are saved in bytecode. </a:t>
+            </a:r>
+          </a:p>
+          <a:p>
+            <a:r>
+              <a:rPr lang="en-US" dirty="0"/>
+              <a:t>A stack is used to store intermediate values during interpretation [10]. </a:t>
+            </a:r>
+          </a:p>
+          <a:p>
+            <a:r>
+              <a:rPr lang="en-US" dirty="0"/>
+              <a:t>Stack-based vs register-based</a:t>
+            </a:r>
+          </a:p>
+          <a:p>
+            <a:pPr lvl="1"/>
+            <a:r>
+              <a:rPr lang="en-US" dirty="0"/>
+              <a:t>Stack instructions are smaller</a:t>
+            </a:r>
+          </a:p>
+          <a:p>
+            <a:pPr lvl="1"/>
+            <a:r>
+              <a:rPr lang="en-US" dirty="0"/>
+              <a:t>Stack will have more instructions</a:t>
+            </a:r>
           </a:p>
         </p:txBody>
       </p:sp>
@@ -4283,7 +4385,7 @@
         <p:spPr>
           <a:xfrm>
             <a:off x="226646" y="220785"/>
-            <a:ext cx="1258277" cy="2031325"/>
+            <a:ext cx="1258277" cy="2308324"/>
           </a:xfrm>
           <a:prstGeom prst="rect">
             <a:avLst/>
@@ -4297,7 +4399,7 @@
           <a:lstStyle/>
           <a:p>
             <a:r>
-              <a:rPr lang="en-US" sz="1050" dirty="0">
+              <a:rPr lang="en-US" sz="1200" dirty="0">
                 <a:solidFill>
                   <a:schemeClr val="accent1"/>
                 </a:solidFill>
@@ -4307,7 +4409,7 @@
           </a:p>
           <a:p>
             <a:r>
-              <a:rPr lang="en-US" sz="1050" dirty="0">
+              <a:rPr lang="en-US" sz="1200" dirty="0">
                 <a:solidFill>
                   <a:schemeClr val="accent1"/>
                 </a:solidFill>
@@ -4317,7 +4419,7 @@
           </a:p>
           <a:p>
             <a:r>
-              <a:rPr lang="en-US" sz="1050" dirty="0">
+              <a:rPr lang="en-US" sz="1200" dirty="0">
                 <a:solidFill>
                   <a:schemeClr val="accent1"/>
                 </a:solidFill>
@@ -4327,7 +4429,7 @@
           </a:p>
           <a:p>
             <a:r>
-              <a:rPr lang="en-US" sz="1050" dirty="0">
+              <a:rPr lang="en-US" sz="1200" b="1" dirty="0">
                 <a:solidFill>
                   <a:schemeClr val="accent1"/>
                 </a:solidFill>
@@ -4337,7 +4439,7 @@
           </a:p>
           <a:p>
             <a:r>
-              <a:rPr lang="en-US" sz="1050" dirty="0">
+              <a:rPr lang="en-US" sz="1200" dirty="0">
                 <a:solidFill>
                   <a:schemeClr val="accent1"/>
                 </a:solidFill>
@@ -4347,7 +4449,7 @@
           </a:p>
           <a:p>
             <a:r>
-              <a:rPr lang="en-US" sz="1050" dirty="0">
+              <a:rPr lang="en-US" sz="1200" dirty="0">
                 <a:solidFill>
                   <a:schemeClr val="accent1"/>
                 </a:solidFill>
@@ -4357,7 +4459,7 @@
           </a:p>
           <a:p>
             <a:r>
-              <a:rPr lang="en-US" sz="1050" dirty="0">
+              <a:rPr lang="en-US" sz="1200" dirty="0">
                 <a:solidFill>
                   <a:schemeClr val="accent1"/>
                 </a:solidFill>
@@ -4367,7 +4469,7 @@
           </a:p>
           <a:p>
             <a:r>
-              <a:rPr lang="en-US" sz="1050" dirty="0">
+              <a:rPr lang="en-US" sz="1200" dirty="0">
                 <a:solidFill>
                   <a:schemeClr val="accent1"/>
                 </a:solidFill>
@@ -4377,7 +4479,7 @@
           </a:p>
           <a:p>
             <a:r>
-              <a:rPr lang="en-US" sz="1050" dirty="0">
+              <a:rPr lang="en-US" sz="1200" dirty="0">
                 <a:solidFill>
                   <a:schemeClr val="accent1"/>
                 </a:solidFill>
@@ -4387,17 +4489,17 @@
           </a:p>
           <a:p>
             <a:r>
-              <a:rPr lang="en-US" sz="1050" dirty="0">
-                <a:solidFill>
-                  <a:schemeClr val="accent1"/>
-                </a:solidFill>
-              </a:rPr>
-              <a:t>Playtest Results</a:t>
-            </a:r>
-          </a:p>
-          <a:p>
-            <a:r>
-              <a:rPr lang="en-US" sz="1050" dirty="0">
+              <a:rPr lang="en-US" sz="1200" dirty="0">
+                <a:solidFill>
+                  <a:schemeClr val="accent1"/>
+                </a:solidFill>
+              </a:rPr>
+              <a:t>User Feedback</a:t>
+            </a:r>
+          </a:p>
+          <a:p>
+            <a:r>
+              <a:rPr lang="en-US" sz="1200" dirty="0">
                 <a:solidFill>
                   <a:schemeClr val="accent1"/>
                 </a:solidFill>
@@ -4407,7 +4509,7 @@
           </a:p>
           <a:p>
             <a:r>
-              <a:rPr lang="en-US" sz="1050" b="1" dirty="0">
+              <a:rPr lang="en-US" sz="1200" dirty="0">
                 <a:solidFill>
                   <a:schemeClr val="accent1"/>
                 </a:solidFill>
@@ -4420,7 +4522,1600 @@
     </p:spTree>
     <p:extLst>
       <p:ext uri="{BB962C8B-B14F-4D97-AF65-F5344CB8AC3E}">
-        <p14:creationId xmlns:p14="http://schemas.microsoft.com/office/powerpoint/2010/main" val="1397362302"/>
+        <p14:creationId xmlns:p14="http://schemas.microsoft.com/office/powerpoint/2010/main" val="1493966147"/>
+      </p:ext>
+    </p:extLst>
+  </p:cSld>
+  <p:clrMapOvr>
+    <a:masterClrMapping/>
+  </p:clrMapOvr>
+</p:sld>
+</file>
+
+<file path=ppt/slides/slide14.xml><?xml version="1.0" encoding="utf-8"?>
+<p:sld xmlns:a="http://schemas.openxmlformats.org/drawingml/2006/main" xmlns:r="http://schemas.openxmlformats.org/officeDocument/2006/relationships" xmlns:p="http://schemas.openxmlformats.org/presentationml/2006/main">
+  <p:cSld>
+    <p:spTree>
+      <p:nvGrpSpPr>
+        <p:cNvPr id="1" name=""/>
+        <p:cNvGrpSpPr/>
+        <p:nvPr/>
+      </p:nvGrpSpPr>
+      <p:grpSpPr>
+        <a:xfrm>
+          <a:off x="0" y="0"/>
+          <a:ext cx="0" cy="0"/>
+          <a:chOff x="0" y="0"/>
+          <a:chExt cx="0" cy="0"/>
+        </a:xfrm>
+      </p:grpSpPr>
+      <p:sp>
+        <p:nvSpPr>
+          <p:cNvPr id="2" name="Title 1">
+            <a:extLst>
+              <a:ext uri="{FF2B5EF4-FFF2-40B4-BE49-F238E27FC236}">
+                <a16:creationId xmlns:a16="http://schemas.microsoft.com/office/drawing/2014/main" id="{AB08E390-2175-47D2-B7B1-3FA32E25A35B}"/>
+              </a:ext>
+            </a:extLst>
+          </p:cNvPr>
+          <p:cNvSpPr>
+            <a:spLocks noGrp="1"/>
+          </p:cNvSpPr>
+          <p:nvPr>
+            <p:ph type="title"/>
+          </p:nvPr>
+        </p:nvSpPr>
+        <p:spPr>
+          <a:xfrm>
+            <a:off x="1836616" y="609600"/>
+            <a:ext cx="9181904" cy="1356360"/>
+          </a:xfrm>
+        </p:spPr>
+        <p:txBody>
+          <a:bodyPr/>
+          <a:lstStyle/>
+          <a:p>
+            <a:r>
+              <a:rPr lang="en-US" dirty="0"/>
+              <a:t>Finite State Machine AI</a:t>
+            </a:r>
+          </a:p>
+        </p:txBody>
+      </p:sp>
+      <p:sp>
+        <p:nvSpPr>
+          <p:cNvPr id="3" name="Content Placeholder 2">
+            <a:extLst>
+              <a:ext uri="{FF2B5EF4-FFF2-40B4-BE49-F238E27FC236}">
+                <a16:creationId xmlns:a16="http://schemas.microsoft.com/office/drawing/2014/main" id="{FAB703EF-2F23-4B3C-AA20-46260B6B006C}"/>
+              </a:ext>
+            </a:extLst>
+          </p:cNvPr>
+          <p:cNvSpPr>
+            <a:spLocks noGrp="1"/>
+          </p:cNvSpPr>
+          <p:nvPr>
+            <p:ph idx="1"/>
+          </p:nvPr>
+        </p:nvSpPr>
+        <p:spPr>
+          <a:xfrm>
+            <a:off x="1833967" y="2057400"/>
+            <a:ext cx="5293664" cy="4038600"/>
+          </a:xfrm>
+        </p:spPr>
+        <p:txBody>
+          <a:bodyPr>
+            <a:normAutofit/>
+          </a:bodyPr>
+          <a:lstStyle/>
+          <a:p>
+            <a:r>
+              <a:rPr lang="en-US" dirty="0"/>
+              <a:t>Finite state machines are a good fit for AI behavior in the context of a state-based DSL.</a:t>
+            </a:r>
+          </a:p>
+          <a:p>
+            <a:r>
+              <a:rPr lang="en-US" dirty="0"/>
+              <a:t>The main features of an AI state are the update behavior logic and transitions between states [11]. </a:t>
+            </a:r>
+          </a:p>
+          <a:p>
+            <a:r>
+              <a:rPr lang="en-US" dirty="0"/>
+              <a:t>Each state can define functions to call when transitioning out of or into the state.</a:t>
+            </a:r>
+          </a:p>
+        </p:txBody>
+      </p:sp>
+      <p:sp>
+        <p:nvSpPr>
+          <p:cNvPr id="4" name="TextBox 3">
+            <a:extLst>
+              <a:ext uri="{FF2B5EF4-FFF2-40B4-BE49-F238E27FC236}">
+                <a16:creationId xmlns:a16="http://schemas.microsoft.com/office/drawing/2014/main" id="{A12BD9C5-99E7-47EF-8232-B34D4C5F7531}"/>
+              </a:ext>
+            </a:extLst>
+          </p:cNvPr>
+          <p:cNvSpPr txBox="1"/>
+          <p:nvPr/>
+        </p:nvSpPr>
+        <p:spPr>
+          <a:xfrm>
+            <a:off x="226646" y="220785"/>
+            <a:ext cx="1258277" cy="2308324"/>
+          </a:xfrm>
+          <a:prstGeom prst="rect">
+            <a:avLst/>
+          </a:prstGeom>
+          <a:noFill/>
+        </p:spPr>
+        <p:txBody>
+          <a:bodyPr wrap="square" rtlCol="0">
+            <a:spAutoFit/>
+          </a:bodyPr>
+          <a:lstStyle/>
+          <a:p>
+            <a:r>
+              <a:rPr lang="en-US" sz="1200" dirty="0">
+                <a:solidFill>
+                  <a:schemeClr val="accent1"/>
+                </a:solidFill>
+              </a:rPr>
+              <a:t>Introduction</a:t>
+            </a:r>
+          </a:p>
+          <a:p>
+            <a:r>
+              <a:rPr lang="en-US" sz="1200" dirty="0">
+                <a:solidFill>
+                  <a:schemeClr val="accent1"/>
+                </a:solidFill>
+              </a:rPr>
+              <a:t>Scope</a:t>
+            </a:r>
+          </a:p>
+          <a:p>
+            <a:r>
+              <a:rPr lang="en-US" sz="1200" dirty="0">
+                <a:solidFill>
+                  <a:schemeClr val="accent1"/>
+                </a:solidFill>
+              </a:rPr>
+              <a:t>Schedule</a:t>
+            </a:r>
+          </a:p>
+          <a:p>
+            <a:r>
+              <a:rPr lang="en-US" sz="1200" b="1" dirty="0">
+                <a:solidFill>
+                  <a:schemeClr val="accent1"/>
+                </a:solidFill>
+              </a:rPr>
+              <a:t>Theory</a:t>
+            </a:r>
+          </a:p>
+          <a:p>
+            <a:r>
+              <a:rPr lang="en-US" sz="1200" dirty="0">
+                <a:solidFill>
+                  <a:schemeClr val="accent1"/>
+                </a:solidFill>
+              </a:rPr>
+              <a:t>Previous Work</a:t>
+            </a:r>
+          </a:p>
+          <a:p>
+            <a:r>
+              <a:rPr lang="en-US" sz="1200" dirty="0">
+                <a:solidFill>
+                  <a:schemeClr val="accent1"/>
+                </a:solidFill>
+              </a:rPr>
+              <a:t>Artifact</a:t>
+            </a:r>
+          </a:p>
+          <a:p>
+            <a:r>
+              <a:rPr lang="en-US" sz="1200" dirty="0">
+                <a:solidFill>
+                  <a:schemeClr val="accent1"/>
+                </a:solidFill>
+              </a:rPr>
+              <a:t>Implementation</a:t>
+            </a:r>
+          </a:p>
+          <a:p>
+            <a:r>
+              <a:rPr lang="en-US" sz="1200" dirty="0">
+                <a:solidFill>
+                  <a:schemeClr val="accent1"/>
+                </a:solidFill>
+              </a:rPr>
+              <a:t>Architecture</a:t>
+            </a:r>
+          </a:p>
+          <a:p>
+            <a:r>
+              <a:rPr lang="en-US" sz="1200" dirty="0">
+                <a:solidFill>
+                  <a:schemeClr val="accent1"/>
+                </a:solidFill>
+              </a:rPr>
+              <a:t>Syntax</a:t>
+            </a:r>
+          </a:p>
+          <a:p>
+            <a:r>
+              <a:rPr lang="en-US" sz="1200" dirty="0">
+                <a:solidFill>
+                  <a:schemeClr val="accent1"/>
+                </a:solidFill>
+              </a:rPr>
+              <a:t>User Feedback</a:t>
+            </a:r>
+          </a:p>
+          <a:p>
+            <a:r>
+              <a:rPr lang="en-US" sz="1200" dirty="0">
+                <a:solidFill>
+                  <a:schemeClr val="accent1"/>
+                </a:solidFill>
+              </a:rPr>
+              <a:t>Profiling Results</a:t>
+            </a:r>
+          </a:p>
+          <a:p>
+            <a:r>
+              <a:rPr lang="en-US" sz="1200" dirty="0">
+                <a:solidFill>
+                  <a:schemeClr val="accent1"/>
+                </a:solidFill>
+              </a:rPr>
+              <a:t>Bibliography</a:t>
+            </a:r>
+          </a:p>
+        </p:txBody>
+      </p:sp>
+    </p:spTree>
+    <p:extLst>
+      <p:ext uri="{BB962C8B-B14F-4D97-AF65-F5344CB8AC3E}">
+        <p14:creationId xmlns:p14="http://schemas.microsoft.com/office/powerpoint/2010/main" val="242663800"/>
+      </p:ext>
+    </p:extLst>
+  </p:cSld>
+  <p:clrMapOvr>
+    <a:masterClrMapping/>
+  </p:clrMapOvr>
+</p:sld>
+</file>
+
+<file path=ppt/slides/slide15.xml><?xml version="1.0" encoding="utf-8"?>
+<p:sld xmlns:a="http://schemas.openxmlformats.org/drawingml/2006/main" xmlns:r="http://schemas.openxmlformats.org/officeDocument/2006/relationships" xmlns:p="http://schemas.openxmlformats.org/presentationml/2006/main">
+  <p:cSld>
+    <p:spTree>
+      <p:nvGrpSpPr>
+        <p:cNvPr id="1" name=""/>
+        <p:cNvGrpSpPr/>
+        <p:nvPr/>
+      </p:nvGrpSpPr>
+      <p:grpSpPr>
+        <a:xfrm>
+          <a:off x="0" y="0"/>
+          <a:ext cx="0" cy="0"/>
+          <a:chOff x="0" y="0"/>
+          <a:chExt cx="0" cy="0"/>
+        </a:xfrm>
+      </p:grpSpPr>
+      <p:sp>
+        <p:nvSpPr>
+          <p:cNvPr id="2" name="Title 1">
+            <a:extLst>
+              <a:ext uri="{FF2B5EF4-FFF2-40B4-BE49-F238E27FC236}">
+                <a16:creationId xmlns:a16="http://schemas.microsoft.com/office/drawing/2014/main" id="{AB08E390-2175-47D2-B7B1-3FA32E25A35B}"/>
+              </a:ext>
+            </a:extLst>
+          </p:cNvPr>
+          <p:cNvSpPr>
+            <a:spLocks noGrp="1"/>
+          </p:cNvSpPr>
+          <p:nvPr>
+            <p:ph type="title"/>
+          </p:nvPr>
+        </p:nvSpPr>
+        <p:spPr>
+          <a:xfrm>
+            <a:off x="1836616" y="609600"/>
+            <a:ext cx="9181904" cy="1356360"/>
+          </a:xfrm>
+        </p:spPr>
+        <p:txBody>
+          <a:bodyPr/>
+          <a:lstStyle/>
+          <a:p>
+            <a:r>
+              <a:rPr lang="en-US" dirty="0"/>
+              <a:t>Visual Studio Code Plugin</a:t>
+            </a:r>
+          </a:p>
+        </p:txBody>
+      </p:sp>
+      <p:sp>
+        <p:nvSpPr>
+          <p:cNvPr id="3" name="Content Placeholder 2">
+            <a:extLst>
+              <a:ext uri="{FF2B5EF4-FFF2-40B4-BE49-F238E27FC236}">
+                <a16:creationId xmlns:a16="http://schemas.microsoft.com/office/drawing/2014/main" id="{FAB703EF-2F23-4B3C-AA20-46260B6B006C}"/>
+              </a:ext>
+            </a:extLst>
+          </p:cNvPr>
+          <p:cNvSpPr>
+            <a:spLocks noGrp="1"/>
+          </p:cNvSpPr>
+          <p:nvPr>
+            <p:ph idx="1"/>
+          </p:nvPr>
+        </p:nvSpPr>
+        <p:spPr>
+          <a:xfrm>
+            <a:off x="1833967" y="2057400"/>
+            <a:ext cx="5293664" cy="4038600"/>
+          </a:xfrm>
+        </p:spPr>
+        <p:txBody>
+          <a:bodyPr>
+            <a:normAutofit/>
+          </a:bodyPr>
+          <a:lstStyle/>
+          <a:p>
+            <a:r>
+              <a:rPr lang="en-US" dirty="0"/>
+              <a:t>Custom language extensions can be created for Visual Studio Code by utilizing a template[12]. </a:t>
+            </a:r>
+          </a:p>
+          <a:p>
+            <a:r>
+              <a:rPr lang="en-US" dirty="0"/>
+              <a:t>Static keywords, comments, and scope operators can be defined easily.</a:t>
+            </a:r>
+          </a:p>
+          <a:p>
+            <a:r>
+              <a:rPr lang="en-US" dirty="0"/>
+              <a:t>Out of Scope [13]</a:t>
+            </a:r>
+          </a:p>
+          <a:p>
+            <a:pPr lvl="1"/>
+            <a:r>
+              <a:rPr lang="en-US" dirty="0"/>
+              <a:t>Highlighting variables and functions</a:t>
+            </a:r>
+          </a:p>
+          <a:p>
+            <a:pPr lvl="1"/>
+            <a:r>
+              <a:rPr lang="en-US" dirty="0"/>
+              <a:t>Interactive programming environment</a:t>
+            </a:r>
+          </a:p>
+          <a:p>
+            <a:pPr lvl="1"/>
+            <a:r>
+              <a:rPr lang="en-US" dirty="0"/>
+              <a:t>Interactive debugger</a:t>
+            </a:r>
+          </a:p>
+        </p:txBody>
+      </p:sp>
+      <p:sp>
+        <p:nvSpPr>
+          <p:cNvPr id="4" name="TextBox 3">
+            <a:extLst>
+              <a:ext uri="{FF2B5EF4-FFF2-40B4-BE49-F238E27FC236}">
+                <a16:creationId xmlns:a16="http://schemas.microsoft.com/office/drawing/2014/main" id="{A12BD9C5-99E7-47EF-8232-B34D4C5F7531}"/>
+              </a:ext>
+            </a:extLst>
+          </p:cNvPr>
+          <p:cNvSpPr txBox="1"/>
+          <p:nvPr/>
+        </p:nvSpPr>
+        <p:spPr>
+          <a:xfrm>
+            <a:off x="226646" y="220785"/>
+            <a:ext cx="1258277" cy="2308324"/>
+          </a:xfrm>
+          <a:prstGeom prst="rect">
+            <a:avLst/>
+          </a:prstGeom>
+          <a:noFill/>
+        </p:spPr>
+        <p:txBody>
+          <a:bodyPr wrap="square" rtlCol="0">
+            <a:spAutoFit/>
+          </a:bodyPr>
+          <a:lstStyle/>
+          <a:p>
+            <a:r>
+              <a:rPr lang="en-US" sz="1200" dirty="0">
+                <a:solidFill>
+                  <a:schemeClr val="accent1"/>
+                </a:solidFill>
+              </a:rPr>
+              <a:t>Introduction</a:t>
+            </a:r>
+          </a:p>
+          <a:p>
+            <a:r>
+              <a:rPr lang="en-US" sz="1200" dirty="0">
+                <a:solidFill>
+                  <a:schemeClr val="accent1"/>
+                </a:solidFill>
+              </a:rPr>
+              <a:t>Scope</a:t>
+            </a:r>
+          </a:p>
+          <a:p>
+            <a:r>
+              <a:rPr lang="en-US" sz="1200" dirty="0">
+                <a:solidFill>
+                  <a:schemeClr val="accent1"/>
+                </a:solidFill>
+              </a:rPr>
+              <a:t>Schedule</a:t>
+            </a:r>
+          </a:p>
+          <a:p>
+            <a:r>
+              <a:rPr lang="en-US" sz="1200" b="1" dirty="0">
+                <a:solidFill>
+                  <a:schemeClr val="accent1"/>
+                </a:solidFill>
+              </a:rPr>
+              <a:t>Theory</a:t>
+            </a:r>
+          </a:p>
+          <a:p>
+            <a:r>
+              <a:rPr lang="en-US" sz="1200" dirty="0">
+                <a:solidFill>
+                  <a:schemeClr val="accent1"/>
+                </a:solidFill>
+              </a:rPr>
+              <a:t>Previous Work</a:t>
+            </a:r>
+          </a:p>
+          <a:p>
+            <a:r>
+              <a:rPr lang="en-US" sz="1200" dirty="0">
+                <a:solidFill>
+                  <a:schemeClr val="accent1"/>
+                </a:solidFill>
+              </a:rPr>
+              <a:t>Artifact</a:t>
+            </a:r>
+          </a:p>
+          <a:p>
+            <a:r>
+              <a:rPr lang="en-US" sz="1200" dirty="0">
+                <a:solidFill>
+                  <a:schemeClr val="accent1"/>
+                </a:solidFill>
+              </a:rPr>
+              <a:t>Implementation</a:t>
+            </a:r>
+          </a:p>
+          <a:p>
+            <a:r>
+              <a:rPr lang="en-US" sz="1200" dirty="0">
+                <a:solidFill>
+                  <a:schemeClr val="accent1"/>
+                </a:solidFill>
+              </a:rPr>
+              <a:t>Architecture</a:t>
+            </a:r>
+          </a:p>
+          <a:p>
+            <a:r>
+              <a:rPr lang="en-US" sz="1200" dirty="0">
+                <a:solidFill>
+                  <a:schemeClr val="accent1"/>
+                </a:solidFill>
+              </a:rPr>
+              <a:t>Syntax</a:t>
+            </a:r>
+          </a:p>
+          <a:p>
+            <a:r>
+              <a:rPr lang="en-US" sz="1200" dirty="0">
+                <a:solidFill>
+                  <a:schemeClr val="accent1"/>
+                </a:solidFill>
+              </a:rPr>
+              <a:t>User Feedback</a:t>
+            </a:r>
+          </a:p>
+          <a:p>
+            <a:r>
+              <a:rPr lang="en-US" sz="1200" dirty="0">
+                <a:solidFill>
+                  <a:schemeClr val="accent1"/>
+                </a:solidFill>
+              </a:rPr>
+              <a:t>Profiling Results</a:t>
+            </a:r>
+          </a:p>
+          <a:p>
+            <a:r>
+              <a:rPr lang="en-US" sz="1200" dirty="0">
+                <a:solidFill>
+                  <a:schemeClr val="accent1"/>
+                </a:solidFill>
+              </a:rPr>
+              <a:t>Bibliography</a:t>
+            </a:r>
+          </a:p>
+        </p:txBody>
+      </p:sp>
+    </p:spTree>
+    <p:extLst>
+      <p:ext uri="{BB962C8B-B14F-4D97-AF65-F5344CB8AC3E}">
+        <p14:creationId xmlns:p14="http://schemas.microsoft.com/office/powerpoint/2010/main" val="854683163"/>
+      </p:ext>
+    </p:extLst>
+  </p:cSld>
+  <p:clrMapOvr>
+    <a:masterClrMapping/>
+  </p:clrMapOvr>
+</p:sld>
+</file>
+
+<file path=ppt/slides/slide16.xml><?xml version="1.0" encoding="utf-8"?>
+<p:sld xmlns:a="http://schemas.openxmlformats.org/drawingml/2006/main" xmlns:r="http://schemas.openxmlformats.org/officeDocument/2006/relationships" xmlns:p="http://schemas.openxmlformats.org/presentationml/2006/main">
+  <p:cSld>
+    <p:spTree>
+      <p:nvGrpSpPr>
+        <p:cNvPr id="1" name=""/>
+        <p:cNvGrpSpPr/>
+        <p:nvPr/>
+      </p:nvGrpSpPr>
+      <p:grpSpPr>
+        <a:xfrm>
+          <a:off x="0" y="0"/>
+          <a:ext cx="0" cy="0"/>
+          <a:chOff x="0" y="0"/>
+          <a:chExt cx="0" cy="0"/>
+        </a:xfrm>
+      </p:grpSpPr>
+      <p:sp>
+        <p:nvSpPr>
+          <p:cNvPr id="2" name="Title 1">
+            <a:extLst>
+              <a:ext uri="{FF2B5EF4-FFF2-40B4-BE49-F238E27FC236}">
+                <a16:creationId xmlns:a16="http://schemas.microsoft.com/office/drawing/2014/main" id="{AB08E390-2175-47D2-B7B1-3FA32E25A35B}"/>
+              </a:ext>
+            </a:extLst>
+          </p:cNvPr>
+          <p:cNvSpPr>
+            <a:spLocks noGrp="1"/>
+          </p:cNvSpPr>
+          <p:nvPr>
+            <p:ph type="title"/>
+          </p:nvPr>
+        </p:nvSpPr>
+        <p:spPr>
+          <a:xfrm>
+            <a:off x="1836616" y="609600"/>
+            <a:ext cx="9181904" cy="1356360"/>
+          </a:xfrm>
+        </p:spPr>
+        <p:txBody>
+          <a:bodyPr/>
+          <a:lstStyle/>
+          <a:p>
+            <a:r>
+              <a:rPr lang="en-US" dirty="0"/>
+              <a:t>Previous Work: Uncharted 2’s Scripting Language</a:t>
+            </a:r>
+          </a:p>
+        </p:txBody>
+      </p:sp>
+      <p:sp>
+        <p:nvSpPr>
+          <p:cNvPr id="3" name="Content Placeholder 2">
+            <a:extLst>
+              <a:ext uri="{FF2B5EF4-FFF2-40B4-BE49-F238E27FC236}">
+                <a16:creationId xmlns:a16="http://schemas.microsoft.com/office/drawing/2014/main" id="{FAB703EF-2F23-4B3C-AA20-46260B6B006C}"/>
+              </a:ext>
+            </a:extLst>
+          </p:cNvPr>
+          <p:cNvSpPr>
+            <a:spLocks noGrp="1"/>
+          </p:cNvSpPr>
+          <p:nvPr>
+            <p:ph idx="1"/>
+          </p:nvPr>
+        </p:nvSpPr>
+        <p:spPr>
+          <a:xfrm>
+            <a:off x="1833967" y="2057400"/>
+            <a:ext cx="5293664" cy="4038600"/>
+          </a:xfrm>
+        </p:spPr>
+        <p:txBody>
+          <a:bodyPr>
+            <a:normAutofit/>
+          </a:bodyPr>
+          <a:lstStyle/>
+          <a:p>
+            <a:r>
+              <a:rPr lang="en-US" dirty="0"/>
+              <a:t>Each script defines a finite state machine and is associated with one game object [14]. </a:t>
+            </a:r>
+          </a:p>
+          <a:p>
+            <a:r>
+              <a:rPr lang="en-US" dirty="0"/>
+              <a:t>Key functionality [14]</a:t>
+            </a:r>
+          </a:p>
+          <a:p>
+            <a:pPr lvl="1"/>
+            <a:r>
+              <a:rPr lang="en-US" dirty="0"/>
+              <a:t>Define attributes and states</a:t>
+            </a:r>
+          </a:p>
+          <a:p>
+            <a:pPr lvl="1"/>
+            <a:r>
+              <a:rPr lang="en-US" dirty="0"/>
+              <a:t>Update function</a:t>
+            </a:r>
+          </a:p>
+          <a:p>
+            <a:pPr lvl="1"/>
+            <a:r>
+              <a:rPr lang="en-US" dirty="0"/>
+              <a:t>Respond to events</a:t>
+            </a:r>
+          </a:p>
+          <a:p>
+            <a:pPr lvl="1"/>
+            <a:r>
+              <a:rPr lang="en-US" dirty="0"/>
+              <a:t>State transitional actions [14]</a:t>
+            </a:r>
+          </a:p>
+          <a:p>
+            <a:r>
+              <a:rPr lang="en-US" dirty="0"/>
+              <a:t>The language uses a register-based VM and supports multi-threading using tracks [14]. </a:t>
+            </a:r>
+          </a:p>
+        </p:txBody>
+      </p:sp>
+      <p:sp>
+        <p:nvSpPr>
+          <p:cNvPr id="4" name="TextBox 3">
+            <a:extLst>
+              <a:ext uri="{FF2B5EF4-FFF2-40B4-BE49-F238E27FC236}">
+                <a16:creationId xmlns:a16="http://schemas.microsoft.com/office/drawing/2014/main" id="{A12BD9C5-99E7-47EF-8232-B34D4C5F7531}"/>
+              </a:ext>
+            </a:extLst>
+          </p:cNvPr>
+          <p:cNvSpPr txBox="1"/>
+          <p:nvPr/>
+        </p:nvSpPr>
+        <p:spPr>
+          <a:xfrm>
+            <a:off x="226646" y="220785"/>
+            <a:ext cx="1258277" cy="2308324"/>
+          </a:xfrm>
+          <a:prstGeom prst="rect">
+            <a:avLst/>
+          </a:prstGeom>
+          <a:noFill/>
+        </p:spPr>
+        <p:txBody>
+          <a:bodyPr wrap="square" rtlCol="0">
+            <a:spAutoFit/>
+          </a:bodyPr>
+          <a:lstStyle/>
+          <a:p>
+            <a:r>
+              <a:rPr lang="en-US" sz="1200" dirty="0">
+                <a:solidFill>
+                  <a:schemeClr val="accent1"/>
+                </a:solidFill>
+              </a:rPr>
+              <a:t>Introduction</a:t>
+            </a:r>
+          </a:p>
+          <a:p>
+            <a:r>
+              <a:rPr lang="en-US" sz="1200" dirty="0">
+                <a:solidFill>
+                  <a:schemeClr val="accent1"/>
+                </a:solidFill>
+              </a:rPr>
+              <a:t>Scope</a:t>
+            </a:r>
+          </a:p>
+          <a:p>
+            <a:r>
+              <a:rPr lang="en-US" sz="1200" dirty="0">
+                <a:solidFill>
+                  <a:schemeClr val="accent1"/>
+                </a:solidFill>
+              </a:rPr>
+              <a:t>Schedule</a:t>
+            </a:r>
+          </a:p>
+          <a:p>
+            <a:r>
+              <a:rPr lang="en-US" sz="1200" dirty="0">
+                <a:solidFill>
+                  <a:schemeClr val="accent1"/>
+                </a:solidFill>
+              </a:rPr>
+              <a:t>Theory</a:t>
+            </a:r>
+          </a:p>
+          <a:p>
+            <a:r>
+              <a:rPr lang="en-US" sz="1200" b="1" dirty="0">
+                <a:solidFill>
+                  <a:schemeClr val="accent1"/>
+                </a:solidFill>
+              </a:rPr>
+              <a:t>Previous Work</a:t>
+            </a:r>
+          </a:p>
+          <a:p>
+            <a:r>
+              <a:rPr lang="en-US" sz="1200" dirty="0">
+                <a:solidFill>
+                  <a:schemeClr val="accent1"/>
+                </a:solidFill>
+              </a:rPr>
+              <a:t>Artifact</a:t>
+            </a:r>
+          </a:p>
+          <a:p>
+            <a:r>
+              <a:rPr lang="en-US" sz="1200" dirty="0">
+                <a:solidFill>
+                  <a:schemeClr val="accent1"/>
+                </a:solidFill>
+              </a:rPr>
+              <a:t>Implementation</a:t>
+            </a:r>
+          </a:p>
+          <a:p>
+            <a:r>
+              <a:rPr lang="en-US" sz="1200" dirty="0">
+                <a:solidFill>
+                  <a:schemeClr val="accent1"/>
+                </a:solidFill>
+              </a:rPr>
+              <a:t>Architecture</a:t>
+            </a:r>
+          </a:p>
+          <a:p>
+            <a:r>
+              <a:rPr lang="en-US" sz="1200" dirty="0">
+                <a:solidFill>
+                  <a:schemeClr val="accent1"/>
+                </a:solidFill>
+              </a:rPr>
+              <a:t>Syntax</a:t>
+            </a:r>
+          </a:p>
+          <a:p>
+            <a:r>
+              <a:rPr lang="en-US" sz="1200" dirty="0">
+                <a:solidFill>
+                  <a:schemeClr val="accent1"/>
+                </a:solidFill>
+              </a:rPr>
+              <a:t>User Feedback</a:t>
+            </a:r>
+          </a:p>
+          <a:p>
+            <a:r>
+              <a:rPr lang="en-US" sz="1200" dirty="0">
+                <a:solidFill>
+                  <a:schemeClr val="accent1"/>
+                </a:solidFill>
+              </a:rPr>
+              <a:t>Profiling Results</a:t>
+            </a:r>
+          </a:p>
+          <a:p>
+            <a:r>
+              <a:rPr lang="en-US" sz="1200" dirty="0">
+                <a:solidFill>
+                  <a:schemeClr val="accent1"/>
+                </a:solidFill>
+              </a:rPr>
+              <a:t>Bibliography</a:t>
+            </a:r>
+          </a:p>
+        </p:txBody>
+      </p:sp>
+    </p:spTree>
+    <p:extLst>
+      <p:ext uri="{BB962C8B-B14F-4D97-AF65-F5344CB8AC3E}">
+        <p14:creationId xmlns:p14="http://schemas.microsoft.com/office/powerpoint/2010/main" val="3507679633"/>
+      </p:ext>
+    </p:extLst>
+  </p:cSld>
+  <p:clrMapOvr>
+    <a:masterClrMapping/>
+  </p:clrMapOvr>
+</p:sld>
+</file>
+
+<file path=ppt/slides/slide17.xml><?xml version="1.0" encoding="utf-8"?>
+<p:sld xmlns:a="http://schemas.openxmlformats.org/drawingml/2006/main" xmlns:r="http://schemas.openxmlformats.org/officeDocument/2006/relationships" xmlns:p="http://schemas.openxmlformats.org/presentationml/2006/main">
+  <p:cSld>
+    <p:spTree>
+      <p:nvGrpSpPr>
+        <p:cNvPr id="1" name=""/>
+        <p:cNvGrpSpPr/>
+        <p:nvPr/>
+      </p:nvGrpSpPr>
+      <p:grpSpPr>
+        <a:xfrm>
+          <a:off x="0" y="0"/>
+          <a:ext cx="0" cy="0"/>
+          <a:chOff x="0" y="0"/>
+          <a:chExt cx="0" cy="0"/>
+        </a:xfrm>
+      </p:grpSpPr>
+      <p:sp>
+        <p:nvSpPr>
+          <p:cNvPr id="2" name="Title 1">
+            <a:extLst>
+              <a:ext uri="{FF2B5EF4-FFF2-40B4-BE49-F238E27FC236}">
+                <a16:creationId xmlns:a16="http://schemas.microsoft.com/office/drawing/2014/main" id="{AB08E390-2175-47D2-B7B1-3FA32E25A35B}"/>
+              </a:ext>
+            </a:extLst>
+          </p:cNvPr>
+          <p:cNvSpPr>
+            <a:spLocks noGrp="1"/>
+          </p:cNvSpPr>
+          <p:nvPr>
+            <p:ph type="title"/>
+          </p:nvPr>
+        </p:nvSpPr>
+        <p:spPr>
+          <a:xfrm>
+            <a:off x="1836616" y="609600"/>
+            <a:ext cx="9181904" cy="1356360"/>
+          </a:xfrm>
+        </p:spPr>
+        <p:txBody>
+          <a:bodyPr/>
+          <a:lstStyle/>
+          <a:p>
+            <a:r>
+              <a:rPr lang="en-US" dirty="0"/>
+              <a:t>Out of Scope</a:t>
+            </a:r>
+          </a:p>
+        </p:txBody>
+      </p:sp>
+      <p:sp>
+        <p:nvSpPr>
+          <p:cNvPr id="3" name="Content Placeholder 2">
+            <a:extLst>
+              <a:ext uri="{FF2B5EF4-FFF2-40B4-BE49-F238E27FC236}">
+                <a16:creationId xmlns:a16="http://schemas.microsoft.com/office/drawing/2014/main" id="{FAB703EF-2F23-4B3C-AA20-46260B6B006C}"/>
+              </a:ext>
+            </a:extLst>
+          </p:cNvPr>
+          <p:cNvSpPr>
+            <a:spLocks noGrp="1"/>
+          </p:cNvSpPr>
+          <p:nvPr>
+            <p:ph idx="1"/>
+          </p:nvPr>
+        </p:nvSpPr>
+        <p:spPr>
+          <a:xfrm>
+            <a:off x="1833967" y="2057400"/>
+            <a:ext cx="5293664" cy="4038600"/>
+          </a:xfrm>
+        </p:spPr>
+        <p:txBody>
+          <a:bodyPr>
+            <a:normAutofit/>
+          </a:bodyPr>
+          <a:lstStyle/>
+          <a:p>
+            <a:r>
+              <a:rPr lang="en-US" dirty="0"/>
+              <a:t>Interactive Debugging</a:t>
+            </a:r>
+          </a:p>
+          <a:p>
+            <a:pPr lvl="1"/>
+            <a:r>
+              <a:rPr lang="en-US" dirty="0"/>
+              <a:t>An interactive DSL debugger would be a thesis all by itself as that is still an active area of research in computer science [15].</a:t>
+            </a:r>
+          </a:p>
+          <a:p>
+            <a:pPr lvl="1"/>
+            <a:r>
+              <a:rPr lang="en-US" dirty="0"/>
+              <a:t>DSL related errors can effectively be debugged through variable inspection [16].</a:t>
+            </a:r>
+          </a:p>
+          <a:p>
+            <a:r>
+              <a:rPr lang="en-US" dirty="0"/>
+              <a:t>Visual Scripting</a:t>
+            </a:r>
+          </a:p>
+          <a:p>
+            <a:pPr lvl="1"/>
+            <a:r>
+              <a:rPr lang="en-US" dirty="0">
+                <a:effectLst/>
+                <a:ea typeface="Calibri" panose="020F0502020204030204" pitchFamily="34" charset="0"/>
+                <a:cs typeface="Times New Roman" panose="02020603050405020304" pitchFamily="18" charset="0"/>
+              </a:rPr>
+              <a:t>Visual scripting was explored for the thesis but due to the complexity of implementing a UI node-based system it was determined to be out of scope.</a:t>
+            </a:r>
+            <a:endParaRPr lang="en-US" dirty="0"/>
+          </a:p>
+        </p:txBody>
+      </p:sp>
+      <p:sp>
+        <p:nvSpPr>
+          <p:cNvPr id="4" name="TextBox 3">
+            <a:extLst>
+              <a:ext uri="{FF2B5EF4-FFF2-40B4-BE49-F238E27FC236}">
+                <a16:creationId xmlns:a16="http://schemas.microsoft.com/office/drawing/2014/main" id="{A12BD9C5-99E7-47EF-8232-B34D4C5F7531}"/>
+              </a:ext>
+            </a:extLst>
+          </p:cNvPr>
+          <p:cNvSpPr txBox="1"/>
+          <p:nvPr/>
+        </p:nvSpPr>
+        <p:spPr>
+          <a:xfrm>
+            <a:off x="226646" y="220785"/>
+            <a:ext cx="1258277" cy="2308324"/>
+          </a:xfrm>
+          <a:prstGeom prst="rect">
+            <a:avLst/>
+          </a:prstGeom>
+          <a:noFill/>
+        </p:spPr>
+        <p:txBody>
+          <a:bodyPr wrap="square" rtlCol="0">
+            <a:spAutoFit/>
+          </a:bodyPr>
+          <a:lstStyle/>
+          <a:p>
+            <a:r>
+              <a:rPr lang="en-US" sz="1200" dirty="0">
+                <a:solidFill>
+                  <a:schemeClr val="accent1"/>
+                </a:solidFill>
+              </a:rPr>
+              <a:t>Introduction</a:t>
+            </a:r>
+          </a:p>
+          <a:p>
+            <a:r>
+              <a:rPr lang="en-US" sz="1200" dirty="0">
+                <a:solidFill>
+                  <a:schemeClr val="accent1"/>
+                </a:solidFill>
+              </a:rPr>
+              <a:t>Scope</a:t>
+            </a:r>
+          </a:p>
+          <a:p>
+            <a:r>
+              <a:rPr lang="en-US" sz="1200" dirty="0">
+                <a:solidFill>
+                  <a:schemeClr val="accent1"/>
+                </a:solidFill>
+              </a:rPr>
+              <a:t>Schedule</a:t>
+            </a:r>
+          </a:p>
+          <a:p>
+            <a:r>
+              <a:rPr lang="en-US" sz="1200" dirty="0">
+                <a:solidFill>
+                  <a:schemeClr val="accent1"/>
+                </a:solidFill>
+              </a:rPr>
+              <a:t>Theory</a:t>
+            </a:r>
+          </a:p>
+          <a:p>
+            <a:r>
+              <a:rPr lang="en-US" sz="1200" b="1" dirty="0">
+                <a:solidFill>
+                  <a:schemeClr val="accent1"/>
+                </a:solidFill>
+              </a:rPr>
+              <a:t>Previous Work</a:t>
+            </a:r>
+          </a:p>
+          <a:p>
+            <a:r>
+              <a:rPr lang="en-US" sz="1200" dirty="0">
+                <a:solidFill>
+                  <a:schemeClr val="accent1"/>
+                </a:solidFill>
+              </a:rPr>
+              <a:t>Artifact</a:t>
+            </a:r>
+          </a:p>
+          <a:p>
+            <a:r>
+              <a:rPr lang="en-US" sz="1200" dirty="0">
+                <a:solidFill>
+                  <a:schemeClr val="accent1"/>
+                </a:solidFill>
+              </a:rPr>
+              <a:t>Implementation</a:t>
+            </a:r>
+          </a:p>
+          <a:p>
+            <a:r>
+              <a:rPr lang="en-US" sz="1200" dirty="0">
+                <a:solidFill>
+                  <a:schemeClr val="accent1"/>
+                </a:solidFill>
+              </a:rPr>
+              <a:t>Architecture</a:t>
+            </a:r>
+          </a:p>
+          <a:p>
+            <a:r>
+              <a:rPr lang="en-US" sz="1200" dirty="0">
+                <a:solidFill>
+                  <a:schemeClr val="accent1"/>
+                </a:solidFill>
+              </a:rPr>
+              <a:t>Syntax</a:t>
+            </a:r>
+          </a:p>
+          <a:p>
+            <a:r>
+              <a:rPr lang="en-US" sz="1200" dirty="0">
+                <a:solidFill>
+                  <a:schemeClr val="accent1"/>
+                </a:solidFill>
+              </a:rPr>
+              <a:t>User Feedback</a:t>
+            </a:r>
+          </a:p>
+          <a:p>
+            <a:r>
+              <a:rPr lang="en-US" sz="1200" dirty="0">
+                <a:solidFill>
+                  <a:schemeClr val="accent1"/>
+                </a:solidFill>
+              </a:rPr>
+              <a:t>Profiling Results</a:t>
+            </a:r>
+          </a:p>
+          <a:p>
+            <a:r>
+              <a:rPr lang="en-US" sz="1200" dirty="0">
+                <a:solidFill>
+                  <a:schemeClr val="accent1"/>
+                </a:solidFill>
+              </a:rPr>
+              <a:t>Bibliography</a:t>
+            </a:r>
+          </a:p>
+        </p:txBody>
+      </p:sp>
+    </p:spTree>
+    <p:extLst>
+      <p:ext uri="{BB962C8B-B14F-4D97-AF65-F5344CB8AC3E}">
+        <p14:creationId xmlns:p14="http://schemas.microsoft.com/office/powerpoint/2010/main" val="262015415"/>
+      </p:ext>
+    </p:extLst>
+  </p:cSld>
+  <p:clrMapOvr>
+    <a:masterClrMapping/>
+  </p:clrMapOvr>
+</p:sld>
+</file>
+
+<file path=ppt/slides/slide18.xml><?xml version="1.0" encoding="utf-8"?>
+<p:sld xmlns:a="http://schemas.openxmlformats.org/drawingml/2006/main" xmlns:r="http://schemas.openxmlformats.org/officeDocument/2006/relationships" xmlns:p="http://schemas.openxmlformats.org/presentationml/2006/main">
+  <p:cSld>
+    <p:spTree>
+      <p:nvGrpSpPr>
+        <p:cNvPr id="1" name=""/>
+        <p:cNvGrpSpPr/>
+        <p:nvPr/>
+      </p:nvGrpSpPr>
+      <p:grpSpPr>
+        <a:xfrm>
+          <a:off x="0" y="0"/>
+          <a:ext cx="0" cy="0"/>
+          <a:chOff x="0" y="0"/>
+          <a:chExt cx="0" cy="0"/>
+        </a:xfrm>
+      </p:grpSpPr>
+      <p:sp>
+        <p:nvSpPr>
+          <p:cNvPr id="2" name="Title 1">
+            <a:extLst>
+              <a:ext uri="{FF2B5EF4-FFF2-40B4-BE49-F238E27FC236}">
+                <a16:creationId xmlns:a16="http://schemas.microsoft.com/office/drawing/2014/main" id="{AB08E390-2175-47D2-B7B1-3FA32E25A35B}"/>
+              </a:ext>
+            </a:extLst>
+          </p:cNvPr>
+          <p:cNvSpPr>
+            <a:spLocks noGrp="1"/>
+          </p:cNvSpPr>
+          <p:nvPr>
+            <p:ph type="title"/>
+          </p:nvPr>
+        </p:nvSpPr>
+        <p:spPr>
+          <a:xfrm>
+            <a:off x="1836616" y="609600"/>
+            <a:ext cx="9181904" cy="1356360"/>
+          </a:xfrm>
+        </p:spPr>
+        <p:txBody>
+          <a:bodyPr/>
+          <a:lstStyle/>
+          <a:p>
+            <a:r>
+              <a:rPr lang="en-US" dirty="0"/>
+              <a:t>Artifact</a:t>
+            </a:r>
+          </a:p>
+        </p:txBody>
+      </p:sp>
+      <p:sp>
+        <p:nvSpPr>
+          <p:cNvPr id="3" name="Content Placeholder 2">
+            <a:extLst>
+              <a:ext uri="{FF2B5EF4-FFF2-40B4-BE49-F238E27FC236}">
+                <a16:creationId xmlns:a16="http://schemas.microsoft.com/office/drawing/2014/main" id="{FAB703EF-2F23-4B3C-AA20-46260B6B006C}"/>
+              </a:ext>
+            </a:extLst>
+          </p:cNvPr>
+          <p:cNvSpPr>
+            <a:spLocks noGrp="1"/>
+          </p:cNvSpPr>
+          <p:nvPr>
+            <p:ph idx="1"/>
+          </p:nvPr>
+        </p:nvSpPr>
+        <p:spPr>
+          <a:xfrm>
+            <a:off x="1833967" y="2057400"/>
+            <a:ext cx="5293664" cy="4038600"/>
+          </a:xfrm>
+        </p:spPr>
+        <p:txBody>
+          <a:bodyPr>
+            <a:normAutofit/>
+          </a:bodyPr>
+          <a:lstStyle/>
+          <a:p>
+            <a:endParaRPr lang="en-US" dirty="0"/>
+          </a:p>
+        </p:txBody>
+      </p:sp>
+      <p:sp>
+        <p:nvSpPr>
+          <p:cNvPr id="4" name="TextBox 3">
+            <a:extLst>
+              <a:ext uri="{FF2B5EF4-FFF2-40B4-BE49-F238E27FC236}">
+                <a16:creationId xmlns:a16="http://schemas.microsoft.com/office/drawing/2014/main" id="{A12BD9C5-99E7-47EF-8232-B34D4C5F7531}"/>
+              </a:ext>
+            </a:extLst>
+          </p:cNvPr>
+          <p:cNvSpPr txBox="1"/>
+          <p:nvPr/>
+        </p:nvSpPr>
+        <p:spPr>
+          <a:xfrm>
+            <a:off x="226646" y="220785"/>
+            <a:ext cx="1258277" cy="2308324"/>
+          </a:xfrm>
+          <a:prstGeom prst="rect">
+            <a:avLst/>
+          </a:prstGeom>
+          <a:noFill/>
+        </p:spPr>
+        <p:txBody>
+          <a:bodyPr wrap="square" rtlCol="0">
+            <a:spAutoFit/>
+          </a:bodyPr>
+          <a:lstStyle/>
+          <a:p>
+            <a:r>
+              <a:rPr lang="en-US" sz="1200" dirty="0">
+                <a:solidFill>
+                  <a:schemeClr val="accent1"/>
+                </a:solidFill>
+              </a:rPr>
+              <a:t>Introduction</a:t>
+            </a:r>
+          </a:p>
+          <a:p>
+            <a:r>
+              <a:rPr lang="en-US" sz="1200" dirty="0">
+                <a:solidFill>
+                  <a:schemeClr val="accent1"/>
+                </a:solidFill>
+              </a:rPr>
+              <a:t>Scope</a:t>
+            </a:r>
+          </a:p>
+          <a:p>
+            <a:r>
+              <a:rPr lang="en-US" sz="1200" dirty="0">
+                <a:solidFill>
+                  <a:schemeClr val="accent1"/>
+                </a:solidFill>
+              </a:rPr>
+              <a:t>Schedule</a:t>
+            </a:r>
+          </a:p>
+          <a:p>
+            <a:r>
+              <a:rPr lang="en-US" sz="1200" dirty="0">
+                <a:solidFill>
+                  <a:schemeClr val="accent1"/>
+                </a:solidFill>
+              </a:rPr>
+              <a:t>Theory</a:t>
+            </a:r>
+          </a:p>
+          <a:p>
+            <a:r>
+              <a:rPr lang="en-US" sz="1200" dirty="0">
+                <a:solidFill>
+                  <a:schemeClr val="accent1"/>
+                </a:solidFill>
+              </a:rPr>
+              <a:t>Previous Work</a:t>
+            </a:r>
+          </a:p>
+          <a:p>
+            <a:r>
+              <a:rPr lang="en-US" sz="1200" b="1" dirty="0">
+                <a:solidFill>
+                  <a:schemeClr val="accent1"/>
+                </a:solidFill>
+              </a:rPr>
+              <a:t>Artifact</a:t>
+            </a:r>
+          </a:p>
+          <a:p>
+            <a:r>
+              <a:rPr lang="en-US" sz="1200" dirty="0">
+                <a:solidFill>
+                  <a:schemeClr val="accent1"/>
+                </a:solidFill>
+              </a:rPr>
+              <a:t>Implementation</a:t>
+            </a:r>
+          </a:p>
+          <a:p>
+            <a:r>
+              <a:rPr lang="en-US" sz="1200" dirty="0">
+                <a:solidFill>
+                  <a:schemeClr val="accent1"/>
+                </a:solidFill>
+              </a:rPr>
+              <a:t>Architecture</a:t>
+            </a:r>
+          </a:p>
+          <a:p>
+            <a:r>
+              <a:rPr lang="en-US" sz="1200" dirty="0">
+                <a:solidFill>
+                  <a:schemeClr val="accent1"/>
+                </a:solidFill>
+              </a:rPr>
+              <a:t>Syntax</a:t>
+            </a:r>
+          </a:p>
+          <a:p>
+            <a:r>
+              <a:rPr lang="en-US" sz="1200" dirty="0">
+                <a:solidFill>
+                  <a:schemeClr val="accent1"/>
+                </a:solidFill>
+              </a:rPr>
+              <a:t>User Feedback</a:t>
+            </a:r>
+          </a:p>
+          <a:p>
+            <a:r>
+              <a:rPr lang="en-US" sz="1200" dirty="0">
+                <a:solidFill>
+                  <a:schemeClr val="accent1"/>
+                </a:solidFill>
+              </a:rPr>
+              <a:t>Profiling Results</a:t>
+            </a:r>
+          </a:p>
+          <a:p>
+            <a:r>
+              <a:rPr lang="en-US" sz="1200" dirty="0">
+                <a:solidFill>
+                  <a:schemeClr val="accent1"/>
+                </a:solidFill>
+              </a:rPr>
+              <a:t>Bibliography</a:t>
+            </a:r>
+          </a:p>
+        </p:txBody>
+      </p:sp>
+    </p:spTree>
+    <p:extLst>
+      <p:ext uri="{BB962C8B-B14F-4D97-AF65-F5344CB8AC3E}">
+        <p14:creationId xmlns:p14="http://schemas.microsoft.com/office/powerpoint/2010/main" val="3758850839"/>
+      </p:ext>
+    </p:extLst>
+  </p:cSld>
+  <p:clrMapOvr>
+    <a:masterClrMapping/>
+  </p:clrMapOvr>
+</p:sld>
+</file>
+
+<file path=ppt/slides/slide19.xml><?xml version="1.0" encoding="utf-8"?>
+<p:sld xmlns:a="http://schemas.openxmlformats.org/drawingml/2006/main" xmlns:r="http://schemas.openxmlformats.org/officeDocument/2006/relationships" xmlns:p="http://schemas.openxmlformats.org/presentationml/2006/main">
+  <p:cSld>
+    <p:spTree>
+      <p:nvGrpSpPr>
+        <p:cNvPr id="1" name=""/>
+        <p:cNvGrpSpPr/>
+        <p:nvPr/>
+      </p:nvGrpSpPr>
+      <p:grpSpPr>
+        <a:xfrm>
+          <a:off x="0" y="0"/>
+          <a:ext cx="0" cy="0"/>
+          <a:chOff x="0" y="0"/>
+          <a:chExt cx="0" cy="0"/>
+        </a:xfrm>
+      </p:grpSpPr>
+      <p:sp>
+        <p:nvSpPr>
+          <p:cNvPr id="2" name="Title 1">
+            <a:extLst>
+              <a:ext uri="{FF2B5EF4-FFF2-40B4-BE49-F238E27FC236}">
+                <a16:creationId xmlns:a16="http://schemas.microsoft.com/office/drawing/2014/main" id="{AB08E390-2175-47D2-B7B1-3FA32E25A35B}"/>
+              </a:ext>
+            </a:extLst>
+          </p:cNvPr>
+          <p:cNvSpPr>
+            <a:spLocks noGrp="1"/>
+          </p:cNvSpPr>
+          <p:nvPr>
+            <p:ph type="title"/>
+          </p:nvPr>
+        </p:nvSpPr>
+        <p:spPr>
+          <a:xfrm>
+            <a:off x="1836616" y="609600"/>
+            <a:ext cx="9181904" cy="1356360"/>
+          </a:xfrm>
+        </p:spPr>
+        <p:txBody>
+          <a:bodyPr/>
+          <a:lstStyle/>
+          <a:p>
+            <a:r>
+              <a:rPr lang="en-US" dirty="0"/>
+              <a:t>Implementation</a:t>
+            </a:r>
+          </a:p>
+        </p:txBody>
+      </p:sp>
+      <p:sp>
+        <p:nvSpPr>
+          <p:cNvPr id="3" name="Content Placeholder 2">
+            <a:extLst>
+              <a:ext uri="{FF2B5EF4-FFF2-40B4-BE49-F238E27FC236}">
+                <a16:creationId xmlns:a16="http://schemas.microsoft.com/office/drawing/2014/main" id="{FAB703EF-2F23-4B3C-AA20-46260B6B006C}"/>
+              </a:ext>
+            </a:extLst>
+          </p:cNvPr>
+          <p:cNvSpPr>
+            <a:spLocks noGrp="1"/>
+          </p:cNvSpPr>
+          <p:nvPr>
+            <p:ph idx="1"/>
+          </p:nvPr>
+        </p:nvSpPr>
+        <p:spPr>
+          <a:xfrm>
+            <a:off x="1833967" y="2057400"/>
+            <a:ext cx="5293664" cy="4038600"/>
+          </a:xfrm>
+        </p:spPr>
+        <p:txBody>
+          <a:bodyPr>
+            <a:normAutofit/>
+          </a:bodyPr>
+          <a:lstStyle/>
+          <a:p>
+            <a:endParaRPr lang="en-US" dirty="0"/>
+          </a:p>
+        </p:txBody>
+      </p:sp>
+      <p:sp>
+        <p:nvSpPr>
+          <p:cNvPr id="4" name="TextBox 3">
+            <a:extLst>
+              <a:ext uri="{FF2B5EF4-FFF2-40B4-BE49-F238E27FC236}">
+                <a16:creationId xmlns:a16="http://schemas.microsoft.com/office/drawing/2014/main" id="{A12BD9C5-99E7-47EF-8232-B34D4C5F7531}"/>
+              </a:ext>
+            </a:extLst>
+          </p:cNvPr>
+          <p:cNvSpPr txBox="1"/>
+          <p:nvPr/>
+        </p:nvSpPr>
+        <p:spPr>
+          <a:xfrm>
+            <a:off x="226646" y="220785"/>
+            <a:ext cx="1258277" cy="2308324"/>
+          </a:xfrm>
+          <a:prstGeom prst="rect">
+            <a:avLst/>
+          </a:prstGeom>
+          <a:noFill/>
+        </p:spPr>
+        <p:txBody>
+          <a:bodyPr wrap="square" rtlCol="0">
+            <a:spAutoFit/>
+          </a:bodyPr>
+          <a:lstStyle/>
+          <a:p>
+            <a:r>
+              <a:rPr lang="en-US" sz="1200" dirty="0">
+                <a:solidFill>
+                  <a:schemeClr val="accent1"/>
+                </a:solidFill>
+              </a:rPr>
+              <a:t>Introduction</a:t>
+            </a:r>
+          </a:p>
+          <a:p>
+            <a:r>
+              <a:rPr lang="en-US" sz="1200" dirty="0">
+                <a:solidFill>
+                  <a:schemeClr val="accent1"/>
+                </a:solidFill>
+              </a:rPr>
+              <a:t>Scope</a:t>
+            </a:r>
+          </a:p>
+          <a:p>
+            <a:r>
+              <a:rPr lang="en-US" sz="1200" dirty="0">
+                <a:solidFill>
+                  <a:schemeClr val="accent1"/>
+                </a:solidFill>
+              </a:rPr>
+              <a:t>Schedule</a:t>
+            </a:r>
+          </a:p>
+          <a:p>
+            <a:r>
+              <a:rPr lang="en-US" sz="1200" dirty="0">
+                <a:solidFill>
+                  <a:schemeClr val="accent1"/>
+                </a:solidFill>
+              </a:rPr>
+              <a:t>Theory</a:t>
+            </a:r>
+          </a:p>
+          <a:p>
+            <a:r>
+              <a:rPr lang="en-US" sz="1200" dirty="0">
+                <a:solidFill>
+                  <a:schemeClr val="accent1"/>
+                </a:solidFill>
+              </a:rPr>
+              <a:t>Previous Work</a:t>
+            </a:r>
+          </a:p>
+          <a:p>
+            <a:r>
+              <a:rPr lang="en-US" sz="1200" dirty="0">
+                <a:solidFill>
+                  <a:schemeClr val="accent1"/>
+                </a:solidFill>
+              </a:rPr>
+              <a:t>Artifact</a:t>
+            </a:r>
+          </a:p>
+          <a:p>
+            <a:r>
+              <a:rPr lang="en-US" sz="1200" b="1" dirty="0">
+                <a:solidFill>
+                  <a:schemeClr val="accent1"/>
+                </a:solidFill>
+              </a:rPr>
+              <a:t>Implementation</a:t>
+            </a:r>
+          </a:p>
+          <a:p>
+            <a:r>
+              <a:rPr lang="en-US" sz="1200" dirty="0">
+                <a:solidFill>
+                  <a:schemeClr val="accent1"/>
+                </a:solidFill>
+              </a:rPr>
+              <a:t>Architecture</a:t>
+            </a:r>
+          </a:p>
+          <a:p>
+            <a:r>
+              <a:rPr lang="en-US" sz="1200" dirty="0">
+                <a:solidFill>
+                  <a:schemeClr val="accent1"/>
+                </a:solidFill>
+              </a:rPr>
+              <a:t>Syntax</a:t>
+            </a:r>
+          </a:p>
+          <a:p>
+            <a:r>
+              <a:rPr lang="en-US" sz="1200" dirty="0">
+                <a:solidFill>
+                  <a:schemeClr val="accent1"/>
+                </a:solidFill>
+              </a:rPr>
+              <a:t>User Feedback</a:t>
+            </a:r>
+          </a:p>
+          <a:p>
+            <a:r>
+              <a:rPr lang="en-US" sz="1200" dirty="0">
+                <a:solidFill>
+                  <a:schemeClr val="accent1"/>
+                </a:solidFill>
+              </a:rPr>
+              <a:t>Profiling Results</a:t>
+            </a:r>
+          </a:p>
+          <a:p>
+            <a:r>
+              <a:rPr lang="en-US" sz="1200" dirty="0">
+                <a:solidFill>
+                  <a:schemeClr val="accent1"/>
+                </a:solidFill>
+              </a:rPr>
+              <a:t>Bibliography</a:t>
+            </a:r>
+          </a:p>
+        </p:txBody>
+      </p:sp>
+    </p:spTree>
+    <p:extLst>
+      <p:ext uri="{BB962C8B-B14F-4D97-AF65-F5344CB8AC3E}">
+        <p14:creationId xmlns:p14="http://schemas.microsoft.com/office/powerpoint/2010/main" val="2841002354"/>
       </p:ext>
     </p:extLst>
   </p:cSld>
@@ -4542,7 +6237,7 @@
         <p:spPr>
           <a:xfrm>
             <a:off x="226646" y="220785"/>
-            <a:ext cx="1258277" cy="2031325"/>
+            <a:ext cx="1258277" cy="2308324"/>
           </a:xfrm>
           <a:prstGeom prst="rect">
             <a:avLst/>
@@ -4556,7 +6251,7 @@
           <a:lstStyle/>
           <a:p>
             <a:r>
-              <a:rPr lang="en-US" sz="1050" b="1" dirty="0">
+              <a:rPr lang="en-US" sz="1200" b="1" dirty="0">
                 <a:solidFill>
                   <a:schemeClr val="accent1"/>
                 </a:solidFill>
@@ -4566,7 +6261,7 @@
           </a:p>
           <a:p>
             <a:r>
-              <a:rPr lang="en-US" sz="1050" dirty="0">
+              <a:rPr lang="en-US" sz="1200" dirty="0">
                 <a:solidFill>
                   <a:schemeClr val="accent1"/>
                 </a:solidFill>
@@ -4576,7 +6271,7 @@
           </a:p>
           <a:p>
             <a:r>
-              <a:rPr lang="en-US" sz="1050" dirty="0">
+              <a:rPr lang="en-US" sz="1200" dirty="0">
                 <a:solidFill>
                   <a:schemeClr val="accent1"/>
                 </a:solidFill>
@@ -4586,7 +6281,7 @@
           </a:p>
           <a:p>
             <a:r>
-              <a:rPr lang="en-US" sz="1050" dirty="0">
+              <a:rPr lang="en-US" sz="1200" dirty="0">
                 <a:solidFill>
                   <a:schemeClr val="accent1"/>
                 </a:solidFill>
@@ -4596,7 +6291,7 @@
           </a:p>
           <a:p>
             <a:r>
-              <a:rPr lang="en-US" sz="1050" dirty="0">
+              <a:rPr lang="en-US" sz="1200" dirty="0">
                 <a:solidFill>
                   <a:schemeClr val="accent1"/>
                 </a:solidFill>
@@ -4606,7 +6301,7 @@
           </a:p>
           <a:p>
             <a:r>
-              <a:rPr lang="en-US" sz="1050" dirty="0">
+              <a:rPr lang="en-US" sz="1200" dirty="0">
                 <a:solidFill>
                   <a:schemeClr val="accent1"/>
                 </a:solidFill>
@@ -4616,7 +6311,7 @@
           </a:p>
           <a:p>
             <a:r>
-              <a:rPr lang="en-US" sz="1050" dirty="0">
+              <a:rPr lang="en-US" sz="1200" dirty="0">
                 <a:solidFill>
                   <a:schemeClr val="accent1"/>
                 </a:solidFill>
@@ -4626,7 +6321,7 @@
           </a:p>
           <a:p>
             <a:r>
-              <a:rPr lang="en-US" sz="1050" dirty="0">
+              <a:rPr lang="en-US" sz="1200" dirty="0">
                 <a:solidFill>
                   <a:schemeClr val="accent1"/>
                 </a:solidFill>
@@ -4636,7 +6331,7 @@
           </a:p>
           <a:p>
             <a:r>
-              <a:rPr lang="en-US" sz="1050" dirty="0">
+              <a:rPr lang="en-US" sz="1200" dirty="0">
                 <a:solidFill>
                   <a:schemeClr val="accent1"/>
                 </a:solidFill>
@@ -4646,17 +6341,17 @@
           </a:p>
           <a:p>
             <a:r>
-              <a:rPr lang="en-US" sz="1050" dirty="0">
-                <a:solidFill>
-                  <a:schemeClr val="accent1"/>
-                </a:solidFill>
-              </a:rPr>
-              <a:t>Playtest Results</a:t>
-            </a:r>
-          </a:p>
-          <a:p>
-            <a:r>
-              <a:rPr lang="en-US" sz="1050" dirty="0">
+              <a:rPr lang="en-US" sz="1200" dirty="0">
+                <a:solidFill>
+                  <a:schemeClr val="accent1"/>
+                </a:solidFill>
+              </a:rPr>
+              <a:t>User Feedback</a:t>
+            </a:r>
+          </a:p>
+          <a:p>
+            <a:r>
+              <a:rPr lang="en-US" sz="1200" dirty="0">
                 <a:solidFill>
                   <a:schemeClr val="accent1"/>
                 </a:solidFill>
@@ -4666,7 +6361,7 @@
           </a:p>
           <a:p>
             <a:r>
-              <a:rPr lang="en-US" sz="1050" dirty="0">
+              <a:rPr lang="en-US" sz="1200" dirty="0">
                 <a:solidFill>
                   <a:schemeClr val="accent1"/>
                 </a:solidFill>
@@ -4719,6 +6414,2303 @@
 </p:sld>
 </file>
 
+<file path=ppt/slides/slide20.xml><?xml version="1.0" encoding="utf-8"?>
+<p:sld xmlns:a="http://schemas.openxmlformats.org/drawingml/2006/main" xmlns:r="http://schemas.openxmlformats.org/officeDocument/2006/relationships" xmlns:p="http://schemas.openxmlformats.org/presentationml/2006/main">
+  <p:cSld>
+    <p:spTree>
+      <p:nvGrpSpPr>
+        <p:cNvPr id="1" name=""/>
+        <p:cNvGrpSpPr/>
+        <p:nvPr/>
+      </p:nvGrpSpPr>
+      <p:grpSpPr>
+        <a:xfrm>
+          <a:off x="0" y="0"/>
+          <a:ext cx="0" cy="0"/>
+          <a:chOff x="0" y="0"/>
+          <a:chExt cx="0" cy="0"/>
+        </a:xfrm>
+      </p:grpSpPr>
+      <p:sp>
+        <p:nvSpPr>
+          <p:cNvPr id="2" name="Title 1">
+            <a:extLst>
+              <a:ext uri="{FF2B5EF4-FFF2-40B4-BE49-F238E27FC236}">
+                <a16:creationId xmlns:a16="http://schemas.microsoft.com/office/drawing/2014/main" id="{AB08E390-2175-47D2-B7B1-3FA32E25A35B}"/>
+              </a:ext>
+            </a:extLst>
+          </p:cNvPr>
+          <p:cNvSpPr>
+            <a:spLocks noGrp="1"/>
+          </p:cNvSpPr>
+          <p:nvPr>
+            <p:ph type="title"/>
+          </p:nvPr>
+        </p:nvSpPr>
+        <p:spPr>
+          <a:xfrm>
+            <a:off x="1836616" y="609600"/>
+            <a:ext cx="9181904" cy="1356360"/>
+          </a:xfrm>
+        </p:spPr>
+        <p:txBody>
+          <a:bodyPr/>
+          <a:lstStyle/>
+          <a:p>
+            <a:r>
+              <a:rPr lang="en-US" dirty="0"/>
+              <a:t>Compiler</a:t>
+            </a:r>
+          </a:p>
+        </p:txBody>
+      </p:sp>
+      <p:sp>
+        <p:nvSpPr>
+          <p:cNvPr id="3" name="Content Placeholder 2">
+            <a:extLst>
+              <a:ext uri="{FF2B5EF4-FFF2-40B4-BE49-F238E27FC236}">
+                <a16:creationId xmlns:a16="http://schemas.microsoft.com/office/drawing/2014/main" id="{FAB703EF-2F23-4B3C-AA20-46260B6B006C}"/>
+              </a:ext>
+            </a:extLst>
+          </p:cNvPr>
+          <p:cNvSpPr>
+            <a:spLocks noGrp="1"/>
+          </p:cNvSpPr>
+          <p:nvPr>
+            <p:ph idx="1"/>
+          </p:nvPr>
+        </p:nvSpPr>
+        <p:spPr>
+          <a:xfrm>
+            <a:off x="1833967" y="2057400"/>
+            <a:ext cx="5293664" cy="4038600"/>
+          </a:xfrm>
+        </p:spPr>
+        <p:txBody>
+          <a:bodyPr>
+            <a:normAutofit/>
+          </a:bodyPr>
+          <a:lstStyle/>
+          <a:p>
+            <a:r>
+              <a:rPr lang="en-US" dirty="0"/>
+              <a:t>Scanner</a:t>
+            </a:r>
+          </a:p>
+          <a:p>
+            <a:r>
+              <a:rPr lang="en-US" dirty="0"/>
+              <a:t>Parser</a:t>
+            </a:r>
+          </a:p>
+          <a:p>
+            <a:r>
+              <a:rPr lang="en-US" dirty="0"/>
+              <a:t>Error handling</a:t>
+            </a:r>
+          </a:p>
+          <a:p>
+            <a:r>
+              <a:rPr lang="en-US" dirty="0"/>
+              <a:t>Hot Reloading</a:t>
+            </a:r>
+          </a:p>
+        </p:txBody>
+      </p:sp>
+      <p:sp>
+        <p:nvSpPr>
+          <p:cNvPr id="4" name="TextBox 3">
+            <a:extLst>
+              <a:ext uri="{FF2B5EF4-FFF2-40B4-BE49-F238E27FC236}">
+                <a16:creationId xmlns:a16="http://schemas.microsoft.com/office/drawing/2014/main" id="{A12BD9C5-99E7-47EF-8232-B34D4C5F7531}"/>
+              </a:ext>
+            </a:extLst>
+          </p:cNvPr>
+          <p:cNvSpPr txBox="1"/>
+          <p:nvPr/>
+        </p:nvSpPr>
+        <p:spPr>
+          <a:xfrm>
+            <a:off x="226646" y="220785"/>
+            <a:ext cx="1258277" cy="2308324"/>
+          </a:xfrm>
+          <a:prstGeom prst="rect">
+            <a:avLst/>
+          </a:prstGeom>
+          <a:noFill/>
+        </p:spPr>
+        <p:txBody>
+          <a:bodyPr wrap="square" rtlCol="0">
+            <a:spAutoFit/>
+          </a:bodyPr>
+          <a:lstStyle/>
+          <a:p>
+            <a:r>
+              <a:rPr lang="en-US" sz="1200" dirty="0">
+                <a:solidFill>
+                  <a:schemeClr val="accent1"/>
+                </a:solidFill>
+              </a:rPr>
+              <a:t>Introduction</a:t>
+            </a:r>
+          </a:p>
+          <a:p>
+            <a:r>
+              <a:rPr lang="en-US" sz="1200" dirty="0">
+                <a:solidFill>
+                  <a:schemeClr val="accent1"/>
+                </a:solidFill>
+              </a:rPr>
+              <a:t>Scope</a:t>
+            </a:r>
+          </a:p>
+          <a:p>
+            <a:r>
+              <a:rPr lang="en-US" sz="1200" dirty="0">
+                <a:solidFill>
+                  <a:schemeClr val="accent1"/>
+                </a:solidFill>
+              </a:rPr>
+              <a:t>Schedule</a:t>
+            </a:r>
+          </a:p>
+          <a:p>
+            <a:r>
+              <a:rPr lang="en-US" sz="1200" dirty="0">
+                <a:solidFill>
+                  <a:schemeClr val="accent1"/>
+                </a:solidFill>
+              </a:rPr>
+              <a:t>Theory</a:t>
+            </a:r>
+          </a:p>
+          <a:p>
+            <a:r>
+              <a:rPr lang="en-US" sz="1200" dirty="0">
+                <a:solidFill>
+                  <a:schemeClr val="accent1"/>
+                </a:solidFill>
+              </a:rPr>
+              <a:t>Previous Work</a:t>
+            </a:r>
+          </a:p>
+          <a:p>
+            <a:r>
+              <a:rPr lang="en-US" sz="1200" dirty="0">
+                <a:solidFill>
+                  <a:schemeClr val="accent1"/>
+                </a:solidFill>
+              </a:rPr>
+              <a:t>Artifact</a:t>
+            </a:r>
+          </a:p>
+          <a:p>
+            <a:r>
+              <a:rPr lang="en-US" sz="1200" b="1" dirty="0">
+                <a:solidFill>
+                  <a:schemeClr val="accent1"/>
+                </a:solidFill>
+              </a:rPr>
+              <a:t>Implementation</a:t>
+            </a:r>
+          </a:p>
+          <a:p>
+            <a:r>
+              <a:rPr lang="en-US" sz="1200" dirty="0">
+                <a:solidFill>
+                  <a:schemeClr val="accent1"/>
+                </a:solidFill>
+              </a:rPr>
+              <a:t>Architecture</a:t>
+            </a:r>
+          </a:p>
+          <a:p>
+            <a:r>
+              <a:rPr lang="en-US" sz="1200" dirty="0">
+                <a:solidFill>
+                  <a:schemeClr val="accent1"/>
+                </a:solidFill>
+              </a:rPr>
+              <a:t>Syntax</a:t>
+            </a:r>
+          </a:p>
+          <a:p>
+            <a:r>
+              <a:rPr lang="en-US" sz="1200" dirty="0">
+                <a:solidFill>
+                  <a:schemeClr val="accent1"/>
+                </a:solidFill>
+              </a:rPr>
+              <a:t>User Feedback</a:t>
+            </a:r>
+          </a:p>
+          <a:p>
+            <a:r>
+              <a:rPr lang="en-US" sz="1200" dirty="0">
+                <a:solidFill>
+                  <a:schemeClr val="accent1"/>
+                </a:solidFill>
+              </a:rPr>
+              <a:t>Profiling Results</a:t>
+            </a:r>
+          </a:p>
+          <a:p>
+            <a:r>
+              <a:rPr lang="en-US" sz="1200" dirty="0">
+                <a:solidFill>
+                  <a:schemeClr val="accent1"/>
+                </a:solidFill>
+              </a:rPr>
+              <a:t>Bibliography</a:t>
+            </a:r>
+          </a:p>
+        </p:txBody>
+      </p:sp>
+    </p:spTree>
+    <p:extLst>
+      <p:ext uri="{BB962C8B-B14F-4D97-AF65-F5344CB8AC3E}">
+        <p14:creationId xmlns:p14="http://schemas.microsoft.com/office/powerpoint/2010/main" val="3742795274"/>
+      </p:ext>
+    </p:extLst>
+  </p:cSld>
+  <p:clrMapOvr>
+    <a:masterClrMapping/>
+  </p:clrMapOvr>
+</p:sld>
+</file>
+
+<file path=ppt/slides/slide21.xml><?xml version="1.0" encoding="utf-8"?>
+<p:sld xmlns:a="http://schemas.openxmlformats.org/drawingml/2006/main" xmlns:r="http://schemas.openxmlformats.org/officeDocument/2006/relationships" xmlns:p="http://schemas.openxmlformats.org/presentationml/2006/main">
+  <p:cSld>
+    <p:spTree>
+      <p:nvGrpSpPr>
+        <p:cNvPr id="1" name=""/>
+        <p:cNvGrpSpPr/>
+        <p:nvPr/>
+      </p:nvGrpSpPr>
+      <p:grpSpPr>
+        <a:xfrm>
+          <a:off x="0" y="0"/>
+          <a:ext cx="0" cy="0"/>
+          <a:chOff x="0" y="0"/>
+          <a:chExt cx="0" cy="0"/>
+        </a:xfrm>
+      </p:grpSpPr>
+      <p:sp>
+        <p:nvSpPr>
+          <p:cNvPr id="2" name="Title 1">
+            <a:extLst>
+              <a:ext uri="{FF2B5EF4-FFF2-40B4-BE49-F238E27FC236}">
+                <a16:creationId xmlns:a16="http://schemas.microsoft.com/office/drawing/2014/main" id="{AB08E390-2175-47D2-B7B1-3FA32E25A35B}"/>
+              </a:ext>
+            </a:extLst>
+          </p:cNvPr>
+          <p:cNvSpPr>
+            <a:spLocks noGrp="1"/>
+          </p:cNvSpPr>
+          <p:nvPr>
+            <p:ph type="title"/>
+          </p:nvPr>
+        </p:nvSpPr>
+        <p:spPr>
+          <a:xfrm>
+            <a:off x="1836616" y="609600"/>
+            <a:ext cx="9181904" cy="1356360"/>
+          </a:xfrm>
+        </p:spPr>
+        <p:txBody>
+          <a:bodyPr/>
+          <a:lstStyle/>
+          <a:p>
+            <a:r>
+              <a:rPr lang="en-US" dirty="0"/>
+              <a:t>Virtual Machine</a:t>
+            </a:r>
+          </a:p>
+        </p:txBody>
+      </p:sp>
+      <p:sp>
+        <p:nvSpPr>
+          <p:cNvPr id="3" name="Content Placeholder 2">
+            <a:extLst>
+              <a:ext uri="{FF2B5EF4-FFF2-40B4-BE49-F238E27FC236}">
+                <a16:creationId xmlns:a16="http://schemas.microsoft.com/office/drawing/2014/main" id="{FAB703EF-2F23-4B3C-AA20-46260B6B006C}"/>
+              </a:ext>
+            </a:extLst>
+          </p:cNvPr>
+          <p:cNvSpPr>
+            <a:spLocks noGrp="1"/>
+          </p:cNvSpPr>
+          <p:nvPr>
+            <p:ph idx="1"/>
+          </p:nvPr>
+        </p:nvSpPr>
+        <p:spPr>
+          <a:xfrm>
+            <a:off x="1833967" y="2057400"/>
+            <a:ext cx="5293664" cy="4038600"/>
+          </a:xfrm>
+        </p:spPr>
+        <p:txBody>
+          <a:bodyPr>
+            <a:normAutofit/>
+          </a:bodyPr>
+          <a:lstStyle/>
+          <a:p>
+            <a:r>
+              <a:rPr lang="en-US" dirty="0"/>
+              <a:t>Bytecode generation</a:t>
+            </a:r>
+          </a:p>
+          <a:p>
+            <a:r>
+              <a:rPr lang="en-US" dirty="0"/>
+              <a:t>Stack-based interpretation</a:t>
+            </a:r>
+          </a:p>
+        </p:txBody>
+      </p:sp>
+      <p:sp>
+        <p:nvSpPr>
+          <p:cNvPr id="4" name="TextBox 3">
+            <a:extLst>
+              <a:ext uri="{FF2B5EF4-FFF2-40B4-BE49-F238E27FC236}">
+                <a16:creationId xmlns:a16="http://schemas.microsoft.com/office/drawing/2014/main" id="{A12BD9C5-99E7-47EF-8232-B34D4C5F7531}"/>
+              </a:ext>
+            </a:extLst>
+          </p:cNvPr>
+          <p:cNvSpPr txBox="1"/>
+          <p:nvPr/>
+        </p:nvSpPr>
+        <p:spPr>
+          <a:xfrm>
+            <a:off x="226646" y="220785"/>
+            <a:ext cx="1258277" cy="2308324"/>
+          </a:xfrm>
+          <a:prstGeom prst="rect">
+            <a:avLst/>
+          </a:prstGeom>
+          <a:noFill/>
+        </p:spPr>
+        <p:txBody>
+          <a:bodyPr wrap="square" rtlCol="0">
+            <a:spAutoFit/>
+          </a:bodyPr>
+          <a:lstStyle/>
+          <a:p>
+            <a:r>
+              <a:rPr lang="en-US" sz="1200" dirty="0">
+                <a:solidFill>
+                  <a:schemeClr val="accent1"/>
+                </a:solidFill>
+              </a:rPr>
+              <a:t>Introduction</a:t>
+            </a:r>
+          </a:p>
+          <a:p>
+            <a:r>
+              <a:rPr lang="en-US" sz="1200" dirty="0">
+                <a:solidFill>
+                  <a:schemeClr val="accent1"/>
+                </a:solidFill>
+              </a:rPr>
+              <a:t>Scope</a:t>
+            </a:r>
+          </a:p>
+          <a:p>
+            <a:r>
+              <a:rPr lang="en-US" sz="1200" dirty="0">
+                <a:solidFill>
+                  <a:schemeClr val="accent1"/>
+                </a:solidFill>
+              </a:rPr>
+              <a:t>Schedule</a:t>
+            </a:r>
+          </a:p>
+          <a:p>
+            <a:r>
+              <a:rPr lang="en-US" sz="1200" dirty="0">
+                <a:solidFill>
+                  <a:schemeClr val="accent1"/>
+                </a:solidFill>
+              </a:rPr>
+              <a:t>Theory</a:t>
+            </a:r>
+          </a:p>
+          <a:p>
+            <a:r>
+              <a:rPr lang="en-US" sz="1200" dirty="0">
+                <a:solidFill>
+                  <a:schemeClr val="accent1"/>
+                </a:solidFill>
+              </a:rPr>
+              <a:t>Previous Work</a:t>
+            </a:r>
+          </a:p>
+          <a:p>
+            <a:r>
+              <a:rPr lang="en-US" sz="1200" dirty="0">
+                <a:solidFill>
+                  <a:schemeClr val="accent1"/>
+                </a:solidFill>
+              </a:rPr>
+              <a:t>Artifact</a:t>
+            </a:r>
+          </a:p>
+          <a:p>
+            <a:r>
+              <a:rPr lang="en-US" sz="1200" b="1" dirty="0">
+                <a:solidFill>
+                  <a:schemeClr val="accent1"/>
+                </a:solidFill>
+              </a:rPr>
+              <a:t>Implementation</a:t>
+            </a:r>
+          </a:p>
+          <a:p>
+            <a:r>
+              <a:rPr lang="en-US" sz="1200" dirty="0">
+                <a:solidFill>
+                  <a:schemeClr val="accent1"/>
+                </a:solidFill>
+              </a:rPr>
+              <a:t>Architecture</a:t>
+            </a:r>
+          </a:p>
+          <a:p>
+            <a:r>
+              <a:rPr lang="en-US" sz="1200" dirty="0">
+                <a:solidFill>
+                  <a:schemeClr val="accent1"/>
+                </a:solidFill>
+              </a:rPr>
+              <a:t>Syntax</a:t>
+            </a:r>
+          </a:p>
+          <a:p>
+            <a:r>
+              <a:rPr lang="en-US" sz="1200" dirty="0">
+                <a:solidFill>
+                  <a:schemeClr val="accent1"/>
+                </a:solidFill>
+              </a:rPr>
+              <a:t>User Feedback</a:t>
+            </a:r>
+          </a:p>
+          <a:p>
+            <a:r>
+              <a:rPr lang="en-US" sz="1200" dirty="0">
+                <a:solidFill>
+                  <a:schemeClr val="accent1"/>
+                </a:solidFill>
+              </a:rPr>
+              <a:t>Profiling Results</a:t>
+            </a:r>
+          </a:p>
+          <a:p>
+            <a:r>
+              <a:rPr lang="en-US" sz="1200" dirty="0">
+                <a:solidFill>
+                  <a:schemeClr val="accent1"/>
+                </a:solidFill>
+              </a:rPr>
+              <a:t>Bibliography</a:t>
+            </a:r>
+          </a:p>
+        </p:txBody>
+      </p:sp>
+    </p:spTree>
+    <p:extLst>
+      <p:ext uri="{BB962C8B-B14F-4D97-AF65-F5344CB8AC3E}">
+        <p14:creationId xmlns:p14="http://schemas.microsoft.com/office/powerpoint/2010/main" val="406197098"/>
+      </p:ext>
+    </p:extLst>
+  </p:cSld>
+  <p:clrMapOvr>
+    <a:masterClrMapping/>
+  </p:clrMapOvr>
+</p:sld>
+</file>
+
+<file path=ppt/slides/slide22.xml><?xml version="1.0" encoding="utf-8"?>
+<p:sld xmlns:a="http://schemas.openxmlformats.org/drawingml/2006/main" xmlns:r="http://schemas.openxmlformats.org/officeDocument/2006/relationships" xmlns:p="http://schemas.openxmlformats.org/presentationml/2006/main">
+  <p:cSld>
+    <p:spTree>
+      <p:nvGrpSpPr>
+        <p:cNvPr id="1" name=""/>
+        <p:cNvGrpSpPr/>
+        <p:nvPr/>
+      </p:nvGrpSpPr>
+      <p:grpSpPr>
+        <a:xfrm>
+          <a:off x="0" y="0"/>
+          <a:ext cx="0" cy="0"/>
+          <a:chOff x="0" y="0"/>
+          <a:chExt cx="0" cy="0"/>
+        </a:xfrm>
+      </p:grpSpPr>
+      <p:sp>
+        <p:nvSpPr>
+          <p:cNvPr id="2" name="Title 1">
+            <a:extLst>
+              <a:ext uri="{FF2B5EF4-FFF2-40B4-BE49-F238E27FC236}">
+                <a16:creationId xmlns:a16="http://schemas.microsoft.com/office/drawing/2014/main" id="{AB08E390-2175-47D2-B7B1-3FA32E25A35B}"/>
+              </a:ext>
+            </a:extLst>
+          </p:cNvPr>
+          <p:cNvSpPr>
+            <a:spLocks noGrp="1"/>
+          </p:cNvSpPr>
+          <p:nvPr>
+            <p:ph type="title"/>
+          </p:nvPr>
+        </p:nvSpPr>
+        <p:spPr>
+          <a:xfrm>
+            <a:off x="1836616" y="609600"/>
+            <a:ext cx="9181904" cy="1356360"/>
+          </a:xfrm>
+        </p:spPr>
+        <p:txBody>
+          <a:bodyPr/>
+          <a:lstStyle/>
+          <a:p>
+            <a:r>
+              <a:rPr lang="en-US" dirty="0" err="1"/>
+              <a:t>ZephyrObject</a:t>
+            </a:r>
+            <a:endParaRPr lang="en-US" dirty="0"/>
+          </a:p>
+        </p:txBody>
+      </p:sp>
+      <p:sp>
+        <p:nvSpPr>
+          <p:cNvPr id="3" name="Content Placeholder 2">
+            <a:extLst>
+              <a:ext uri="{FF2B5EF4-FFF2-40B4-BE49-F238E27FC236}">
+                <a16:creationId xmlns:a16="http://schemas.microsoft.com/office/drawing/2014/main" id="{FAB703EF-2F23-4B3C-AA20-46260B6B006C}"/>
+              </a:ext>
+            </a:extLst>
+          </p:cNvPr>
+          <p:cNvSpPr>
+            <a:spLocks noGrp="1"/>
+          </p:cNvSpPr>
+          <p:nvPr>
+            <p:ph idx="1"/>
+          </p:nvPr>
+        </p:nvSpPr>
+        <p:spPr>
+          <a:xfrm>
+            <a:off x="1833967" y="2057400"/>
+            <a:ext cx="5293664" cy="4038600"/>
+          </a:xfrm>
+        </p:spPr>
+        <p:txBody>
+          <a:bodyPr>
+            <a:normAutofit/>
+          </a:bodyPr>
+          <a:lstStyle/>
+          <a:p>
+            <a:endParaRPr lang="en-US" dirty="0"/>
+          </a:p>
+        </p:txBody>
+      </p:sp>
+      <p:sp>
+        <p:nvSpPr>
+          <p:cNvPr id="4" name="TextBox 3">
+            <a:extLst>
+              <a:ext uri="{FF2B5EF4-FFF2-40B4-BE49-F238E27FC236}">
+                <a16:creationId xmlns:a16="http://schemas.microsoft.com/office/drawing/2014/main" id="{A12BD9C5-99E7-47EF-8232-B34D4C5F7531}"/>
+              </a:ext>
+            </a:extLst>
+          </p:cNvPr>
+          <p:cNvSpPr txBox="1"/>
+          <p:nvPr/>
+        </p:nvSpPr>
+        <p:spPr>
+          <a:xfrm>
+            <a:off x="226646" y="220785"/>
+            <a:ext cx="1258277" cy="2308324"/>
+          </a:xfrm>
+          <a:prstGeom prst="rect">
+            <a:avLst/>
+          </a:prstGeom>
+          <a:noFill/>
+        </p:spPr>
+        <p:txBody>
+          <a:bodyPr wrap="square" rtlCol="0">
+            <a:spAutoFit/>
+          </a:bodyPr>
+          <a:lstStyle/>
+          <a:p>
+            <a:r>
+              <a:rPr lang="en-US" sz="1200" dirty="0">
+                <a:solidFill>
+                  <a:schemeClr val="accent1"/>
+                </a:solidFill>
+              </a:rPr>
+              <a:t>Introduction</a:t>
+            </a:r>
+          </a:p>
+          <a:p>
+            <a:r>
+              <a:rPr lang="en-US" sz="1200" dirty="0">
+                <a:solidFill>
+                  <a:schemeClr val="accent1"/>
+                </a:solidFill>
+              </a:rPr>
+              <a:t>Scope</a:t>
+            </a:r>
+          </a:p>
+          <a:p>
+            <a:r>
+              <a:rPr lang="en-US" sz="1200" dirty="0">
+                <a:solidFill>
+                  <a:schemeClr val="accent1"/>
+                </a:solidFill>
+              </a:rPr>
+              <a:t>Schedule</a:t>
+            </a:r>
+          </a:p>
+          <a:p>
+            <a:r>
+              <a:rPr lang="en-US" sz="1200" dirty="0">
+                <a:solidFill>
+                  <a:schemeClr val="accent1"/>
+                </a:solidFill>
+              </a:rPr>
+              <a:t>Theory</a:t>
+            </a:r>
+          </a:p>
+          <a:p>
+            <a:r>
+              <a:rPr lang="en-US" sz="1200" dirty="0">
+                <a:solidFill>
+                  <a:schemeClr val="accent1"/>
+                </a:solidFill>
+              </a:rPr>
+              <a:t>Previous Work</a:t>
+            </a:r>
+          </a:p>
+          <a:p>
+            <a:r>
+              <a:rPr lang="en-US" sz="1200" dirty="0">
+                <a:solidFill>
+                  <a:schemeClr val="accent1"/>
+                </a:solidFill>
+              </a:rPr>
+              <a:t>Artifact</a:t>
+            </a:r>
+          </a:p>
+          <a:p>
+            <a:r>
+              <a:rPr lang="en-US" sz="1200" b="1" dirty="0">
+                <a:solidFill>
+                  <a:schemeClr val="accent1"/>
+                </a:solidFill>
+              </a:rPr>
+              <a:t>Implementation</a:t>
+            </a:r>
+          </a:p>
+          <a:p>
+            <a:r>
+              <a:rPr lang="en-US" sz="1200" dirty="0">
+                <a:solidFill>
+                  <a:schemeClr val="accent1"/>
+                </a:solidFill>
+              </a:rPr>
+              <a:t>Architecture</a:t>
+            </a:r>
+          </a:p>
+          <a:p>
+            <a:r>
+              <a:rPr lang="en-US" sz="1200" dirty="0">
+                <a:solidFill>
+                  <a:schemeClr val="accent1"/>
+                </a:solidFill>
+              </a:rPr>
+              <a:t>Syntax</a:t>
+            </a:r>
+          </a:p>
+          <a:p>
+            <a:r>
+              <a:rPr lang="en-US" sz="1200" dirty="0">
+                <a:solidFill>
+                  <a:schemeClr val="accent1"/>
+                </a:solidFill>
+              </a:rPr>
+              <a:t>User Feedback</a:t>
+            </a:r>
+          </a:p>
+          <a:p>
+            <a:r>
+              <a:rPr lang="en-US" sz="1200" dirty="0">
+                <a:solidFill>
+                  <a:schemeClr val="accent1"/>
+                </a:solidFill>
+              </a:rPr>
+              <a:t>Profiling Results</a:t>
+            </a:r>
+          </a:p>
+          <a:p>
+            <a:r>
+              <a:rPr lang="en-US" sz="1200" dirty="0">
+                <a:solidFill>
+                  <a:schemeClr val="accent1"/>
+                </a:solidFill>
+              </a:rPr>
+              <a:t>Bibliography</a:t>
+            </a:r>
+          </a:p>
+        </p:txBody>
+      </p:sp>
+    </p:spTree>
+    <p:extLst>
+      <p:ext uri="{BB962C8B-B14F-4D97-AF65-F5344CB8AC3E}">
+        <p14:creationId xmlns:p14="http://schemas.microsoft.com/office/powerpoint/2010/main" val="4060560029"/>
+      </p:ext>
+    </p:extLst>
+  </p:cSld>
+  <p:clrMapOvr>
+    <a:masterClrMapping/>
+  </p:clrMapOvr>
+</p:sld>
+</file>
+
+<file path=ppt/slides/slide23.xml><?xml version="1.0" encoding="utf-8"?>
+<p:sld xmlns:a="http://schemas.openxmlformats.org/drawingml/2006/main" xmlns:r="http://schemas.openxmlformats.org/officeDocument/2006/relationships" xmlns:p="http://schemas.openxmlformats.org/presentationml/2006/main">
+  <p:cSld>
+    <p:spTree>
+      <p:nvGrpSpPr>
+        <p:cNvPr id="1" name=""/>
+        <p:cNvGrpSpPr/>
+        <p:nvPr/>
+      </p:nvGrpSpPr>
+      <p:grpSpPr>
+        <a:xfrm>
+          <a:off x="0" y="0"/>
+          <a:ext cx="0" cy="0"/>
+          <a:chOff x="0" y="0"/>
+          <a:chExt cx="0" cy="0"/>
+        </a:xfrm>
+      </p:grpSpPr>
+      <p:sp>
+        <p:nvSpPr>
+          <p:cNvPr id="2" name="Title 1">
+            <a:extLst>
+              <a:ext uri="{FF2B5EF4-FFF2-40B4-BE49-F238E27FC236}">
+                <a16:creationId xmlns:a16="http://schemas.microsoft.com/office/drawing/2014/main" id="{AB08E390-2175-47D2-B7B1-3FA32E25A35B}"/>
+              </a:ext>
+            </a:extLst>
+          </p:cNvPr>
+          <p:cNvSpPr>
+            <a:spLocks noGrp="1"/>
+          </p:cNvSpPr>
+          <p:nvPr>
+            <p:ph type="title"/>
+          </p:nvPr>
+        </p:nvSpPr>
+        <p:spPr>
+          <a:xfrm>
+            <a:off x="1836616" y="609600"/>
+            <a:ext cx="9181904" cy="1356360"/>
+          </a:xfrm>
+        </p:spPr>
+        <p:txBody>
+          <a:bodyPr/>
+          <a:lstStyle/>
+          <a:p>
+            <a:r>
+              <a:rPr lang="en-US" dirty="0"/>
+              <a:t>Architecture</a:t>
+            </a:r>
+          </a:p>
+        </p:txBody>
+      </p:sp>
+      <p:sp>
+        <p:nvSpPr>
+          <p:cNvPr id="3" name="Content Placeholder 2">
+            <a:extLst>
+              <a:ext uri="{FF2B5EF4-FFF2-40B4-BE49-F238E27FC236}">
+                <a16:creationId xmlns:a16="http://schemas.microsoft.com/office/drawing/2014/main" id="{FAB703EF-2F23-4B3C-AA20-46260B6B006C}"/>
+              </a:ext>
+            </a:extLst>
+          </p:cNvPr>
+          <p:cNvSpPr>
+            <a:spLocks noGrp="1"/>
+          </p:cNvSpPr>
+          <p:nvPr>
+            <p:ph idx="1"/>
+          </p:nvPr>
+        </p:nvSpPr>
+        <p:spPr>
+          <a:xfrm>
+            <a:off x="1833967" y="2057400"/>
+            <a:ext cx="5293664" cy="4038600"/>
+          </a:xfrm>
+        </p:spPr>
+        <p:txBody>
+          <a:bodyPr>
+            <a:normAutofit/>
+          </a:bodyPr>
+          <a:lstStyle/>
+          <a:p>
+            <a:endParaRPr lang="en-US" dirty="0"/>
+          </a:p>
+        </p:txBody>
+      </p:sp>
+      <p:sp>
+        <p:nvSpPr>
+          <p:cNvPr id="4" name="TextBox 3">
+            <a:extLst>
+              <a:ext uri="{FF2B5EF4-FFF2-40B4-BE49-F238E27FC236}">
+                <a16:creationId xmlns:a16="http://schemas.microsoft.com/office/drawing/2014/main" id="{A12BD9C5-99E7-47EF-8232-B34D4C5F7531}"/>
+              </a:ext>
+            </a:extLst>
+          </p:cNvPr>
+          <p:cNvSpPr txBox="1"/>
+          <p:nvPr/>
+        </p:nvSpPr>
+        <p:spPr>
+          <a:xfrm>
+            <a:off x="226646" y="220785"/>
+            <a:ext cx="1258277" cy="2308324"/>
+          </a:xfrm>
+          <a:prstGeom prst="rect">
+            <a:avLst/>
+          </a:prstGeom>
+          <a:noFill/>
+        </p:spPr>
+        <p:txBody>
+          <a:bodyPr wrap="square" rtlCol="0">
+            <a:spAutoFit/>
+          </a:bodyPr>
+          <a:lstStyle/>
+          <a:p>
+            <a:r>
+              <a:rPr lang="en-US" sz="1200" dirty="0">
+                <a:solidFill>
+                  <a:schemeClr val="accent1"/>
+                </a:solidFill>
+              </a:rPr>
+              <a:t>Introduction</a:t>
+            </a:r>
+          </a:p>
+          <a:p>
+            <a:r>
+              <a:rPr lang="en-US" sz="1200" dirty="0">
+                <a:solidFill>
+                  <a:schemeClr val="accent1"/>
+                </a:solidFill>
+              </a:rPr>
+              <a:t>Scope</a:t>
+            </a:r>
+          </a:p>
+          <a:p>
+            <a:r>
+              <a:rPr lang="en-US" sz="1200" dirty="0">
+                <a:solidFill>
+                  <a:schemeClr val="accent1"/>
+                </a:solidFill>
+              </a:rPr>
+              <a:t>Schedule</a:t>
+            </a:r>
+          </a:p>
+          <a:p>
+            <a:r>
+              <a:rPr lang="en-US" sz="1200" dirty="0">
+                <a:solidFill>
+                  <a:schemeClr val="accent1"/>
+                </a:solidFill>
+              </a:rPr>
+              <a:t>Theory</a:t>
+            </a:r>
+          </a:p>
+          <a:p>
+            <a:r>
+              <a:rPr lang="en-US" sz="1200" dirty="0">
+                <a:solidFill>
+                  <a:schemeClr val="accent1"/>
+                </a:solidFill>
+              </a:rPr>
+              <a:t>Previous Work</a:t>
+            </a:r>
+          </a:p>
+          <a:p>
+            <a:r>
+              <a:rPr lang="en-US" sz="1200" dirty="0">
+                <a:solidFill>
+                  <a:schemeClr val="accent1"/>
+                </a:solidFill>
+              </a:rPr>
+              <a:t>Artifact</a:t>
+            </a:r>
+          </a:p>
+          <a:p>
+            <a:r>
+              <a:rPr lang="en-US" sz="1200" dirty="0">
+                <a:solidFill>
+                  <a:schemeClr val="accent1"/>
+                </a:solidFill>
+              </a:rPr>
+              <a:t>Implementation</a:t>
+            </a:r>
+          </a:p>
+          <a:p>
+            <a:r>
+              <a:rPr lang="en-US" sz="1200" b="1" dirty="0">
+                <a:solidFill>
+                  <a:schemeClr val="accent1"/>
+                </a:solidFill>
+              </a:rPr>
+              <a:t>Architecture</a:t>
+            </a:r>
+          </a:p>
+          <a:p>
+            <a:r>
+              <a:rPr lang="en-US" sz="1200" dirty="0">
+                <a:solidFill>
+                  <a:schemeClr val="accent1"/>
+                </a:solidFill>
+              </a:rPr>
+              <a:t>Syntax</a:t>
+            </a:r>
+          </a:p>
+          <a:p>
+            <a:r>
+              <a:rPr lang="en-US" sz="1200" dirty="0">
+                <a:solidFill>
+                  <a:schemeClr val="accent1"/>
+                </a:solidFill>
+              </a:rPr>
+              <a:t>User Feedback</a:t>
+            </a:r>
+          </a:p>
+          <a:p>
+            <a:r>
+              <a:rPr lang="en-US" sz="1200" dirty="0">
+                <a:solidFill>
+                  <a:schemeClr val="accent1"/>
+                </a:solidFill>
+              </a:rPr>
+              <a:t>Profiling Results</a:t>
+            </a:r>
+          </a:p>
+          <a:p>
+            <a:r>
+              <a:rPr lang="en-US" sz="1200" dirty="0">
+                <a:solidFill>
+                  <a:schemeClr val="accent1"/>
+                </a:solidFill>
+              </a:rPr>
+              <a:t>Bibliography</a:t>
+            </a:r>
+          </a:p>
+        </p:txBody>
+      </p:sp>
+    </p:spTree>
+    <p:extLst>
+      <p:ext uri="{BB962C8B-B14F-4D97-AF65-F5344CB8AC3E}">
+        <p14:creationId xmlns:p14="http://schemas.microsoft.com/office/powerpoint/2010/main" val="1107471381"/>
+      </p:ext>
+    </p:extLst>
+  </p:cSld>
+  <p:clrMapOvr>
+    <a:masterClrMapping/>
+  </p:clrMapOvr>
+</p:sld>
+</file>
+
+<file path=ppt/slides/slide24.xml><?xml version="1.0" encoding="utf-8"?>
+<p:sld xmlns:a="http://schemas.openxmlformats.org/drawingml/2006/main" xmlns:r="http://schemas.openxmlformats.org/officeDocument/2006/relationships" xmlns:p="http://schemas.openxmlformats.org/presentationml/2006/main">
+  <p:cSld>
+    <p:spTree>
+      <p:nvGrpSpPr>
+        <p:cNvPr id="1" name=""/>
+        <p:cNvGrpSpPr/>
+        <p:nvPr/>
+      </p:nvGrpSpPr>
+      <p:grpSpPr>
+        <a:xfrm>
+          <a:off x="0" y="0"/>
+          <a:ext cx="0" cy="0"/>
+          <a:chOff x="0" y="0"/>
+          <a:chExt cx="0" cy="0"/>
+        </a:xfrm>
+      </p:grpSpPr>
+      <p:sp>
+        <p:nvSpPr>
+          <p:cNvPr id="2" name="Title 1">
+            <a:extLst>
+              <a:ext uri="{FF2B5EF4-FFF2-40B4-BE49-F238E27FC236}">
+                <a16:creationId xmlns:a16="http://schemas.microsoft.com/office/drawing/2014/main" id="{AB08E390-2175-47D2-B7B1-3FA32E25A35B}"/>
+              </a:ext>
+            </a:extLst>
+          </p:cNvPr>
+          <p:cNvSpPr>
+            <a:spLocks noGrp="1"/>
+          </p:cNvSpPr>
+          <p:nvPr>
+            <p:ph type="title"/>
+          </p:nvPr>
+        </p:nvSpPr>
+        <p:spPr>
+          <a:xfrm>
+            <a:off x="1836616" y="609600"/>
+            <a:ext cx="9181904" cy="1356360"/>
+          </a:xfrm>
+        </p:spPr>
+        <p:txBody>
+          <a:bodyPr/>
+          <a:lstStyle/>
+          <a:p>
+            <a:r>
+              <a:rPr lang="en-US" dirty="0"/>
+              <a:t>Syntax</a:t>
+            </a:r>
+          </a:p>
+        </p:txBody>
+      </p:sp>
+      <p:sp>
+        <p:nvSpPr>
+          <p:cNvPr id="3" name="Content Placeholder 2">
+            <a:extLst>
+              <a:ext uri="{FF2B5EF4-FFF2-40B4-BE49-F238E27FC236}">
+                <a16:creationId xmlns:a16="http://schemas.microsoft.com/office/drawing/2014/main" id="{FAB703EF-2F23-4B3C-AA20-46260B6B006C}"/>
+              </a:ext>
+            </a:extLst>
+          </p:cNvPr>
+          <p:cNvSpPr>
+            <a:spLocks noGrp="1"/>
+          </p:cNvSpPr>
+          <p:nvPr>
+            <p:ph idx="1"/>
+          </p:nvPr>
+        </p:nvSpPr>
+        <p:spPr>
+          <a:xfrm>
+            <a:off x="1833967" y="2057400"/>
+            <a:ext cx="5293664" cy="4038600"/>
+          </a:xfrm>
+        </p:spPr>
+        <p:txBody>
+          <a:bodyPr>
+            <a:normAutofit/>
+          </a:bodyPr>
+          <a:lstStyle/>
+          <a:p>
+            <a:endParaRPr lang="en-US" dirty="0"/>
+          </a:p>
+        </p:txBody>
+      </p:sp>
+      <p:sp>
+        <p:nvSpPr>
+          <p:cNvPr id="4" name="TextBox 3">
+            <a:extLst>
+              <a:ext uri="{FF2B5EF4-FFF2-40B4-BE49-F238E27FC236}">
+                <a16:creationId xmlns:a16="http://schemas.microsoft.com/office/drawing/2014/main" id="{A12BD9C5-99E7-47EF-8232-B34D4C5F7531}"/>
+              </a:ext>
+            </a:extLst>
+          </p:cNvPr>
+          <p:cNvSpPr txBox="1"/>
+          <p:nvPr/>
+        </p:nvSpPr>
+        <p:spPr>
+          <a:xfrm>
+            <a:off x="226646" y="220785"/>
+            <a:ext cx="1258277" cy="2308324"/>
+          </a:xfrm>
+          <a:prstGeom prst="rect">
+            <a:avLst/>
+          </a:prstGeom>
+          <a:noFill/>
+        </p:spPr>
+        <p:txBody>
+          <a:bodyPr wrap="square" rtlCol="0">
+            <a:spAutoFit/>
+          </a:bodyPr>
+          <a:lstStyle/>
+          <a:p>
+            <a:r>
+              <a:rPr lang="en-US" sz="1200" dirty="0">
+                <a:solidFill>
+                  <a:schemeClr val="accent1"/>
+                </a:solidFill>
+              </a:rPr>
+              <a:t>Introduction</a:t>
+            </a:r>
+          </a:p>
+          <a:p>
+            <a:r>
+              <a:rPr lang="en-US" sz="1200" dirty="0">
+                <a:solidFill>
+                  <a:schemeClr val="accent1"/>
+                </a:solidFill>
+              </a:rPr>
+              <a:t>Scope</a:t>
+            </a:r>
+          </a:p>
+          <a:p>
+            <a:r>
+              <a:rPr lang="en-US" sz="1200" dirty="0">
+                <a:solidFill>
+                  <a:schemeClr val="accent1"/>
+                </a:solidFill>
+              </a:rPr>
+              <a:t>Schedule</a:t>
+            </a:r>
+          </a:p>
+          <a:p>
+            <a:r>
+              <a:rPr lang="en-US" sz="1200" dirty="0">
+                <a:solidFill>
+                  <a:schemeClr val="accent1"/>
+                </a:solidFill>
+              </a:rPr>
+              <a:t>Theory</a:t>
+            </a:r>
+          </a:p>
+          <a:p>
+            <a:r>
+              <a:rPr lang="en-US" sz="1200" dirty="0">
+                <a:solidFill>
+                  <a:schemeClr val="accent1"/>
+                </a:solidFill>
+              </a:rPr>
+              <a:t>Previous Work</a:t>
+            </a:r>
+          </a:p>
+          <a:p>
+            <a:r>
+              <a:rPr lang="en-US" sz="1200" dirty="0">
+                <a:solidFill>
+                  <a:schemeClr val="accent1"/>
+                </a:solidFill>
+              </a:rPr>
+              <a:t>Artifact</a:t>
+            </a:r>
+          </a:p>
+          <a:p>
+            <a:r>
+              <a:rPr lang="en-US" sz="1200" dirty="0">
+                <a:solidFill>
+                  <a:schemeClr val="accent1"/>
+                </a:solidFill>
+              </a:rPr>
+              <a:t>Implementation</a:t>
+            </a:r>
+          </a:p>
+          <a:p>
+            <a:r>
+              <a:rPr lang="en-US" sz="1200" dirty="0">
+                <a:solidFill>
+                  <a:schemeClr val="accent1"/>
+                </a:solidFill>
+              </a:rPr>
+              <a:t>Architecture</a:t>
+            </a:r>
+          </a:p>
+          <a:p>
+            <a:r>
+              <a:rPr lang="en-US" sz="1200" b="1" dirty="0">
+                <a:solidFill>
+                  <a:schemeClr val="accent1"/>
+                </a:solidFill>
+              </a:rPr>
+              <a:t>Syntax</a:t>
+            </a:r>
+          </a:p>
+          <a:p>
+            <a:r>
+              <a:rPr lang="en-US" sz="1200" dirty="0">
+                <a:solidFill>
+                  <a:schemeClr val="accent1"/>
+                </a:solidFill>
+              </a:rPr>
+              <a:t>User Feedback</a:t>
+            </a:r>
+          </a:p>
+          <a:p>
+            <a:r>
+              <a:rPr lang="en-US" sz="1200" dirty="0">
+                <a:solidFill>
+                  <a:schemeClr val="accent1"/>
+                </a:solidFill>
+              </a:rPr>
+              <a:t>Profiling Results</a:t>
+            </a:r>
+          </a:p>
+          <a:p>
+            <a:r>
+              <a:rPr lang="en-US" sz="1200" dirty="0">
+                <a:solidFill>
+                  <a:schemeClr val="accent1"/>
+                </a:solidFill>
+              </a:rPr>
+              <a:t>Bibliography</a:t>
+            </a:r>
+          </a:p>
+        </p:txBody>
+      </p:sp>
+    </p:spTree>
+    <p:extLst>
+      <p:ext uri="{BB962C8B-B14F-4D97-AF65-F5344CB8AC3E}">
+        <p14:creationId xmlns:p14="http://schemas.microsoft.com/office/powerpoint/2010/main" val="2986862166"/>
+      </p:ext>
+    </p:extLst>
+  </p:cSld>
+  <p:clrMapOvr>
+    <a:masterClrMapping/>
+  </p:clrMapOvr>
+</p:sld>
+</file>
+
+<file path=ppt/slides/slide25.xml><?xml version="1.0" encoding="utf-8"?>
+<p:sld xmlns:a="http://schemas.openxmlformats.org/drawingml/2006/main" xmlns:r="http://schemas.openxmlformats.org/officeDocument/2006/relationships" xmlns:p="http://schemas.openxmlformats.org/presentationml/2006/main">
+  <p:cSld>
+    <p:spTree>
+      <p:nvGrpSpPr>
+        <p:cNvPr id="1" name=""/>
+        <p:cNvGrpSpPr/>
+        <p:nvPr/>
+      </p:nvGrpSpPr>
+      <p:grpSpPr>
+        <a:xfrm>
+          <a:off x="0" y="0"/>
+          <a:ext cx="0" cy="0"/>
+          <a:chOff x="0" y="0"/>
+          <a:chExt cx="0" cy="0"/>
+        </a:xfrm>
+      </p:grpSpPr>
+      <p:sp>
+        <p:nvSpPr>
+          <p:cNvPr id="2" name="Title 1">
+            <a:extLst>
+              <a:ext uri="{FF2B5EF4-FFF2-40B4-BE49-F238E27FC236}">
+                <a16:creationId xmlns:a16="http://schemas.microsoft.com/office/drawing/2014/main" id="{AB08E390-2175-47D2-B7B1-3FA32E25A35B}"/>
+              </a:ext>
+            </a:extLst>
+          </p:cNvPr>
+          <p:cNvSpPr>
+            <a:spLocks noGrp="1"/>
+          </p:cNvSpPr>
+          <p:nvPr>
+            <p:ph type="title"/>
+          </p:nvPr>
+        </p:nvSpPr>
+        <p:spPr>
+          <a:xfrm>
+            <a:off x="1836616" y="609600"/>
+            <a:ext cx="9181904" cy="1356360"/>
+          </a:xfrm>
+        </p:spPr>
+        <p:txBody>
+          <a:bodyPr/>
+          <a:lstStyle/>
+          <a:p>
+            <a:r>
+              <a:rPr lang="en-US" dirty="0"/>
+              <a:t>User Feedback</a:t>
+            </a:r>
+          </a:p>
+        </p:txBody>
+      </p:sp>
+      <p:sp>
+        <p:nvSpPr>
+          <p:cNvPr id="3" name="Content Placeholder 2">
+            <a:extLst>
+              <a:ext uri="{FF2B5EF4-FFF2-40B4-BE49-F238E27FC236}">
+                <a16:creationId xmlns:a16="http://schemas.microsoft.com/office/drawing/2014/main" id="{FAB703EF-2F23-4B3C-AA20-46260B6B006C}"/>
+              </a:ext>
+            </a:extLst>
+          </p:cNvPr>
+          <p:cNvSpPr>
+            <a:spLocks noGrp="1"/>
+          </p:cNvSpPr>
+          <p:nvPr>
+            <p:ph idx="1"/>
+          </p:nvPr>
+        </p:nvSpPr>
+        <p:spPr>
+          <a:xfrm>
+            <a:off x="1833967" y="2057400"/>
+            <a:ext cx="5293664" cy="4038600"/>
+          </a:xfrm>
+        </p:spPr>
+        <p:txBody>
+          <a:bodyPr>
+            <a:normAutofit/>
+          </a:bodyPr>
+          <a:lstStyle/>
+          <a:p>
+            <a:endParaRPr lang="en-US" dirty="0"/>
+          </a:p>
+        </p:txBody>
+      </p:sp>
+      <p:sp>
+        <p:nvSpPr>
+          <p:cNvPr id="4" name="TextBox 3">
+            <a:extLst>
+              <a:ext uri="{FF2B5EF4-FFF2-40B4-BE49-F238E27FC236}">
+                <a16:creationId xmlns:a16="http://schemas.microsoft.com/office/drawing/2014/main" id="{A12BD9C5-99E7-47EF-8232-B34D4C5F7531}"/>
+              </a:ext>
+            </a:extLst>
+          </p:cNvPr>
+          <p:cNvSpPr txBox="1"/>
+          <p:nvPr/>
+        </p:nvSpPr>
+        <p:spPr>
+          <a:xfrm>
+            <a:off x="226646" y="220785"/>
+            <a:ext cx="1258277" cy="2308324"/>
+          </a:xfrm>
+          <a:prstGeom prst="rect">
+            <a:avLst/>
+          </a:prstGeom>
+          <a:noFill/>
+        </p:spPr>
+        <p:txBody>
+          <a:bodyPr wrap="square" rtlCol="0">
+            <a:spAutoFit/>
+          </a:bodyPr>
+          <a:lstStyle/>
+          <a:p>
+            <a:r>
+              <a:rPr lang="en-US" sz="1200" dirty="0">
+                <a:solidFill>
+                  <a:schemeClr val="accent1"/>
+                </a:solidFill>
+              </a:rPr>
+              <a:t>Introduction</a:t>
+            </a:r>
+          </a:p>
+          <a:p>
+            <a:r>
+              <a:rPr lang="en-US" sz="1200" dirty="0">
+                <a:solidFill>
+                  <a:schemeClr val="accent1"/>
+                </a:solidFill>
+              </a:rPr>
+              <a:t>Scope</a:t>
+            </a:r>
+          </a:p>
+          <a:p>
+            <a:r>
+              <a:rPr lang="en-US" sz="1200" dirty="0">
+                <a:solidFill>
+                  <a:schemeClr val="accent1"/>
+                </a:solidFill>
+              </a:rPr>
+              <a:t>Schedule</a:t>
+            </a:r>
+          </a:p>
+          <a:p>
+            <a:r>
+              <a:rPr lang="en-US" sz="1200" dirty="0">
+                <a:solidFill>
+                  <a:schemeClr val="accent1"/>
+                </a:solidFill>
+              </a:rPr>
+              <a:t>Theory</a:t>
+            </a:r>
+          </a:p>
+          <a:p>
+            <a:r>
+              <a:rPr lang="en-US" sz="1200" dirty="0">
+                <a:solidFill>
+                  <a:schemeClr val="accent1"/>
+                </a:solidFill>
+              </a:rPr>
+              <a:t>Previous Work</a:t>
+            </a:r>
+          </a:p>
+          <a:p>
+            <a:r>
+              <a:rPr lang="en-US" sz="1200" dirty="0">
+                <a:solidFill>
+                  <a:schemeClr val="accent1"/>
+                </a:solidFill>
+              </a:rPr>
+              <a:t>Artifact</a:t>
+            </a:r>
+          </a:p>
+          <a:p>
+            <a:r>
+              <a:rPr lang="en-US" sz="1200" dirty="0">
+                <a:solidFill>
+                  <a:schemeClr val="accent1"/>
+                </a:solidFill>
+              </a:rPr>
+              <a:t>Implementation</a:t>
+            </a:r>
+          </a:p>
+          <a:p>
+            <a:r>
+              <a:rPr lang="en-US" sz="1200" dirty="0">
+                <a:solidFill>
+                  <a:schemeClr val="accent1"/>
+                </a:solidFill>
+              </a:rPr>
+              <a:t>Architecture</a:t>
+            </a:r>
+          </a:p>
+          <a:p>
+            <a:r>
+              <a:rPr lang="en-US" sz="1200" dirty="0">
+                <a:solidFill>
+                  <a:schemeClr val="accent1"/>
+                </a:solidFill>
+              </a:rPr>
+              <a:t>Syntax</a:t>
+            </a:r>
+          </a:p>
+          <a:p>
+            <a:r>
+              <a:rPr lang="en-US" sz="1200" b="1" dirty="0">
+                <a:solidFill>
+                  <a:schemeClr val="accent1"/>
+                </a:solidFill>
+              </a:rPr>
+              <a:t>User Feedback</a:t>
+            </a:r>
+          </a:p>
+          <a:p>
+            <a:r>
+              <a:rPr lang="en-US" sz="1200" dirty="0">
+                <a:solidFill>
+                  <a:schemeClr val="accent1"/>
+                </a:solidFill>
+              </a:rPr>
+              <a:t>Profiling Results</a:t>
+            </a:r>
+          </a:p>
+          <a:p>
+            <a:r>
+              <a:rPr lang="en-US" sz="1200" dirty="0">
+                <a:solidFill>
+                  <a:schemeClr val="accent1"/>
+                </a:solidFill>
+              </a:rPr>
+              <a:t>Bibliography</a:t>
+            </a:r>
+          </a:p>
+        </p:txBody>
+      </p:sp>
+    </p:spTree>
+    <p:extLst>
+      <p:ext uri="{BB962C8B-B14F-4D97-AF65-F5344CB8AC3E}">
+        <p14:creationId xmlns:p14="http://schemas.microsoft.com/office/powerpoint/2010/main" val="2790549481"/>
+      </p:ext>
+    </p:extLst>
+  </p:cSld>
+  <p:clrMapOvr>
+    <a:masterClrMapping/>
+  </p:clrMapOvr>
+</p:sld>
+</file>
+
+<file path=ppt/slides/slide26.xml><?xml version="1.0" encoding="utf-8"?>
+<p:sld xmlns:a="http://schemas.openxmlformats.org/drawingml/2006/main" xmlns:r="http://schemas.openxmlformats.org/officeDocument/2006/relationships" xmlns:p="http://schemas.openxmlformats.org/presentationml/2006/main">
+  <p:cSld>
+    <p:spTree>
+      <p:nvGrpSpPr>
+        <p:cNvPr id="1" name=""/>
+        <p:cNvGrpSpPr/>
+        <p:nvPr/>
+      </p:nvGrpSpPr>
+      <p:grpSpPr>
+        <a:xfrm>
+          <a:off x="0" y="0"/>
+          <a:ext cx="0" cy="0"/>
+          <a:chOff x="0" y="0"/>
+          <a:chExt cx="0" cy="0"/>
+        </a:xfrm>
+      </p:grpSpPr>
+      <p:sp>
+        <p:nvSpPr>
+          <p:cNvPr id="2" name="Title 1">
+            <a:extLst>
+              <a:ext uri="{FF2B5EF4-FFF2-40B4-BE49-F238E27FC236}">
+                <a16:creationId xmlns:a16="http://schemas.microsoft.com/office/drawing/2014/main" id="{AB08E390-2175-47D2-B7B1-3FA32E25A35B}"/>
+              </a:ext>
+            </a:extLst>
+          </p:cNvPr>
+          <p:cNvSpPr>
+            <a:spLocks noGrp="1"/>
+          </p:cNvSpPr>
+          <p:nvPr>
+            <p:ph type="title"/>
+          </p:nvPr>
+        </p:nvSpPr>
+        <p:spPr>
+          <a:xfrm>
+            <a:off x="1836616" y="609600"/>
+            <a:ext cx="9181904" cy="1356360"/>
+          </a:xfrm>
+        </p:spPr>
+        <p:txBody>
+          <a:bodyPr/>
+          <a:lstStyle/>
+          <a:p>
+            <a:r>
+              <a:rPr lang="en-US" dirty="0"/>
+              <a:t>Profiling Results</a:t>
+            </a:r>
+          </a:p>
+        </p:txBody>
+      </p:sp>
+      <p:sp>
+        <p:nvSpPr>
+          <p:cNvPr id="3" name="Content Placeholder 2">
+            <a:extLst>
+              <a:ext uri="{FF2B5EF4-FFF2-40B4-BE49-F238E27FC236}">
+                <a16:creationId xmlns:a16="http://schemas.microsoft.com/office/drawing/2014/main" id="{FAB703EF-2F23-4B3C-AA20-46260B6B006C}"/>
+              </a:ext>
+            </a:extLst>
+          </p:cNvPr>
+          <p:cNvSpPr>
+            <a:spLocks noGrp="1"/>
+          </p:cNvSpPr>
+          <p:nvPr>
+            <p:ph idx="1"/>
+          </p:nvPr>
+        </p:nvSpPr>
+        <p:spPr>
+          <a:xfrm>
+            <a:off x="1833967" y="2057400"/>
+            <a:ext cx="5293664" cy="4038600"/>
+          </a:xfrm>
+        </p:spPr>
+        <p:txBody>
+          <a:bodyPr>
+            <a:normAutofit/>
+          </a:bodyPr>
+          <a:lstStyle/>
+          <a:p>
+            <a:endParaRPr lang="en-US" dirty="0"/>
+          </a:p>
+        </p:txBody>
+      </p:sp>
+      <p:sp>
+        <p:nvSpPr>
+          <p:cNvPr id="4" name="TextBox 3">
+            <a:extLst>
+              <a:ext uri="{FF2B5EF4-FFF2-40B4-BE49-F238E27FC236}">
+                <a16:creationId xmlns:a16="http://schemas.microsoft.com/office/drawing/2014/main" id="{A12BD9C5-99E7-47EF-8232-B34D4C5F7531}"/>
+              </a:ext>
+            </a:extLst>
+          </p:cNvPr>
+          <p:cNvSpPr txBox="1"/>
+          <p:nvPr/>
+        </p:nvSpPr>
+        <p:spPr>
+          <a:xfrm>
+            <a:off x="226646" y="220785"/>
+            <a:ext cx="1258277" cy="2308324"/>
+          </a:xfrm>
+          <a:prstGeom prst="rect">
+            <a:avLst/>
+          </a:prstGeom>
+          <a:noFill/>
+        </p:spPr>
+        <p:txBody>
+          <a:bodyPr wrap="square" rtlCol="0">
+            <a:spAutoFit/>
+          </a:bodyPr>
+          <a:lstStyle/>
+          <a:p>
+            <a:r>
+              <a:rPr lang="en-US" sz="1200" dirty="0">
+                <a:solidFill>
+                  <a:schemeClr val="accent1"/>
+                </a:solidFill>
+              </a:rPr>
+              <a:t>Introduction</a:t>
+            </a:r>
+          </a:p>
+          <a:p>
+            <a:r>
+              <a:rPr lang="en-US" sz="1200" dirty="0">
+                <a:solidFill>
+                  <a:schemeClr val="accent1"/>
+                </a:solidFill>
+              </a:rPr>
+              <a:t>Scope</a:t>
+            </a:r>
+          </a:p>
+          <a:p>
+            <a:r>
+              <a:rPr lang="en-US" sz="1200" dirty="0">
+                <a:solidFill>
+                  <a:schemeClr val="accent1"/>
+                </a:solidFill>
+              </a:rPr>
+              <a:t>Schedule</a:t>
+            </a:r>
+          </a:p>
+          <a:p>
+            <a:r>
+              <a:rPr lang="en-US" sz="1200" dirty="0">
+                <a:solidFill>
+                  <a:schemeClr val="accent1"/>
+                </a:solidFill>
+              </a:rPr>
+              <a:t>Theory</a:t>
+            </a:r>
+          </a:p>
+          <a:p>
+            <a:r>
+              <a:rPr lang="en-US" sz="1200" dirty="0">
+                <a:solidFill>
+                  <a:schemeClr val="accent1"/>
+                </a:solidFill>
+              </a:rPr>
+              <a:t>Previous Work</a:t>
+            </a:r>
+          </a:p>
+          <a:p>
+            <a:r>
+              <a:rPr lang="en-US" sz="1200" dirty="0">
+                <a:solidFill>
+                  <a:schemeClr val="accent1"/>
+                </a:solidFill>
+              </a:rPr>
+              <a:t>Artifact</a:t>
+            </a:r>
+          </a:p>
+          <a:p>
+            <a:r>
+              <a:rPr lang="en-US" sz="1200" dirty="0">
+                <a:solidFill>
+                  <a:schemeClr val="accent1"/>
+                </a:solidFill>
+              </a:rPr>
+              <a:t>Implementation</a:t>
+            </a:r>
+          </a:p>
+          <a:p>
+            <a:r>
+              <a:rPr lang="en-US" sz="1200" dirty="0">
+                <a:solidFill>
+                  <a:schemeClr val="accent1"/>
+                </a:solidFill>
+              </a:rPr>
+              <a:t>Architecture</a:t>
+            </a:r>
+          </a:p>
+          <a:p>
+            <a:r>
+              <a:rPr lang="en-US" sz="1200" dirty="0">
+                <a:solidFill>
+                  <a:schemeClr val="accent1"/>
+                </a:solidFill>
+              </a:rPr>
+              <a:t>Syntax</a:t>
+            </a:r>
+          </a:p>
+          <a:p>
+            <a:r>
+              <a:rPr lang="en-US" sz="1200" dirty="0">
+                <a:solidFill>
+                  <a:schemeClr val="accent1"/>
+                </a:solidFill>
+              </a:rPr>
+              <a:t>User Feedback</a:t>
+            </a:r>
+          </a:p>
+          <a:p>
+            <a:r>
+              <a:rPr lang="en-US" sz="1200" b="1" dirty="0">
+                <a:solidFill>
+                  <a:schemeClr val="accent1"/>
+                </a:solidFill>
+              </a:rPr>
+              <a:t>Profiling Results</a:t>
+            </a:r>
+          </a:p>
+          <a:p>
+            <a:r>
+              <a:rPr lang="en-US" sz="1200" dirty="0">
+                <a:solidFill>
+                  <a:schemeClr val="accent1"/>
+                </a:solidFill>
+              </a:rPr>
+              <a:t>Bibliography</a:t>
+            </a:r>
+          </a:p>
+        </p:txBody>
+      </p:sp>
+    </p:spTree>
+    <p:extLst>
+      <p:ext uri="{BB962C8B-B14F-4D97-AF65-F5344CB8AC3E}">
+        <p14:creationId xmlns:p14="http://schemas.microsoft.com/office/powerpoint/2010/main" val="4243312310"/>
+      </p:ext>
+    </p:extLst>
+  </p:cSld>
+  <p:clrMapOvr>
+    <a:masterClrMapping/>
+  </p:clrMapOvr>
+</p:sld>
+</file>
+
+<file path=ppt/slides/slide27.xml><?xml version="1.0" encoding="utf-8"?>
+<p:sld xmlns:a="http://schemas.openxmlformats.org/drawingml/2006/main" xmlns:r="http://schemas.openxmlformats.org/officeDocument/2006/relationships" xmlns:p="http://schemas.openxmlformats.org/presentationml/2006/main">
+  <p:cSld>
+    <p:spTree>
+      <p:nvGrpSpPr>
+        <p:cNvPr id="1" name=""/>
+        <p:cNvGrpSpPr/>
+        <p:nvPr/>
+      </p:nvGrpSpPr>
+      <p:grpSpPr>
+        <a:xfrm>
+          <a:off x="0" y="0"/>
+          <a:ext cx="0" cy="0"/>
+          <a:chOff x="0" y="0"/>
+          <a:chExt cx="0" cy="0"/>
+        </a:xfrm>
+      </p:grpSpPr>
+      <p:sp>
+        <p:nvSpPr>
+          <p:cNvPr id="2" name="Title 1">
+            <a:extLst>
+              <a:ext uri="{FF2B5EF4-FFF2-40B4-BE49-F238E27FC236}">
+                <a16:creationId xmlns:a16="http://schemas.microsoft.com/office/drawing/2014/main" id="{AB08E390-2175-47D2-B7B1-3FA32E25A35B}"/>
+              </a:ext>
+            </a:extLst>
+          </p:cNvPr>
+          <p:cNvSpPr>
+            <a:spLocks noGrp="1"/>
+          </p:cNvSpPr>
+          <p:nvPr>
+            <p:ph type="title"/>
+          </p:nvPr>
+        </p:nvSpPr>
+        <p:spPr>
+          <a:xfrm>
+            <a:off x="1836616" y="609600"/>
+            <a:ext cx="9181904" cy="1356360"/>
+          </a:xfrm>
+        </p:spPr>
+        <p:txBody>
+          <a:bodyPr/>
+          <a:lstStyle/>
+          <a:p>
+            <a:r>
+              <a:rPr lang="en-US" dirty="0"/>
+              <a:t>Bibliography</a:t>
+            </a:r>
+          </a:p>
+        </p:txBody>
+      </p:sp>
+      <p:sp>
+        <p:nvSpPr>
+          <p:cNvPr id="3" name="Content Placeholder 2">
+            <a:extLst>
+              <a:ext uri="{FF2B5EF4-FFF2-40B4-BE49-F238E27FC236}">
+                <a16:creationId xmlns:a16="http://schemas.microsoft.com/office/drawing/2014/main" id="{FAB703EF-2F23-4B3C-AA20-46260B6B006C}"/>
+              </a:ext>
+            </a:extLst>
+          </p:cNvPr>
+          <p:cNvSpPr>
+            <a:spLocks noGrp="1"/>
+          </p:cNvSpPr>
+          <p:nvPr>
+            <p:ph idx="1"/>
+          </p:nvPr>
+        </p:nvSpPr>
+        <p:spPr>
+          <a:xfrm>
+            <a:off x="1833967" y="2057400"/>
+            <a:ext cx="9428002" cy="4038600"/>
+          </a:xfrm>
+        </p:spPr>
+        <p:txBody>
+          <a:bodyPr>
+            <a:normAutofit/>
+          </a:bodyPr>
+          <a:lstStyle/>
+          <a:p>
+            <a:pPr>
+              <a:lnSpc>
+                <a:spcPct val="110000"/>
+              </a:lnSpc>
+              <a:spcBef>
+                <a:spcPts val="0"/>
+              </a:spcBef>
+            </a:pPr>
+            <a:r>
+              <a:rPr lang="en-US" sz="1050" dirty="0"/>
+              <a:t>[1] M. Lewis, "Sculpting a Gameplay Scripting Solution," in Game Developer's Conference, San Francisco, 2016.</a:t>
+            </a:r>
+          </a:p>
+          <a:p>
+            <a:pPr>
+              <a:lnSpc>
+                <a:spcPct val="110000"/>
+              </a:lnSpc>
+              <a:spcBef>
+                <a:spcPts val="0"/>
+              </a:spcBef>
+            </a:pPr>
+            <a:r>
+              <a:rPr lang="en-US" sz="1050" dirty="0"/>
+              <a:t>[2] The Legend of Zelda. [Nintendo Entertainment System]. Japan: Nintendo, 1985.</a:t>
+            </a:r>
+          </a:p>
+          <a:p>
+            <a:pPr>
+              <a:lnSpc>
+                <a:spcPct val="110000"/>
+              </a:lnSpc>
+              <a:spcBef>
+                <a:spcPts val="0"/>
+              </a:spcBef>
+            </a:pPr>
+            <a:r>
+              <a:rPr lang="en-US" sz="1050" dirty="0"/>
+              <a:t>[3] Dungeon Explorer. [TurboGrafx-16]. Japan: </a:t>
+            </a:r>
+            <a:r>
+              <a:rPr lang="en-US" sz="1050" dirty="0" err="1"/>
+              <a:t>Atlus</a:t>
+            </a:r>
+            <a:r>
+              <a:rPr lang="en-US" sz="1050" dirty="0"/>
+              <a:t>, 1989.</a:t>
+            </a:r>
+          </a:p>
+          <a:p>
+            <a:pPr>
+              <a:lnSpc>
+                <a:spcPct val="110000"/>
+              </a:lnSpc>
+              <a:spcBef>
+                <a:spcPts val="0"/>
+              </a:spcBef>
+            </a:pPr>
+            <a:r>
+              <a:rPr lang="en-US" sz="1050" dirty="0"/>
+              <a:t>[4] A. Desai, V. Gupta, E. Jackson, S. Qadeer, S. </a:t>
+            </a:r>
+            <a:r>
+              <a:rPr lang="en-US" sz="1050" dirty="0" err="1"/>
+              <a:t>Rajama</a:t>
+            </a:r>
+            <a:r>
+              <a:rPr lang="en-US" sz="1050" dirty="0"/>
+              <a:t> and D. </a:t>
+            </a:r>
+            <a:r>
+              <a:rPr lang="en-US" sz="1050" dirty="0" err="1"/>
+              <a:t>Zufferey</a:t>
+            </a:r>
+            <a:r>
+              <a:rPr lang="en-US" sz="1050" dirty="0"/>
+              <a:t>, "P: A Domain-Specific Language for Asynchronous Event-Driven Programming," July 2014. [Online]. Available: https://www.researchgate.net/publication/266660871_P_a_domain-specific_language_for_asynchronous_event-driven_programming_invited_talk_abstract. [Accessed 9 July 2020].</a:t>
+            </a:r>
+          </a:p>
+          <a:p>
+            <a:pPr>
+              <a:lnSpc>
+                <a:spcPct val="110000"/>
+              </a:lnSpc>
+              <a:spcBef>
+                <a:spcPts val="0"/>
+              </a:spcBef>
+            </a:pPr>
+            <a:r>
+              <a:rPr lang="en-US" sz="1050" dirty="0"/>
+              <a:t>[5] J. Gregory, "Scripting," in Game Engine Architecture, 2nd Ed., Boca Raton, Taylor &amp; Francis, 2014, pp. 954-978.</a:t>
+            </a:r>
+          </a:p>
+          <a:p>
+            <a:pPr>
+              <a:lnSpc>
+                <a:spcPct val="110000"/>
+              </a:lnSpc>
+              <a:spcBef>
+                <a:spcPts val="0"/>
+              </a:spcBef>
+            </a:pPr>
+            <a:r>
+              <a:rPr lang="en-US" sz="1050" dirty="0"/>
+              <a:t>[6] F. Tomasetti, "The complete guide to (external) Domain Specific Languages," 20 February 2017. [Online]. Available: https://tomassetti.me/domain-specific-languages/. [Accessed 11 June 2020].</a:t>
+            </a:r>
+          </a:p>
+          <a:p>
+            <a:pPr>
+              <a:lnSpc>
+                <a:spcPct val="110000"/>
+              </a:lnSpc>
+              <a:spcBef>
+                <a:spcPts val="0"/>
+              </a:spcBef>
+            </a:pPr>
+            <a:r>
+              <a:rPr lang="en-US" sz="1050" dirty="0"/>
+              <a:t>[7] M. </a:t>
+            </a:r>
+            <a:r>
+              <a:rPr lang="en-US" sz="1050" dirty="0" err="1"/>
+              <a:t>Mernik</a:t>
+            </a:r>
+            <a:r>
+              <a:rPr lang="en-US" sz="1050" dirty="0"/>
+              <a:t>, J. </a:t>
+            </a:r>
+            <a:r>
+              <a:rPr lang="en-US" sz="1050" dirty="0" err="1"/>
+              <a:t>Heering</a:t>
+            </a:r>
+            <a:r>
+              <a:rPr lang="en-US" sz="1050" dirty="0"/>
+              <a:t> and A. M. Sloane, "When and How to Develop Domain-Specific Languages," ACM Computing Surveys, vol. 37, no. 4, 2005. </a:t>
+            </a:r>
+          </a:p>
+          <a:p>
+            <a:pPr>
+              <a:lnSpc>
+                <a:spcPct val="110000"/>
+              </a:lnSpc>
+              <a:spcBef>
+                <a:spcPts val="0"/>
+              </a:spcBef>
+            </a:pPr>
+            <a:r>
+              <a:rPr lang="en-US" sz="1050" dirty="0"/>
+              <a:t>[8] M. West, "The Whimsy Of Domain-Specific Languages," </a:t>
+            </a:r>
+            <a:r>
+              <a:rPr lang="en-US" sz="1050" dirty="0" err="1"/>
+              <a:t>Gamasutra</a:t>
+            </a:r>
+            <a:r>
+              <a:rPr lang="en-US" sz="1050" dirty="0"/>
+              <a:t>, 3 September 2008. [Online]. Available: https://www.gamasutra.com/view/feature/130077/the_whimsy_of_domainspecific_.php. [Accessed 18 June 2020].</a:t>
+            </a:r>
+          </a:p>
+          <a:p>
+            <a:pPr>
+              <a:lnSpc>
+                <a:spcPct val="110000"/>
+              </a:lnSpc>
+              <a:spcBef>
+                <a:spcPts val="0"/>
+              </a:spcBef>
+            </a:pPr>
+            <a:r>
+              <a:rPr lang="en-US" sz="1050" dirty="0"/>
+              <a:t>[9] </a:t>
+            </a:r>
+            <a:r>
+              <a:rPr lang="nn-NO" sz="1050" dirty="0"/>
+              <a:t>R. Nystrom, Crafting Interpreters, 2020.</a:t>
+            </a:r>
+            <a:endParaRPr lang="en-US" sz="1050" dirty="0"/>
+          </a:p>
+          <a:p>
+            <a:pPr>
+              <a:lnSpc>
+                <a:spcPct val="110000"/>
+              </a:lnSpc>
+              <a:spcBef>
+                <a:spcPts val="0"/>
+              </a:spcBef>
+            </a:pPr>
+            <a:r>
+              <a:rPr lang="en-US" sz="1050" dirty="0"/>
+              <a:t>[10] R. Nystrom, "Bytecode," in Game Programming Patterns, Coppell, TX, </a:t>
+            </a:r>
+            <a:r>
+              <a:rPr lang="en-US" sz="1050" dirty="0" err="1"/>
+              <a:t>Genever</a:t>
+            </a:r>
+            <a:r>
+              <a:rPr lang="en-US" sz="1050" dirty="0"/>
+              <a:t> Benning, 2014, pp. 155-180.</a:t>
+            </a:r>
+          </a:p>
+          <a:p>
+            <a:pPr>
+              <a:lnSpc>
+                <a:spcPct val="110000"/>
+              </a:lnSpc>
+              <a:spcBef>
+                <a:spcPts val="0"/>
+              </a:spcBef>
+            </a:pPr>
+            <a:r>
+              <a:rPr lang="en-US" sz="1050" dirty="0"/>
+              <a:t>[11] C. Berglund, "Designing a simple game AI using Finite State Machines," </a:t>
+            </a:r>
+            <a:r>
+              <a:rPr lang="en-US" sz="1050" dirty="0" err="1"/>
+              <a:t>Gamasutra</a:t>
+            </a:r>
+            <a:r>
+              <a:rPr lang="en-US" sz="1050" dirty="0"/>
+              <a:t>, 27 February 2017. [Online]. Available: https://www.gamasutra.com/blogs/CarlBerglund/20170227/292378/Designing_a_simple_game_AI_using_Finite_State_Machines.php. [Accessed 25 June 2020].</a:t>
+            </a:r>
+          </a:p>
+          <a:p>
+            <a:pPr>
+              <a:lnSpc>
+                <a:spcPct val="110000"/>
+              </a:lnSpc>
+              <a:spcBef>
+                <a:spcPts val="0"/>
+              </a:spcBef>
+            </a:pPr>
+            <a:r>
+              <a:rPr lang="en-US" sz="1050" dirty="0"/>
+              <a:t>[12] B. </a:t>
+            </a:r>
+            <a:r>
+              <a:rPr lang="en-US" sz="1050" dirty="0" err="1"/>
+              <a:t>Parizek</a:t>
+            </a:r>
+            <a:r>
+              <a:rPr lang="en-US" sz="1050" dirty="0"/>
+              <a:t>, "Notes on how to create a Language Grammar and Custom Theme for a </a:t>
+            </a:r>
+            <a:r>
+              <a:rPr lang="en-US" sz="1050" dirty="0" err="1"/>
+              <a:t>Textmate</a:t>
+            </a:r>
+            <a:r>
+              <a:rPr lang="en-US" sz="1050" dirty="0"/>
+              <a:t> Bundle," [Online]. Available: https://benparizek.com/notebook/notes-on-how-to-create-a-language-grammar-and-custom-theme-for-a-textmate-bundle. [Accessed 10 2020].</a:t>
+            </a:r>
+          </a:p>
+          <a:p>
+            <a:pPr>
+              <a:lnSpc>
+                <a:spcPct val="110000"/>
+              </a:lnSpc>
+              <a:spcBef>
+                <a:spcPts val="0"/>
+              </a:spcBef>
+            </a:pPr>
+            <a:r>
+              <a:rPr lang="en-US" sz="1050" dirty="0"/>
+              <a:t>[13] V. Kaplan, "Writing Your Own Debugger and Language Extensions with Visual Studio Code," Code Magazine, September/October 2018. </a:t>
+            </a:r>
+          </a:p>
+          <a:p>
+            <a:pPr>
+              <a:lnSpc>
+                <a:spcPct val="110000"/>
+              </a:lnSpc>
+              <a:spcBef>
+                <a:spcPts val="0"/>
+              </a:spcBef>
+            </a:pPr>
+            <a:r>
+              <a:rPr lang="en-US" sz="1050" dirty="0"/>
+              <a:t>[14] Gregory, J., 2009. State-Based Scripting In Uncharted 2: Among Thieves.</a:t>
+            </a:r>
+          </a:p>
+          <a:p>
+            <a:pPr>
+              <a:lnSpc>
+                <a:spcPct val="110000"/>
+              </a:lnSpc>
+              <a:spcBef>
+                <a:spcPts val="0"/>
+              </a:spcBef>
+            </a:pPr>
+            <a:r>
+              <a:rPr lang="en-US" sz="1050" dirty="0"/>
+              <a:t>[15] H. Wu, J. Gray and M. </a:t>
+            </a:r>
+            <a:r>
+              <a:rPr lang="en-US" sz="1050" dirty="0" err="1"/>
+              <a:t>Mernik</a:t>
+            </a:r>
+            <a:r>
+              <a:rPr lang="en-US" sz="1050" dirty="0"/>
+              <a:t>, "Demonstration of a Domain-Specific Language Debugging Framework," Elsevier Science B. V., Amsterdam, 2007.</a:t>
+            </a:r>
+          </a:p>
+          <a:p>
+            <a:pPr>
+              <a:lnSpc>
+                <a:spcPct val="110000"/>
+              </a:lnSpc>
+              <a:spcBef>
+                <a:spcPts val="0"/>
+              </a:spcBef>
+            </a:pPr>
+            <a:r>
+              <a:rPr lang="en-US" sz="1050" dirty="0"/>
+              <a:t>[16] M. Brockington, "Choosing, Designing and Implementing Scripting Languages: Tales from the Script," in Game Developer's Conference, San Francisco, 2001.</a:t>
+            </a:r>
+          </a:p>
+        </p:txBody>
+      </p:sp>
+      <p:sp>
+        <p:nvSpPr>
+          <p:cNvPr id="4" name="TextBox 3">
+            <a:extLst>
+              <a:ext uri="{FF2B5EF4-FFF2-40B4-BE49-F238E27FC236}">
+                <a16:creationId xmlns:a16="http://schemas.microsoft.com/office/drawing/2014/main" id="{A12BD9C5-99E7-47EF-8232-B34D4C5F7531}"/>
+              </a:ext>
+            </a:extLst>
+          </p:cNvPr>
+          <p:cNvSpPr txBox="1"/>
+          <p:nvPr/>
+        </p:nvSpPr>
+        <p:spPr>
+          <a:xfrm>
+            <a:off x="226646" y="220785"/>
+            <a:ext cx="1258277" cy="2308324"/>
+          </a:xfrm>
+          <a:prstGeom prst="rect">
+            <a:avLst/>
+          </a:prstGeom>
+          <a:noFill/>
+        </p:spPr>
+        <p:txBody>
+          <a:bodyPr wrap="square" rtlCol="0">
+            <a:spAutoFit/>
+          </a:bodyPr>
+          <a:lstStyle/>
+          <a:p>
+            <a:r>
+              <a:rPr lang="en-US" sz="1200" dirty="0">
+                <a:solidFill>
+                  <a:schemeClr val="accent1"/>
+                </a:solidFill>
+              </a:rPr>
+              <a:t>Introduction</a:t>
+            </a:r>
+          </a:p>
+          <a:p>
+            <a:r>
+              <a:rPr lang="en-US" sz="1200" dirty="0">
+                <a:solidFill>
+                  <a:schemeClr val="accent1"/>
+                </a:solidFill>
+              </a:rPr>
+              <a:t>Scope</a:t>
+            </a:r>
+          </a:p>
+          <a:p>
+            <a:r>
+              <a:rPr lang="en-US" sz="1200" dirty="0">
+                <a:solidFill>
+                  <a:schemeClr val="accent1"/>
+                </a:solidFill>
+              </a:rPr>
+              <a:t>Schedule</a:t>
+            </a:r>
+          </a:p>
+          <a:p>
+            <a:r>
+              <a:rPr lang="en-US" sz="1200" dirty="0">
+                <a:solidFill>
+                  <a:schemeClr val="accent1"/>
+                </a:solidFill>
+              </a:rPr>
+              <a:t>Theory</a:t>
+            </a:r>
+          </a:p>
+          <a:p>
+            <a:r>
+              <a:rPr lang="en-US" sz="1200" dirty="0">
+                <a:solidFill>
+                  <a:schemeClr val="accent1"/>
+                </a:solidFill>
+              </a:rPr>
+              <a:t>Previous Work</a:t>
+            </a:r>
+          </a:p>
+          <a:p>
+            <a:r>
+              <a:rPr lang="en-US" sz="1200" dirty="0">
+                <a:solidFill>
+                  <a:schemeClr val="accent1"/>
+                </a:solidFill>
+              </a:rPr>
+              <a:t>Artifact</a:t>
+            </a:r>
+          </a:p>
+          <a:p>
+            <a:r>
+              <a:rPr lang="en-US" sz="1200" dirty="0">
+                <a:solidFill>
+                  <a:schemeClr val="accent1"/>
+                </a:solidFill>
+              </a:rPr>
+              <a:t>Implementation</a:t>
+            </a:r>
+          </a:p>
+          <a:p>
+            <a:r>
+              <a:rPr lang="en-US" sz="1200" dirty="0">
+                <a:solidFill>
+                  <a:schemeClr val="accent1"/>
+                </a:solidFill>
+              </a:rPr>
+              <a:t>Architecture</a:t>
+            </a:r>
+          </a:p>
+          <a:p>
+            <a:r>
+              <a:rPr lang="en-US" sz="1200" dirty="0">
+                <a:solidFill>
+                  <a:schemeClr val="accent1"/>
+                </a:solidFill>
+              </a:rPr>
+              <a:t>Syntax</a:t>
+            </a:r>
+          </a:p>
+          <a:p>
+            <a:r>
+              <a:rPr lang="en-US" sz="1200" dirty="0">
+                <a:solidFill>
+                  <a:schemeClr val="accent1"/>
+                </a:solidFill>
+              </a:rPr>
+              <a:t>User Feedback</a:t>
+            </a:r>
+          </a:p>
+          <a:p>
+            <a:r>
+              <a:rPr lang="en-US" sz="1200" dirty="0">
+                <a:solidFill>
+                  <a:schemeClr val="accent1"/>
+                </a:solidFill>
+              </a:rPr>
+              <a:t>Profiling Results</a:t>
+            </a:r>
+          </a:p>
+          <a:p>
+            <a:r>
+              <a:rPr lang="en-US" sz="1200" b="1" dirty="0">
+                <a:solidFill>
+                  <a:schemeClr val="accent1"/>
+                </a:solidFill>
+              </a:rPr>
+              <a:t>Bibliography</a:t>
+            </a:r>
+          </a:p>
+        </p:txBody>
+      </p:sp>
+    </p:spTree>
+    <p:extLst>
+      <p:ext uri="{BB962C8B-B14F-4D97-AF65-F5344CB8AC3E}">
+        <p14:creationId xmlns:p14="http://schemas.microsoft.com/office/powerpoint/2010/main" val="1397362302"/>
+      </p:ext>
+    </p:extLst>
+  </p:cSld>
+  <p:clrMapOvr>
+    <a:masterClrMapping/>
+  </p:clrMapOvr>
+</p:sld>
+</file>
+
 <file path=ppt/slides/slide3.xml><?xml version="1.0" encoding="utf-8"?>
 <p:sld xmlns:a="http://schemas.openxmlformats.org/drawingml/2006/main" xmlns:r="http://schemas.openxmlformats.org/officeDocument/2006/relationships" xmlns:p="http://schemas.openxmlformats.org/presentationml/2006/main">
   <p:cSld>
@@ -4816,7 +8808,7 @@
         <p:spPr>
           <a:xfrm>
             <a:off x="226646" y="220785"/>
-            <a:ext cx="1258277" cy="2031325"/>
+            <a:ext cx="1258277" cy="2308324"/>
           </a:xfrm>
           <a:prstGeom prst="rect">
             <a:avLst/>
@@ -4830,7 +8822,7 @@
           <a:lstStyle/>
           <a:p>
             <a:r>
-              <a:rPr lang="en-US" sz="1050" dirty="0">
+              <a:rPr lang="en-US" sz="1200" dirty="0">
                 <a:solidFill>
                   <a:schemeClr val="accent1"/>
                 </a:solidFill>
@@ -4840,7 +8832,7 @@
           </a:p>
           <a:p>
             <a:r>
-              <a:rPr lang="en-US" sz="1050" b="1" dirty="0">
+              <a:rPr lang="en-US" sz="1200" b="1" dirty="0">
                 <a:solidFill>
                   <a:schemeClr val="accent1"/>
                 </a:solidFill>
@@ -4850,7 +8842,7 @@
           </a:p>
           <a:p>
             <a:r>
-              <a:rPr lang="en-US" sz="1050" dirty="0">
+              <a:rPr lang="en-US" sz="1200" dirty="0">
                 <a:solidFill>
                   <a:schemeClr val="accent1"/>
                 </a:solidFill>
@@ -4860,7 +8852,7 @@
           </a:p>
           <a:p>
             <a:r>
-              <a:rPr lang="en-US" sz="1050" dirty="0">
+              <a:rPr lang="en-US" sz="1200" dirty="0">
                 <a:solidFill>
                   <a:schemeClr val="accent1"/>
                 </a:solidFill>
@@ -4870,7 +8862,7 @@
           </a:p>
           <a:p>
             <a:r>
-              <a:rPr lang="en-US" sz="1050" dirty="0">
+              <a:rPr lang="en-US" sz="1200" dirty="0">
                 <a:solidFill>
                   <a:schemeClr val="accent1"/>
                 </a:solidFill>
@@ -4880,7 +8872,7 @@
           </a:p>
           <a:p>
             <a:r>
-              <a:rPr lang="en-US" sz="1050" dirty="0">
+              <a:rPr lang="en-US" sz="1200" dirty="0">
                 <a:solidFill>
                   <a:schemeClr val="accent1"/>
                 </a:solidFill>
@@ -4890,7 +8882,7 @@
           </a:p>
           <a:p>
             <a:r>
-              <a:rPr lang="en-US" sz="1050" dirty="0">
+              <a:rPr lang="en-US" sz="1200" dirty="0">
                 <a:solidFill>
                   <a:schemeClr val="accent1"/>
                 </a:solidFill>
@@ -4900,7 +8892,7 @@
           </a:p>
           <a:p>
             <a:r>
-              <a:rPr lang="en-US" sz="1050" dirty="0">
+              <a:rPr lang="en-US" sz="1200" dirty="0">
                 <a:solidFill>
                   <a:schemeClr val="accent1"/>
                 </a:solidFill>
@@ -4910,7 +8902,7 @@
           </a:p>
           <a:p>
             <a:r>
-              <a:rPr lang="en-US" sz="1050" dirty="0">
+              <a:rPr lang="en-US" sz="1200" dirty="0">
                 <a:solidFill>
                   <a:schemeClr val="accent1"/>
                 </a:solidFill>
@@ -4920,17 +8912,17 @@
           </a:p>
           <a:p>
             <a:r>
-              <a:rPr lang="en-US" sz="1050" dirty="0">
-                <a:solidFill>
-                  <a:schemeClr val="accent1"/>
-                </a:solidFill>
-              </a:rPr>
-              <a:t>Playtest Results</a:t>
-            </a:r>
-          </a:p>
-          <a:p>
-            <a:r>
-              <a:rPr lang="en-US" sz="1050" dirty="0">
+              <a:rPr lang="en-US" sz="1200" dirty="0">
+                <a:solidFill>
+                  <a:schemeClr val="accent1"/>
+                </a:solidFill>
+              </a:rPr>
+              <a:t>User Feedback</a:t>
+            </a:r>
+          </a:p>
+          <a:p>
+            <a:r>
+              <a:rPr lang="en-US" sz="1200" dirty="0">
                 <a:solidFill>
                   <a:schemeClr val="accent1"/>
                 </a:solidFill>
@@ -4940,7 +8932,7 @@
           </a:p>
           <a:p>
             <a:r>
-              <a:rPr lang="en-US" sz="1050" dirty="0">
+              <a:rPr lang="en-US" sz="1200" dirty="0">
                 <a:solidFill>
                   <a:schemeClr val="accent1"/>
                 </a:solidFill>
@@ -5060,7 +9052,7 @@
         <p:spPr>
           <a:xfrm>
             <a:off x="226646" y="220785"/>
-            <a:ext cx="1258277" cy="2031325"/>
+            <a:ext cx="1258277" cy="2308324"/>
           </a:xfrm>
           <a:prstGeom prst="rect">
             <a:avLst/>
@@ -5074,7 +9066,7 @@
           <a:lstStyle/>
           <a:p>
             <a:r>
-              <a:rPr lang="en-US" sz="1050" dirty="0">
+              <a:rPr lang="en-US" sz="1200" dirty="0">
                 <a:solidFill>
                   <a:schemeClr val="accent1"/>
                 </a:solidFill>
@@ -5084,7 +9076,7 @@
           </a:p>
           <a:p>
             <a:r>
-              <a:rPr lang="en-US" sz="1050" dirty="0">
+              <a:rPr lang="en-US" sz="1200" dirty="0">
                 <a:solidFill>
                   <a:schemeClr val="accent1"/>
                 </a:solidFill>
@@ -5094,7 +9086,7 @@
           </a:p>
           <a:p>
             <a:r>
-              <a:rPr lang="en-US" sz="1050" b="1" dirty="0">
+              <a:rPr lang="en-US" sz="1200" b="1" dirty="0">
                 <a:solidFill>
                   <a:schemeClr val="accent1"/>
                 </a:solidFill>
@@ -5104,7 +9096,7 @@
           </a:p>
           <a:p>
             <a:r>
-              <a:rPr lang="en-US" sz="1050" dirty="0">
+              <a:rPr lang="en-US" sz="1200" dirty="0">
                 <a:solidFill>
                   <a:schemeClr val="accent1"/>
                 </a:solidFill>
@@ -5114,7 +9106,7 @@
           </a:p>
           <a:p>
             <a:r>
-              <a:rPr lang="en-US" sz="1050" dirty="0">
+              <a:rPr lang="en-US" sz="1200" dirty="0">
                 <a:solidFill>
                   <a:schemeClr val="accent1"/>
                 </a:solidFill>
@@ -5124,7 +9116,7 @@
           </a:p>
           <a:p>
             <a:r>
-              <a:rPr lang="en-US" sz="1050" dirty="0">
+              <a:rPr lang="en-US" sz="1200" dirty="0">
                 <a:solidFill>
                   <a:schemeClr val="accent1"/>
                 </a:solidFill>
@@ -5134,7 +9126,7 @@
           </a:p>
           <a:p>
             <a:r>
-              <a:rPr lang="en-US" sz="1050" dirty="0">
+              <a:rPr lang="en-US" sz="1200" dirty="0">
                 <a:solidFill>
                   <a:schemeClr val="accent1"/>
                 </a:solidFill>
@@ -5144,7 +9136,7 @@
           </a:p>
           <a:p>
             <a:r>
-              <a:rPr lang="en-US" sz="1050" dirty="0">
+              <a:rPr lang="en-US" sz="1200" dirty="0">
                 <a:solidFill>
                   <a:schemeClr val="accent1"/>
                 </a:solidFill>
@@ -5154,7 +9146,7 @@
           </a:p>
           <a:p>
             <a:r>
-              <a:rPr lang="en-US" sz="1050" dirty="0">
+              <a:rPr lang="en-US" sz="1200" dirty="0">
                 <a:solidFill>
                   <a:schemeClr val="accent1"/>
                 </a:solidFill>
@@ -5164,17 +9156,17 @@
           </a:p>
           <a:p>
             <a:r>
-              <a:rPr lang="en-US" sz="1050" dirty="0">
-                <a:solidFill>
-                  <a:schemeClr val="accent1"/>
-                </a:solidFill>
-              </a:rPr>
-              <a:t>Playtest Results</a:t>
-            </a:r>
-          </a:p>
-          <a:p>
-            <a:r>
-              <a:rPr lang="en-US" sz="1050" dirty="0">
+              <a:rPr lang="en-US" sz="1200" dirty="0">
+                <a:solidFill>
+                  <a:schemeClr val="accent1"/>
+                </a:solidFill>
+              </a:rPr>
+              <a:t>User Feedback</a:t>
+            </a:r>
+          </a:p>
+          <a:p>
+            <a:r>
+              <a:rPr lang="en-US" sz="1200" dirty="0">
                 <a:solidFill>
                   <a:schemeClr val="accent1"/>
                 </a:solidFill>
@@ -5184,7 +9176,7 @@
           </a:p>
           <a:p>
             <a:r>
-              <a:rPr lang="en-US" sz="1050" dirty="0">
+              <a:rPr lang="en-US" sz="1200" dirty="0">
                 <a:solidFill>
                   <a:schemeClr val="accent1"/>
                 </a:solidFill>
@@ -5304,7 +9296,7 @@
         <p:spPr>
           <a:xfrm>
             <a:off x="226646" y="220785"/>
-            <a:ext cx="1258277" cy="2031325"/>
+            <a:ext cx="1258277" cy="2308324"/>
           </a:xfrm>
           <a:prstGeom prst="rect">
             <a:avLst/>
@@ -5318,7 +9310,7 @@
           <a:lstStyle/>
           <a:p>
             <a:r>
-              <a:rPr lang="en-US" sz="1050" dirty="0">
+              <a:rPr lang="en-US" sz="1200" dirty="0">
                 <a:solidFill>
                   <a:schemeClr val="accent1"/>
                 </a:solidFill>
@@ -5328,7 +9320,7 @@
           </a:p>
           <a:p>
             <a:r>
-              <a:rPr lang="en-US" sz="1050" dirty="0">
+              <a:rPr lang="en-US" sz="1200" dirty="0">
                 <a:solidFill>
                   <a:schemeClr val="accent1"/>
                 </a:solidFill>
@@ -5338,7 +9330,7 @@
           </a:p>
           <a:p>
             <a:r>
-              <a:rPr lang="en-US" sz="1050" dirty="0">
+              <a:rPr lang="en-US" sz="1200" dirty="0">
                 <a:solidFill>
                   <a:schemeClr val="accent1"/>
                 </a:solidFill>
@@ -5348,7 +9340,7 @@
           </a:p>
           <a:p>
             <a:r>
-              <a:rPr lang="en-US" sz="1050" b="1" dirty="0">
+              <a:rPr lang="en-US" sz="1200" b="1" dirty="0">
                 <a:solidFill>
                   <a:schemeClr val="accent1"/>
                 </a:solidFill>
@@ -5358,7 +9350,7 @@
           </a:p>
           <a:p>
             <a:r>
-              <a:rPr lang="en-US" sz="1050" dirty="0">
+              <a:rPr lang="en-US" sz="1200" dirty="0">
                 <a:solidFill>
                   <a:schemeClr val="accent1"/>
                 </a:solidFill>
@@ -5368,7 +9360,7 @@
           </a:p>
           <a:p>
             <a:r>
-              <a:rPr lang="en-US" sz="1050" dirty="0">
+              <a:rPr lang="en-US" sz="1200" dirty="0">
                 <a:solidFill>
                   <a:schemeClr val="accent1"/>
                 </a:solidFill>
@@ -5378,7 +9370,7 @@
           </a:p>
           <a:p>
             <a:r>
-              <a:rPr lang="en-US" sz="1050" dirty="0">
+              <a:rPr lang="en-US" sz="1200" dirty="0">
                 <a:solidFill>
                   <a:schemeClr val="accent1"/>
                 </a:solidFill>
@@ -5388,7 +9380,7 @@
           </a:p>
           <a:p>
             <a:r>
-              <a:rPr lang="en-US" sz="1050" dirty="0">
+              <a:rPr lang="en-US" sz="1200" dirty="0">
                 <a:solidFill>
                   <a:schemeClr val="accent1"/>
                 </a:solidFill>
@@ -5398,7 +9390,7 @@
           </a:p>
           <a:p>
             <a:r>
-              <a:rPr lang="en-US" sz="1050" dirty="0">
+              <a:rPr lang="en-US" sz="1200" dirty="0">
                 <a:solidFill>
                   <a:schemeClr val="accent1"/>
                 </a:solidFill>
@@ -5408,17 +9400,17 @@
           </a:p>
           <a:p>
             <a:r>
-              <a:rPr lang="en-US" sz="1050" dirty="0">
-                <a:solidFill>
-                  <a:schemeClr val="accent1"/>
-                </a:solidFill>
-              </a:rPr>
-              <a:t>Playtest Results</a:t>
-            </a:r>
-          </a:p>
-          <a:p>
-            <a:r>
-              <a:rPr lang="en-US" sz="1050" dirty="0">
+              <a:rPr lang="en-US" sz="1200" dirty="0">
+                <a:solidFill>
+                  <a:schemeClr val="accent1"/>
+                </a:solidFill>
+              </a:rPr>
+              <a:t>User Feedback</a:t>
+            </a:r>
+          </a:p>
+          <a:p>
+            <a:r>
+              <a:rPr lang="en-US" sz="1200" dirty="0">
                 <a:solidFill>
                   <a:schemeClr val="accent1"/>
                 </a:solidFill>
@@ -5428,7 +9420,7 @@
           </a:p>
           <a:p>
             <a:r>
-              <a:rPr lang="en-US" sz="1050" dirty="0">
+              <a:rPr lang="en-US" sz="1200" dirty="0">
                 <a:solidFill>
                   <a:schemeClr val="accent1"/>
                 </a:solidFill>
@@ -5496,7 +9488,7 @@
           <a:p>
             <a:r>
               <a:rPr lang="en-US" dirty="0"/>
-              <a:t>Previous Work</a:t>
+              <a:t>Genre</a:t>
             </a:r>
           </a:p>
         </p:txBody>
@@ -5529,7 +9521,30 @@
           </a:bodyPr>
           <a:lstStyle/>
           <a:p>
-            <a:endParaRPr lang="en-US" dirty="0"/>
+            <a:r>
+              <a:rPr lang="en-US" dirty="0">
+                <a:effectLst/>
+                <a:ea typeface="Calibri" panose="020F0502020204030204" pitchFamily="34" charset="0"/>
+                <a:cs typeface="Times New Roman" panose="02020603050405020304" pitchFamily="18" charset="0"/>
+              </a:rPr>
+              <a:t>Action RPG systems can be defined in data easily [1]. </a:t>
+            </a:r>
+            <a:endParaRPr lang="en-US" dirty="0">
+              <a:ea typeface="Calibri" panose="020F0502020204030204" pitchFamily="34" charset="0"/>
+              <a:cs typeface="Times New Roman" panose="02020603050405020304" pitchFamily="18" charset="0"/>
+            </a:endParaRPr>
+          </a:p>
+          <a:p>
+            <a:r>
+              <a:rPr lang="en-US" dirty="0"/>
+              <a:t>Common functionality includes enemies, dialogue with NPCs, and interactable environment objects.</a:t>
+            </a:r>
+          </a:p>
+          <a:p>
+            <a:r>
+              <a:rPr lang="en-US" dirty="0"/>
+              <a:t>The Legend of Zelda and Dungeon Explorer were used to identify common functionality within the genre [2][3].</a:t>
+            </a:r>
           </a:p>
         </p:txBody>
       </p:sp>
@@ -5548,7 +9563,7 @@
         <p:spPr>
           <a:xfrm>
             <a:off x="226646" y="220785"/>
-            <a:ext cx="1258277" cy="2031325"/>
+            <a:ext cx="1258277" cy="2308324"/>
           </a:xfrm>
           <a:prstGeom prst="rect">
             <a:avLst/>
@@ -5562,7 +9577,7 @@
           <a:lstStyle/>
           <a:p>
             <a:r>
-              <a:rPr lang="en-US" sz="1050" dirty="0">
+              <a:rPr lang="en-US" sz="1200" dirty="0">
                 <a:solidFill>
                   <a:schemeClr val="accent1"/>
                 </a:solidFill>
@@ -5572,7 +9587,7 @@
           </a:p>
           <a:p>
             <a:r>
-              <a:rPr lang="en-US" sz="1050" dirty="0">
+              <a:rPr lang="en-US" sz="1200" dirty="0">
                 <a:solidFill>
                   <a:schemeClr val="accent1"/>
                 </a:solidFill>
@@ -5582,7 +9597,7 @@
           </a:p>
           <a:p>
             <a:r>
-              <a:rPr lang="en-US" sz="1050" dirty="0">
+              <a:rPr lang="en-US" sz="1200" dirty="0">
                 <a:solidFill>
                   <a:schemeClr val="accent1"/>
                 </a:solidFill>
@@ -5592,7 +9607,7 @@
           </a:p>
           <a:p>
             <a:r>
-              <a:rPr lang="en-US" sz="1050" dirty="0">
+              <a:rPr lang="en-US" sz="1200" b="1" dirty="0">
                 <a:solidFill>
                   <a:schemeClr val="accent1"/>
                 </a:solidFill>
@@ -5602,7 +9617,7 @@
           </a:p>
           <a:p>
             <a:r>
-              <a:rPr lang="en-US" sz="1050" b="1" dirty="0">
+              <a:rPr lang="en-US" sz="1200" dirty="0">
                 <a:solidFill>
                   <a:schemeClr val="accent1"/>
                 </a:solidFill>
@@ -5612,7 +9627,7 @@
           </a:p>
           <a:p>
             <a:r>
-              <a:rPr lang="en-US" sz="1050" dirty="0">
+              <a:rPr lang="en-US" sz="1200" dirty="0">
                 <a:solidFill>
                   <a:schemeClr val="accent1"/>
                 </a:solidFill>
@@ -5622,7 +9637,7 @@
           </a:p>
           <a:p>
             <a:r>
-              <a:rPr lang="en-US" sz="1050" dirty="0">
+              <a:rPr lang="en-US" sz="1200" dirty="0">
                 <a:solidFill>
                   <a:schemeClr val="accent1"/>
                 </a:solidFill>
@@ -5632,7 +9647,7 @@
           </a:p>
           <a:p>
             <a:r>
-              <a:rPr lang="en-US" sz="1050" dirty="0">
+              <a:rPr lang="en-US" sz="1200" dirty="0">
                 <a:solidFill>
                   <a:schemeClr val="accent1"/>
                 </a:solidFill>
@@ -5642,7 +9657,7 @@
           </a:p>
           <a:p>
             <a:r>
-              <a:rPr lang="en-US" sz="1050" dirty="0">
+              <a:rPr lang="en-US" sz="1200" dirty="0">
                 <a:solidFill>
                   <a:schemeClr val="accent1"/>
                 </a:solidFill>
@@ -5652,17 +9667,17 @@
           </a:p>
           <a:p>
             <a:r>
-              <a:rPr lang="en-US" sz="1050" dirty="0">
-                <a:solidFill>
-                  <a:schemeClr val="accent1"/>
-                </a:solidFill>
-              </a:rPr>
-              <a:t>Playtest Results</a:t>
-            </a:r>
-          </a:p>
-          <a:p>
-            <a:r>
-              <a:rPr lang="en-US" sz="1050" dirty="0">
+              <a:rPr lang="en-US" sz="1200" dirty="0">
+                <a:solidFill>
+                  <a:schemeClr val="accent1"/>
+                </a:solidFill>
+              </a:rPr>
+              <a:t>User Feedback</a:t>
+            </a:r>
+          </a:p>
+          <a:p>
+            <a:r>
+              <a:rPr lang="en-US" sz="1200" dirty="0">
                 <a:solidFill>
                   <a:schemeClr val="accent1"/>
                 </a:solidFill>
@@ -5672,7 +9687,7 @@
           </a:p>
           <a:p>
             <a:r>
-              <a:rPr lang="en-US" sz="1050" dirty="0">
+              <a:rPr lang="en-US" sz="1200" dirty="0">
                 <a:solidFill>
                   <a:schemeClr val="accent1"/>
                 </a:solidFill>
@@ -5685,7 +9700,7 @@
     </p:spTree>
     <p:extLst>
       <p:ext uri="{BB962C8B-B14F-4D97-AF65-F5344CB8AC3E}">
-        <p14:creationId xmlns:p14="http://schemas.microsoft.com/office/powerpoint/2010/main" val="3507679633"/>
+        <p14:creationId xmlns:p14="http://schemas.microsoft.com/office/powerpoint/2010/main" val="3533808813"/>
       </p:ext>
     </p:extLst>
   </p:cSld>
@@ -5740,7 +9755,7 @@
           <a:p>
             <a:r>
               <a:rPr lang="en-US" dirty="0"/>
-              <a:t>Artifact</a:t>
+              <a:t>Event System</a:t>
             </a:r>
           </a:p>
         </p:txBody>
@@ -5773,7 +9788,16 @@
           </a:bodyPr>
           <a:lstStyle/>
           <a:p>
-            <a:endParaRPr lang="en-US" dirty="0"/>
+            <a:r>
+              <a:rPr lang="en-US" dirty="0"/>
+              <a:t> Events are an effective way to communicate between states in a scripting system [4].</a:t>
+            </a:r>
+          </a:p>
+          <a:p>
+            <a:r>
+              <a:rPr lang="en-US" dirty="0"/>
+              <a:t>Events can be used to communicate between the game engine and script objects [5].</a:t>
+            </a:r>
           </a:p>
         </p:txBody>
       </p:sp>
@@ -5792,7 +9816,7 @@
         <p:spPr>
           <a:xfrm>
             <a:off x="226646" y="220785"/>
-            <a:ext cx="1258277" cy="2031325"/>
+            <a:ext cx="1258277" cy="2308324"/>
           </a:xfrm>
           <a:prstGeom prst="rect">
             <a:avLst/>
@@ -5806,7 +9830,7 @@
           <a:lstStyle/>
           <a:p>
             <a:r>
-              <a:rPr lang="en-US" sz="1050" dirty="0">
+              <a:rPr lang="en-US" sz="1200" dirty="0">
                 <a:solidFill>
                   <a:schemeClr val="accent1"/>
                 </a:solidFill>
@@ -5816,7 +9840,7 @@
           </a:p>
           <a:p>
             <a:r>
-              <a:rPr lang="en-US" sz="1050" dirty="0">
+              <a:rPr lang="en-US" sz="1200" dirty="0">
                 <a:solidFill>
                   <a:schemeClr val="accent1"/>
                 </a:solidFill>
@@ -5826,7 +9850,7 @@
           </a:p>
           <a:p>
             <a:r>
-              <a:rPr lang="en-US" sz="1050" dirty="0">
+              <a:rPr lang="en-US" sz="1200" dirty="0">
                 <a:solidFill>
                   <a:schemeClr val="accent1"/>
                 </a:solidFill>
@@ -5836,7 +9860,7 @@
           </a:p>
           <a:p>
             <a:r>
-              <a:rPr lang="en-US" sz="1050" dirty="0">
+              <a:rPr lang="en-US" sz="1200" b="1" dirty="0">
                 <a:solidFill>
                   <a:schemeClr val="accent1"/>
                 </a:solidFill>
@@ -5846,7 +9870,7 @@
           </a:p>
           <a:p>
             <a:r>
-              <a:rPr lang="en-US" sz="1050" dirty="0">
+              <a:rPr lang="en-US" sz="1200" dirty="0">
                 <a:solidFill>
                   <a:schemeClr val="accent1"/>
                 </a:solidFill>
@@ -5856,7 +9880,7 @@
           </a:p>
           <a:p>
             <a:r>
-              <a:rPr lang="en-US" sz="1050" b="1" dirty="0">
+              <a:rPr lang="en-US" sz="1200" dirty="0">
                 <a:solidFill>
                   <a:schemeClr val="accent1"/>
                 </a:solidFill>
@@ -5866,7 +9890,7 @@
           </a:p>
           <a:p>
             <a:r>
-              <a:rPr lang="en-US" sz="1050" dirty="0">
+              <a:rPr lang="en-US" sz="1200" dirty="0">
                 <a:solidFill>
                   <a:schemeClr val="accent1"/>
                 </a:solidFill>
@@ -5876,7 +9900,7 @@
           </a:p>
           <a:p>
             <a:r>
-              <a:rPr lang="en-US" sz="1050" dirty="0">
+              <a:rPr lang="en-US" sz="1200" dirty="0">
                 <a:solidFill>
                   <a:schemeClr val="accent1"/>
                 </a:solidFill>
@@ -5886,7 +9910,7 @@
           </a:p>
           <a:p>
             <a:r>
-              <a:rPr lang="en-US" sz="1050" dirty="0">
+              <a:rPr lang="en-US" sz="1200" dirty="0">
                 <a:solidFill>
                   <a:schemeClr val="accent1"/>
                 </a:solidFill>
@@ -5896,17 +9920,17 @@
           </a:p>
           <a:p>
             <a:r>
-              <a:rPr lang="en-US" sz="1050" dirty="0">
-                <a:solidFill>
-                  <a:schemeClr val="accent1"/>
-                </a:solidFill>
-              </a:rPr>
-              <a:t>Playtest Results</a:t>
-            </a:r>
-          </a:p>
-          <a:p>
-            <a:r>
-              <a:rPr lang="en-US" sz="1050" dirty="0">
+              <a:rPr lang="en-US" sz="1200" dirty="0">
+                <a:solidFill>
+                  <a:schemeClr val="accent1"/>
+                </a:solidFill>
+              </a:rPr>
+              <a:t>User Feedback</a:t>
+            </a:r>
+          </a:p>
+          <a:p>
+            <a:r>
+              <a:rPr lang="en-US" sz="1200" dirty="0">
                 <a:solidFill>
                   <a:schemeClr val="accent1"/>
                 </a:solidFill>
@@ -5916,7 +9940,7 @@
           </a:p>
           <a:p>
             <a:r>
-              <a:rPr lang="en-US" sz="1050" dirty="0">
+              <a:rPr lang="en-US" sz="1200" dirty="0">
                 <a:solidFill>
                   <a:schemeClr val="accent1"/>
                 </a:solidFill>
@@ -5929,7 +9953,7 @@
     </p:spTree>
     <p:extLst>
       <p:ext uri="{BB962C8B-B14F-4D97-AF65-F5344CB8AC3E}">
-        <p14:creationId xmlns:p14="http://schemas.microsoft.com/office/powerpoint/2010/main" val="3758850839"/>
+        <p14:creationId xmlns:p14="http://schemas.microsoft.com/office/powerpoint/2010/main" val="2262127202"/>
       </p:ext>
     </p:extLst>
   </p:cSld>
@@ -5984,7 +10008,7 @@
           <a:p>
             <a:r>
               <a:rPr lang="en-US" dirty="0"/>
-              <a:t>Implementation</a:t>
+              <a:t>Syntax/DSLs</a:t>
             </a:r>
           </a:p>
         </p:txBody>
@@ -6008,7 +10032,7 @@
         <p:spPr>
           <a:xfrm>
             <a:off x="1833967" y="2057400"/>
-            <a:ext cx="5293664" cy="4038600"/>
+            <a:ext cx="4723141" cy="4038600"/>
           </a:xfrm>
         </p:spPr>
         <p:txBody>
@@ -6017,7 +10041,60 @@
           </a:bodyPr>
           <a:lstStyle/>
           <a:p>
-            <a:endParaRPr lang="en-US" dirty="0"/>
+            <a:r>
+              <a:rPr lang="en-US" dirty="0"/>
+              <a:t>Benefits of a DSL [6][7]</a:t>
+            </a:r>
+          </a:p>
+          <a:p>
+            <a:pPr lvl="1"/>
+            <a:r>
+              <a:rPr lang="en-US" dirty="0"/>
+              <a:t>More effectively communicate with domain experts</a:t>
+            </a:r>
+          </a:p>
+          <a:p>
+            <a:pPr lvl="1"/>
+            <a:r>
+              <a:rPr lang="en-US" dirty="0"/>
+              <a:t>Focus on high level concepts by hiding implementation details</a:t>
+            </a:r>
+          </a:p>
+          <a:p>
+            <a:pPr lvl="1"/>
+            <a:r>
+              <a:rPr lang="en-US" dirty="0"/>
+              <a:t>Errors are specific to domain</a:t>
+            </a:r>
+          </a:p>
+          <a:p>
+            <a:pPr lvl="1"/>
+            <a:r>
+              <a:rPr lang="en-US" dirty="0"/>
+              <a:t>Easier for non-programmers to use</a:t>
+            </a:r>
+          </a:p>
+          <a:p>
+            <a:pPr lvl="1"/>
+            <a:r>
+              <a:rPr lang="en-US" dirty="0"/>
+              <a:t>Highly tuned for a specific purpose</a:t>
+            </a:r>
+          </a:p>
+          <a:p>
+            <a:r>
+              <a:rPr lang="en-US" dirty="0"/>
+              <a:t>Zephyr has built in Entity, Vec2, state machines and event handling.</a:t>
+            </a:r>
+          </a:p>
+          <a:p>
+            <a:pPr marL="274320" lvl="1" indent="0">
+              <a:buNone/>
+            </a:pPr>
+            <a:r>
+              <a:rPr lang="en-US" dirty="0"/>
+              <a:t>	 </a:t>
+            </a:r>
           </a:p>
         </p:txBody>
       </p:sp>
@@ -6036,7 +10113,7 @@
         <p:spPr>
           <a:xfrm>
             <a:off x="226646" y="220785"/>
-            <a:ext cx="1258277" cy="2031325"/>
+            <a:ext cx="1258277" cy="2308324"/>
           </a:xfrm>
           <a:prstGeom prst="rect">
             <a:avLst/>
@@ -6050,7 +10127,7 @@
           <a:lstStyle/>
           <a:p>
             <a:r>
-              <a:rPr lang="en-US" sz="1050" dirty="0">
+              <a:rPr lang="en-US" sz="1200" dirty="0">
                 <a:solidFill>
                   <a:schemeClr val="accent1"/>
                 </a:solidFill>
@@ -6060,7 +10137,7 @@
           </a:p>
           <a:p>
             <a:r>
-              <a:rPr lang="en-US" sz="1050" dirty="0">
+              <a:rPr lang="en-US" sz="1200" dirty="0">
                 <a:solidFill>
                   <a:schemeClr val="accent1"/>
                 </a:solidFill>
@@ -6070,7 +10147,7 @@
           </a:p>
           <a:p>
             <a:r>
-              <a:rPr lang="en-US" sz="1050" dirty="0">
+              <a:rPr lang="en-US" sz="1200" dirty="0">
                 <a:solidFill>
                   <a:schemeClr val="accent1"/>
                 </a:solidFill>
@@ -6080,7 +10157,7 @@
           </a:p>
           <a:p>
             <a:r>
-              <a:rPr lang="en-US" sz="1050" dirty="0">
+              <a:rPr lang="en-US" sz="1200" b="1" dirty="0">
                 <a:solidFill>
                   <a:schemeClr val="accent1"/>
                 </a:solidFill>
@@ -6090,7 +10167,7 @@
           </a:p>
           <a:p>
             <a:r>
-              <a:rPr lang="en-US" sz="1050" dirty="0">
+              <a:rPr lang="en-US" sz="1200" dirty="0">
                 <a:solidFill>
                   <a:schemeClr val="accent1"/>
                 </a:solidFill>
@@ -6100,7 +10177,7 @@
           </a:p>
           <a:p>
             <a:r>
-              <a:rPr lang="en-US" sz="1050" dirty="0">
+              <a:rPr lang="en-US" sz="1200" dirty="0">
                 <a:solidFill>
                   <a:schemeClr val="accent1"/>
                 </a:solidFill>
@@ -6110,7 +10187,7 @@
           </a:p>
           <a:p>
             <a:r>
-              <a:rPr lang="en-US" sz="1050" b="1" dirty="0">
+              <a:rPr lang="en-US" sz="1200" dirty="0">
                 <a:solidFill>
                   <a:schemeClr val="accent1"/>
                 </a:solidFill>
@@ -6120,7 +10197,7 @@
           </a:p>
           <a:p>
             <a:r>
-              <a:rPr lang="en-US" sz="1050" dirty="0">
+              <a:rPr lang="en-US" sz="1200" dirty="0">
                 <a:solidFill>
                   <a:schemeClr val="accent1"/>
                 </a:solidFill>
@@ -6130,7 +10207,7 @@
           </a:p>
           <a:p>
             <a:r>
-              <a:rPr lang="en-US" sz="1050" dirty="0">
+              <a:rPr lang="en-US" sz="1200" dirty="0">
                 <a:solidFill>
                   <a:schemeClr val="accent1"/>
                 </a:solidFill>
@@ -6140,17 +10217,17 @@
           </a:p>
           <a:p>
             <a:r>
-              <a:rPr lang="en-US" sz="1050" dirty="0">
-                <a:solidFill>
-                  <a:schemeClr val="accent1"/>
-                </a:solidFill>
-              </a:rPr>
-              <a:t>Playtest Results</a:t>
-            </a:r>
-          </a:p>
-          <a:p>
-            <a:r>
-              <a:rPr lang="en-US" sz="1050" dirty="0">
+              <a:rPr lang="en-US" sz="1200" dirty="0">
+                <a:solidFill>
+                  <a:schemeClr val="accent1"/>
+                </a:solidFill>
+              </a:rPr>
+              <a:t>User Feedback</a:t>
+            </a:r>
+          </a:p>
+          <a:p>
+            <a:r>
+              <a:rPr lang="en-US" sz="1200" dirty="0">
                 <a:solidFill>
                   <a:schemeClr val="accent1"/>
                 </a:solidFill>
@@ -6160,12 +10237,211 @@
           </a:p>
           <a:p>
             <a:r>
-              <a:rPr lang="en-US" sz="1050" dirty="0">
+              <a:rPr lang="en-US" sz="1200" dirty="0">
                 <a:solidFill>
                   <a:schemeClr val="accent1"/>
                 </a:solidFill>
               </a:rPr>
               <a:t>Bibliography</a:t>
+            </a:r>
+          </a:p>
+        </p:txBody>
+      </p:sp>
+      <p:sp>
+        <p:nvSpPr>
+          <p:cNvPr id="5" name="TextBox 4">
+            <a:extLst>
+              <a:ext uri="{FF2B5EF4-FFF2-40B4-BE49-F238E27FC236}">
+                <a16:creationId xmlns:a16="http://schemas.microsoft.com/office/drawing/2014/main" id="{40A81A40-5ADC-47C7-9BD7-60E8F91EF93A}"/>
+              </a:ext>
+            </a:extLst>
+          </p:cNvPr>
+          <p:cNvSpPr txBox="1"/>
+          <p:nvPr/>
+        </p:nvSpPr>
+        <p:spPr>
+          <a:xfrm>
+            <a:off x="7756976" y="3645546"/>
+            <a:ext cx="3087077" cy="2492990"/>
+          </a:xfrm>
+          <a:prstGeom prst="rect">
+            <a:avLst/>
+          </a:prstGeom>
+          <a:noFill/>
+        </p:spPr>
+        <p:txBody>
+          <a:bodyPr wrap="square" rtlCol="0">
+            <a:spAutoFit/>
+          </a:bodyPr>
+          <a:lstStyle/>
+          <a:p>
+            <a:r>
+              <a:rPr lang="en-US" sz="1200" dirty="0" err="1"/>
+              <a:t>superEgg</a:t>
+            </a:r>
+            <a:r>
+              <a:rPr lang="en-US" sz="1200" dirty="0"/>
+              <a:t> .1,.05,4 at .2,.2 green distort 0.01</a:t>
+            </a:r>
+            <a:br>
+              <a:rPr lang="en-US" sz="1200" dirty="0"/>
+            </a:br>
+            <a:r>
+              <a:rPr lang="en-US" sz="1200" dirty="0"/>
+              <a:t>petals 8 blue</a:t>
+            </a:r>
+            <a:br>
+              <a:rPr lang="en-US" sz="1200" dirty="0"/>
+            </a:br>
+            <a:br>
+              <a:rPr lang="en-US" sz="1200" dirty="0"/>
+            </a:br>
+            <a:r>
+              <a:rPr lang="en-US" sz="1200" dirty="0" err="1"/>
+              <a:t>superegg</a:t>
+            </a:r>
+            <a:r>
+              <a:rPr lang="en-US" sz="1200" dirty="0"/>
+              <a:t> .1,.1,2 at .5,.2 grey distort .02</a:t>
+            </a:r>
+            <a:br>
+              <a:rPr lang="en-US" sz="1200" dirty="0"/>
+            </a:br>
+            <a:r>
+              <a:rPr lang="en-US" sz="1200" dirty="0"/>
+              <a:t>inner .5 orange distort .02</a:t>
+            </a:r>
+            <a:br>
+              <a:rPr lang="en-US" sz="1200" dirty="0"/>
+            </a:br>
+            <a:r>
+              <a:rPr lang="en-US" sz="1200" dirty="0"/>
+              <a:t>petals 12 blue size 3</a:t>
+            </a:r>
+            <a:br>
+              <a:rPr lang="en-US" sz="1200" dirty="0"/>
+            </a:br>
+            <a:br>
+              <a:rPr lang="en-US" sz="1200" dirty="0"/>
+            </a:br>
+            <a:r>
+              <a:rPr lang="en-US" sz="1200" dirty="0"/>
+              <a:t>circle at .35,.35 size .05 distort .04 </a:t>
+            </a:r>
+            <a:r>
+              <a:rPr lang="en-US" sz="1200" dirty="0" err="1"/>
+              <a:t>petalblue</a:t>
+            </a:r>
+            <a:br>
+              <a:rPr lang="en-US" sz="1200" dirty="0"/>
+            </a:br>
+            <a:r>
+              <a:rPr lang="en-US" sz="1200" dirty="0"/>
+              <a:t>petals 8 size 20 </a:t>
+            </a:r>
+            <a:r>
+              <a:rPr lang="en-US" sz="1200" dirty="0" err="1"/>
+              <a:t>petalblue</a:t>
+            </a:r>
+            <a:br>
+              <a:rPr lang="en-US" sz="1200" dirty="0"/>
+            </a:br>
+            <a:br>
+              <a:rPr lang="en-US" sz="1200" dirty="0"/>
+            </a:br>
+            <a:r>
+              <a:rPr lang="en-US" sz="1200" dirty="0" err="1"/>
+              <a:t>superegg</a:t>
+            </a:r>
+            <a:r>
+              <a:rPr lang="en-US" sz="1200" dirty="0"/>
+              <a:t> .1,.05,4 at .2,.45 white distort .1</a:t>
+            </a:r>
+            <a:br>
+              <a:rPr lang="en-US" sz="1200" dirty="0"/>
+            </a:br>
+            <a:r>
+              <a:rPr lang="en-US" sz="1200" dirty="0"/>
+              <a:t>inner .5 distort .01 yellow</a:t>
+            </a:r>
+            <a:br>
+              <a:rPr lang="en-US" sz="1200" dirty="0"/>
+            </a:br>
+            <a:endParaRPr lang="en-US" sz="1200" dirty="0"/>
+          </a:p>
+        </p:txBody>
+      </p:sp>
+      <p:pic>
+        <p:nvPicPr>
+          <p:cNvPr id="7" name="Picture 6" descr="A picture containing vector graphics, fabric&#10;&#10;Description automatically generated">
+            <a:extLst>
+              <a:ext uri="{FF2B5EF4-FFF2-40B4-BE49-F238E27FC236}">
+                <a16:creationId xmlns:a16="http://schemas.microsoft.com/office/drawing/2014/main" id="{1FE98338-AD44-4EED-A783-F0831A840E11}"/>
+              </a:ext>
+            </a:extLst>
+          </p:cNvPr>
+          <p:cNvPicPr>
+            <a:picLocks noChangeAspect="1"/>
+          </p:cNvPicPr>
+          <p:nvPr/>
+        </p:nvPicPr>
+        <p:blipFill>
+          <a:blip r:embed="rId2">
+            <a:extLst>
+              <a:ext uri="{28A0092B-C50C-407E-A947-70E740481C1C}">
+                <a14:useLocalDpi xmlns:a14="http://schemas.microsoft.com/office/drawing/2010/main" val="0"/>
+              </a:ext>
+            </a:extLst>
+          </a:blip>
+          <a:stretch>
+            <a:fillRect/>
+          </a:stretch>
+        </p:blipFill>
+        <p:spPr>
+          <a:xfrm>
+            <a:off x="7756976" y="1287780"/>
+            <a:ext cx="2857500" cy="2400300"/>
+          </a:xfrm>
+          <a:prstGeom prst="rect">
+            <a:avLst/>
+          </a:prstGeom>
+        </p:spPr>
+      </p:pic>
+      <p:sp>
+        <p:nvSpPr>
+          <p:cNvPr id="8" name="TextBox 7">
+            <a:extLst>
+              <a:ext uri="{FF2B5EF4-FFF2-40B4-BE49-F238E27FC236}">
+                <a16:creationId xmlns:a16="http://schemas.microsoft.com/office/drawing/2014/main" id="{54220E57-8A2F-4399-986A-F8271CC8224B}"/>
+              </a:ext>
+            </a:extLst>
+          </p:cNvPr>
+          <p:cNvSpPr txBox="1"/>
+          <p:nvPr/>
+        </p:nvSpPr>
+        <p:spPr>
+          <a:xfrm>
+            <a:off x="7756976" y="6096000"/>
+            <a:ext cx="3132797" cy="276999"/>
+          </a:xfrm>
+          <a:prstGeom prst="rect">
+            <a:avLst/>
+          </a:prstGeom>
+          <a:noFill/>
+        </p:spPr>
+        <p:txBody>
+          <a:bodyPr wrap="square" rtlCol="0">
+            <a:spAutoFit/>
+          </a:bodyPr>
+          <a:lstStyle/>
+          <a:p>
+            <a:r>
+              <a:rPr lang="en-US" sz="1200" dirty="0">
+                <a:solidFill>
+                  <a:schemeClr val="accent1"/>
+                </a:solidFill>
+              </a:rPr>
+              <a:t>Figure 1: Whimsy code and output example [8].</a:t>
             </a:r>
           </a:p>
         </p:txBody>
@@ -6173,7 +10449,7 @@
     </p:spTree>
     <p:extLst>
       <p:ext uri="{BB962C8B-B14F-4D97-AF65-F5344CB8AC3E}">
-        <p14:creationId xmlns:p14="http://schemas.microsoft.com/office/powerpoint/2010/main" val="2841002354"/>
+        <p14:creationId xmlns:p14="http://schemas.microsoft.com/office/powerpoint/2010/main" val="721199194"/>
       </p:ext>
     </p:extLst>
   </p:cSld>
@@ -6228,7 +10504,7 @@
           <a:p>
             <a:r>
               <a:rPr lang="en-US" dirty="0"/>
-              <a:t>Architecture</a:t>
+              <a:t>Compiler</a:t>
             </a:r>
           </a:p>
         </p:txBody>
@@ -6261,7 +10537,22 @@
           </a:bodyPr>
           <a:lstStyle/>
           <a:p>
-            <a:endParaRPr lang="en-US" dirty="0"/>
+            <a:r>
+              <a:rPr lang="en-US" dirty="0"/>
+              <a:t>Script source is compiled into bytecode.</a:t>
+            </a:r>
+          </a:p>
+          <a:p>
+            <a:r>
+              <a:rPr lang="en-US" dirty="0"/>
+              <a:t>Scanner converts source into tokens.</a:t>
+            </a:r>
+          </a:p>
+          <a:p>
+            <a:r>
+              <a:rPr lang="en-US" dirty="0"/>
+              <a:t>Parser converts tokens into bytecode.</a:t>
+            </a:r>
           </a:p>
         </p:txBody>
       </p:sp>
@@ -6280,7 +10571,7 @@
         <p:spPr>
           <a:xfrm>
             <a:off x="226646" y="220785"/>
-            <a:ext cx="1258277" cy="2031325"/>
+            <a:ext cx="1258277" cy="2308324"/>
           </a:xfrm>
           <a:prstGeom prst="rect">
             <a:avLst/>
@@ -6294,7 +10585,7 @@
           <a:lstStyle/>
           <a:p>
             <a:r>
-              <a:rPr lang="en-US" sz="1050" dirty="0">
+              <a:rPr lang="en-US" sz="1200" dirty="0">
                 <a:solidFill>
                   <a:schemeClr val="accent1"/>
                 </a:solidFill>
@@ -6304,7 +10595,7 @@
           </a:p>
           <a:p>
             <a:r>
-              <a:rPr lang="en-US" sz="1050" dirty="0">
+              <a:rPr lang="en-US" sz="1200" dirty="0">
                 <a:solidFill>
                   <a:schemeClr val="accent1"/>
                 </a:solidFill>
@@ -6314,7 +10605,7 @@
           </a:p>
           <a:p>
             <a:r>
-              <a:rPr lang="en-US" sz="1050" dirty="0">
+              <a:rPr lang="en-US" sz="1200" dirty="0">
                 <a:solidFill>
                   <a:schemeClr val="accent1"/>
                 </a:solidFill>
@@ -6324,7 +10615,7 @@
           </a:p>
           <a:p>
             <a:r>
-              <a:rPr lang="en-US" sz="1050" dirty="0">
+              <a:rPr lang="en-US" sz="1200" b="1" dirty="0">
                 <a:solidFill>
                   <a:schemeClr val="accent1"/>
                 </a:solidFill>
@@ -6334,7 +10625,7 @@
           </a:p>
           <a:p>
             <a:r>
-              <a:rPr lang="en-US" sz="1050" dirty="0">
+              <a:rPr lang="en-US" sz="1200" dirty="0">
                 <a:solidFill>
                   <a:schemeClr val="accent1"/>
                 </a:solidFill>
@@ -6344,7 +10635,7 @@
           </a:p>
           <a:p>
             <a:r>
-              <a:rPr lang="en-US" sz="1050" dirty="0">
+              <a:rPr lang="en-US" sz="1200" dirty="0">
                 <a:solidFill>
                   <a:schemeClr val="accent1"/>
                 </a:solidFill>
@@ -6354,7 +10645,7 @@
           </a:p>
           <a:p>
             <a:r>
-              <a:rPr lang="en-US" sz="1050" dirty="0">
+              <a:rPr lang="en-US" sz="1200" dirty="0">
                 <a:solidFill>
                   <a:schemeClr val="accent1"/>
                 </a:solidFill>
@@ -6364,7 +10655,7 @@
           </a:p>
           <a:p>
             <a:r>
-              <a:rPr lang="en-US" sz="1050" b="1" dirty="0">
+              <a:rPr lang="en-US" sz="1200" dirty="0">
                 <a:solidFill>
                   <a:schemeClr val="accent1"/>
                 </a:solidFill>
@@ -6374,7 +10665,7 @@
           </a:p>
           <a:p>
             <a:r>
-              <a:rPr lang="en-US" sz="1050" dirty="0">
+              <a:rPr lang="en-US" sz="1200" dirty="0">
                 <a:solidFill>
                   <a:schemeClr val="accent1"/>
                 </a:solidFill>
@@ -6384,17 +10675,17 @@
           </a:p>
           <a:p>
             <a:r>
-              <a:rPr lang="en-US" sz="1050" dirty="0">
-                <a:solidFill>
-                  <a:schemeClr val="accent1"/>
-                </a:solidFill>
-              </a:rPr>
-              <a:t>Playtest Results</a:t>
-            </a:r>
-          </a:p>
-          <a:p>
-            <a:r>
-              <a:rPr lang="en-US" sz="1050" dirty="0">
+              <a:rPr lang="en-US" sz="1200" dirty="0">
+                <a:solidFill>
+                  <a:schemeClr val="accent1"/>
+                </a:solidFill>
+              </a:rPr>
+              <a:t>User Feedback</a:t>
+            </a:r>
+          </a:p>
+          <a:p>
+            <a:r>
+              <a:rPr lang="en-US" sz="1200" dirty="0">
                 <a:solidFill>
                   <a:schemeClr val="accent1"/>
                 </a:solidFill>
@@ -6404,7 +10695,7 @@
           </a:p>
           <a:p>
             <a:r>
-              <a:rPr lang="en-US" sz="1050" dirty="0">
+              <a:rPr lang="en-US" sz="1200" dirty="0">
                 <a:solidFill>
                   <a:schemeClr val="accent1"/>
                 </a:solidFill>
@@ -6417,7 +10708,7 @@
     </p:spTree>
     <p:extLst>
       <p:ext uri="{BB962C8B-B14F-4D97-AF65-F5344CB8AC3E}">
-        <p14:creationId xmlns:p14="http://schemas.microsoft.com/office/powerpoint/2010/main" val="1107471381"/>
+        <p14:creationId xmlns:p14="http://schemas.microsoft.com/office/powerpoint/2010/main" val="1853540981"/>
       </p:ext>
     </p:extLst>
   </p:cSld>

--- a/Zephyr/Documentation/Wolverton_Defense_Slides.pptx
+++ b/Zephyr/Documentation/Wolverton_Defense_Slides.pptx
@@ -28,10 +28,14 @@
     <p:sldId id="278" r:id="rId22"/>
     <p:sldId id="279" r:id="rId23"/>
     <p:sldId id="264" r:id="rId24"/>
-    <p:sldId id="265" r:id="rId25"/>
-    <p:sldId id="266" r:id="rId26"/>
-    <p:sldId id="267" r:id="rId27"/>
-    <p:sldId id="268" r:id="rId28"/>
+    <p:sldId id="283" r:id="rId25"/>
+    <p:sldId id="284" r:id="rId26"/>
+    <p:sldId id="285" r:id="rId27"/>
+    <p:sldId id="286" r:id="rId28"/>
+    <p:sldId id="265" r:id="rId29"/>
+    <p:sldId id="266" r:id="rId30"/>
+    <p:sldId id="267" r:id="rId31"/>
+    <p:sldId id="268" r:id="rId32"/>
   </p:sldIdLst>
   <p:sldSz cx="12192000" cy="6858000"/>
   <p:notesSz cx="6858000" cy="9144000"/>
@@ -334,7 +338,7 @@
           <a:p>
             <a:fld id="{0A3D40DE-2B7D-47C7-95F2-5DED07D050F8}" type="datetimeFigureOut">
               <a:rPr lang="en-US" smtClean="0"/>
-              <a:t>2/11/2021</a:t>
+              <a:t>2/24/2021</a:t>
             </a:fld>
             <a:endParaRPr lang="en-US"/>
           </a:p>
@@ -555,7 +559,7 @@
           <a:p>
             <a:fld id="{0A3D40DE-2B7D-47C7-95F2-5DED07D050F8}" type="datetimeFigureOut">
               <a:rPr lang="en-US" smtClean="0"/>
-              <a:t>2/11/2021</a:t>
+              <a:t>2/24/2021</a:t>
             </a:fld>
             <a:endParaRPr lang="en-US"/>
           </a:p>
@@ -735,7 +739,7 @@
           <a:p>
             <a:fld id="{0A3D40DE-2B7D-47C7-95F2-5DED07D050F8}" type="datetimeFigureOut">
               <a:rPr lang="en-US" smtClean="0"/>
-              <a:t>2/11/2021</a:t>
+              <a:t>2/24/2021</a:t>
             </a:fld>
             <a:endParaRPr lang="en-US"/>
           </a:p>
@@ -905,7 +909,7 @@
           <a:p>
             <a:fld id="{0A3D40DE-2B7D-47C7-95F2-5DED07D050F8}" type="datetimeFigureOut">
               <a:rPr lang="en-US" smtClean="0"/>
-              <a:t>2/11/2021</a:t>
+              <a:t>2/24/2021</a:t>
             </a:fld>
             <a:endParaRPr lang="en-US"/>
           </a:p>
@@ -1156,7 +1160,7 @@
           <a:p>
             <a:fld id="{0A3D40DE-2B7D-47C7-95F2-5DED07D050F8}" type="datetimeFigureOut">
               <a:rPr lang="en-US" smtClean="0"/>
-              <a:t>2/11/2021</a:t>
+              <a:t>2/24/2021</a:t>
             </a:fld>
             <a:endParaRPr lang="en-US"/>
           </a:p>
@@ -1479,7 +1483,7 @@
           <a:p>
             <a:fld id="{0A3D40DE-2B7D-47C7-95F2-5DED07D050F8}" type="datetimeFigureOut">
               <a:rPr lang="en-US" smtClean="0"/>
-              <a:t>2/11/2021</a:t>
+              <a:t>2/24/2021</a:t>
             </a:fld>
             <a:endParaRPr lang="en-US"/>
           </a:p>
@@ -1903,7 +1907,7 @@
           <a:p>
             <a:fld id="{0A3D40DE-2B7D-47C7-95F2-5DED07D050F8}" type="datetimeFigureOut">
               <a:rPr lang="en-US" smtClean="0"/>
-              <a:t>2/11/2021</a:t>
+              <a:t>2/24/2021</a:t>
             </a:fld>
             <a:endParaRPr lang="en-US"/>
           </a:p>
@@ -2021,7 +2025,7 @@
           <a:p>
             <a:fld id="{0A3D40DE-2B7D-47C7-95F2-5DED07D050F8}" type="datetimeFigureOut">
               <a:rPr lang="en-US" smtClean="0"/>
-              <a:t>2/11/2021</a:t>
+              <a:t>2/24/2021</a:t>
             </a:fld>
             <a:endParaRPr lang="en-US"/>
           </a:p>
@@ -2116,7 +2120,7 @@
           <a:p>
             <a:fld id="{0A3D40DE-2B7D-47C7-95F2-5DED07D050F8}" type="datetimeFigureOut">
               <a:rPr lang="en-US" smtClean="0"/>
-              <a:t>2/11/2021</a:t>
+              <a:t>2/24/2021</a:t>
             </a:fld>
             <a:endParaRPr lang="en-US"/>
           </a:p>
@@ -2406,7 +2410,7 @@
           <a:p>
             <a:fld id="{0A3D40DE-2B7D-47C7-95F2-5DED07D050F8}" type="datetimeFigureOut">
               <a:rPr lang="en-US" smtClean="0"/>
-              <a:t>2/11/2021</a:t>
+              <a:t>2/24/2021</a:t>
             </a:fld>
             <a:endParaRPr lang="en-US"/>
           </a:p>
@@ -2678,7 +2682,7 @@
           <a:p>
             <a:fld id="{0A3D40DE-2B7D-47C7-95F2-5DED07D050F8}" type="datetimeFigureOut">
               <a:rPr lang="en-US" smtClean="0"/>
-              <a:t>2/11/2021</a:t>
+              <a:t>2/24/2021</a:t>
             </a:fld>
             <a:endParaRPr lang="en-US"/>
           </a:p>
@@ -2932,7 +2936,7 @@
           <a:p>
             <a:fld id="{0A3D40DE-2B7D-47C7-95F2-5DED07D050F8}" type="datetimeFigureOut">
               <a:rPr lang="en-US" smtClean="0"/>
-              <a:t>2/11/2021</a:t>
+              <a:t>2/24/2021</a:t>
             </a:fld>
             <a:endParaRPr lang="en-US"/>
           </a:p>
@@ -4003,6 +4007,222 @@
   <p:clrMapOvr>
     <a:masterClrMapping/>
   </p:clrMapOvr>
+  <p:timing>
+    <p:tnLst>
+      <p:par>
+        <p:cTn id="1" dur="indefinite" restart="never" nodeType="tmRoot">
+          <p:childTnLst>
+            <p:seq concurrent="1" nextAc="seek">
+              <p:cTn id="2" dur="indefinite" nodeType="mainSeq">
+                <p:childTnLst>
+                  <p:par>
+                    <p:cTn id="3" fill="hold">
+                      <p:stCondLst>
+                        <p:cond delay="indefinite"/>
+                      </p:stCondLst>
+                      <p:childTnLst>
+                        <p:par>
+                          <p:cTn id="4" fill="hold">
+                            <p:stCondLst>
+                              <p:cond delay="0"/>
+                            </p:stCondLst>
+                            <p:childTnLst>
+                              <p:par>
+                                <p:cTn id="5" presetID="10" presetClass="entr" presetSubtype="0" fill="hold" grpId="0" nodeType="clickEffect">
+                                  <p:stCondLst>
+                                    <p:cond delay="0"/>
+                                  </p:stCondLst>
+                                  <p:childTnLst>
+                                    <p:set>
+                                      <p:cBhvr>
+                                        <p:cTn id="6" dur="1" fill="hold">
+                                          <p:stCondLst>
+                                            <p:cond delay="0"/>
+                                          </p:stCondLst>
+                                        </p:cTn>
+                                        <p:tgtEl>
+                                          <p:spTgt spid="3">
+                                            <p:txEl>
+                                              <p:pRg st="0" end="0"/>
+                                            </p:txEl>
+                                          </p:spTgt>
+                                        </p:tgtEl>
+                                        <p:attrNameLst>
+                                          <p:attrName>style.visibility</p:attrName>
+                                        </p:attrNameLst>
+                                      </p:cBhvr>
+                                      <p:to>
+                                        <p:strVal val="visible"/>
+                                      </p:to>
+                                    </p:set>
+                                    <p:animEffect transition="in" filter="fade">
+                                      <p:cBhvr>
+                                        <p:cTn id="7" dur="500"/>
+                                        <p:tgtEl>
+                                          <p:spTgt spid="3">
+                                            <p:txEl>
+                                              <p:pRg st="0" end="0"/>
+                                            </p:txEl>
+                                          </p:spTgt>
+                                        </p:tgtEl>
+                                      </p:cBhvr>
+                                    </p:animEffect>
+                                  </p:childTnLst>
+                                </p:cTn>
+                              </p:par>
+                            </p:childTnLst>
+                          </p:cTn>
+                        </p:par>
+                      </p:childTnLst>
+                    </p:cTn>
+                  </p:par>
+                  <p:par>
+                    <p:cTn id="8" fill="hold">
+                      <p:stCondLst>
+                        <p:cond delay="indefinite"/>
+                      </p:stCondLst>
+                      <p:childTnLst>
+                        <p:par>
+                          <p:cTn id="9" fill="hold">
+                            <p:stCondLst>
+                              <p:cond delay="0"/>
+                            </p:stCondLst>
+                            <p:childTnLst>
+                              <p:par>
+                                <p:cTn id="10" presetID="10" presetClass="entr" presetSubtype="0" fill="hold" grpId="0" nodeType="clickEffect">
+                                  <p:stCondLst>
+                                    <p:cond delay="0"/>
+                                  </p:stCondLst>
+                                  <p:childTnLst>
+                                    <p:set>
+                                      <p:cBhvr>
+                                        <p:cTn id="11" dur="1" fill="hold">
+                                          <p:stCondLst>
+                                            <p:cond delay="0"/>
+                                          </p:stCondLst>
+                                        </p:cTn>
+                                        <p:tgtEl>
+                                          <p:spTgt spid="3">
+                                            <p:txEl>
+                                              <p:pRg st="1" end="1"/>
+                                            </p:txEl>
+                                          </p:spTgt>
+                                        </p:tgtEl>
+                                        <p:attrNameLst>
+                                          <p:attrName>style.visibility</p:attrName>
+                                        </p:attrNameLst>
+                                      </p:cBhvr>
+                                      <p:to>
+                                        <p:strVal val="visible"/>
+                                      </p:to>
+                                    </p:set>
+                                    <p:animEffect transition="in" filter="fade">
+                                      <p:cBhvr>
+                                        <p:cTn id="12" dur="500"/>
+                                        <p:tgtEl>
+                                          <p:spTgt spid="3">
+                                            <p:txEl>
+                                              <p:pRg st="1" end="1"/>
+                                            </p:txEl>
+                                          </p:spTgt>
+                                        </p:tgtEl>
+                                      </p:cBhvr>
+                                    </p:animEffect>
+                                  </p:childTnLst>
+                                </p:cTn>
+                              </p:par>
+                            </p:childTnLst>
+                          </p:cTn>
+                        </p:par>
+                      </p:childTnLst>
+                    </p:cTn>
+                  </p:par>
+                  <p:par>
+                    <p:cTn id="13" fill="hold">
+                      <p:stCondLst>
+                        <p:cond delay="indefinite"/>
+                      </p:stCondLst>
+                      <p:childTnLst>
+                        <p:par>
+                          <p:cTn id="14" fill="hold">
+                            <p:stCondLst>
+                              <p:cond delay="0"/>
+                            </p:stCondLst>
+                            <p:childTnLst>
+                              <p:par>
+                                <p:cTn id="15" presetID="10" presetClass="entr" presetSubtype="0" fill="hold" grpId="0" nodeType="clickEffect">
+                                  <p:stCondLst>
+                                    <p:cond delay="0"/>
+                                  </p:stCondLst>
+                                  <p:childTnLst>
+                                    <p:set>
+                                      <p:cBhvr>
+                                        <p:cTn id="16" dur="1" fill="hold">
+                                          <p:stCondLst>
+                                            <p:cond delay="0"/>
+                                          </p:stCondLst>
+                                        </p:cTn>
+                                        <p:tgtEl>
+                                          <p:spTgt spid="3">
+                                            <p:txEl>
+                                              <p:pRg st="2" end="2"/>
+                                            </p:txEl>
+                                          </p:spTgt>
+                                        </p:tgtEl>
+                                        <p:attrNameLst>
+                                          <p:attrName>style.visibility</p:attrName>
+                                        </p:attrNameLst>
+                                      </p:cBhvr>
+                                      <p:to>
+                                        <p:strVal val="visible"/>
+                                      </p:to>
+                                    </p:set>
+                                    <p:animEffect transition="in" filter="fade">
+                                      <p:cBhvr>
+                                        <p:cTn id="17" dur="500"/>
+                                        <p:tgtEl>
+                                          <p:spTgt spid="3">
+                                            <p:txEl>
+                                              <p:pRg st="2" end="2"/>
+                                            </p:txEl>
+                                          </p:spTgt>
+                                        </p:tgtEl>
+                                      </p:cBhvr>
+                                    </p:animEffect>
+                                  </p:childTnLst>
+                                </p:cTn>
+                              </p:par>
+                            </p:childTnLst>
+                          </p:cTn>
+                        </p:par>
+                      </p:childTnLst>
+                    </p:cTn>
+                  </p:par>
+                </p:childTnLst>
+              </p:cTn>
+              <p:prevCondLst>
+                <p:cond evt="onPrev" delay="0">
+                  <p:tgtEl>
+                    <p:sldTgt/>
+                  </p:tgtEl>
+                </p:cond>
+              </p:prevCondLst>
+              <p:nextCondLst>
+                <p:cond evt="onNext" delay="0">
+                  <p:tgtEl>
+                    <p:sldTgt/>
+                  </p:tgtEl>
+                </p:cond>
+              </p:nextCondLst>
+            </p:seq>
+          </p:childTnLst>
+        </p:cTn>
+      </p:par>
+    </p:tnLst>
+    <p:bldLst>
+      <p:bldP spid="3" grpId="0" build="p"/>
+    </p:bldLst>
+  </p:timing>
 </p:sld>
 </file>
 
@@ -4529,6 +4749,369 @@
   <p:clrMapOvr>
     <a:masterClrMapping/>
   </p:clrMapOvr>
+  <p:timing>
+    <p:tnLst>
+      <p:par>
+        <p:cTn id="1" dur="indefinite" restart="never" nodeType="tmRoot">
+          <p:childTnLst>
+            <p:seq concurrent="1" nextAc="seek">
+              <p:cTn id="2" dur="indefinite" nodeType="mainSeq">
+                <p:childTnLst>
+                  <p:par>
+                    <p:cTn id="3" fill="hold">
+                      <p:stCondLst>
+                        <p:cond delay="indefinite"/>
+                      </p:stCondLst>
+                      <p:childTnLst>
+                        <p:par>
+                          <p:cTn id="4" fill="hold">
+                            <p:stCondLst>
+                              <p:cond delay="0"/>
+                            </p:stCondLst>
+                            <p:childTnLst>
+                              <p:par>
+                                <p:cTn id="5" presetID="10" presetClass="entr" presetSubtype="0" fill="hold" grpId="0" nodeType="clickEffect">
+                                  <p:stCondLst>
+                                    <p:cond delay="0"/>
+                                  </p:stCondLst>
+                                  <p:childTnLst>
+                                    <p:set>
+                                      <p:cBhvr>
+                                        <p:cTn id="6" dur="1" fill="hold">
+                                          <p:stCondLst>
+                                            <p:cond delay="0"/>
+                                          </p:stCondLst>
+                                        </p:cTn>
+                                        <p:tgtEl>
+                                          <p:spTgt spid="3">
+                                            <p:txEl>
+                                              <p:pRg st="0" end="0"/>
+                                            </p:txEl>
+                                          </p:spTgt>
+                                        </p:tgtEl>
+                                        <p:attrNameLst>
+                                          <p:attrName>style.visibility</p:attrName>
+                                        </p:attrNameLst>
+                                      </p:cBhvr>
+                                      <p:to>
+                                        <p:strVal val="visible"/>
+                                      </p:to>
+                                    </p:set>
+                                    <p:animEffect transition="in" filter="fade">
+                                      <p:cBhvr>
+                                        <p:cTn id="7" dur="500"/>
+                                        <p:tgtEl>
+                                          <p:spTgt spid="3">
+                                            <p:txEl>
+                                              <p:pRg st="0" end="0"/>
+                                            </p:txEl>
+                                          </p:spTgt>
+                                        </p:tgtEl>
+                                      </p:cBhvr>
+                                    </p:animEffect>
+                                  </p:childTnLst>
+                                </p:cTn>
+                              </p:par>
+                            </p:childTnLst>
+                          </p:cTn>
+                        </p:par>
+                      </p:childTnLst>
+                    </p:cTn>
+                  </p:par>
+                  <p:par>
+                    <p:cTn id="8" fill="hold">
+                      <p:stCondLst>
+                        <p:cond delay="indefinite"/>
+                      </p:stCondLst>
+                      <p:childTnLst>
+                        <p:par>
+                          <p:cTn id="9" fill="hold">
+                            <p:stCondLst>
+                              <p:cond delay="0"/>
+                            </p:stCondLst>
+                            <p:childTnLst>
+                              <p:par>
+                                <p:cTn id="10" presetID="10" presetClass="entr" presetSubtype="0" fill="hold" grpId="0" nodeType="clickEffect">
+                                  <p:stCondLst>
+                                    <p:cond delay="0"/>
+                                  </p:stCondLst>
+                                  <p:childTnLst>
+                                    <p:set>
+                                      <p:cBhvr>
+                                        <p:cTn id="11" dur="1" fill="hold">
+                                          <p:stCondLst>
+                                            <p:cond delay="0"/>
+                                          </p:stCondLst>
+                                        </p:cTn>
+                                        <p:tgtEl>
+                                          <p:spTgt spid="3">
+                                            <p:txEl>
+                                              <p:pRg st="1" end="1"/>
+                                            </p:txEl>
+                                          </p:spTgt>
+                                        </p:tgtEl>
+                                        <p:attrNameLst>
+                                          <p:attrName>style.visibility</p:attrName>
+                                        </p:attrNameLst>
+                                      </p:cBhvr>
+                                      <p:to>
+                                        <p:strVal val="visible"/>
+                                      </p:to>
+                                    </p:set>
+                                    <p:animEffect transition="in" filter="fade">
+                                      <p:cBhvr>
+                                        <p:cTn id="12" dur="500"/>
+                                        <p:tgtEl>
+                                          <p:spTgt spid="3">
+                                            <p:txEl>
+                                              <p:pRg st="1" end="1"/>
+                                            </p:txEl>
+                                          </p:spTgt>
+                                        </p:tgtEl>
+                                      </p:cBhvr>
+                                    </p:animEffect>
+                                  </p:childTnLst>
+                                </p:cTn>
+                              </p:par>
+                            </p:childTnLst>
+                          </p:cTn>
+                        </p:par>
+                      </p:childTnLst>
+                    </p:cTn>
+                  </p:par>
+                  <p:par>
+                    <p:cTn id="13" fill="hold">
+                      <p:stCondLst>
+                        <p:cond delay="indefinite"/>
+                      </p:stCondLst>
+                      <p:childTnLst>
+                        <p:par>
+                          <p:cTn id="14" fill="hold">
+                            <p:stCondLst>
+                              <p:cond delay="0"/>
+                            </p:stCondLst>
+                            <p:childTnLst>
+                              <p:par>
+                                <p:cTn id="15" presetID="10" presetClass="entr" presetSubtype="0" fill="hold" grpId="0" nodeType="clickEffect">
+                                  <p:stCondLst>
+                                    <p:cond delay="0"/>
+                                  </p:stCondLst>
+                                  <p:childTnLst>
+                                    <p:set>
+                                      <p:cBhvr>
+                                        <p:cTn id="16" dur="1" fill="hold">
+                                          <p:stCondLst>
+                                            <p:cond delay="0"/>
+                                          </p:stCondLst>
+                                        </p:cTn>
+                                        <p:tgtEl>
+                                          <p:spTgt spid="3">
+                                            <p:txEl>
+                                              <p:pRg st="2" end="2"/>
+                                            </p:txEl>
+                                          </p:spTgt>
+                                        </p:tgtEl>
+                                        <p:attrNameLst>
+                                          <p:attrName>style.visibility</p:attrName>
+                                        </p:attrNameLst>
+                                      </p:cBhvr>
+                                      <p:to>
+                                        <p:strVal val="visible"/>
+                                      </p:to>
+                                    </p:set>
+                                    <p:animEffect transition="in" filter="fade">
+                                      <p:cBhvr>
+                                        <p:cTn id="17" dur="500"/>
+                                        <p:tgtEl>
+                                          <p:spTgt spid="3">
+                                            <p:txEl>
+                                              <p:pRg st="2" end="2"/>
+                                            </p:txEl>
+                                          </p:spTgt>
+                                        </p:tgtEl>
+                                      </p:cBhvr>
+                                    </p:animEffect>
+                                  </p:childTnLst>
+                                </p:cTn>
+                              </p:par>
+                            </p:childTnLst>
+                          </p:cTn>
+                        </p:par>
+                      </p:childTnLst>
+                    </p:cTn>
+                  </p:par>
+                  <p:par>
+                    <p:cTn id="18" fill="hold">
+                      <p:stCondLst>
+                        <p:cond delay="indefinite"/>
+                      </p:stCondLst>
+                      <p:childTnLst>
+                        <p:par>
+                          <p:cTn id="19" fill="hold">
+                            <p:stCondLst>
+                              <p:cond delay="0"/>
+                            </p:stCondLst>
+                            <p:childTnLst>
+                              <p:par>
+                                <p:cTn id="20" presetID="10" presetClass="entr" presetSubtype="0" fill="hold" grpId="0" nodeType="clickEffect">
+                                  <p:stCondLst>
+                                    <p:cond delay="0"/>
+                                  </p:stCondLst>
+                                  <p:childTnLst>
+                                    <p:set>
+                                      <p:cBhvr>
+                                        <p:cTn id="21" dur="1" fill="hold">
+                                          <p:stCondLst>
+                                            <p:cond delay="0"/>
+                                          </p:stCondLst>
+                                        </p:cTn>
+                                        <p:tgtEl>
+                                          <p:spTgt spid="3">
+                                            <p:txEl>
+                                              <p:pRg st="3" end="3"/>
+                                            </p:txEl>
+                                          </p:spTgt>
+                                        </p:tgtEl>
+                                        <p:attrNameLst>
+                                          <p:attrName>style.visibility</p:attrName>
+                                        </p:attrNameLst>
+                                      </p:cBhvr>
+                                      <p:to>
+                                        <p:strVal val="visible"/>
+                                      </p:to>
+                                    </p:set>
+                                    <p:animEffect transition="in" filter="fade">
+                                      <p:cBhvr>
+                                        <p:cTn id="22" dur="500"/>
+                                        <p:tgtEl>
+                                          <p:spTgt spid="3">
+                                            <p:txEl>
+                                              <p:pRg st="3" end="3"/>
+                                            </p:txEl>
+                                          </p:spTgt>
+                                        </p:tgtEl>
+                                      </p:cBhvr>
+                                    </p:animEffect>
+                                  </p:childTnLst>
+                                </p:cTn>
+                              </p:par>
+                              <p:par>
+                                <p:cTn id="23" presetID="10" presetClass="entr" presetSubtype="0" fill="hold" grpId="0" nodeType="withEffect">
+                                  <p:stCondLst>
+                                    <p:cond delay="0"/>
+                                  </p:stCondLst>
+                                  <p:childTnLst>
+                                    <p:set>
+                                      <p:cBhvr>
+                                        <p:cTn id="24" dur="1" fill="hold">
+                                          <p:stCondLst>
+                                            <p:cond delay="0"/>
+                                          </p:stCondLst>
+                                        </p:cTn>
+                                        <p:tgtEl>
+                                          <p:spTgt spid="3">
+                                            <p:txEl>
+                                              <p:pRg st="4" end="4"/>
+                                            </p:txEl>
+                                          </p:spTgt>
+                                        </p:tgtEl>
+                                        <p:attrNameLst>
+                                          <p:attrName>style.visibility</p:attrName>
+                                        </p:attrNameLst>
+                                      </p:cBhvr>
+                                      <p:to>
+                                        <p:strVal val="visible"/>
+                                      </p:to>
+                                    </p:set>
+                                    <p:animEffect transition="in" filter="fade">
+                                      <p:cBhvr>
+                                        <p:cTn id="25" dur="500"/>
+                                        <p:tgtEl>
+                                          <p:spTgt spid="3">
+                                            <p:txEl>
+                                              <p:pRg st="4" end="4"/>
+                                            </p:txEl>
+                                          </p:spTgt>
+                                        </p:tgtEl>
+                                      </p:cBhvr>
+                                    </p:animEffect>
+                                  </p:childTnLst>
+                                </p:cTn>
+                              </p:par>
+                              <p:par>
+                                <p:cTn id="26" presetID="10" presetClass="entr" presetSubtype="0" fill="hold" grpId="0" nodeType="withEffect">
+                                  <p:stCondLst>
+                                    <p:cond delay="0"/>
+                                  </p:stCondLst>
+                                  <p:childTnLst>
+                                    <p:set>
+                                      <p:cBhvr>
+                                        <p:cTn id="27" dur="1" fill="hold">
+                                          <p:stCondLst>
+                                            <p:cond delay="0"/>
+                                          </p:stCondLst>
+                                        </p:cTn>
+                                        <p:tgtEl>
+                                          <p:spTgt spid="3">
+                                            <p:txEl>
+                                              <p:pRg st="5" end="5"/>
+                                            </p:txEl>
+                                          </p:spTgt>
+                                        </p:tgtEl>
+                                        <p:attrNameLst>
+                                          <p:attrName>style.visibility</p:attrName>
+                                        </p:attrNameLst>
+                                      </p:cBhvr>
+                                      <p:to>
+                                        <p:strVal val="visible"/>
+                                      </p:to>
+                                    </p:set>
+                                    <p:animEffect transition="in" filter="fade">
+                                      <p:cBhvr>
+                                        <p:cTn id="28" dur="500"/>
+                                        <p:tgtEl>
+                                          <p:spTgt spid="3">
+                                            <p:txEl>
+                                              <p:pRg st="5" end="5"/>
+                                            </p:txEl>
+                                          </p:spTgt>
+                                        </p:tgtEl>
+                                      </p:cBhvr>
+                                    </p:animEffect>
+                                  </p:childTnLst>
+                                </p:cTn>
+                              </p:par>
+                            </p:childTnLst>
+                          </p:cTn>
+                        </p:par>
+                      </p:childTnLst>
+                    </p:cTn>
+                  </p:par>
+                </p:childTnLst>
+              </p:cTn>
+              <p:prevCondLst>
+                <p:cond evt="onPrev" delay="0">
+                  <p:tgtEl>
+                    <p:sldTgt/>
+                  </p:tgtEl>
+                </p:cond>
+              </p:prevCondLst>
+              <p:nextCondLst>
+                <p:cond evt="onNext" delay="0">
+                  <p:tgtEl>
+                    <p:sldTgt/>
+                  </p:tgtEl>
+                </p:cond>
+              </p:nextCondLst>
+            </p:seq>
+          </p:childTnLst>
+        </p:cTn>
+      </p:par>
+    </p:tnLst>
+    <p:bldLst>
+      <p:bldP spid="3" grpId="0" build="p"/>
+    </p:bldLst>
+  </p:timing>
 </p:sld>
 </file>
 
@@ -4788,6 +5371,222 @@
   <p:clrMapOvr>
     <a:masterClrMapping/>
   </p:clrMapOvr>
+  <p:timing>
+    <p:tnLst>
+      <p:par>
+        <p:cTn id="1" dur="indefinite" restart="never" nodeType="tmRoot">
+          <p:childTnLst>
+            <p:seq concurrent="1" nextAc="seek">
+              <p:cTn id="2" dur="indefinite" nodeType="mainSeq">
+                <p:childTnLst>
+                  <p:par>
+                    <p:cTn id="3" fill="hold">
+                      <p:stCondLst>
+                        <p:cond delay="indefinite"/>
+                      </p:stCondLst>
+                      <p:childTnLst>
+                        <p:par>
+                          <p:cTn id="4" fill="hold">
+                            <p:stCondLst>
+                              <p:cond delay="0"/>
+                            </p:stCondLst>
+                            <p:childTnLst>
+                              <p:par>
+                                <p:cTn id="5" presetID="10" presetClass="entr" presetSubtype="0" fill="hold" grpId="0" nodeType="clickEffect">
+                                  <p:stCondLst>
+                                    <p:cond delay="0"/>
+                                  </p:stCondLst>
+                                  <p:childTnLst>
+                                    <p:set>
+                                      <p:cBhvr>
+                                        <p:cTn id="6" dur="1" fill="hold">
+                                          <p:stCondLst>
+                                            <p:cond delay="0"/>
+                                          </p:stCondLst>
+                                        </p:cTn>
+                                        <p:tgtEl>
+                                          <p:spTgt spid="3">
+                                            <p:txEl>
+                                              <p:pRg st="0" end="0"/>
+                                            </p:txEl>
+                                          </p:spTgt>
+                                        </p:tgtEl>
+                                        <p:attrNameLst>
+                                          <p:attrName>style.visibility</p:attrName>
+                                        </p:attrNameLst>
+                                      </p:cBhvr>
+                                      <p:to>
+                                        <p:strVal val="visible"/>
+                                      </p:to>
+                                    </p:set>
+                                    <p:animEffect transition="in" filter="fade">
+                                      <p:cBhvr>
+                                        <p:cTn id="7" dur="500"/>
+                                        <p:tgtEl>
+                                          <p:spTgt spid="3">
+                                            <p:txEl>
+                                              <p:pRg st="0" end="0"/>
+                                            </p:txEl>
+                                          </p:spTgt>
+                                        </p:tgtEl>
+                                      </p:cBhvr>
+                                    </p:animEffect>
+                                  </p:childTnLst>
+                                </p:cTn>
+                              </p:par>
+                            </p:childTnLst>
+                          </p:cTn>
+                        </p:par>
+                      </p:childTnLst>
+                    </p:cTn>
+                  </p:par>
+                  <p:par>
+                    <p:cTn id="8" fill="hold">
+                      <p:stCondLst>
+                        <p:cond delay="indefinite"/>
+                      </p:stCondLst>
+                      <p:childTnLst>
+                        <p:par>
+                          <p:cTn id="9" fill="hold">
+                            <p:stCondLst>
+                              <p:cond delay="0"/>
+                            </p:stCondLst>
+                            <p:childTnLst>
+                              <p:par>
+                                <p:cTn id="10" presetID="10" presetClass="entr" presetSubtype="0" fill="hold" grpId="0" nodeType="clickEffect">
+                                  <p:stCondLst>
+                                    <p:cond delay="0"/>
+                                  </p:stCondLst>
+                                  <p:childTnLst>
+                                    <p:set>
+                                      <p:cBhvr>
+                                        <p:cTn id="11" dur="1" fill="hold">
+                                          <p:stCondLst>
+                                            <p:cond delay="0"/>
+                                          </p:stCondLst>
+                                        </p:cTn>
+                                        <p:tgtEl>
+                                          <p:spTgt spid="3">
+                                            <p:txEl>
+                                              <p:pRg st="1" end="1"/>
+                                            </p:txEl>
+                                          </p:spTgt>
+                                        </p:tgtEl>
+                                        <p:attrNameLst>
+                                          <p:attrName>style.visibility</p:attrName>
+                                        </p:attrNameLst>
+                                      </p:cBhvr>
+                                      <p:to>
+                                        <p:strVal val="visible"/>
+                                      </p:to>
+                                    </p:set>
+                                    <p:animEffect transition="in" filter="fade">
+                                      <p:cBhvr>
+                                        <p:cTn id="12" dur="500"/>
+                                        <p:tgtEl>
+                                          <p:spTgt spid="3">
+                                            <p:txEl>
+                                              <p:pRg st="1" end="1"/>
+                                            </p:txEl>
+                                          </p:spTgt>
+                                        </p:tgtEl>
+                                      </p:cBhvr>
+                                    </p:animEffect>
+                                  </p:childTnLst>
+                                </p:cTn>
+                              </p:par>
+                            </p:childTnLst>
+                          </p:cTn>
+                        </p:par>
+                      </p:childTnLst>
+                    </p:cTn>
+                  </p:par>
+                  <p:par>
+                    <p:cTn id="13" fill="hold">
+                      <p:stCondLst>
+                        <p:cond delay="indefinite"/>
+                      </p:stCondLst>
+                      <p:childTnLst>
+                        <p:par>
+                          <p:cTn id="14" fill="hold">
+                            <p:stCondLst>
+                              <p:cond delay="0"/>
+                            </p:stCondLst>
+                            <p:childTnLst>
+                              <p:par>
+                                <p:cTn id="15" presetID="10" presetClass="entr" presetSubtype="0" fill="hold" grpId="0" nodeType="clickEffect">
+                                  <p:stCondLst>
+                                    <p:cond delay="0"/>
+                                  </p:stCondLst>
+                                  <p:childTnLst>
+                                    <p:set>
+                                      <p:cBhvr>
+                                        <p:cTn id="16" dur="1" fill="hold">
+                                          <p:stCondLst>
+                                            <p:cond delay="0"/>
+                                          </p:stCondLst>
+                                        </p:cTn>
+                                        <p:tgtEl>
+                                          <p:spTgt spid="3">
+                                            <p:txEl>
+                                              <p:pRg st="2" end="2"/>
+                                            </p:txEl>
+                                          </p:spTgt>
+                                        </p:tgtEl>
+                                        <p:attrNameLst>
+                                          <p:attrName>style.visibility</p:attrName>
+                                        </p:attrNameLst>
+                                      </p:cBhvr>
+                                      <p:to>
+                                        <p:strVal val="visible"/>
+                                      </p:to>
+                                    </p:set>
+                                    <p:animEffect transition="in" filter="fade">
+                                      <p:cBhvr>
+                                        <p:cTn id="17" dur="500"/>
+                                        <p:tgtEl>
+                                          <p:spTgt spid="3">
+                                            <p:txEl>
+                                              <p:pRg st="2" end="2"/>
+                                            </p:txEl>
+                                          </p:spTgt>
+                                        </p:tgtEl>
+                                      </p:cBhvr>
+                                    </p:animEffect>
+                                  </p:childTnLst>
+                                </p:cTn>
+                              </p:par>
+                            </p:childTnLst>
+                          </p:cTn>
+                        </p:par>
+                      </p:childTnLst>
+                    </p:cTn>
+                  </p:par>
+                </p:childTnLst>
+              </p:cTn>
+              <p:prevCondLst>
+                <p:cond evt="onPrev" delay="0">
+                  <p:tgtEl>
+                    <p:sldTgt/>
+                  </p:tgtEl>
+                </p:cond>
+              </p:prevCondLst>
+              <p:nextCondLst>
+                <p:cond evt="onNext" delay="0">
+                  <p:tgtEl>
+                    <p:sldTgt/>
+                  </p:tgtEl>
+                </p:cond>
+              </p:nextCondLst>
+            </p:seq>
+          </p:childTnLst>
+        </p:cTn>
+      </p:par>
+    </p:tnLst>
+    <p:bldLst>
+      <p:bldP spid="3" grpId="0" build="p"/>
+    </p:bldLst>
+  </p:timing>
 </p:sld>
 </file>
 
@@ -5068,6 +5867,351 @@
   <p:clrMapOvr>
     <a:masterClrMapping/>
   </p:clrMapOvr>
+  <p:timing>
+    <p:tnLst>
+      <p:par>
+        <p:cTn id="1" dur="indefinite" restart="never" nodeType="tmRoot">
+          <p:childTnLst>
+            <p:seq concurrent="1" nextAc="seek">
+              <p:cTn id="2" dur="indefinite" nodeType="mainSeq">
+                <p:childTnLst>
+                  <p:par>
+                    <p:cTn id="3" fill="hold">
+                      <p:stCondLst>
+                        <p:cond delay="indefinite"/>
+                      </p:stCondLst>
+                      <p:childTnLst>
+                        <p:par>
+                          <p:cTn id="4" fill="hold">
+                            <p:stCondLst>
+                              <p:cond delay="0"/>
+                            </p:stCondLst>
+                            <p:childTnLst>
+                              <p:par>
+                                <p:cTn id="5" presetID="10" presetClass="entr" presetSubtype="0" fill="hold" grpId="0" nodeType="clickEffect">
+                                  <p:stCondLst>
+                                    <p:cond delay="0"/>
+                                  </p:stCondLst>
+                                  <p:childTnLst>
+                                    <p:set>
+                                      <p:cBhvr>
+                                        <p:cTn id="6" dur="1" fill="hold">
+                                          <p:stCondLst>
+                                            <p:cond delay="0"/>
+                                          </p:stCondLst>
+                                        </p:cTn>
+                                        <p:tgtEl>
+                                          <p:spTgt spid="3">
+                                            <p:txEl>
+                                              <p:pRg st="0" end="0"/>
+                                            </p:txEl>
+                                          </p:spTgt>
+                                        </p:tgtEl>
+                                        <p:attrNameLst>
+                                          <p:attrName>style.visibility</p:attrName>
+                                        </p:attrNameLst>
+                                      </p:cBhvr>
+                                      <p:to>
+                                        <p:strVal val="visible"/>
+                                      </p:to>
+                                    </p:set>
+                                    <p:animEffect transition="in" filter="fade">
+                                      <p:cBhvr>
+                                        <p:cTn id="7" dur="500"/>
+                                        <p:tgtEl>
+                                          <p:spTgt spid="3">
+                                            <p:txEl>
+                                              <p:pRg st="0" end="0"/>
+                                            </p:txEl>
+                                          </p:spTgt>
+                                        </p:tgtEl>
+                                      </p:cBhvr>
+                                    </p:animEffect>
+                                  </p:childTnLst>
+                                </p:cTn>
+                              </p:par>
+                            </p:childTnLst>
+                          </p:cTn>
+                        </p:par>
+                      </p:childTnLst>
+                    </p:cTn>
+                  </p:par>
+                  <p:par>
+                    <p:cTn id="8" fill="hold">
+                      <p:stCondLst>
+                        <p:cond delay="indefinite"/>
+                      </p:stCondLst>
+                      <p:childTnLst>
+                        <p:par>
+                          <p:cTn id="9" fill="hold">
+                            <p:stCondLst>
+                              <p:cond delay="0"/>
+                            </p:stCondLst>
+                            <p:childTnLst>
+                              <p:par>
+                                <p:cTn id="10" presetID="10" presetClass="entr" presetSubtype="0" fill="hold" grpId="0" nodeType="clickEffect">
+                                  <p:stCondLst>
+                                    <p:cond delay="0"/>
+                                  </p:stCondLst>
+                                  <p:childTnLst>
+                                    <p:set>
+                                      <p:cBhvr>
+                                        <p:cTn id="11" dur="1" fill="hold">
+                                          <p:stCondLst>
+                                            <p:cond delay="0"/>
+                                          </p:stCondLst>
+                                        </p:cTn>
+                                        <p:tgtEl>
+                                          <p:spTgt spid="3">
+                                            <p:txEl>
+                                              <p:pRg st="1" end="1"/>
+                                            </p:txEl>
+                                          </p:spTgt>
+                                        </p:tgtEl>
+                                        <p:attrNameLst>
+                                          <p:attrName>style.visibility</p:attrName>
+                                        </p:attrNameLst>
+                                      </p:cBhvr>
+                                      <p:to>
+                                        <p:strVal val="visible"/>
+                                      </p:to>
+                                    </p:set>
+                                    <p:animEffect transition="in" filter="fade">
+                                      <p:cBhvr>
+                                        <p:cTn id="12" dur="500"/>
+                                        <p:tgtEl>
+                                          <p:spTgt spid="3">
+                                            <p:txEl>
+                                              <p:pRg st="1" end="1"/>
+                                            </p:txEl>
+                                          </p:spTgt>
+                                        </p:tgtEl>
+                                      </p:cBhvr>
+                                    </p:animEffect>
+                                  </p:childTnLst>
+                                </p:cTn>
+                              </p:par>
+                            </p:childTnLst>
+                          </p:cTn>
+                        </p:par>
+                      </p:childTnLst>
+                    </p:cTn>
+                  </p:par>
+                  <p:par>
+                    <p:cTn id="13" fill="hold">
+                      <p:stCondLst>
+                        <p:cond delay="indefinite"/>
+                      </p:stCondLst>
+                      <p:childTnLst>
+                        <p:par>
+                          <p:cTn id="14" fill="hold">
+                            <p:stCondLst>
+                              <p:cond delay="0"/>
+                            </p:stCondLst>
+                            <p:childTnLst>
+                              <p:par>
+                                <p:cTn id="15" presetID="10" presetClass="entr" presetSubtype="0" fill="hold" grpId="0" nodeType="clickEffect">
+                                  <p:stCondLst>
+                                    <p:cond delay="0"/>
+                                  </p:stCondLst>
+                                  <p:childTnLst>
+                                    <p:set>
+                                      <p:cBhvr>
+                                        <p:cTn id="16" dur="1" fill="hold">
+                                          <p:stCondLst>
+                                            <p:cond delay="0"/>
+                                          </p:stCondLst>
+                                        </p:cTn>
+                                        <p:tgtEl>
+                                          <p:spTgt spid="3">
+                                            <p:txEl>
+                                              <p:pRg st="2" end="2"/>
+                                            </p:txEl>
+                                          </p:spTgt>
+                                        </p:tgtEl>
+                                        <p:attrNameLst>
+                                          <p:attrName>style.visibility</p:attrName>
+                                        </p:attrNameLst>
+                                      </p:cBhvr>
+                                      <p:to>
+                                        <p:strVal val="visible"/>
+                                      </p:to>
+                                    </p:set>
+                                    <p:animEffect transition="in" filter="fade">
+                                      <p:cBhvr>
+                                        <p:cTn id="17" dur="500"/>
+                                        <p:tgtEl>
+                                          <p:spTgt spid="3">
+                                            <p:txEl>
+                                              <p:pRg st="2" end="2"/>
+                                            </p:txEl>
+                                          </p:spTgt>
+                                        </p:tgtEl>
+                                      </p:cBhvr>
+                                    </p:animEffect>
+                                  </p:childTnLst>
+                                </p:cTn>
+                              </p:par>
+                              <p:par>
+                                <p:cTn id="18" presetID="10" presetClass="entr" presetSubtype="0" fill="hold" grpId="0" nodeType="withEffect">
+                                  <p:stCondLst>
+                                    <p:cond delay="0"/>
+                                  </p:stCondLst>
+                                  <p:childTnLst>
+                                    <p:set>
+                                      <p:cBhvr>
+                                        <p:cTn id="19" dur="1" fill="hold">
+                                          <p:stCondLst>
+                                            <p:cond delay="0"/>
+                                          </p:stCondLst>
+                                        </p:cTn>
+                                        <p:tgtEl>
+                                          <p:spTgt spid="3">
+                                            <p:txEl>
+                                              <p:pRg st="3" end="3"/>
+                                            </p:txEl>
+                                          </p:spTgt>
+                                        </p:tgtEl>
+                                        <p:attrNameLst>
+                                          <p:attrName>style.visibility</p:attrName>
+                                        </p:attrNameLst>
+                                      </p:cBhvr>
+                                      <p:to>
+                                        <p:strVal val="visible"/>
+                                      </p:to>
+                                    </p:set>
+                                    <p:animEffect transition="in" filter="fade">
+                                      <p:cBhvr>
+                                        <p:cTn id="20" dur="500"/>
+                                        <p:tgtEl>
+                                          <p:spTgt spid="3">
+                                            <p:txEl>
+                                              <p:pRg st="3" end="3"/>
+                                            </p:txEl>
+                                          </p:spTgt>
+                                        </p:tgtEl>
+                                      </p:cBhvr>
+                                    </p:animEffect>
+                                  </p:childTnLst>
+                                </p:cTn>
+                              </p:par>
+                              <p:par>
+                                <p:cTn id="21" presetID="10" presetClass="entr" presetSubtype="0" fill="hold" grpId="0" nodeType="withEffect">
+                                  <p:stCondLst>
+                                    <p:cond delay="0"/>
+                                  </p:stCondLst>
+                                  <p:childTnLst>
+                                    <p:set>
+                                      <p:cBhvr>
+                                        <p:cTn id="22" dur="1" fill="hold">
+                                          <p:stCondLst>
+                                            <p:cond delay="0"/>
+                                          </p:stCondLst>
+                                        </p:cTn>
+                                        <p:tgtEl>
+                                          <p:spTgt spid="3">
+                                            <p:txEl>
+                                              <p:pRg st="4" end="4"/>
+                                            </p:txEl>
+                                          </p:spTgt>
+                                        </p:tgtEl>
+                                        <p:attrNameLst>
+                                          <p:attrName>style.visibility</p:attrName>
+                                        </p:attrNameLst>
+                                      </p:cBhvr>
+                                      <p:to>
+                                        <p:strVal val="visible"/>
+                                      </p:to>
+                                    </p:set>
+                                    <p:animEffect transition="in" filter="fade">
+                                      <p:cBhvr>
+                                        <p:cTn id="23" dur="500"/>
+                                        <p:tgtEl>
+                                          <p:spTgt spid="3">
+                                            <p:txEl>
+                                              <p:pRg st="4" end="4"/>
+                                            </p:txEl>
+                                          </p:spTgt>
+                                        </p:tgtEl>
+                                      </p:cBhvr>
+                                    </p:animEffect>
+                                  </p:childTnLst>
+                                </p:cTn>
+                              </p:par>
+                              <p:par>
+                                <p:cTn id="24" presetID="10" presetClass="entr" presetSubtype="0" fill="hold" grpId="0" nodeType="withEffect">
+                                  <p:stCondLst>
+                                    <p:cond delay="0"/>
+                                  </p:stCondLst>
+                                  <p:childTnLst>
+                                    <p:set>
+                                      <p:cBhvr>
+                                        <p:cTn id="25" dur="1" fill="hold">
+                                          <p:stCondLst>
+                                            <p:cond delay="0"/>
+                                          </p:stCondLst>
+                                        </p:cTn>
+                                        <p:tgtEl>
+                                          <p:spTgt spid="3">
+                                            <p:txEl>
+                                              <p:pRg st="5" end="5"/>
+                                            </p:txEl>
+                                          </p:spTgt>
+                                        </p:tgtEl>
+                                        <p:attrNameLst>
+                                          <p:attrName>style.visibility</p:attrName>
+                                        </p:attrNameLst>
+                                      </p:cBhvr>
+                                      <p:to>
+                                        <p:strVal val="visible"/>
+                                      </p:to>
+                                    </p:set>
+                                    <p:animEffect transition="in" filter="fade">
+                                      <p:cBhvr>
+                                        <p:cTn id="26" dur="500"/>
+                                        <p:tgtEl>
+                                          <p:spTgt spid="3">
+                                            <p:txEl>
+                                              <p:pRg st="5" end="5"/>
+                                            </p:txEl>
+                                          </p:spTgt>
+                                        </p:tgtEl>
+                                      </p:cBhvr>
+                                    </p:animEffect>
+                                  </p:childTnLst>
+                                </p:cTn>
+                              </p:par>
+                            </p:childTnLst>
+                          </p:cTn>
+                        </p:par>
+                      </p:childTnLst>
+                    </p:cTn>
+                  </p:par>
+                </p:childTnLst>
+              </p:cTn>
+              <p:prevCondLst>
+                <p:cond evt="onPrev" delay="0">
+                  <p:tgtEl>
+                    <p:sldTgt/>
+                  </p:tgtEl>
+                </p:cond>
+              </p:prevCondLst>
+              <p:nextCondLst>
+                <p:cond evt="onNext" delay="0">
+                  <p:tgtEl>
+                    <p:sldTgt/>
+                  </p:tgtEl>
+                </p:cond>
+              </p:nextCondLst>
+            </p:seq>
+          </p:childTnLst>
+        </p:cTn>
+      </p:par>
+    </p:tnLst>
+    <p:bldLst>
+      <p:bldP spid="3" grpId="0" build="p"/>
+    </p:bldLst>
+  </p:timing>
 </p:sld>
 </file>
 
@@ -5355,6 +6499,394 @@
   <p:clrMapOvr>
     <a:masterClrMapping/>
   </p:clrMapOvr>
+  <p:timing>
+    <p:tnLst>
+      <p:par>
+        <p:cTn id="1" dur="indefinite" restart="never" nodeType="tmRoot">
+          <p:childTnLst>
+            <p:seq concurrent="1" nextAc="seek">
+              <p:cTn id="2" dur="indefinite" nodeType="mainSeq">
+                <p:childTnLst>
+                  <p:par>
+                    <p:cTn id="3" fill="hold">
+                      <p:stCondLst>
+                        <p:cond delay="indefinite"/>
+                      </p:stCondLst>
+                      <p:childTnLst>
+                        <p:par>
+                          <p:cTn id="4" fill="hold">
+                            <p:stCondLst>
+                              <p:cond delay="0"/>
+                            </p:stCondLst>
+                            <p:childTnLst>
+                              <p:par>
+                                <p:cTn id="5" presetID="10" presetClass="entr" presetSubtype="0" fill="hold" grpId="0" nodeType="clickEffect">
+                                  <p:stCondLst>
+                                    <p:cond delay="0"/>
+                                  </p:stCondLst>
+                                  <p:childTnLst>
+                                    <p:set>
+                                      <p:cBhvr>
+                                        <p:cTn id="6" dur="1" fill="hold">
+                                          <p:stCondLst>
+                                            <p:cond delay="0"/>
+                                          </p:stCondLst>
+                                        </p:cTn>
+                                        <p:tgtEl>
+                                          <p:spTgt spid="3">
+                                            <p:txEl>
+                                              <p:pRg st="0" end="0"/>
+                                            </p:txEl>
+                                          </p:spTgt>
+                                        </p:tgtEl>
+                                        <p:attrNameLst>
+                                          <p:attrName>style.visibility</p:attrName>
+                                        </p:attrNameLst>
+                                      </p:cBhvr>
+                                      <p:to>
+                                        <p:strVal val="visible"/>
+                                      </p:to>
+                                    </p:set>
+                                    <p:animEffect transition="in" filter="fade">
+                                      <p:cBhvr>
+                                        <p:cTn id="7" dur="500"/>
+                                        <p:tgtEl>
+                                          <p:spTgt spid="3">
+                                            <p:txEl>
+                                              <p:pRg st="0" end="0"/>
+                                            </p:txEl>
+                                          </p:spTgt>
+                                        </p:tgtEl>
+                                      </p:cBhvr>
+                                    </p:animEffect>
+                                  </p:childTnLst>
+                                </p:cTn>
+                              </p:par>
+                            </p:childTnLst>
+                          </p:cTn>
+                        </p:par>
+                      </p:childTnLst>
+                    </p:cTn>
+                  </p:par>
+                  <p:par>
+                    <p:cTn id="8" fill="hold">
+                      <p:stCondLst>
+                        <p:cond delay="indefinite"/>
+                      </p:stCondLst>
+                      <p:childTnLst>
+                        <p:par>
+                          <p:cTn id="9" fill="hold">
+                            <p:stCondLst>
+                              <p:cond delay="0"/>
+                            </p:stCondLst>
+                            <p:childTnLst>
+                              <p:par>
+                                <p:cTn id="10" presetID="10" presetClass="entr" presetSubtype="0" fill="hold" grpId="0" nodeType="clickEffect">
+                                  <p:stCondLst>
+                                    <p:cond delay="0"/>
+                                  </p:stCondLst>
+                                  <p:childTnLst>
+                                    <p:set>
+                                      <p:cBhvr>
+                                        <p:cTn id="11" dur="1" fill="hold">
+                                          <p:stCondLst>
+                                            <p:cond delay="0"/>
+                                          </p:stCondLst>
+                                        </p:cTn>
+                                        <p:tgtEl>
+                                          <p:spTgt spid="3">
+                                            <p:txEl>
+                                              <p:pRg st="1" end="1"/>
+                                            </p:txEl>
+                                          </p:spTgt>
+                                        </p:tgtEl>
+                                        <p:attrNameLst>
+                                          <p:attrName>style.visibility</p:attrName>
+                                        </p:attrNameLst>
+                                      </p:cBhvr>
+                                      <p:to>
+                                        <p:strVal val="visible"/>
+                                      </p:to>
+                                    </p:set>
+                                    <p:animEffect transition="in" filter="fade">
+                                      <p:cBhvr>
+                                        <p:cTn id="12" dur="500"/>
+                                        <p:tgtEl>
+                                          <p:spTgt spid="3">
+                                            <p:txEl>
+                                              <p:pRg st="1" end="1"/>
+                                            </p:txEl>
+                                          </p:spTgt>
+                                        </p:tgtEl>
+                                      </p:cBhvr>
+                                    </p:animEffect>
+                                  </p:childTnLst>
+                                </p:cTn>
+                              </p:par>
+                              <p:par>
+                                <p:cTn id="13" presetID="10" presetClass="entr" presetSubtype="0" fill="hold" grpId="0" nodeType="withEffect">
+                                  <p:stCondLst>
+                                    <p:cond delay="0"/>
+                                  </p:stCondLst>
+                                  <p:childTnLst>
+                                    <p:set>
+                                      <p:cBhvr>
+                                        <p:cTn id="14" dur="1" fill="hold">
+                                          <p:stCondLst>
+                                            <p:cond delay="0"/>
+                                          </p:stCondLst>
+                                        </p:cTn>
+                                        <p:tgtEl>
+                                          <p:spTgt spid="3">
+                                            <p:txEl>
+                                              <p:pRg st="2" end="2"/>
+                                            </p:txEl>
+                                          </p:spTgt>
+                                        </p:tgtEl>
+                                        <p:attrNameLst>
+                                          <p:attrName>style.visibility</p:attrName>
+                                        </p:attrNameLst>
+                                      </p:cBhvr>
+                                      <p:to>
+                                        <p:strVal val="visible"/>
+                                      </p:to>
+                                    </p:set>
+                                    <p:animEffect transition="in" filter="fade">
+                                      <p:cBhvr>
+                                        <p:cTn id="15" dur="500"/>
+                                        <p:tgtEl>
+                                          <p:spTgt spid="3">
+                                            <p:txEl>
+                                              <p:pRg st="2" end="2"/>
+                                            </p:txEl>
+                                          </p:spTgt>
+                                        </p:tgtEl>
+                                      </p:cBhvr>
+                                    </p:animEffect>
+                                  </p:childTnLst>
+                                </p:cTn>
+                              </p:par>
+                              <p:par>
+                                <p:cTn id="16" presetID="10" presetClass="entr" presetSubtype="0" fill="hold" grpId="0" nodeType="withEffect">
+                                  <p:stCondLst>
+                                    <p:cond delay="0"/>
+                                  </p:stCondLst>
+                                  <p:childTnLst>
+                                    <p:set>
+                                      <p:cBhvr>
+                                        <p:cTn id="17" dur="1" fill="hold">
+                                          <p:stCondLst>
+                                            <p:cond delay="0"/>
+                                          </p:stCondLst>
+                                        </p:cTn>
+                                        <p:tgtEl>
+                                          <p:spTgt spid="3">
+                                            <p:txEl>
+                                              <p:pRg st="3" end="3"/>
+                                            </p:txEl>
+                                          </p:spTgt>
+                                        </p:tgtEl>
+                                        <p:attrNameLst>
+                                          <p:attrName>style.visibility</p:attrName>
+                                        </p:attrNameLst>
+                                      </p:cBhvr>
+                                      <p:to>
+                                        <p:strVal val="visible"/>
+                                      </p:to>
+                                    </p:set>
+                                    <p:animEffect transition="in" filter="fade">
+                                      <p:cBhvr>
+                                        <p:cTn id="18" dur="500"/>
+                                        <p:tgtEl>
+                                          <p:spTgt spid="3">
+                                            <p:txEl>
+                                              <p:pRg st="3" end="3"/>
+                                            </p:txEl>
+                                          </p:spTgt>
+                                        </p:tgtEl>
+                                      </p:cBhvr>
+                                    </p:animEffect>
+                                  </p:childTnLst>
+                                </p:cTn>
+                              </p:par>
+                              <p:par>
+                                <p:cTn id="19" presetID="10" presetClass="entr" presetSubtype="0" fill="hold" grpId="0" nodeType="withEffect">
+                                  <p:stCondLst>
+                                    <p:cond delay="0"/>
+                                  </p:stCondLst>
+                                  <p:childTnLst>
+                                    <p:set>
+                                      <p:cBhvr>
+                                        <p:cTn id="20" dur="1" fill="hold">
+                                          <p:stCondLst>
+                                            <p:cond delay="0"/>
+                                          </p:stCondLst>
+                                        </p:cTn>
+                                        <p:tgtEl>
+                                          <p:spTgt spid="3">
+                                            <p:txEl>
+                                              <p:pRg st="4" end="4"/>
+                                            </p:txEl>
+                                          </p:spTgt>
+                                        </p:tgtEl>
+                                        <p:attrNameLst>
+                                          <p:attrName>style.visibility</p:attrName>
+                                        </p:attrNameLst>
+                                      </p:cBhvr>
+                                      <p:to>
+                                        <p:strVal val="visible"/>
+                                      </p:to>
+                                    </p:set>
+                                    <p:animEffect transition="in" filter="fade">
+                                      <p:cBhvr>
+                                        <p:cTn id="21" dur="500"/>
+                                        <p:tgtEl>
+                                          <p:spTgt spid="3">
+                                            <p:txEl>
+                                              <p:pRg st="4" end="4"/>
+                                            </p:txEl>
+                                          </p:spTgt>
+                                        </p:tgtEl>
+                                      </p:cBhvr>
+                                    </p:animEffect>
+                                  </p:childTnLst>
+                                </p:cTn>
+                              </p:par>
+                              <p:par>
+                                <p:cTn id="22" presetID="10" presetClass="entr" presetSubtype="0" fill="hold" grpId="0" nodeType="withEffect">
+                                  <p:stCondLst>
+                                    <p:cond delay="0"/>
+                                  </p:stCondLst>
+                                  <p:childTnLst>
+                                    <p:set>
+                                      <p:cBhvr>
+                                        <p:cTn id="23" dur="1" fill="hold">
+                                          <p:stCondLst>
+                                            <p:cond delay="0"/>
+                                          </p:stCondLst>
+                                        </p:cTn>
+                                        <p:tgtEl>
+                                          <p:spTgt spid="3">
+                                            <p:txEl>
+                                              <p:pRg st="5" end="5"/>
+                                            </p:txEl>
+                                          </p:spTgt>
+                                        </p:tgtEl>
+                                        <p:attrNameLst>
+                                          <p:attrName>style.visibility</p:attrName>
+                                        </p:attrNameLst>
+                                      </p:cBhvr>
+                                      <p:to>
+                                        <p:strVal val="visible"/>
+                                      </p:to>
+                                    </p:set>
+                                    <p:animEffect transition="in" filter="fade">
+                                      <p:cBhvr>
+                                        <p:cTn id="24" dur="500"/>
+                                        <p:tgtEl>
+                                          <p:spTgt spid="3">
+                                            <p:txEl>
+                                              <p:pRg st="5" end="5"/>
+                                            </p:txEl>
+                                          </p:spTgt>
+                                        </p:tgtEl>
+                                      </p:cBhvr>
+                                    </p:animEffect>
+                                  </p:childTnLst>
+                                </p:cTn>
+                              </p:par>
+                            </p:childTnLst>
+                          </p:cTn>
+                        </p:par>
+                      </p:childTnLst>
+                    </p:cTn>
+                  </p:par>
+                  <p:par>
+                    <p:cTn id="25" fill="hold">
+                      <p:stCondLst>
+                        <p:cond delay="indefinite"/>
+                      </p:stCondLst>
+                      <p:childTnLst>
+                        <p:par>
+                          <p:cTn id="26" fill="hold">
+                            <p:stCondLst>
+                              <p:cond delay="0"/>
+                            </p:stCondLst>
+                            <p:childTnLst>
+                              <p:par>
+                                <p:cTn id="27" presetID="10" presetClass="entr" presetSubtype="0" fill="hold" grpId="0" nodeType="clickEffect">
+                                  <p:stCondLst>
+                                    <p:cond delay="0"/>
+                                  </p:stCondLst>
+                                  <p:childTnLst>
+                                    <p:set>
+                                      <p:cBhvr>
+                                        <p:cTn id="28" dur="1" fill="hold">
+                                          <p:stCondLst>
+                                            <p:cond delay="0"/>
+                                          </p:stCondLst>
+                                        </p:cTn>
+                                        <p:tgtEl>
+                                          <p:spTgt spid="3">
+                                            <p:txEl>
+                                              <p:pRg st="6" end="6"/>
+                                            </p:txEl>
+                                          </p:spTgt>
+                                        </p:tgtEl>
+                                        <p:attrNameLst>
+                                          <p:attrName>style.visibility</p:attrName>
+                                        </p:attrNameLst>
+                                      </p:cBhvr>
+                                      <p:to>
+                                        <p:strVal val="visible"/>
+                                      </p:to>
+                                    </p:set>
+                                    <p:animEffect transition="in" filter="fade">
+                                      <p:cBhvr>
+                                        <p:cTn id="29" dur="500"/>
+                                        <p:tgtEl>
+                                          <p:spTgt spid="3">
+                                            <p:txEl>
+                                              <p:pRg st="6" end="6"/>
+                                            </p:txEl>
+                                          </p:spTgt>
+                                        </p:tgtEl>
+                                      </p:cBhvr>
+                                    </p:animEffect>
+                                  </p:childTnLst>
+                                </p:cTn>
+                              </p:par>
+                            </p:childTnLst>
+                          </p:cTn>
+                        </p:par>
+                      </p:childTnLst>
+                    </p:cTn>
+                  </p:par>
+                </p:childTnLst>
+              </p:cTn>
+              <p:prevCondLst>
+                <p:cond evt="onPrev" delay="0">
+                  <p:tgtEl>
+                    <p:sldTgt/>
+                  </p:tgtEl>
+                </p:cond>
+              </p:prevCondLst>
+              <p:nextCondLst>
+                <p:cond evt="onNext" delay="0">
+                  <p:tgtEl>
+                    <p:sldTgt/>
+                  </p:tgtEl>
+                </p:cond>
+              </p:nextCondLst>
+            </p:seq>
+          </p:childTnLst>
+        </p:cTn>
+      </p:par>
+    </p:tnLst>
+    <p:bldLst>
+      <p:bldP spid="3" grpId="0" build="p"/>
+    </p:bldLst>
+  </p:timing>
 </p:sld>
 </file>
 
@@ -5634,6 +7166,290 @@
   <p:clrMapOvr>
     <a:masterClrMapping/>
   </p:clrMapOvr>
+  <p:timing>
+    <p:tnLst>
+      <p:par>
+        <p:cTn id="1" dur="indefinite" restart="never" nodeType="tmRoot">
+          <p:childTnLst>
+            <p:seq concurrent="1" nextAc="seek">
+              <p:cTn id="2" dur="indefinite" nodeType="mainSeq">
+                <p:childTnLst>
+                  <p:par>
+                    <p:cTn id="3" fill="hold">
+                      <p:stCondLst>
+                        <p:cond delay="indefinite"/>
+                      </p:stCondLst>
+                      <p:childTnLst>
+                        <p:par>
+                          <p:cTn id="4" fill="hold">
+                            <p:stCondLst>
+                              <p:cond delay="0"/>
+                            </p:stCondLst>
+                            <p:childTnLst>
+                              <p:par>
+                                <p:cTn id="5" presetID="10" presetClass="entr" presetSubtype="0" fill="hold" grpId="0" nodeType="clickEffect">
+                                  <p:stCondLst>
+                                    <p:cond delay="0"/>
+                                  </p:stCondLst>
+                                  <p:childTnLst>
+                                    <p:set>
+                                      <p:cBhvr>
+                                        <p:cTn id="6" dur="1" fill="hold">
+                                          <p:stCondLst>
+                                            <p:cond delay="0"/>
+                                          </p:stCondLst>
+                                        </p:cTn>
+                                        <p:tgtEl>
+                                          <p:spTgt spid="3">
+                                            <p:txEl>
+                                              <p:pRg st="0" end="0"/>
+                                            </p:txEl>
+                                          </p:spTgt>
+                                        </p:tgtEl>
+                                        <p:attrNameLst>
+                                          <p:attrName>style.visibility</p:attrName>
+                                        </p:attrNameLst>
+                                      </p:cBhvr>
+                                      <p:to>
+                                        <p:strVal val="visible"/>
+                                      </p:to>
+                                    </p:set>
+                                    <p:animEffect transition="in" filter="fade">
+                                      <p:cBhvr>
+                                        <p:cTn id="7" dur="500"/>
+                                        <p:tgtEl>
+                                          <p:spTgt spid="3">
+                                            <p:txEl>
+                                              <p:pRg st="0" end="0"/>
+                                            </p:txEl>
+                                          </p:spTgt>
+                                        </p:tgtEl>
+                                      </p:cBhvr>
+                                    </p:animEffect>
+                                  </p:childTnLst>
+                                </p:cTn>
+                              </p:par>
+                              <p:par>
+                                <p:cTn id="8" presetID="10" presetClass="entr" presetSubtype="0" fill="hold" grpId="0" nodeType="withEffect">
+                                  <p:stCondLst>
+                                    <p:cond delay="0"/>
+                                  </p:stCondLst>
+                                  <p:childTnLst>
+                                    <p:set>
+                                      <p:cBhvr>
+                                        <p:cTn id="9" dur="1" fill="hold">
+                                          <p:stCondLst>
+                                            <p:cond delay="0"/>
+                                          </p:stCondLst>
+                                        </p:cTn>
+                                        <p:tgtEl>
+                                          <p:spTgt spid="3">
+                                            <p:txEl>
+                                              <p:pRg st="1" end="1"/>
+                                            </p:txEl>
+                                          </p:spTgt>
+                                        </p:tgtEl>
+                                        <p:attrNameLst>
+                                          <p:attrName>style.visibility</p:attrName>
+                                        </p:attrNameLst>
+                                      </p:cBhvr>
+                                      <p:to>
+                                        <p:strVal val="visible"/>
+                                      </p:to>
+                                    </p:set>
+                                    <p:animEffect transition="in" filter="fade">
+                                      <p:cBhvr>
+                                        <p:cTn id="10" dur="500"/>
+                                        <p:tgtEl>
+                                          <p:spTgt spid="3">
+                                            <p:txEl>
+                                              <p:pRg st="1" end="1"/>
+                                            </p:txEl>
+                                          </p:spTgt>
+                                        </p:tgtEl>
+                                      </p:cBhvr>
+                                    </p:animEffect>
+                                  </p:childTnLst>
+                                </p:cTn>
+                              </p:par>
+                              <p:par>
+                                <p:cTn id="11" presetID="10" presetClass="entr" presetSubtype="0" fill="hold" grpId="0" nodeType="withEffect">
+                                  <p:stCondLst>
+                                    <p:cond delay="0"/>
+                                  </p:stCondLst>
+                                  <p:childTnLst>
+                                    <p:set>
+                                      <p:cBhvr>
+                                        <p:cTn id="12" dur="1" fill="hold">
+                                          <p:stCondLst>
+                                            <p:cond delay="0"/>
+                                          </p:stCondLst>
+                                        </p:cTn>
+                                        <p:tgtEl>
+                                          <p:spTgt spid="3">
+                                            <p:txEl>
+                                              <p:pRg st="2" end="2"/>
+                                            </p:txEl>
+                                          </p:spTgt>
+                                        </p:tgtEl>
+                                        <p:attrNameLst>
+                                          <p:attrName>style.visibility</p:attrName>
+                                        </p:attrNameLst>
+                                      </p:cBhvr>
+                                      <p:to>
+                                        <p:strVal val="visible"/>
+                                      </p:to>
+                                    </p:set>
+                                    <p:animEffect transition="in" filter="fade">
+                                      <p:cBhvr>
+                                        <p:cTn id="13" dur="500"/>
+                                        <p:tgtEl>
+                                          <p:spTgt spid="3">
+                                            <p:txEl>
+                                              <p:pRg st="2" end="2"/>
+                                            </p:txEl>
+                                          </p:spTgt>
+                                        </p:tgtEl>
+                                      </p:cBhvr>
+                                    </p:animEffect>
+                                  </p:childTnLst>
+                                </p:cTn>
+                              </p:par>
+                            </p:childTnLst>
+                          </p:cTn>
+                        </p:par>
+                      </p:childTnLst>
+                    </p:cTn>
+                  </p:par>
+                  <p:par>
+                    <p:cTn id="14" fill="hold">
+                      <p:stCondLst>
+                        <p:cond delay="indefinite"/>
+                      </p:stCondLst>
+                      <p:childTnLst>
+                        <p:par>
+                          <p:cTn id="15" fill="hold">
+                            <p:stCondLst>
+                              <p:cond delay="0"/>
+                            </p:stCondLst>
+                            <p:childTnLst>
+                              <p:par>
+                                <p:cTn id="16" presetID="10" presetClass="entr" presetSubtype="0" fill="hold" grpId="0" nodeType="clickEffect">
+                                  <p:stCondLst>
+                                    <p:cond delay="0"/>
+                                  </p:stCondLst>
+                                  <p:childTnLst>
+                                    <p:set>
+                                      <p:cBhvr>
+                                        <p:cTn id="17" dur="1" fill="hold">
+                                          <p:stCondLst>
+                                            <p:cond delay="0"/>
+                                          </p:stCondLst>
+                                        </p:cTn>
+                                        <p:tgtEl>
+                                          <p:spTgt spid="3">
+                                            <p:txEl>
+                                              <p:pRg st="3" end="3"/>
+                                            </p:txEl>
+                                          </p:spTgt>
+                                        </p:tgtEl>
+                                        <p:attrNameLst>
+                                          <p:attrName>style.visibility</p:attrName>
+                                        </p:attrNameLst>
+                                      </p:cBhvr>
+                                      <p:to>
+                                        <p:strVal val="visible"/>
+                                      </p:to>
+                                    </p:set>
+                                    <p:animEffect transition="in" filter="fade">
+                                      <p:cBhvr>
+                                        <p:cTn id="18" dur="500"/>
+                                        <p:tgtEl>
+                                          <p:spTgt spid="3">
+                                            <p:txEl>
+                                              <p:pRg st="3" end="3"/>
+                                            </p:txEl>
+                                          </p:spTgt>
+                                        </p:tgtEl>
+                                      </p:cBhvr>
+                                    </p:animEffect>
+                                  </p:childTnLst>
+                                </p:cTn>
+                              </p:par>
+                              <p:par>
+                                <p:cTn id="19" presetID="10" presetClass="entr" presetSubtype="0" fill="hold" grpId="0" nodeType="withEffect">
+                                  <p:stCondLst>
+                                    <p:cond delay="0"/>
+                                  </p:stCondLst>
+                                  <p:childTnLst>
+                                    <p:set>
+                                      <p:cBhvr>
+                                        <p:cTn id="20" dur="1" fill="hold">
+                                          <p:stCondLst>
+                                            <p:cond delay="0"/>
+                                          </p:stCondLst>
+                                        </p:cTn>
+                                        <p:tgtEl>
+                                          <p:spTgt spid="3">
+                                            <p:txEl>
+                                              <p:pRg st="4" end="4"/>
+                                            </p:txEl>
+                                          </p:spTgt>
+                                        </p:tgtEl>
+                                        <p:attrNameLst>
+                                          <p:attrName>style.visibility</p:attrName>
+                                        </p:attrNameLst>
+                                      </p:cBhvr>
+                                      <p:to>
+                                        <p:strVal val="visible"/>
+                                      </p:to>
+                                    </p:set>
+                                    <p:animEffect transition="in" filter="fade">
+                                      <p:cBhvr>
+                                        <p:cTn id="21" dur="500"/>
+                                        <p:tgtEl>
+                                          <p:spTgt spid="3">
+                                            <p:txEl>
+                                              <p:pRg st="4" end="4"/>
+                                            </p:txEl>
+                                          </p:spTgt>
+                                        </p:tgtEl>
+                                      </p:cBhvr>
+                                    </p:animEffect>
+                                  </p:childTnLst>
+                                </p:cTn>
+                              </p:par>
+                            </p:childTnLst>
+                          </p:cTn>
+                        </p:par>
+                      </p:childTnLst>
+                    </p:cTn>
+                  </p:par>
+                </p:childTnLst>
+              </p:cTn>
+              <p:prevCondLst>
+                <p:cond evt="onPrev" delay="0">
+                  <p:tgtEl>
+                    <p:sldTgt/>
+                  </p:tgtEl>
+                </p:cond>
+              </p:prevCondLst>
+              <p:nextCondLst>
+                <p:cond evt="onNext" delay="0">
+                  <p:tgtEl>
+                    <p:sldTgt/>
+                  </p:tgtEl>
+                </p:cond>
+              </p:nextCondLst>
+            </p:seq>
+          </p:childTnLst>
+        </p:cTn>
+      </p:par>
+    </p:tnLst>
+    <p:bldLst>
+      <p:bldP spid="3" grpId="0" build="p"/>
+    </p:bldLst>
+  </p:timing>
 </p:sld>
 </file>
 
@@ -6411,6 +8227,222 @@
   <p:clrMapOvr>
     <a:masterClrMapping/>
   </p:clrMapOvr>
+  <p:timing>
+    <p:tnLst>
+      <p:par>
+        <p:cTn id="1" dur="indefinite" restart="never" nodeType="tmRoot">
+          <p:childTnLst>
+            <p:seq concurrent="1" nextAc="seek">
+              <p:cTn id="2" dur="indefinite" nodeType="mainSeq">
+                <p:childTnLst>
+                  <p:par>
+                    <p:cTn id="3" fill="hold">
+                      <p:stCondLst>
+                        <p:cond delay="indefinite"/>
+                      </p:stCondLst>
+                      <p:childTnLst>
+                        <p:par>
+                          <p:cTn id="4" fill="hold">
+                            <p:stCondLst>
+                              <p:cond delay="0"/>
+                            </p:stCondLst>
+                            <p:childTnLst>
+                              <p:par>
+                                <p:cTn id="5" presetID="10" presetClass="entr" presetSubtype="0" fill="hold" grpId="0" nodeType="clickEffect">
+                                  <p:stCondLst>
+                                    <p:cond delay="0"/>
+                                  </p:stCondLst>
+                                  <p:childTnLst>
+                                    <p:set>
+                                      <p:cBhvr>
+                                        <p:cTn id="6" dur="1" fill="hold">
+                                          <p:stCondLst>
+                                            <p:cond delay="0"/>
+                                          </p:stCondLst>
+                                        </p:cTn>
+                                        <p:tgtEl>
+                                          <p:spTgt spid="3">
+                                            <p:txEl>
+                                              <p:pRg st="0" end="0"/>
+                                            </p:txEl>
+                                          </p:spTgt>
+                                        </p:tgtEl>
+                                        <p:attrNameLst>
+                                          <p:attrName>style.visibility</p:attrName>
+                                        </p:attrNameLst>
+                                      </p:cBhvr>
+                                      <p:to>
+                                        <p:strVal val="visible"/>
+                                      </p:to>
+                                    </p:set>
+                                    <p:animEffect transition="in" filter="fade">
+                                      <p:cBhvr>
+                                        <p:cTn id="7" dur="500"/>
+                                        <p:tgtEl>
+                                          <p:spTgt spid="3">
+                                            <p:txEl>
+                                              <p:pRg st="0" end="0"/>
+                                            </p:txEl>
+                                          </p:spTgt>
+                                        </p:tgtEl>
+                                      </p:cBhvr>
+                                    </p:animEffect>
+                                  </p:childTnLst>
+                                </p:cTn>
+                              </p:par>
+                            </p:childTnLst>
+                          </p:cTn>
+                        </p:par>
+                      </p:childTnLst>
+                    </p:cTn>
+                  </p:par>
+                  <p:par>
+                    <p:cTn id="8" fill="hold">
+                      <p:stCondLst>
+                        <p:cond delay="indefinite"/>
+                      </p:stCondLst>
+                      <p:childTnLst>
+                        <p:par>
+                          <p:cTn id="9" fill="hold">
+                            <p:stCondLst>
+                              <p:cond delay="0"/>
+                            </p:stCondLst>
+                            <p:childTnLst>
+                              <p:par>
+                                <p:cTn id="10" presetID="10" presetClass="entr" presetSubtype="0" fill="hold" grpId="0" nodeType="clickEffect">
+                                  <p:stCondLst>
+                                    <p:cond delay="0"/>
+                                  </p:stCondLst>
+                                  <p:childTnLst>
+                                    <p:set>
+                                      <p:cBhvr>
+                                        <p:cTn id="11" dur="1" fill="hold">
+                                          <p:stCondLst>
+                                            <p:cond delay="0"/>
+                                          </p:stCondLst>
+                                        </p:cTn>
+                                        <p:tgtEl>
+                                          <p:spTgt spid="3">
+                                            <p:txEl>
+                                              <p:pRg st="1" end="1"/>
+                                            </p:txEl>
+                                          </p:spTgt>
+                                        </p:tgtEl>
+                                        <p:attrNameLst>
+                                          <p:attrName>style.visibility</p:attrName>
+                                        </p:attrNameLst>
+                                      </p:cBhvr>
+                                      <p:to>
+                                        <p:strVal val="visible"/>
+                                      </p:to>
+                                    </p:set>
+                                    <p:animEffect transition="in" filter="fade">
+                                      <p:cBhvr>
+                                        <p:cTn id="12" dur="500"/>
+                                        <p:tgtEl>
+                                          <p:spTgt spid="3">
+                                            <p:txEl>
+                                              <p:pRg st="1" end="1"/>
+                                            </p:txEl>
+                                          </p:spTgt>
+                                        </p:tgtEl>
+                                      </p:cBhvr>
+                                    </p:animEffect>
+                                  </p:childTnLst>
+                                </p:cTn>
+                              </p:par>
+                            </p:childTnLst>
+                          </p:cTn>
+                        </p:par>
+                      </p:childTnLst>
+                    </p:cTn>
+                  </p:par>
+                  <p:par>
+                    <p:cTn id="13" fill="hold">
+                      <p:stCondLst>
+                        <p:cond delay="indefinite"/>
+                      </p:stCondLst>
+                      <p:childTnLst>
+                        <p:par>
+                          <p:cTn id="14" fill="hold">
+                            <p:stCondLst>
+                              <p:cond delay="0"/>
+                            </p:stCondLst>
+                            <p:childTnLst>
+                              <p:par>
+                                <p:cTn id="15" presetID="10" presetClass="entr" presetSubtype="0" fill="hold" grpId="0" nodeType="clickEffect">
+                                  <p:stCondLst>
+                                    <p:cond delay="0"/>
+                                  </p:stCondLst>
+                                  <p:childTnLst>
+                                    <p:set>
+                                      <p:cBhvr>
+                                        <p:cTn id="16" dur="1" fill="hold">
+                                          <p:stCondLst>
+                                            <p:cond delay="0"/>
+                                          </p:stCondLst>
+                                        </p:cTn>
+                                        <p:tgtEl>
+                                          <p:spTgt spid="3">
+                                            <p:txEl>
+                                              <p:pRg st="2" end="2"/>
+                                            </p:txEl>
+                                          </p:spTgt>
+                                        </p:tgtEl>
+                                        <p:attrNameLst>
+                                          <p:attrName>style.visibility</p:attrName>
+                                        </p:attrNameLst>
+                                      </p:cBhvr>
+                                      <p:to>
+                                        <p:strVal val="visible"/>
+                                      </p:to>
+                                    </p:set>
+                                    <p:animEffect transition="in" filter="fade">
+                                      <p:cBhvr>
+                                        <p:cTn id="17" dur="500"/>
+                                        <p:tgtEl>
+                                          <p:spTgt spid="3">
+                                            <p:txEl>
+                                              <p:pRg st="2" end="2"/>
+                                            </p:txEl>
+                                          </p:spTgt>
+                                        </p:tgtEl>
+                                      </p:cBhvr>
+                                    </p:animEffect>
+                                  </p:childTnLst>
+                                </p:cTn>
+                              </p:par>
+                            </p:childTnLst>
+                          </p:cTn>
+                        </p:par>
+                      </p:childTnLst>
+                    </p:cTn>
+                  </p:par>
+                </p:childTnLst>
+              </p:cTn>
+              <p:prevCondLst>
+                <p:cond evt="onPrev" delay="0">
+                  <p:tgtEl>
+                    <p:sldTgt/>
+                  </p:tgtEl>
+                </p:cond>
+              </p:prevCondLst>
+              <p:nextCondLst>
+                <p:cond evt="onNext" delay="0">
+                  <p:tgtEl>
+                    <p:sldTgt/>
+                  </p:tgtEl>
+                </p:cond>
+              </p:nextCondLst>
+            </p:seq>
+          </p:childTnLst>
+        </p:cTn>
+      </p:par>
+    </p:tnLst>
+    <p:bldLst>
+      <p:bldP spid="3" grpId="0" build="p"/>
+    </p:bldLst>
+  </p:timing>
 </p:sld>
 </file>
 
@@ -7229,38 +9261,6 @@
       </p:sp>
       <p:sp>
         <p:nvSpPr>
-          <p:cNvPr id="3" name="Content Placeholder 2">
-            <a:extLst>
-              <a:ext uri="{FF2B5EF4-FFF2-40B4-BE49-F238E27FC236}">
-                <a16:creationId xmlns:a16="http://schemas.microsoft.com/office/drawing/2014/main" id="{FAB703EF-2F23-4B3C-AA20-46260B6B006C}"/>
-              </a:ext>
-            </a:extLst>
-          </p:cNvPr>
-          <p:cNvSpPr>
-            <a:spLocks noGrp="1"/>
-          </p:cNvSpPr>
-          <p:nvPr>
-            <p:ph idx="1"/>
-          </p:nvPr>
-        </p:nvSpPr>
-        <p:spPr>
-          <a:xfrm>
-            <a:off x="1833967" y="2057400"/>
-            <a:ext cx="5293664" cy="4038600"/>
-          </a:xfrm>
-        </p:spPr>
-        <p:txBody>
-          <a:bodyPr>
-            <a:normAutofit/>
-          </a:bodyPr>
-          <a:lstStyle/>
-          <a:p>
-            <a:endParaRPr lang="en-US" dirty="0"/>
-          </a:p>
-        </p:txBody>
-      </p:sp>
-      <p:sp>
-        <p:nvSpPr>
           <p:cNvPr id="4" name="TextBox 3">
             <a:extLst>
               <a:ext uri="{FF2B5EF4-FFF2-40B4-BE49-F238E27FC236}">
@@ -7408,6 +9408,42 @@
           </a:p>
         </p:txBody>
       </p:sp>
+      <p:pic>
+        <p:nvPicPr>
+          <p:cNvPr id="7" name="Picture 6" descr="Diagram&#10;&#10;Description automatically generated">
+            <a:extLst>
+              <a:ext uri="{FF2B5EF4-FFF2-40B4-BE49-F238E27FC236}">
+                <a16:creationId xmlns:a16="http://schemas.microsoft.com/office/drawing/2014/main" id="{E72CE6C9-F2EA-4E0E-8619-D1215DCB7D8C}"/>
+              </a:ext>
+            </a:extLst>
+          </p:cNvPr>
+          <p:cNvPicPr>
+            <a:picLocks noChangeAspect="1"/>
+          </p:cNvPicPr>
+          <p:nvPr/>
+        </p:nvPicPr>
+        <p:blipFill>
+          <a:blip r:embed="rId2">
+            <a:extLst>
+              <a:ext uri="{28A0092B-C50C-407E-A947-70E740481C1C}">
+                <a14:useLocalDpi xmlns:a14="http://schemas.microsoft.com/office/drawing/2010/main" val="0"/>
+              </a:ext>
+            </a:extLst>
+          </a:blip>
+          <a:stretch>
+            <a:fillRect/>
+          </a:stretch>
+        </p:blipFill>
+        <p:spPr>
+          <a:xfrm>
+            <a:off x="1484923" y="2397966"/>
+            <a:ext cx="10330615" cy="3425775"/>
+          </a:xfrm>
+          <a:prstGeom prst="rect">
+            <a:avLst/>
+          </a:prstGeom>
+        </p:spPr>
+      </p:pic>
     </p:spTree>
     <p:extLst>
       <p:ext uri="{BB962C8B-B14F-4D97-AF65-F5344CB8AC3E}">
@@ -7466,40 +9502,8 @@
           <a:p>
             <a:r>
               <a:rPr lang="en-US" dirty="0"/>
-              <a:t>Syntax</a:t>
-            </a:r>
-          </a:p>
-        </p:txBody>
-      </p:sp>
-      <p:sp>
-        <p:nvSpPr>
-          <p:cNvPr id="3" name="Content Placeholder 2">
-            <a:extLst>
-              <a:ext uri="{FF2B5EF4-FFF2-40B4-BE49-F238E27FC236}">
-                <a16:creationId xmlns:a16="http://schemas.microsoft.com/office/drawing/2014/main" id="{FAB703EF-2F23-4B3C-AA20-46260B6B006C}"/>
-              </a:ext>
-            </a:extLst>
-          </p:cNvPr>
-          <p:cNvSpPr>
-            <a:spLocks noGrp="1"/>
-          </p:cNvSpPr>
-          <p:nvPr>
-            <p:ph idx="1"/>
-          </p:nvPr>
-        </p:nvSpPr>
-        <p:spPr>
-          <a:xfrm>
-            <a:off x="1833967" y="2057400"/>
-            <a:ext cx="5293664" cy="4038600"/>
-          </a:xfrm>
-        </p:spPr>
-        <p:txBody>
-          <a:bodyPr>
-            <a:normAutofit/>
-          </a:bodyPr>
-          <a:lstStyle/>
-          <a:p>
-            <a:endParaRPr lang="en-US" dirty="0"/>
+              <a:t>Architecture</a:t>
+            </a:r>
           </a:p>
         </p:txBody>
       </p:sp>
@@ -7602,7 +9606,7 @@
           </a:p>
           <a:p>
             <a:r>
-              <a:rPr lang="en-US" sz="1200" dirty="0">
+              <a:rPr lang="en-US" sz="1200" b="1" dirty="0">
                 <a:solidFill>
                   <a:schemeClr val="accent1"/>
                 </a:solidFill>
@@ -7612,7 +9616,7 @@
           </a:p>
           <a:p>
             <a:r>
-              <a:rPr lang="en-US" sz="1200" b="1" dirty="0">
+              <a:rPr lang="en-US" sz="1200" dirty="0">
                 <a:solidFill>
                   <a:schemeClr val="accent1"/>
                 </a:solidFill>
@@ -7649,13 +9653,154 @@
               </a:rPr>
               <a:t>Bibliography</a:t>
             </a:r>
+          </a:p>
+        </p:txBody>
+      </p:sp>
+      <p:pic>
+        <p:nvPicPr>
+          <p:cNvPr id="7" name="Picture 6" descr="Diagram&#10;&#10;Description automatically generated">
+            <a:extLst>
+              <a:ext uri="{FF2B5EF4-FFF2-40B4-BE49-F238E27FC236}">
+                <a16:creationId xmlns:a16="http://schemas.microsoft.com/office/drawing/2014/main" id="{E72CE6C9-F2EA-4E0E-8619-D1215DCB7D8C}"/>
+              </a:ext>
+            </a:extLst>
+          </p:cNvPr>
+          <p:cNvPicPr>
+            <a:picLocks noChangeAspect="1"/>
+          </p:cNvPicPr>
+          <p:nvPr/>
+        </p:nvPicPr>
+        <p:blipFill>
+          <a:blip r:embed="rId2">
+            <a:extLst>
+              <a:ext uri="{28A0092B-C50C-407E-A947-70E740481C1C}">
+                <a14:useLocalDpi xmlns:a14="http://schemas.microsoft.com/office/drawing/2010/main" val="0"/>
+              </a:ext>
+            </a:extLst>
+          </a:blip>
+          <a:stretch>
+            <a:fillRect/>
+          </a:stretch>
+        </p:blipFill>
+        <p:spPr>
+          <a:xfrm>
+            <a:off x="1484923" y="2397966"/>
+            <a:ext cx="10330615" cy="3425775"/>
+          </a:xfrm>
+          <a:prstGeom prst="rect">
+            <a:avLst/>
+          </a:prstGeom>
+        </p:spPr>
+      </p:pic>
+      <p:sp>
+        <p:nvSpPr>
+          <p:cNvPr id="3" name="Freeform: Shape 2">
+            <a:extLst>
+              <a:ext uri="{FF2B5EF4-FFF2-40B4-BE49-F238E27FC236}">
+                <a16:creationId xmlns:a16="http://schemas.microsoft.com/office/drawing/2014/main" id="{B3912EB5-2681-44B9-B8CB-9AF882D2BE0B}"/>
+              </a:ext>
+            </a:extLst>
+          </p:cNvPr>
+          <p:cNvSpPr/>
+          <p:nvPr/>
+        </p:nvSpPr>
+        <p:spPr>
+          <a:xfrm>
+            <a:off x="4837723" y="1867877"/>
+            <a:ext cx="7080739" cy="4345354"/>
+          </a:xfrm>
+          <a:custGeom>
+            <a:avLst/>
+            <a:gdLst>
+              <a:gd name="connsiteX0" fmla="*/ 0 w 7080739"/>
+              <a:gd name="connsiteY0" fmla="*/ 117231 h 4345354"/>
+              <a:gd name="connsiteX1" fmla="*/ 62523 w 7080739"/>
+              <a:gd name="connsiteY1" fmla="*/ 4329723 h 4345354"/>
+              <a:gd name="connsiteX2" fmla="*/ 7080739 w 7080739"/>
+              <a:gd name="connsiteY2" fmla="*/ 4345354 h 4345354"/>
+              <a:gd name="connsiteX3" fmla="*/ 7026031 w 7080739"/>
+              <a:gd name="connsiteY3" fmla="*/ 0 h 4345354"/>
+              <a:gd name="connsiteX4" fmla="*/ 0 w 7080739"/>
+              <a:gd name="connsiteY4" fmla="*/ 117231 h 4345354"/>
+            </a:gdLst>
+            <a:ahLst/>
+            <a:cxnLst>
+              <a:cxn ang="0">
+                <a:pos x="connsiteX0" y="connsiteY0"/>
+              </a:cxn>
+              <a:cxn ang="0">
+                <a:pos x="connsiteX1" y="connsiteY1"/>
+              </a:cxn>
+              <a:cxn ang="0">
+                <a:pos x="connsiteX2" y="connsiteY2"/>
+              </a:cxn>
+              <a:cxn ang="0">
+                <a:pos x="connsiteX3" y="connsiteY3"/>
+              </a:cxn>
+              <a:cxn ang="0">
+                <a:pos x="connsiteX4" y="connsiteY4"/>
+              </a:cxn>
+            </a:cxnLst>
+            <a:rect l="l" t="t" r="r" b="b"/>
+            <a:pathLst>
+              <a:path w="7080739" h="4345354">
+                <a:moveTo>
+                  <a:pt x="0" y="117231"/>
+                </a:moveTo>
+                <a:lnTo>
+                  <a:pt x="62523" y="4329723"/>
+                </a:lnTo>
+                <a:lnTo>
+                  <a:pt x="7080739" y="4345354"/>
+                </a:lnTo>
+                <a:lnTo>
+                  <a:pt x="7026031" y="0"/>
+                </a:lnTo>
+                <a:lnTo>
+                  <a:pt x="0" y="117231"/>
+                </a:lnTo>
+                <a:close/>
+              </a:path>
+            </a:pathLst>
+          </a:custGeom>
+          <a:solidFill>
+            <a:srgbClr val="FFFFFF">
+              <a:alpha val="80000"/>
+            </a:srgbClr>
+          </a:solidFill>
+          <a:ln>
+            <a:noFill/>
+          </a:ln>
+        </p:spPr>
+        <p:style>
+          <a:lnRef idx="2">
+            <a:schemeClr val="accent1">
+              <a:shade val="50000"/>
+            </a:schemeClr>
+          </a:lnRef>
+          <a:fillRef idx="1">
+            <a:schemeClr val="accent1"/>
+          </a:fillRef>
+          <a:effectRef idx="0">
+            <a:schemeClr val="accent1"/>
+          </a:effectRef>
+          <a:fontRef idx="minor">
+            <a:schemeClr val="lt1"/>
+          </a:fontRef>
+        </p:style>
+        <p:txBody>
+          <a:bodyPr rtlCol="0" anchor="ctr"/>
+          <a:lstStyle/>
+          <a:p>
+            <a:pPr algn="ctr"/>
+            <a:endParaRPr lang="en-US"/>
           </a:p>
         </p:txBody>
       </p:sp>
     </p:spTree>
     <p:extLst>
       <p:ext uri="{BB962C8B-B14F-4D97-AF65-F5344CB8AC3E}">
-        <p14:creationId xmlns:p14="http://schemas.microsoft.com/office/powerpoint/2010/main" val="2986862166"/>
+        <p14:creationId xmlns:p14="http://schemas.microsoft.com/office/powerpoint/2010/main" val="2751345316"/>
       </p:ext>
     </p:extLst>
   </p:cSld>
@@ -7710,40 +9855,8 @@
           <a:p>
             <a:r>
               <a:rPr lang="en-US" dirty="0"/>
-              <a:t>User Feedback</a:t>
-            </a:r>
-          </a:p>
-        </p:txBody>
-      </p:sp>
-      <p:sp>
-        <p:nvSpPr>
-          <p:cNvPr id="3" name="Content Placeholder 2">
-            <a:extLst>
-              <a:ext uri="{FF2B5EF4-FFF2-40B4-BE49-F238E27FC236}">
-                <a16:creationId xmlns:a16="http://schemas.microsoft.com/office/drawing/2014/main" id="{FAB703EF-2F23-4B3C-AA20-46260B6B006C}"/>
-              </a:ext>
-            </a:extLst>
-          </p:cNvPr>
-          <p:cNvSpPr>
-            <a:spLocks noGrp="1"/>
-          </p:cNvSpPr>
-          <p:nvPr>
-            <p:ph idx="1"/>
-          </p:nvPr>
-        </p:nvSpPr>
-        <p:spPr>
-          <a:xfrm>
-            <a:off x="1833967" y="2057400"/>
-            <a:ext cx="5293664" cy="4038600"/>
-          </a:xfrm>
-        </p:spPr>
-        <p:txBody>
-          <a:bodyPr>
-            <a:normAutofit/>
-          </a:bodyPr>
-          <a:lstStyle/>
-          <a:p>
-            <a:endParaRPr lang="en-US" dirty="0"/>
+              <a:t>Architecture</a:t>
+            </a:r>
           </a:p>
         </p:txBody>
       </p:sp>
@@ -7846,7 +9959,7 @@
           </a:p>
           <a:p>
             <a:r>
-              <a:rPr lang="en-US" sz="1200" dirty="0">
+              <a:rPr lang="en-US" sz="1200" b="1" dirty="0">
                 <a:solidFill>
                   <a:schemeClr val="accent1"/>
                 </a:solidFill>
@@ -7866,7 +9979,7 @@
           </a:p>
           <a:p>
             <a:r>
-              <a:rPr lang="en-US" sz="1200" b="1" dirty="0">
+              <a:rPr lang="en-US" sz="1200" dirty="0">
                 <a:solidFill>
                   <a:schemeClr val="accent1"/>
                 </a:solidFill>
@@ -7893,13 +10006,299 @@
               </a:rPr>
               <a:t>Bibliography</a:t>
             </a:r>
+          </a:p>
+        </p:txBody>
+      </p:sp>
+      <p:pic>
+        <p:nvPicPr>
+          <p:cNvPr id="7" name="Picture 6" descr="Diagram&#10;&#10;Description automatically generated">
+            <a:extLst>
+              <a:ext uri="{FF2B5EF4-FFF2-40B4-BE49-F238E27FC236}">
+                <a16:creationId xmlns:a16="http://schemas.microsoft.com/office/drawing/2014/main" id="{E72CE6C9-F2EA-4E0E-8619-D1215DCB7D8C}"/>
+              </a:ext>
+            </a:extLst>
+          </p:cNvPr>
+          <p:cNvPicPr>
+            <a:picLocks noChangeAspect="1"/>
+          </p:cNvPicPr>
+          <p:nvPr/>
+        </p:nvPicPr>
+        <p:blipFill>
+          <a:blip r:embed="rId2">
+            <a:extLst>
+              <a:ext uri="{28A0092B-C50C-407E-A947-70E740481C1C}">
+                <a14:useLocalDpi xmlns:a14="http://schemas.microsoft.com/office/drawing/2010/main" val="0"/>
+              </a:ext>
+            </a:extLst>
+          </a:blip>
+          <a:stretch>
+            <a:fillRect/>
+          </a:stretch>
+        </p:blipFill>
+        <p:spPr>
+          <a:xfrm>
+            <a:off x="1484923" y="2397966"/>
+            <a:ext cx="10330615" cy="3425775"/>
+          </a:xfrm>
+          <a:prstGeom prst="rect">
+            <a:avLst/>
+          </a:prstGeom>
+        </p:spPr>
+      </p:pic>
+      <p:sp>
+        <p:nvSpPr>
+          <p:cNvPr id="3" name="Freeform: Shape 2">
+            <a:extLst>
+              <a:ext uri="{FF2B5EF4-FFF2-40B4-BE49-F238E27FC236}">
+                <a16:creationId xmlns:a16="http://schemas.microsoft.com/office/drawing/2014/main" id="{6E01387F-BE6C-411E-AABE-1ED42633B70D}"/>
+              </a:ext>
+            </a:extLst>
+          </p:cNvPr>
+          <p:cNvSpPr/>
+          <p:nvPr/>
+        </p:nvSpPr>
+        <p:spPr>
+          <a:xfrm>
+            <a:off x="1211385" y="2125785"/>
+            <a:ext cx="2391507" cy="3485661"/>
+          </a:xfrm>
+          <a:custGeom>
+            <a:avLst/>
+            <a:gdLst>
+              <a:gd name="connsiteX0" fmla="*/ 742461 w 2391507"/>
+              <a:gd name="connsiteY0" fmla="*/ 140677 h 3485661"/>
+              <a:gd name="connsiteX1" fmla="*/ 0 w 2391507"/>
+              <a:gd name="connsiteY1" fmla="*/ 1727200 h 3485661"/>
+              <a:gd name="connsiteX2" fmla="*/ 1008184 w 2391507"/>
+              <a:gd name="connsiteY2" fmla="*/ 3485661 h 3485661"/>
+              <a:gd name="connsiteX3" fmla="*/ 2375877 w 2391507"/>
+              <a:gd name="connsiteY3" fmla="*/ 3485661 h 3485661"/>
+              <a:gd name="connsiteX4" fmla="*/ 2391507 w 2391507"/>
+              <a:gd name="connsiteY4" fmla="*/ 0 h 3485661"/>
+              <a:gd name="connsiteX5" fmla="*/ 742461 w 2391507"/>
+              <a:gd name="connsiteY5" fmla="*/ 140677 h 3485661"/>
+            </a:gdLst>
+            <a:ahLst/>
+            <a:cxnLst>
+              <a:cxn ang="0">
+                <a:pos x="connsiteX0" y="connsiteY0"/>
+              </a:cxn>
+              <a:cxn ang="0">
+                <a:pos x="connsiteX1" y="connsiteY1"/>
+              </a:cxn>
+              <a:cxn ang="0">
+                <a:pos x="connsiteX2" y="connsiteY2"/>
+              </a:cxn>
+              <a:cxn ang="0">
+                <a:pos x="connsiteX3" y="connsiteY3"/>
+              </a:cxn>
+              <a:cxn ang="0">
+                <a:pos x="connsiteX4" y="connsiteY4"/>
+              </a:cxn>
+              <a:cxn ang="0">
+                <a:pos x="connsiteX5" y="connsiteY5"/>
+              </a:cxn>
+            </a:cxnLst>
+            <a:rect l="l" t="t" r="r" b="b"/>
+            <a:pathLst>
+              <a:path w="2391507" h="3485661">
+                <a:moveTo>
+                  <a:pt x="742461" y="140677"/>
+                </a:moveTo>
+                <a:lnTo>
+                  <a:pt x="0" y="1727200"/>
+                </a:lnTo>
+                <a:lnTo>
+                  <a:pt x="1008184" y="3485661"/>
+                </a:lnTo>
+                <a:lnTo>
+                  <a:pt x="2375877" y="3485661"/>
+                </a:lnTo>
+                <a:lnTo>
+                  <a:pt x="2391507" y="0"/>
+                </a:lnTo>
+                <a:lnTo>
+                  <a:pt x="742461" y="140677"/>
+                </a:lnTo>
+                <a:close/>
+              </a:path>
+            </a:pathLst>
+          </a:custGeom>
+          <a:solidFill>
+            <a:srgbClr val="FFFFFF">
+              <a:alpha val="80000"/>
+            </a:srgbClr>
+          </a:solidFill>
+          <a:ln>
+            <a:noFill/>
+          </a:ln>
+        </p:spPr>
+        <p:style>
+          <a:lnRef idx="2">
+            <a:schemeClr val="accent1">
+              <a:shade val="50000"/>
+            </a:schemeClr>
+          </a:lnRef>
+          <a:fillRef idx="1">
+            <a:schemeClr val="accent1"/>
+          </a:fillRef>
+          <a:effectRef idx="0">
+            <a:schemeClr val="accent1"/>
+          </a:effectRef>
+          <a:fontRef idx="minor">
+            <a:schemeClr val="lt1"/>
+          </a:fontRef>
+        </p:style>
+        <p:txBody>
+          <a:bodyPr rtlCol="0" anchor="ctr"/>
+          <a:lstStyle/>
+          <a:p>
+            <a:pPr algn="ctr"/>
+            <a:endParaRPr lang="en-US"/>
+          </a:p>
+        </p:txBody>
+      </p:sp>
+      <p:sp>
+        <p:nvSpPr>
+          <p:cNvPr id="5" name="Freeform: Shape 4">
+            <a:extLst>
+              <a:ext uri="{FF2B5EF4-FFF2-40B4-BE49-F238E27FC236}">
+                <a16:creationId xmlns:a16="http://schemas.microsoft.com/office/drawing/2014/main" id="{9101F1F3-2A07-4E0E-9E4F-D12067A28A54}"/>
+              </a:ext>
+            </a:extLst>
+          </p:cNvPr>
+          <p:cNvSpPr/>
+          <p:nvPr/>
+        </p:nvSpPr>
+        <p:spPr>
+          <a:xfrm>
+            <a:off x="5486400" y="2000738"/>
+            <a:ext cx="6385169" cy="3118339"/>
+          </a:xfrm>
+          <a:custGeom>
+            <a:avLst/>
+            <a:gdLst>
+              <a:gd name="connsiteX0" fmla="*/ 0 w 6385169"/>
+              <a:gd name="connsiteY0" fmla="*/ 0 h 3118339"/>
+              <a:gd name="connsiteX1" fmla="*/ 46892 w 6385169"/>
+              <a:gd name="connsiteY1" fmla="*/ 1242647 h 3118339"/>
+              <a:gd name="connsiteX2" fmla="*/ 2078892 w 6385169"/>
+              <a:gd name="connsiteY2" fmla="*/ 1266093 h 3118339"/>
+              <a:gd name="connsiteX3" fmla="*/ 2102338 w 6385169"/>
+              <a:gd name="connsiteY3" fmla="*/ 2203939 h 3118339"/>
+              <a:gd name="connsiteX4" fmla="*/ 1367692 w 6385169"/>
+              <a:gd name="connsiteY4" fmla="*/ 2180493 h 3118339"/>
+              <a:gd name="connsiteX5" fmla="*/ 1414585 w 6385169"/>
+              <a:gd name="connsiteY5" fmla="*/ 3094893 h 3118339"/>
+              <a:gd name="connsiteX6" fmla="*/ 6385169 w 6385169"/>
+              <a:gd name="connsiteY6" fmla="*/ 3118339 h 3118339"/>
+              <a:gd name="connsiteX7" fmla="*/ 6353908 w 6385169"/>
+              <a:gd name="connsiteY7" fmla="*/ 211016 h 3118339"/>
+              <a:gd name="connsiteX8" fmla="*/ 0 w 6385169"/>
+              <a:gd name="connsiteY8" fmla="*/ 0 h 3118339"/>
+            </a:gdLst>
+            <a:ahLst/>
+            <a:cxnLst>
+              <a:cxn ang="0">
+                <a:pos x="connsiteX0" y="connsiteY0"/>
+              </a:cxn>
+              <a:cxn ang="0">
+                <a:pos x="connsiteX1" y="connsiteY1"/>
+              </a:cxn>
+              <a:cxn ang="0">
+                <a:pos x="connsiteX2" y="connsiteY2"/>
+              </a:cxn>
+              <a:cxn ang="0">
+                <a:pos x="connsiteX3" y="connsiteY3"/>
+              </a:cxn>
+              <a:cxn ang="0">
+                <a:pos x="connsiteX4" y="connsiteY4"/>
+              </a:cxn>
+              <a:cxn ang="0">
+                <a:pos x="connsiteX5" y="connsiteY5"/>
+              </a:cxn>
+              <a:cxn ang="0">
+                <a:pos x="connsiteX6" y="connsiteY6"/>
+              </a:cxn>
+              <a:cxn ang="0">
+                <a:pos x="connsiteX7" y="connsiteY7"/>
+              </a:cxn>
+              <a:cxn ang="0">
+                <a:pos x="connsiteX8" y="connsiteY8"/>
+              </a:cxn>
+            </a:cxnLst>
+            <a:rect l="l" t="t" r="r" b="b"/>
+            <a:pathLst>
+              <a:path w="6385169" h="3118339">
+                <a:moveTo>
+                  <a:pt x="0" y="0"/>
+                </a:moveTo>
+                <a:lnTo>
+                  <a:pt x="46892" y="1242647"/>
+                </a:lnTo>
+                <a:lnTo>
+                  <a:pt x="2078892" y="1266093"/>
+                </a:lnTo>
+                <a:lnTo>
+                  <a:pt x="2102338" y="2203939"/>
+                </a:lnTo>
+                <a:lnTo>
+                  <a:pt x="1367692" y="2180493"/>
+                </a:lnTo>
+                <a:lnTo>
+                  <a:pt x="1414585" y="3094893"/>
+                </a:lnTo>
+                <a:lnTo>
+                  <a:pt x="6385169" y="3118339"/>
+                </a:lnTo>
+                <a:lnTo>
+                  <a:pt x="6353908" y="211016"/>
+                </a:lnTo>
+                <a:lnTo>
+                  <a:pt x="0" y="0"/>
+                </a:lnTo>
+                <a:close/>
+              </a:path>
+            </a:pathLst>
+          </a:custGeom>
+          <a:solidFill>
+            <a:srgbClr val="FFFFFF">
+              <a:alpha val="80000"/>
+            </a:srgbClr>
+          </a:solidFill>
+          <a:ln>
+            <a:noFill/>
+          </a:ln>
+        </p:spPr>
+        <p:style>
+          <a:lnRef idx="2">
+            <a:schemeClr val="accent1">
+              <a:shade val="50000"/>
+            </a:schemeClr>
+          </a:lnRef>
+          <a:fillRef idx="1">
+            <a:schemeClr val="accent1"/>
+          </a:fillRef>
+          <a:effectRef idx="0">
+            <a:schemeClr val="accent1"/>
+          </a:effectRef>
+          <a:fontRef idx="minor">
+            <a:schemeClr val="lt1"/>
+          </a:fontRef>
+        </p:style>
+        <p:txBody>
+          <a:bodyPr rtlCol="0" anchor="ctr"/>
+          <a:lstStyle/>
+          <a:p>
+            <a:pPr algn="ctr"/>
+            <a:endParaRPr lang="en-US" dirty="0"/>
           </a:p>
         </p:txBody>
       </p:sp>
     </p:spTree>
     <p:extLst>
       <p:ext uri="{BB962C8B-B14F-4D97-AF65-F5344CB8AC3E}">
-        <p14:creationId xmlns:p14="http://schemas.microsoft.com/office/powerpoint/2010/main" val="2790549481"/>
+        <p14:creationId xmlns:p14="http://schemas.microsoft.com/office/powerpoint/2010/main" val="3317684239"/>
       </p:ext>
     </p:extLst>
   </p:cSld>
@@ -7954,40 +10353,8 @@
           <a:p>
             <a:r>
               <a:rPr lang="en-US" dirty="0"/>
-              <a:t>Profiling Results</a:t>
-            </a:r>
-          </a:p>
-        </p:txBody>
-      </p:sp>
-      <p:sp>
-        <p:nvSpPr>
-          <p:cNvPr id="3" name="Content Placeholder 2">
-            <a:extLst>
-              <a:ext uri="{FF2B5EF4-FFF2-40B4-BE49-F238E27FC236}">
-                <a16:creationId xmlns:a16="http://schemas.microsoft.com/office/drawing/2014/main" id="{FAB703EF-2F23-4B3C-AA20-46260B6B006C}"/>
-              </a:ext>
-            </a:extLst>
-          </p:cNvPr>
-          <p:cNvSpPr>
-            <a:spLocks noGrp="1"/>
-          </p:cNvSpPr>
-          <p:nvPr>
-            <p:ph idx="1"/>
-          </p:nvPr>
-        </p:nvSpPr>
-        <p:spPr>
-          <a:xfrm>
-            <a:off x="1833967" y="2057400"/>
-            <a:ext cx="5293664" cy="4038600"/>
-          </a:xfrm>
-        </p:spPr>
-        <p:txBody>
-          <a:bodyPr>
-            <a:normAutofit/>
-          </a:bodyPr>
-          <a:lstStyle/>
-          <a:p>
-            <a:endParaRPr lang="en-US" dirty="0"/>
+              <a:t>Architecture</a:t>
+            </a:r>
           </a:p>
         </p:txBody>
       </p:sp>
@@ -8090,7 +10457,7 @@
           </a:p>
           <a:p>
             <a:r>
-              <a:rPr lang="en-US" sz="1200" dirty="0">
+              <a:rPr lang="en-US" sz="1200" b="1" dirty="0">
                 <a:solidFill>
                   <a:schemeClr val="accent1"/>
                 </a:solidFill>
@@ -8120,7 +10487,7 @@
           </a:p>
           <a:p>
             <a:r>
-              <a:rPr lang="en-US" sz="1200" b="1" dirty="0">
+              <a:rPr lang="en-US" sz="1200" dirty="0">
                 <a:solidFill>
                   <a:schemeClr val="accent1"/>
                 </a:solidFill>
@@ -8137,13 +10504,307 @@
               </a:rPr>
               <a:t>Bibliography</a:t>
             </a:r>
+          </a:p>
+        </p:txBody>
+      </p:sp>
+      <p:pic>
+        <p:nvPicPr>
+          <p:cNvPr id="7" name="Picture 6" descr="Diagram&#10;&#10;Description automatically generated">
+            <a:extLst>
+              <a:ext uri="{FF2B5EF4-FFF2-40B4-BE49-F238E27FC236}">
+                <a16:creationId xmlns:a16="http://schemas.microsoft.com/office/drawing/2014/main" id="{E72CE6C9-F2EA-4E0E-8619-D1215DCB7D8C}"/>
+              </a:ext>
+            </a:extLst>
+          </p:cNvPr>
+          <p:cNvPicPr>
+            <a:picLocks noChangeAspect="1"/>
+          </p:cNvPicPr>
+          <p:nvPr/>
+        </p:nvPicPr>
+        <p:blipFill>
+          <a:blip r:embed="rId2">
+            <a:extLst>
+              <a:ext uri="{28A0092B-C50C-407E-A947-70E740481C1C}">
+                <a14:useLocalDpi xmlns:a14="http://schemas.microsoft.com/office/drawing/2010/main" val="0"/>
+              </a:ext>
+            </a:extLst>
+          </a:blip>
+          <a:stretch>
+            <a:fillRect/>
+          </a:stretch>
+        </p:blipFill>
+        <p:spPr>
+          <a:xfrm>
+            <a:off x="1484923" y="2397966"/>
+            <a:ext cx="10330615" cy="3425775"/>
+          </a:xfrm>
+          <a:prstGeom prst="rect">
+            <a:avLst/>
+          </a:prstGeom>
+        </p:spPr>
+      </p:pic>
+      <p:sp>
+        <p:nvSpPr>
+          <p:cNvPr id="3" name="Freeform: Shape 2">
+            <a:extLst>
+              <a:ext uri="{FF2B5EF4-FFF2-40B4-BE49-F238E27FC236}">
+                <a16:creationId xmlns:a16="http://schemas.microsoft.com/office/drawing/2014/main" id="{F86DE4AD-75E4-40E0-AA0A-F31FD07F1ADD}"/>
+              </a:ext>
+            </a:extLst>
+          </p:cNvPr>
+          <p:cNvSpPr/>
+          <p:nvPr/>
+        </p:nvSpPr>
+        <p:spPr>
+          <a:xfrm>
+            <a:off x="1383323" y="2383692"/>
+            <a:ext cx="4056185" cy="3743570"/>
+          </a:xfrm>
+          <a:custGeom>
+            <a:avLst/>
+            <a:gdLst>
+              <a:gd name="connsiteX0" fmla="*/ 171939 w 4095262"/>
+              <a:gd name="connsiteY0" fmla="*/ 7816 h 3743570"/>
+              <a:gd name="connsiteX1" fmla="*/ 4095262 w 4095262"/>
+              <a:gd name="connsiteY1" fmla="*/ 78154 h 3743570"/>
+              <a:gd name="connsiteX2" fmla="*/ 4079631 w 4095262"/>
+              <a:gd name="connsiteY2" fmla="*/ 3727939 h 3743570"/>
+              <a:gd name="connsiteX3" fmla="*/ 15631 w 4095262"/>
+              <a:gd name="connsiteY3" fmla="*/ 3743570 h 3743570"/>
+              <a:gd name="connsiteX4" fmla="*/ 0 w 4095262"/>
+              <a:gd name="connsiteY4" fmla="*/ 7816 h 3743570"/>
+              <a:gd name="connsiteX5" fmla="*/ 265723 w 4095262"/>
+              <a:gd name="connsiteY5" fmla="*/ 0 h 3743570"/>
+              <a:gd name="connsiteX6" fmla="*/ 492369 w 4095262"/>
+              <a:gd name="connsiteY6" fmla="*/ 31262 h 3743570"/>
+              <a:gd name="connsiteX7" fmla="*/ 1352062 w 4095262"/>
+              <a:gd name="connsiteY7" fmla="*/ 0 h 3743570"/>
+              <a:gd name="connsiteX8" fmla="*/ 601785 w 4095262"/>
+              <a:gd name="connsiteY8" fmla="*/ 179754 h 3743570"/>
+              <a:gd name="connsiteX9" fmla="*/ 171939 w 4095262"/>
+              <a:gd name="connsiteY9" fmla="*/ 7816 h 3743570"/>
+            </a:gdLst>
+            <a:ahLst/>
+            <a:cxnLst>
+              <a:cxn ang="0">
+                <a:pos x="connsiteX0" y="connsiteY0"/>
+              </a:cxn>
+              <a:cxn ang="0">
+                <a:pos x="connsiteX1" y="connsiteY1"/>
+              </a:cxn>
+              <a:cxn ang="0">
+                <a:pos x="connsiteX2" y="connsiteY2"/>
+              </a:cxn>
+              <a:cxn ang="0">
+                <a:pos x="connsiteX3" y="connsiteY3"/>
+              </a:cxn>
+              <a:cxn ang="0">
+                <a:pos x="connsiteX4" y="connsiteY4"/>
+              </a:cxn>
+              <a:cxn ang="0">
+                <a:pos x="connsiteX5" y="connsiteY5"/>
+              </a:cxn>
+              <a:cxn ang="0">
+                <a:pos x="connsiteX6" y="connsiteY6"/>
+              </a:cxn>
+              <a:cxn ang="0">
+                <a:pos x="connsiteX7" y="connsiteY7"/>
+              </a:cxn>
+              <a:cxn ang="0">
+                <a:pos x="connsiteX8" y="connsiteY8"/>
+              </a:cxn>
+              <a:cxn ang="0">
+                <a:pos x="connsiteX9" y="connsiteY9"/>
+              </a:cxn>
+            </a:cxnLst>
+            <a:rect l="l" t="t" r="r" b="b"/>
+            <a:pathLst>
+              <a:path w="4095262" h="3743570">
+                <a:moveTo>
+                  <a:pt x="171939" y="7816"/>
+                </a:moveTo>
+                <a:lnTo>
+                  <a:pt x="4095262" y="78154"/>
+                </a:lnTo>
+                <a:cubicBezTo>
+                  <a:pt x="4090052" y="1294749"/>
+                  <a:pt x="4084841" y="2511344"/>
+                  <a:pt x="4079631" y="3727939"/>
+                </a:cubicBezTo>
+                <a:lnTo>
+                  <a:pt x="15631" y="3743570"/>
+                </a:lnTo>
+                <a:cubicBezTo>
+                  <a:pt x="10421" y="2498319"/>
+                  <a:pt x="5210" y="1253067"/>
+                  <a:pt x="0" y="7816"/>
+                </a:cubicBezTo>
+                <a:lnTo>
+                  <a:pt x="265723" y="0"/>
+                </a:lnTo>
+                <a:lnTo>
+                  <a:pt x="492369" y="31262"/>
+                </a:lnTo>
+                <a:lnTo>
+                  <a:pt x="1352062" y="0"/>
+                </a:lnTo>
+                <a:lnTo>
+                  <a:pt x="601785" y="179754"/>
+                </a:lnTo>
+                <a:lnTo>
+                  <a:pt x="171939" y="7816"/>
+                </a:lnTo>
+                <a:close/>
+              </a:path>
+            </a:pathLst>
+          </a:custGeom>
+          <a:solidFill>
+            <a:srgbClr val="FFFFFF">
+              <a:alpha val="80000"/>
+            </a:srgbClr>
+          </a:solidFill>
+          <a:ln>
+            <a:solidFill>
+              <a:srgbClr val="FFFFFF"/>
+            </a:solidFill>
+          </a:ln>
+        </p:spPr>
+        <p:style>
+          <a:lnRef idx="2">
+            <a:schemeClr val="accent1">
+              <a:shade val="50000"/>
+            </a:schemeClr>
+          </a:lnRef>
+          <a:fillRef idx="1">
+            <a:schemeClr val="accent1"/>
+          </a:fillRef>
+          <a:effectRef idx="0">
+            <a:schemeClr val="accent1"/>
+          </a:effectRef>
+          <a:fontRef idx="minor">
+            <a:schemeClr val="lt1"/>
+          </a:fontRef>
+        </p:style>
+        <p:txBody>
+          <a:bodyPr rtlCol="0" anchor="ctr"/>
+          <a:lstStyle/>
+          <a:p>
+            <a:pPr algn="ctr"/>
+            <a:endParaRPr lang="en-US" dirty="0"/>
+          </a:p>
+        </p:txBody>
+      </p:sp>
+      <p:sp>
+        <p:nvSpPr>
+          <p:cNvPr id="5" name="Freeform: Shape 4">
+            <a:extLst>
+              <a:ext uri="{FF2B5EF4-FFF2-40B4-BE49-F238E27FC236}">
+                <a16:creationId xmlns:a16="http://schemas.microsoft.com/office/drawing/2014/main" id="{05ED34E5-CA6B-4E20-9505-394735EA8851}"/>
+              </a:ext>
+            </a:extLst>
+          </p:cNvPr>
+          <p:cNvSpPr/>
+          <p:nvPr/>
+        </p:nvSpPr>
+        <p:spPr>
+          <a:xfrm>
+            <a:off x="10034954" y="1985108"/>
+            <a:ext cx="1820984" cy="4134338"/>
+          </a:xfrm>
+          <a:custGeom>
+            <a:avLst/>
+            <a:gdLst>
+              <a:gd name="connsiteX0" fmla="*/ 0 w 2141415"/>
+              <a:gd name="connsiteY0" fmla="*/ 0 h 4134338"/>
+              <a:gd name="connsiteX1" fmla="*/ 46892 w 2141415"/>
+              <a:gd name="connsiteY1" fmla="*/ 4134338 h 4134338"/>
+              <a:gd name="connsiteX2" fmla="*/ 2141415 w 2141415"/>
+              <a:gd name="connsiteY2" fmla="*/ 4087446 h 4134338"/>
+              <a:gd name="connsiteX3" fmla="*/ 2141415 w 2141415"/>
+              <a:gd name="connsiteY3" fmla="*/ 39077 h 4134338"/>
+              <a:gd name="connsiteX4" fmla="*/ 0 w 2141415"/>
+              <a:gd name="connsiteY4" fmla="*/ 0 h 4134338"/>
+            </a:gdLst>
+            <a:ahLst/>
+            <a:cxnLst>
+              <a:cxn ang="0">
+                <a:pos x="connsiteX0" y="connsiteY0"/>
+              </a:cxn>
+              <a:cxn ang="0">
+                <a:pos x="connsiteX1" y="connsiteY1"/>
+              </a:cxn>
+              <a:cxn ang="0">
+                <a:pos x="connsiteX2" y="connsiteY2"/>
+              </a:cxn>
+              <a:cxn ang="0">
+                <a:pos x="connsiteX3" y="connsiteY3"/>
+              </a:cxn>
+              <a:cxn ang="0">
+                <a:pos x="connsiteX4" y="connsiteY4"/>
+              </a:cxn>
+            </a:cxnLst>
+            <a:rect l="l" t="t" r="r" b="b"/>
+            <a:pathLst>
+              <a:path w="2141415" h="4134338">
+                <a:moveTo>
+                  <a:pt x="0" y="0"/>
+                </a:moveTo>
+                <a:lnTo>
+                  <a:pt x="46892" y="4134338"/>
+                </a:lnTo>
+                <a:lnTo>
+                  <a:pt x="2141415" y="4087446"/>
+                </a:lnTo>
+                <a:lnTo>
+                  <a:pt x="2141415" y="39077"/>
+                </a:lnTo>
+                <a:lnTo>
+                  <a:pt x="0" y="0"/>
+                </a:lnTo>
+                <a:close/>
+              </a:path>
+            </a:pathLst>
+          </a:custGeom>
+          <a:solidFill>
+            <a:srgbClr val="FFFFFF">
+              <a:alpha val="80000"/>
+            </a:srgbClr>
+          </a:solidFill>
+          <a:ln>
+            <a:solidFill>
+              <a:srgbClr val="FFFFFF"/>
+            </a:solidFill>
+          </a:ln>
+        </p:spPr>
+        <p:style>
+          <a:lnRef idx="2">
+            <a:schemeClr val="accent1">
+              <a:shade val="50000"/>
+            </a:schemeClr>
+          </a:lnRef>
+          <a:fillRef idx="1">
+            <a:schemeClr val="accent1"/>
+          </a:fillRef>
+          <a:effectRef idx="0">
+            <a:schemeClr val="accent1"/>
+          </a:effectRef>
+          <a:fontRef idx="minor">
+            <a:schemeClr val="lt1"/>
+          </a:fontRef>
+        </p:style>
+        <p:txBody>
+          <a:bodyPr rtlCol="0" anchor="ctr"/>
+          <a:lstStyle/>
+          <a:p>
+            <a:pPr algn="ctr"/>
+            <a:endParaRPr lang="en-US"/>
           </a:p>
         </p:txBody>
       </p:sp>
     </p:spTree>
     <p:extLst>
       <p:ext uri="{BB962C8B-B14F-4D97-AF65-F5344CB8AC3E}">
-        <p14:creationId xmlns:p14="http://schemas.microsoft.com/office/powerpoint/2010/main" val="4243312310"/>
+        <p14:creationId xmlns:p14="http://schemas.microsoft.com/office/powerpoint/2010/main" val="627848071"/>
       </p:ext>
     </p:extLst>
   </p:cSld>
@@ -8198,7 +10859,362 @@
           <a:p>
             <a:r>
               <a:rPr lang="en-US" dirty="0"/>
+              <a:t>Architecture</a:t>
+            </a:r>
+          </a:p>
+        </p:txBody>
+      </p:sp>
+      <p:sp>
+        <p:nvSpPr>
+          <p:cNvPr id="4" name="TextBox 3">
+            <a:extLst>
+              <a:ext uri="{FF2B5EF4-FFF2-40B4-BE49-F238E27FC236}">
+                <a16:creationId xmlns:a16="http://schemas.microsoft.com/office/drawing/2014/main" id="{A12BD9C5-99E7-47EF-8232-B34D4C5F7531}"/>
+              </a:ext>
+            </a:extLst>
+          </p:cNvPr>
+          <p:cNvSpPr txBox="1"/>
+          <p:nvPr/>
+        </p:nvSpPr>
+        <p:spPr>
+          <a:xfrm>
+            <a:off x="226646" y="220785"/>
+            <a:ext cx="1258277" cy="2308324"/>
+          </a:xfrm>
+          <a:prstGeom prst="rect">
+            <a:avLst/>
+          </a:prstGeom>
+          <a:noFill/>
+        </p:spPr>
+        <p:txBody>
+          <a:bodyPr wrap="square" rtlCol="0">
+            <a:spAutoFit/>
+          </a:bodyPr>
+          <a:lstStyle/>
+          <a:p>
+            <a:r>
+              <a:rPr lang="en-US" sz="1200" dirty="0">
+                <a:solidFill>
+                  <a:schemeClr val="accent1"/>
+                </a:solidFill>
+              </a:rPr>
+              <a:t>Introduction</a:t>
+            </a:r>
+          </a:p>
+          <a:p>
+            <a:r>
+              <a:rPr lang="en-US" sz="1200" dirty="0">
+                <a:solidFill>
+                  <a:schemeClr val="accent1"/>
+                </a:solidFill>
+              </a:rPr>
+              <a:t>Scope</a:t>
+            </a:r>
+          </a:p>
+          <a:p>
+            <a:r>
+              <a:rPr lang="en-US" sz="1200" dirty="0">
+                <a:solidFill>
+                  <a:schemeClr val="accent1"/>
+                </a:solidFill>
+              </a:rPr>
+              <a:t>Schedule</a:t>
+            </a:r>
+          </a:p>
+          <a:p>
+            <a:r>
+              <a:rPr lang="en-US" sz="1200" dirty="0">
+                <a:solidFill>
+                  <a:schemeClr val="accent1"/>
+                </a:solidFill>
+              </a:rPr>
+              <a:t>Theory</a:t>
+            </a:r>
+          </a:p>
+          <a:p>
+            <a:r>
+              <a:rPr lang="en-US" sz="1200" dirty="0">
+                <a:solidFill>
+                  <a:schemeClr val="accent1"/>
+                </a:solidFill>
+              </a:rPr>
+              <a:t>Previous Work</a:t>
+            </a:r>
+          </a:p>
+          <a:p>
+            <a:r>
+              <a:rPr lang="en-US" sz="1200" dirty="0">
+                <a:solidFill>
+                  <a:schemeClr val="accent1"/>
+                </a:solidFill>
+              </a:rPr>
+              <a:t>Artifact</a:t>
+            </a:r>
+          </a:p>
+          <a:p>
+            <a:r>
+              <a:rPr lang="en-US" sz="1200" dirty="0">
+                <a:solidFill>
+                  <a:schemeClr val="accent1"/>
+                </a:solidFill>
+              </a:rPr>
+              <a:t>Implementation</a:t>
+            </a:r>
+          </a:p>
+          <a:p>
+            <a:r>
+              <a:rPr lang="en-US" sz="1200" b="1" dirty="0">
+                <a:solidFill>
+                  <a:schemeClr val="accent1"/>
+                </a:solidFill>
+              </a:rPr>
+              <a:t>Architecture</a:t>
+            </a:r>
+          </a:p>
+          <a:p>
+            <a:r>
+              <a:rPr lang="en-US" sz="1200" dirty="0">
+                <a:solidFill>
+                  <a:schemeClr val="accent1"/>
+                </a:solidFill>
+              </a:rPr>
+              <a:t>Syntax</a:t>
+            </a:r>
+          </a:p>
+          <a:p>
+            <a:r>
+              <a:rPr lang="en-US" sz="1200" dirty="0">
+                <a:solidFill>
+                  <a:schemeClr val="accent1"/>
+                </a:solidFill>
+              </a:rPr>
+              <a:t>User Feedback</a:t>
+            </a:r>
+          </a:p>
+          <a:p>
+            <a:r>
+              <a:rPr lang="en-US" sz="1200" dirty="0">
+                <a:solidFill>
+                  <a:schemeClr val="accent1"/>
+                </a:solidFill>
+              </a:rPr>
+              <a:t>Profiling Results</a:t>
+            </a:r>
+          </a:p>
+          <a:p>
+            <a:r>
+              <a:rPr lang="en-US" sz="1200" dirty="0">
+                <a:solidFill>
+                  <a:schemeClr val="accent1"/>
+                </a:solidFill>
+              </a:rPr>
               <a:t>Bibliography</a:t>
+            </a:r>
+          </a:p>
+        </p:txBody>
+      </p:sp>
+      <p:pic>
+        <p:nvPicPr>
+          <p:cNvPr id="7" name="Picture 6" descr="Diagram&#10;&#10;Description automatically generated">
+            <a:extLst>
+              <a:ext uri="{FF2B5EF4-FFF2-40B4-BE49-F238E27FC236}">
+                <a16:creationId xmlns:a16="http://schemas.microsoft.com/office/drawing/2014/main" id="{E72CE6C9-F2EA-4E0E-8619-D1215DCB7D8C}"/>
+              </a:ext>
+            </a:extLst>
+          </p:cNvPr>
+          <p:cNvPicPr>
+            <a:picLocks noChangeAspect="1"/>
+          </p:cNvPicPr>
+          <p:nvPr/>
+        </p:nvPicPr>
+        <p:blipFill>
+          <a:blip r:embed="rId2">
+            <a:extLst>
+              <a:ext uri="{28A0092B-C50C-407E-A947-70E740481C1C}">
+                <a14:useLocalDpi xmlns:a14="http://schemas.microsoft.com/office/drawing/2010/main" val="0"/>
+              </a:ext>
+            </a:extLst>
+          </a:blip>
+          <a:stretch>
+            <a:fillRect/>
+          </a:stretch>
+        </p:blipFill>
+        <p:spPr>
+          <a:xfrm>
+            <a:off x="1484923" y="2397966"/>
+            <a:ext cx="10330615" cy="3425775"/>
+          </a:xfrm>
+          <a:prstGeom prst="rect">
+            <a:avLst/>
+          </a:prstGeom>
+        </p:spPr>
+      </p:pic>
+      <p:sp>
+        <p:nvSpPr>
+          <p:cNvPr id="3" name="Freeform: Shape 2">
+            <a:extLst>
+              <a:ext uri="{FF2B5EF4-FFF2-40B4-BE49-F238E27FC236}">
+                <a16:creationId xmlns:a16="http://schemas.microsoft.com/office/drawing/2014/main" id="{01009576-3094-4D40-BC9E-96AFE45ADD9C}"/>
+              </a:ext>
+            </a:extLst>
+          </p:cNvPr>
+          <p:cNvSpPr/>
+          <p:nvPr/>
+        </p:nvSpPr>
+        <p:spPr>
+          <a:xfrm>
+            <a:off x="1414585" y="2172677"/>
+            <a:ext cx="4048369" cy="3016738"/>
+          </a:xfrm>
+          <a:custGeom>
+            <a:avLst/>
+            <a:gdLst>
+              <a:gd name="connsiteX0" fmla="*/ 15630 w 4048369"/>
+              <a:gd name="connsiteY0" fmla="*/ 187569 h 3016738"/>
+              <a:gd name="connsiteX1" fmla="*/ 0 w 4048369"/>
+              <a:gd name="connsiteY1" fmla="*/ 3016738 h 3016738"/>
+              <a:gd name="connsiteX2" fmla="*/ 4048369 w 4048369"/>
+              <a:gd name="connsiteY2" fmla="*/ 3008923 h 3016738"/>
+              <a:gd name="connsiteX3" fmla="*/ 3993661 w 4048369"/>
+              <a:gd name="connsiteY3" fmla="*/ 0 h 3016738"/>
+              <a:gd name="connsiteX4" fmla="*/ 15630 w 4048369"/>
+              <a:gd name="connsiteY4" fmla="*/ 187569 h 3016738"/>
+            </a:gdLst>
+            <a:ahLst/>
+            <a:cxnLst>
+              <a:cxn ang="0">
+                <a:pos x="connsiteX0" y="connsiteY0"/>
+              </a:cxn>
+              <a:cxn ang="0">
+                <a:pos x="connsiteX1" y="connsiteY1"/>
+              </a:cxn>
+              <a:cxn ang="0">
+                <a:pos x="connsiteX2" y="connsiteY2"/>
+              </a:cxn>
+              <a:cxn ang="0">
+                <a:pos x="connsiteX3" y="connsiteY3"/>
+              </a:cxn>
+              <a:cxn ang="0">
+                <a:pos x="connsiteX4" y="connsiteY4"/>
+              </a:cxn>
+            </a:cxnLst>
+            <a:rect l="l" t="t" r="r" b="b"/>
+            <a:pathLst>
+              <a:path w="4048369" h="3016738">
+                <a:moveTo>
+                  <a:pt x="15630" y="187569"/>
+                </a:moveTo>
+                <a:lnTo>
+                  <a:pt x="0" y="3016738"/>
+                </a:lnTo>
+                <a:lnTo>
+                  <a:pt x="4048369" y="3008923"/>
+                </a:lnTo>
+                <a:lnTo>
+                  <a:pt x="3993661" y="0"/>
+                </a:lnTo>
+                <a:lnTo>
+                  <a:pt x="15630" y="187569"/>
+                </a:lnTo>
+                <a:close/>
+              </a:path>
+            </a:pathLst>
+          </a:custGeom>
+          <a:solidFill>
+            <a:srgbClr val="FFFFFF">
+              <a:alpha val="80000"/>
+            </a:srgbClr>
+          </a:solidFill>
+          <a:ln>
+            <a:solidFill>
+              <a:srgbClr val="FFFFFF"/>
+            </a:solidFill>
+          </a:ln>
+        </p:spPr>
+        <p:style>
+          <a:lnRef idx="2">
+            <a:schemeClr val="accent1">
+              <a:shade val="50000"/>
+            </a:schemeClr>
+          </a:lnRef>
+          <a:fillRef idx="1">
+            <a:schemeClr val="accent1"/>
+          </a:fillRef>
+          <a:effectRef idx="0">
+            <a:schemeClr val="accent1"/>
+          </a:effectRef>
+          <a:fontRef idx="minor">
+            <a:schemeClr val="lt1"/>
+          </a:fontRef>
+        </p:style>
+        <p:txBody>
+          <a:bodyPr rtlCol="0" anchor="ctr"/>
+          <a:lstStyle/>
+          <a:p>
+            <a:pPr algn="ctr"/>
+            <a:endParaRPr lang="en-US"/>
+          </a:p>
+        </p:txBody>
+      </p:sp>
+    </p:spTree>
+    <p:extLst>
+      <p:ext uri="{BB962C8B-B14F-4D97-AF65-F5344CB8AC3E}">
+        <p14:creationId xmlns:p14="http://schemas.microsoft.com/office/powerpoint/2010/main" val="2541605588"/>
+      </p:ext>
+    </p:extLst>
+  </p:cSld>
+  <p:clrMapOvr>
+    <a:masterClrMapping/>
+  </p:clrMapOvr>
+</p:sld>
+</file>
+
+<file path=ppt/slides/slide28.xml><?xml version="1.0" encoding="utf-8"?>
+<p:sld xmlns:a="http://schemas.openxmlformats.org/drawingml/2006/main" xmlns:r="http://schemas.openxmlformats.org/officeDocument/2006/relationships" xmlns:p="http://schemas.openxmlformats.org/presentationml/2006/main">
+  <p:cSld>
+    <p:spTree>
+      <p:nvGrpSpPr>
+        <p:cNvPr id="1" name=""/>
+        <p:cNvGrpSpPr/>
+        <p:nvPr/>
+      </p:nvGrpSpPr>
+      <p:grpSpPr>
+        <a:xfrm>
+          <a:off x="0" y="0"/>
+          <a:ext cx="0" cy="0"/>
+          <a:chOff x="0" y="0"/>
+          <a:chExt cx="0" cy="0"/>
+        </a:xfrm>
+      </p:grpSpPr>
+      <p:sp>
+        <p:nvSpPr>
+          <p:cNvPr id="2" name="Title 1">
+            <a:extLst>
+              <a:ext uri="{FF2B5EF4-FFF2-40B4-BE49-F238E27FC236}">
+                <a16:creationId xmlns:a16="http://schemas.microsoft.com/office/drawing/2014/main" id="{AB08E390-2175-47D2-B7B1-3FA32E25A35B}"/>
+              </a:ext>
+            </a:extLst>
+          </p:cNvPr>
+          <p:cNvSpPr>
+            <a:spLocks noGrp="1"/>
+          </p:cNvSpPr>
+          <p:nvPr>
+            <p:ph type="title"/>
+          </p:nvPr>
+        </p:nvSpPr>
+        <p:spPr>
+          <a:xfrm>
+            <a:off x="1836616" y="609600"/>
+            <a:ext cx="9181904" cy="1356360"/>
+          </a:xfrm>
+        </p:spPr>
+        <p:txBody>
+          <a:bodyPr/>
+          <a:lstStyle/>
+          <a:p>
+            <a:r>
+              <a:rPr lang="en-US" dirty="0"/>
+              <a:t>Syntax</a:t>
             </a:r>
           </a:p>
         </p:txBody>
@@ -8222,7 +11238,7 @@
         <p:spPr>
           <a:xfrm>
             <a:off x="1833967" y="2057400"/>
-            <a:ext cx="9428002" cy="4038600"/>
+            <a:ext cx="5293664" cy="4038600"/>
           </a:xfrm>
         </p:spPr>
         <p:txBody>
@@ -8231,321 +11247,7 @@
           </a:bodyPr>
           <a:lstStyle/>
           <a:p>
-            <a:pPr>
-              <a:lnSpc>
-                <a:spcPct val="110000"/>
-              </a:lnSpc>
-              <a:spcBef>
-                <a:spcPts val="0"/>
-              </a:spcBef>
-            </a:pPr>
-            <a:r>
-              <a:rPr lang="en-US" sz="1050" dirty="0"/>
-              <a:t>[1] M. Lewis, "Sculpting a Gameplay Scripting Solution," in Game Developer's Conference, San Francisco, 2016.</a:t>
-            </a:r>
-          </a:p>
-          <a:p>
-            <a:pPr>
-              <a:lnSpc>
-                <a:spcPct val="110000"/>
-              </a:lnSpc>
-              <a:spcBef>
-                <a:spcPts val="0"/>
-              </a:spcBef>
-            </a:pPr>
-            <a:r>
-              <a:rPr lang="en-US" sz="1050" dirty="0"/>
-              <a:t>[2] The Legend of Zelda. [Nintendo Entertainment System]. Japan: Nintendo, 1985.</a:t>
-            </a:r>
-          </a:p>
-          <a:p>
-            <a:pPr>
-              <a:lnSpc>
-                <a:spcPct val="110000"/>
-              </a:lnSpc>
-              <a:spcBef>
-                <a:spcPts val="0"/>
-              </a:spcBef>
-            </a:pPr>
-            <a:r>
-              <a:rPr lang="en-US" sz="1050" dirty="0"/>
-              <a:t>[3] Dungeon Explorer. [TurboGrafx-16]. Japan: </a:t>
-            </a:r>
-            <a:r>
-              <a:rPr lang="en-US" sz="1050" dirty="0" err="1"/>
-              <a:t>Atlus</a:t>
-            </a:r>
-            <a:r>
-              <a:rPr lang="en-US" sz="1050" dirty="0"/>
-              <a:t>, 1989.</a:t>
-            </a:r>
-          </a:p>
-          <a:p>
-            <a:pPr>
-              <a:lnSpc>
-                <a:spcPct val="110000"/>
-              </a:lnSpc>
-              <a:spcBef>
-                <a:spcPts val="0"/>
-              </a:spcBef>
-            </a:pPr>
-            <a:r>
-              <a:rPr lang="en-US" sz="1050" dirty="0"/>
-              <a:t>[4] A. Desai, V. Gupta, E. Jackson, S. Qadeer, S. </a:t>
-            </a:r>
-            <a:r>
-              <a:rPr lang="en-US" sz="1050" dirty="0" err="1"/>
-              <a:t>Rajama</a:t>
-            </a:r>
-            <a:r>
-              <a:rPr lang="en-US" sz="1050" dirty="0"/>
-              <a:t> and D. </a:t>
-            </a:r>
-            <a:r>
-              <a:rPr lang="en-US" sz="1050" dirty="0" err="1"/>
-              <a:t>Zufferey</a:t>
-            </a:r>
-            <a:r>
-              <a:rPr lang="en-US" sz="1050" dirty="0"/>
-              <a:t>, "P: A Domain-Specific Language for Asynchronous Event-Driven Programming," July 2014. [Online]. Available: https://www.researchgate.net/publication/266660871_P_a_domain-specific_language_for_asynchronous_event-driven_programming_invited_talk_abstract. [Accessed 9 July 2020].</a:t>
-            </a:r>
-          </a:p>
-          <a:p>
-            <a:pPr>
-              <a:lnSpc>
-                <a:spcPct val="110000"/>
-              </a:lnSpc>
-              <a:spcBef>
-                <a:spcPts val="0"/>
-              </a:spcBef>
-            </a:pPr>
-            <a:r>
-              <a:rPr lang="en-US" sz="1050" dirty="0"/>
-              <a:t>[5] J. Gregory, "Scripting," in Game Engine Architecture, 2nd Ed., Boca Raton, Taylor &amp; Francis, 2014, pp. 954-978.</a:t>
-            </a:r>
-          </a:p>
-          <a:p>
-            <a:pPr>
-              <a:lnSpc>
-                <a:spcPct val="110000"/>
-              </a:lnSpc>
-              <a:spcBef>
-                <a:spcPts val="0"/>
-              </a:spcBef>
-            </a:pPr>
-            <a:r>
-              <a:rPr lang="en-US" sz="1050" dirty="0"/>
-              <a:t>[6] F. Tomasetti, "The complete guide to (external) Domain Specific Languages," 20 February 2017. [Online]. Available: https://tomassetti.me/domain-specific-languages/. [Accessed 11 June 2020].</a:t>
-            </a:r>
-          </a:p>
-          <a:p>
-            <a:pPr>
-              <a:lnSpc>
-                <a:spcPct val="110000"/>
-              </a:lnSpc>
-              <a:spcBef>
-                <a:spcPts val="0"/>
-              </a:spcBef>
-            </a:pPr>
-            <a:r>
-              <a:rPr lang="en-US" sz="1050" dirty="0"/>
-              <a:t>[7] M. </a:t>
-            </a:r>
-            <a:r>
-              <a:rPr lang="en-US" sz="1050" dirty="0" err="1"/>
-              <a:t>Mernik</a:t>
-            </a:r>
-            <a:r>
-              <a:rPr lang="en-US" sz="1050" dirty="0"/>
-              <a:t>, J. </a:t>
-            </a:r>
-            <a:r>
-              <a:rPr lang="en-US" sz="1050" dirty="0" err="1"/>
-              <a:t>Heering</a:t>
-            </a:r>
-            <a:r>
-              <a:rPr lang="en-US" sz="1050" dirty="0"/>
-              <a:t> and A. M. Sloane, "When and How to Develop Domain-Specific Languages," ACM Computing Surveys, vol. 37, no. 4, 2005. </a:t>
-            </a:r>
-          </a:p>
-          <a:p>
-            <a:pPr>
-              <a:lnSpc>
-                <a:spcPct val="110000"/>
-              </a:lnSpc>
-              <a:spcBef>
-                <a:spcPts val="0"/>
-              </a:spcBef>
-            </a:pPr>
-            <a:r>
-              <a:rPr lang="en-US" sz="1050" dirty="0"/>
-              <a:t>[8] M. West, "The Whimsy Of Domain-Specific Languages," </a:t>
-            </a:r>
-            <a:r>
-              <a:rPr lang="en-US" sz="1050" dirty="0" err="1"/>
-              <a:t>Gamasutra</a:t>
-            </a:r>
-            <a:r>
-              <a:rPr lang="en-US" sz="1050" dirty="0"/>
-              <a:t>, 3 September 2008. [Online]. Available: https://www.gamasutra.com/view/feature/130077/the_whimsy_of_domainspecific_.php. [Accessed 18 June 2020].</a:t>
-            </a:r>
-          </a:p>
-          <a:p>
-            <a:pPr>
-              <a:lnSpc>
-                <a:spcPct val="110000"/>
-              </a:lnSpc>
-              <a:spcBef>
-                <a:spcPts val="0"/>
-              </a:spcBef>
-            </a:pPr>
-            <a:r>
-              <a:rPr lang="en-US" sz="1050" dirty="0"/>
-              <a:t>[9] </a:t>
-            </a:r>
-            <a:r>
-              <a:rPr lang="nn-NO" sz="1050" dirty="0"/>
-              <a:t>R. Nystrom, Crafting Interpreters, 2020.</a:t>
-            </a:r>
-            <a:endParaRPr lang="en-US" sz="1050" dirty="0"/>
-          </a:p>
-          <a:p>
-            <a:pPr>
-              <a:lnSpc>
-                <a:spcPct val="110000"/>
-              </a:lnSpc>
-              <a:spcBef>
-                <a:spcPts val="0"/>
-              </a:spcBef>
-            </a:pPr>
-            <a:r>
-              <a:rPr lang="en-US" sz="1050" dirty="0"/>
-              <a:t>[10] R. Nystrom, "Bytecode," in Game Programming Patterns, Coppell, TX, </a:t>
-            </a:r>
-            <a:r>
-              <a:rPr lang="en-US" sz="1050" dirty="0" err="1"/>
-              <a:t>Genever</a:t>
-            </a:r>
-            <a:r>
-              <a:rPr lang="en-US" sz="1050" dirty="0"/>
-              <a:t> Benning, 2014, pp. 155-180.</a:t>
-            </a:r>
-          </a:p>
-          <a:p>
-            <a:pPr>
-              <a:lnSpc>
-                <a:spcPct val="110000"/>
-              </a:lnSpc>
-              <a:spcBef>
-                <a:spcPts val="0"/>
-              </a:spcBef>
-            </a:pPr>
-            <a:r>
-              <a:rPr lang="en-US" sz="1050" dirty="0"/>
-              <a:t>[11] C. Berglund, "Designing a simple game AI using Finite State Machines," </a:t>
-            </a:r>
-            <a:r>
-              <a:rPr lang="en-US" sz="1050" dirty="0" err="1"/>
-              <a:t>Gamasutra</a:t>
-            </a:r>
-            <a:r>
-              <a:rPr lang="en-US" sz="1050" dirty="0"/>
-              <a:t>, 27 February 2017. [Online]. Available: https://www.gamasutra.com/blogs/CarlBerglund/20170227/292378/Designing_a_simple_game_AI_using_Finite_State_Machines.php. [Accessed 25 June 2020].</a:t>
-            </a:r>
-          </a:p>
-          <a:p>
-            <a:pPr>
-              <a:lnSpc>
-                <a:spcPct val="110000"/>
-              </a:lnSpc>
-              <a:spcBef>
-                <a:spcPts val="0"/>
-              </a:spcBef>
-            </a:pPr>
-            <a:r>
-              <a:rPr lang="en-US" sz="1050" dirty="0"/>
-              <a:t>[12] B. </a:t>
-            </a:r>
-            <a:r>
-              <a:rPr lang="en-US" sz="1050" dirty="0" err="1"/>
-              <a:t>Parizek</a:t>
-            </a:r>
-            <a:r>
-              <a:rPr lang="en-US" sz="1050" dirty="0"/>
-              <a:t>, "Notes on how to create a Language Grammar and Custom Theme for a </a:t>
-            </a:r>
-            <a:r>
-              <a:rPr lang="en-US" sz="1050" dirty="0" err="1"/>
-              <a:t>Textmate</a:t>
-            </a:r>
-            <a:r>
-              <a:rPr lang="en-US" sz="1050" dirty="0"/>
-              <a:t> Bundle," [Online]. Available: https://benparizek.com/notebook/notes-on-how-to-create-a-language-grammar-and-custom-theme-for-a-textmate-bundle. [Accessed 10 2020].</a:t>
-            </a:r>
-          </a:p>
-          <a:p>
-            <a:pPr>
-              <a:lnSpc>
-                <a:spcPct val="110000"/>
-              </a:lnSpc>
-              <a:spcBef>
-                <a:spcPts val="0"/>
-              </a:spcBef>
-            </a:pPr>
-            <a:r>
-              <a:rPr lang="en-US" sz="1050" dirty="0"/>
-              <a:t>[13] V. Kaplan, "Writing Your Own Debugger and Language Extensions with Visual Studio Code," Code Magazine, September/October 2018. </a:t>
-            </a:r>
-          </a:p>
-          <a:p>
-            <a:pPr>
-              <a:lnSpc>
-                <a:spcPct val="110000"/>
-              </a:lnSpc>
-              <a:spcBef>
-                <a:spcPts val="0"/>
-              </a:spcBef>
-            </a:pPr>
-            <a:r>
-              <a:rPr lang="en-US" sz="1050" dirty="0"/>
-              <a:t>[14] Gregory, J., 2009. State-Based Scripting In Uncharted 2: Among Thieves.</a:t>
-            </a:r>
-          </a:p>
-          <a:p>
-            <a:pPr>
-              <a:lnSpc>
-                <a:spcPct val="110000"/>
-              </a:lnSpc>
-              <a:spcBef>
-                <a:spcPts val="0"/>
-              </a:spcBef>
-            </a:pPr>
-            <a:r>
-              <a:rPr lang="en-US" sz="1050" dirty="0"/>
-              <a:t>[15] H. Wu, J. Gray and M. </a:t>
-            </a:r>
-            <a:r>
-              <a:rPr lang="en-US" sz="1050" dirty="0" err="1"/>
-              <a:t>Mernik</a:t>
-            </a:r>
-            <a:r>
-              <a:rPr lang="en-US" sz="1050" dirty="0"/>
-              <a:t>, "Demonstration of a Domain-Specific Language Debugging Framework," Elsevier Science B. V., Amsterdam, 2007.</a:t>
-            </a:r>
-          </a:p>
-          <a:p>
-            <a:pPr>
-              <a:lnSpc>
-                <a:spcPct val="110000"/>
-              </a:lnSpc>
-              <a:spcBef>
-                <a:spcPts val="0"/>
-              </a:spcBef>
-            </a:pPr>
-            <a:r>
-              <a:rPr lang="en-US" sz="1050" dirty="0"/>
-              <a:t>[16] M. Brockington, "Choosing, Designing and Implementing Scripting Languages: Tales from the Script," in Game Developer's Conference, San Francisco, 2001.</a:t>
-            </a:r>
+            <a:endParaRPr lang="en-US" dirty="0"/>
           </a:p>
         </p:txBody>
       </p:sp>
@@ -8658,7 +11360,7 @@
           </a:p>
           <a:p>
             <a:r>
-              <a:rPr lang="en-US" sz="1200" dirty="0">
+              <a:rPr lang="en-US" sz="1200" b="1" dirty="0">
                 <a:solidFill>
                   <a:schemeClr val="accent1"/>
                 </a:solidFill>
@@ -8688,7 +11390,7 @@
           </a:p>
           <a:p>
             <a:r>
-              <a:rPr lang="en-US" sz="1200" b="1" dirty="0">
+              <a:rPr lang="en-US" sz="1200" dirty="0">
                 <a:solidFill>
                   <a:schemeClr val="accent1"/>
                 </a:solidFill>
@@ -8701,7 +11403,251 @@
     </p:spTree>
     <p:extLst>
       <p:ext uri="{BB962C8B-B14F-4D97-AF65-F5344CB8AC3E}">
-        <p14:creationId xmlns:p14="http://schemas.microsoft.com/office/powerpoint/2010/main" val="1397362302"/>
+        <p14:creationId xmlns:p14="http://schemas.microsoft.com/office/powerpoint/2010/main" val="2986862166"/>
+      </p:ext>
+    </p:extLst>
+  </p:cSld>
+  <p:clrMapOvr>
+    <a:masterClrMapping/>
+  </p:clrMapOvr>
+</p:sld>
+</file>
+
+<file path=ppt/slides/slide29.xml><?xml version="1.0" encoding="utf-8"?>
+<p:sld xmlns:a="http://schemas.openxmlformats.org/drawingml/2006/main" xmlns:r="http://schemas.openxmlformats.org/officeDocument/2006/relationships" xmlns:p="http://schemas.openxmlformats.org/presentationml/2006/main">
+  <p:cSld>
+    <p:spTree>
+      <p:nvGrpSpPr>
+        <p:cNvPr id="1" name=""/>
+        <p:cNvGrpSpPr/>
+        <p:nvPr/>
+      </p:nvGrpSpPr>
+      <p:grpSpPr>
+        <a:xfrm>
+          <a:off x="0" y="0"/>
+          <a:ext cx="0" cy="0"/>
+          <a:chOff x="0" y="0"/>
+          <a:chExt cx="0" cy="0"/>
+        </a:xfrm>
+      </p:grpSpPr>
+      <p:sp>
+        <p:nvSpPr>
+          <p:cNvPr id="2" name="Title 1">
+            <a:extLst>
+              <a:ext uri="{FF2B5EF4-FFF2-40B4-BE49-F238E27FC236}">
+                <a16:creationId xmlns:a16="http://schemas.microsoft.com/office/drawing/2014/main" id="{AB08E390-2175-47D2-B7B1-3FA32E25A35B}"/>
+              </a:ext>
+            </a:extLst>
+          </p:cNvPr>
+          <p:cNvSpPr>
+            <a:spLocks noGrp="1"/>
+          </p:cNvSpPr>
+          <p:nvPr>
+            <p:ph type="title"/>
+          </p:nvPr>
+        </p:nvSpPr>
+        <p:spPr>
+          <a:xfrm>
+            <a:off x="1836616" y="609600"/>
+            <a:ext cx="9181904" cy="1356360"/>
+          </a:xfrm>
+        </p:spPr>
+        <p:txBody>
+          <a:bodyPr/>
+          <a:lstStyle/>
+          <a:p>
+            <a:r>
+              <a:rPr lang="en-US" dirty="0"/>
+              <a:t>User Feedback</a:t>
+            </a:r>
+          </a:p>
+        </p:txBody>
+      </p:sp>
+      <p:sp>
+        <p:nvSpPr>
+          <p:cNvPr id="3" name="Content Placeholder 2">
+            <a:extLst>
+              <a:ext uri="{FF2B5EF4-FFF2-40B4-BE49-F238E27FC236}">
+                <a16:creationId xmlns:a16="http://schemas.microsoft.com/office/drawing/2014/main" id="{FAB703EF-2F23-4B3C-AA20-46260B6B006C}"/>
+              </a:ext>
+            </a:extLst>
+          </p:cNvPr>
+          <p:cNvSpPr>
+            <a:spLocks noGrp="1"/>
+          </p:cNvSpPr>
+          <p:nvPr>
+            <p:ph idx="1"/>
+          </p:nvPr>
+        </p:nvSpPr>
+        <p:spPr>
+          <a:xfrm>
+            <a:off x="1833967" y="2057400"/>
+            <a:ext cx="5293664" cy="4038600"/>
+          </a:xfrm>
+        </p:spPr>
+        <p:txBody>
+          <a:bodyPr>
+            <a:normAutofit/>
+          </a:bodyPr>
+          <a:lstStyle/>
+          <a:p>
+            <a:endParaRPr lang="en-US" dirty="0"/>
+          </a:p>
+        </p:txBody>
+      </p:sp>
+      <p:sp>
+        <p:nvSpPr>
+          <p:cNvPr id="4" name="TextBox 3">
+            <a:extLst>
+              <a:ext uri="{FF2B5EF4-FFF2-40B4-BE49-F238E27FC236}">
+                <a16:creationId xmlns:a16="http://schemas.microsoft.com/office/drawing/2014/main" id="{A12BD9C5-99E7-47EF-8232-B34D4C5F7531}"/>
+              </a:ext>
+            </a:extLst>
+          </p:cNvPr>
+          <p:cNvSpPr txBox="1"/>
+          <p:nvPr/>
+        </p:nvSpPr>
+        <p:spPr>
+          <a:xfrm>
+            <a:off x="226646" y="220785"/>
+            <a:ext cx="1258277" cy="2308324"/>
+          </a:xfrm>
+          <a:prstGeom prst="rect">
+            <a:avLst/>
+          </a:prstGeom>
+          <a:noFill/>
+        </p:spPr>
+        <p:txBody>
+          <a:bodyPr wrap="square" rtlCol="0">
+            <a:spAutoFit/>
+          </a:bodyPr>
+          <a:lstStyle/>
+          <a:p>
+            <a:r>
+              <a:rPr lang="en-US" sz="1200" dirty="0">
+                <a:solidFill>
+                  <a:schemeClr val="accent1"/>
+                </a:solidFill>
+              </a:rPr>
+              <a:t>Introduction</a:t>
+            </a:r>
+          </a:p>
+          <a:p>
+            <a:r>
+              <a:rPr lang="en-US" sz="1200" dirty="0">
+                <a:solidFill>
+                  <a:schemeClr val="accent1"/>
+                </a:solidFill>
+              </a:rPr>
+              <a:t>Scope</a:t>
+            </a:r>
+          </a:p>
+          <a:p>
+            <a:r>
+              <a:rPr lang="en-US" sz="1200" dirty="0">
+                <a:solidFill>
+                  <a:schemeClr val="accent1"/>
+                </a:solidFill>
+              </a:rPr>
+              <a:t>Schedule</a:t>
+            </a:r>
+          </a:p>
+          <a:p>
+            <a:r>
+              <a:rPr lang="en-US" sz="1200" dirty="0">
+                <a:solidFill>
+                  <a:schemeClr val="accent1"/>
+                </a:solidFill>
+              </a:rPr>
+              <a:t>Theory</a:t>
+            </a:r>
+          </a:p>
+          <a:p>
+            <a:r>
+              <a:rPr lang="en-US" sz="1200" dirty="0">
+                <a:solidFill>
+                  <a:schemeClr val="accent1"/>
+                </a:solidFill>
+              </a:rPr>
+              <a:t>Previous Work</a:t>
+            </a:r>
+          </a:p>
+          <a:p>
+            <a:r>
+              <a:rPr lang="en-US" sz="1200" dirty="0">
+                <a:solidFill>
+                  <a:schemeClr val="accent1"/>
+                </a:solidFill>
+              </a:rPr>
+              <a:t>Artifact</a:t>
+            </a:r>
+          </a:p>
+          <a:p>
+            <a:r>
+              <a:rPr lang="en-US" sz="1200" dirty="0">
+                <a:solidFill>
+                  <a:schemeClr val="accent1"/>
+                </a:solidFill>
+              </a:rPr>
+              <a:t>Implementation</a:t>
+            </a:r>
+          </a:p>
+          <a:p>
+            <a:r>
+              <a:rPr lang="en-US" sz="1200" dirty="0">
+                <a:solidFill>
+                  <a:schemeClr val="accent1"/>
+                </a:solidFill>
+              </a:rPr>
+              <a:t>Architecture</a:t>
+            </a:r>
+          </a:p>
+          <a:p>
+            <a:r>
+              <a:rPr lang="en-US" sz="1200" dirty="0">
+                <a:solidFill>
+                  <a:schemeClr val="accent1"/>
+                </a:solidFill>
+              </a:rPr>
+              <a:t>Syntax</a:t>
+            </a:r>
+          </a:p>
+          <a:p>
+            <a:r>
+              <a:rPr lang="en-US" sz="1200" b="1" dirty="0">
+                <a:solidFill>
+                  <a:schemeClr val="accent1"/>
+                </a:solidFill>
+              </a:rPr>
+              <a:t>User Feedback</a:t>
+            </a:r>
+          </a:p>
+          <a:p>
+            <a:r>
+              <a:rPr lang="en-US" sz="1200" dirty="0">
+                <a:solidFill>
+                  <a:schemeClr val="accent1"/>
+                </a:solidFill>
+              </a:rPr>
+              <a:t>Profiling Results</a:t>
+            </a:r>
+          </a:p>
+          <a:p>
+            <a:r>
+              <a:rPr lang="en-US" sz="1200" dirty="0">
+                <a:solidFill>
+                  <a:schemeClr val="accent1"/>
+                </a:solidFill>
+              </a:rPr>
+              <a:t>Bibliography</a:t>
+            </a:r>
+          </a:p>
+        </p:txBody>
+      </p:sp>
+    </p:spTree>
+    <p:extLst>
+      <p:ext uri="{BB962C8B-B14F-4D97-AF65-F5344CB8AC3E}">
+        <p14:creationId xmlns:p14="http://schemas.microsoft.com/office/powerpoint/2010/main" val="2790549481"/>
       </p:ext>
     </p:extLst>
   </p:cSld>
@@ -8946,6 +11892,808 @@
     <p:extLst>
       <p:ext uri="{BB962C8B-B14F-4D97-AF65-F5344CB8AC3E}">
         <p14:creationId xmlns:p14="http://schemas.microsoft.com/office/powerpoint/2010/main" val="314172133"/>
+      </p:ext>
+    </p:extLst>
+  </p:cSld>
+  <p:clrMapOvr>
+    <a:masterClrMapping/>
+  </p:clrMapOvr>
+</p:sld>
+</file>
+
+<file path=ppt/slides/slide30.xml><?xml version="1.0" encoding="utf-8"?>
+<p:sld xmlns:a="http://schemas.openxmlformats.org/drawingml/2006/main" xmlns:r="http://schemas.openxmlformats.org/officeDocument/2006/relationships" xmlns:p="http://schemas.openxmlformats.org/presentationml/2006/main">
+  <p:cSld>
+    <p:spTree>
+      <p:nvGrpSpPr>
+        <p:cNvPr id="1" name=""/>
+        <p:cNvGrpSpPr/>
+        <p:nvPr/>
+      </p:nvGrpSpPr>
+      <p:grpSpPr>
+        <a:xfrm>
+          <a:off x="0" y="0"/>
+          <a:ext cx="0" cy="0"/>
+          <a:chOff x="0" y="0"/>
+          <a:chExt cx="0" cy="0"/>
+        </a:xfrm>
+      </p:grpSpPr>
+      <p:sp>
+        <p:nvSpPr>
+          <p:cNvPr id="2" name="Title 1">
+            <a:extLst>
+              <a:ext uri="{FF2B5EF4-FFF2-40B4-BE49-F238E27FC236}">
+                <a16:creationId xmlns:a16="http://schemas.microsoft.com/office/drawing/2014/main" id="{AB08E390-2175-47D2-B7B1-3FA32E25A35B}"/>
+              </a:ext>
+            </a:extLst>
+          </p:cNvPr>
+          <p:cNvSpPr>
+            <a:spLocks noGrp="1"/>
+          </p:cNvSpPr>
+          <p:nvPr>
+            <p:ph type="title"/>
+          </p:nvPr>
+        </p:nvSpPr>
+        <p:spPr>
+          <a:xfrm>
+            <a:off x="1836616" y="609600"/>
+            <a:ext cx="9181904" cy="1356360"/>
+          </a:xfrm>
+        </p:spPr>
+        <p:txBody>
+          <a:bodyPr/>
+          <a:lstStyle/>
+          <a:p>
+            <a:r>
+              <a:rPr lang="en-US" dirty="0"/>
+              <a:t>Profiling Results</a:t>
+            </a:r>
+          </a:p>
+        </p:txBody>
+      </p:sp>
+      <p:sp>
+        <p:nvSpPr>
+          <p:cNvPr id="3" name="Content Placeholder 2">
+            <a:extLst>
+              <a:ext uri="{FF2B5EF4-FFF2-40B4-BE49-F238E27FC236}">
+                <a16:creationId xmlns:a16="http://schemas.microsoft.com/office/drawing/2014/main" id="{FAB703EF-2F23-4B3C-AA20-46260B6B006C}"/>
+              </a:ext>
+            </a:extLst>
+          </p:cNvPr>
+          <p:cNvSpPr>
+            <a:spLocks noGrp="1"/>
+          </p:cNvSpPr>
+          <p:nvPr>
+            <p:ph idx="1"/>
+          </p:nvPr>
+        </p:nvSpPr>
+        <p:spPr>
+          <a:xfrm>
+            <a:off x="1833967" y="2057400"/>
+            <a:ext cx="5293664" cy="4038600"/>
+          </a:xfrm>
+        </p:spPr>
+        <p:txBody>
+          <a:bodyPr>
+            <a:normAutofit/>
+          </a:bodyPr>
+          <a:lstStyle/>
+          <a:p>
+            <a:endParaRPr lang="en-US" dirty="0"/>
+          </a:p>
+        </p:txBody>
+      </p:sp>
+      <p:sp>
+        <p:nvSpPr>
+          <p:cNvPr id="4" name="TextBox 3">
+            <a:extLst>
+              <a:ext uri="{FF2B5EF4-FFF2-40B4-BE49-F238E27FC236}">
+                <a16:creationId xmlns:a16="http://schemas.microsoft.com/office/drawing/2014/main" id="{A12BD9C5-99E7-47EF-8232-B34D4C5F7531}"/>
+              </a:ext>
+            </a:extLst>
+          </p:cNvPr>
+          <p:cNvSpPr txBox="1"/>
+          <p:nvPr/>
+        </p:nvSpPr>
+        <p:spPr>
+          <a:xfrm>
+            <a:off x="226646" y="220785"/>
+            <a:ext cx="1258277" cy="2308324"/>
+          </a:xfrm>
+          <a:prstGeom prst="rect">
+            <a:avLst/>
+          </a:prstGeom>
+          <a:noFill/>
+        </p:spPr>
+        <p:txBody>
+          <a:bodyPr wrap="square" rtlCol="0">
+            <a:spAutoFit/>
+          </a:bodyPr>
+          <a:lstStyle/>
+          <a:p>
+            <a:r>
+              <a:rPr lang="en-US" sz="1200" dirty="0">
+                <a:solidFill>
+                  <a:schemeClr val="accent1"/>
+                </a:solidFill>
+              </a:rPr>
+              <a:t>Introduction</a:t>
+            </a:r>
+          </a:p>
+          <a:p>
+            <a:r>
+              <a:rPr lang="en-US" sz="1200" dirty="0">
+                <a:solidFill>
+                  <a:schemeClr val="accent1"/>
+                </a:solidFill>
+              </a:rPr>
+              <a:t>Scope</a:t>
+            </a:r>
+          </a:p>
+          <a:p>
+            <a:r>
+              <a:rPr lang="en-US" sz="1200" dirty="0">
+                <a:solidFill>
+                  <a:schemeClr val="accent1"/>
+                </a:solidFill>
+              </a:rPr>
+              <a:t>Schedule</a:t>
+            </a:r>
+          </a:p>
+          <a:p>
+            <a:r>
+              <a:rPr lang="en-US" sz="1200" dirty="0">
+                <a:solidFill>
+                  <a:schemeClr val="accent1"/>
+                </a:solidFill>
+              </a:rPr>
+              <a:t>Theory</a:t>
+            </a:r>
+          </a:p>
+          <a:p>
+            <a:r>
+              <a:rPr lang="en-US" sz="1200" dirty="0">
+                <a:solidFill>
+                  <a:schemeClr val="accent1"/>
+                </a:solidFill>
+              </a:rPr>
+              <a:t>Previous Work</a:t>
+            </a:r>
+          </a:p>
+          <a:p>
+            <a:r>
+              <a:rPr lang="en-US" sz="1200" dirty="0">
+                <a:solidFill>
+                  <a:schemeClr val="accent1"/>
+                </a:solidFill>
+              </a:rPr>
+              <a:t>Artifact</a:t>
+            </a:r>
+          </a:p>
+          <a:p>
+            <a:r>
+              <a:rPr lang="en-US" sz="1200" dirty="0">
+                <a:solidFill>
+                  <a:schemeClr val="accent1"/>
+                </a:solidFill>
+              </a:rPr>
+              <a:t>Implementation</a:t>
+            </a:r>
+          </a:p>
+          <a:p>
+            <a:r>
+              <a:rPr lang="en-US" sz="1200" dirty="0">
+                <a:solidFill>
+                  <a:schemeClr val="accent1"/>
+                </a:solidFill>
+              </a:rPr>
+              <a:t>Architecture</a:t>
+            </a:r>
+          </a:p>
+          <a:p>
+            <a:r>
+              <a:rPr lang="en-US" sz="1200" dirty="0">
+                <a:solidFill>
+                  <a:schemeClr val="accent1"/>
+                </a:solidFill>
+              </a:rPr>
+              <a:t>Syntax</a:t>
+            </a:r>
+          </a:p>
+          <a:p>
+            <a:r>
+              <a:rPr lang="en-US" sz="1200" dirty="0">
+                <a:solidFill>
+                  <a:schemeClr val="accent1"/>
+                </a:solidFill>
+              </a:rPr>
+              <a:t>User Feedback</a:t>
+            </a:r>
+          </a:p>
+          <a:p>
+            <a:r>
+              <a:rPr lang="en-US" sz="1200" b="1" dirty="0">
+                <a:solidFill>
+                  <a:schemeClr val="accent1"/>
+                </a:solidFill>
+              </a:rPr>
+              <a:t>Profiling Results</a:t>
+            </a:r>
+          </a:p>
+          <a:p>
+            <a:r>
+              <a:rPr lang="en-US" sz="1200" dirty="0">
+                <a:solidFill>
+                  <a:schemeClr val="accent1"/>
+                </a:solidFill>
+              </a:rPr>
+              <a:t>Bibliography</a:t>
+            </a:r>
+          </a:p>
+        </p:txBody>
+      </p:sp>
+    </p:spTree>
+    <p:extLst>
+      <p:ext uri="{BB962C8B-B14F-4D97-AF65-F5344CB8AC3E}">
+        <p14:creationId xmlns:p14="http://schemas.microsoft.com/office/powerpoint/2010/main" val="4243312310"/>
+      </p:ext>
+    </p:extLst>
+  </p:cSld>
+  <p:clrMapOvr>
+    <a:masterClrMapping/>
+  </p:clrMapOvr>
+</p:sld>
+</file>
+
+<file path=ppt/slides/slide31.xml><?xml version="1.0" encoding="utf-8"?>
+<p:sld xmlns:a="http://schemas.openxmlformats.org/drawingml/2006/main" xmlns:r="http://schemas.openxmlformats.org/officeDocument/2006/relationships" xmlns:p="http://schemas.openxmlformats.org/presentationml/2006/main">
+  <p:cSld>
+    <p:spTree>
+      <p:nvGrpSpPr>
+        <p:cNvPr id="1" name=""/>
+        <p:cNvGrpSpPr/>
+        <p:nvPr/>
+      </p:nvGrpSpPr>
+      <p:grpSpPr>
+        <a:xfrm>
+          <a:off x="0" y="0"/>
+          <a:ext cx="0" cy="0"/>
+          <a:chOff x="0" y="0"/>
+          <a:chExt cx="0" cy="0"/>
+        </a:xfrm>
+      </p:grpSpPr>
+      <p:sp>
+        <p:nvSpPr>
+          <p:cNvPr id="2" name="Title 1">
+            <a:extLst>
+              <a:ext uri="{FF2B5EF4-FFF2-40B4-BE49-F238E27FC236}">
+                <a16:creationId xmlns:a16="http://schemas.microsoft.com/office/drawing/2014/main" id="{AB08E390-2175-47D2-B7B1-3FA32E25A35B}"/>
+              </a:ext>
+            </a:extLst>
+          </p:cNvPr>
+          <p:cNvSpPr>
+            <a:spLocks noGrp="1"/>
+          </p:cNvSpPr>
+          <p:nvPr>
+            <p:ph type="title"/>
+          </p:nvPr>
+        </p:nvSpPr>
+        <p:spPr>
+          <a:xfrm>
+            <a:off x="1836616" y="609600"/>
+            <a:ext cx="9181904" cy="1356360"/>
+          </a:xfrm>
+        </p:spPr>
+        <p:txBody>
+          <a:bodyPr/>
+          <a:lstStyle/>
+          <a:p>
+            <a:r>
+              <a:rPr lang="en-US" dirty="0"/>
+              <a:t>Bibliography</a:t>
+            </a:r>
+          </a:p>
+        </p:txBody>
+      </p:sp>
+      <p:sp>
+        <p:nvSpPr>
+          <p:cNvPr id="3" name="Content Placeholder 2">
+            <a:extLst>
+              <a:ext uri="{FF2B5EF4-FFF2-40B4-BE49-F238E27FC236}">
+                <a16:creationId xmlns:a16="http://schemas.microsoft.com/office/drawing/2014/main" id="{FAB703EF-2F23-4B3C-AA20-46260B6B006C}"/>
+              </a:ext>
+            </a:extLst>
+          </p:cNvPr>
+          <p:cNvSpPr>
+            <a:spLocks noGrp="1"/>
+          </p:cNvSpPr>
+          <p:nvPr>
+            <p:ph idx="1"/>
+          </p:nvPr>
+        </p:nvSpPr>
+        <p:spPr>
+          <a:xfrm>
+            <a:off x="1833967" y="2057400"/>
+            <a:ext cx="9428002" cy="4038600"/>
+          </a:xfrm>
+        </p:spPr>
+        <p:txBody>
+          <a:bodyPr>
+            <a:normAutofit/>
+          </a:bodyPr>
+          <a:lstStyle/>
+          <a:p>
+            <a:pPr>
+              <a:lnSpc>
+                <a:spcPct val="110000"/>
+              </a:lnSpc>
+              <a:spcBef>
+                <a:spcPts val="0"/>
+              </a:spcBef>
+            </a:pPr>
+            <a:r>
+              <a:rPr lang="en-US" sz="1050" dirty="0"/>
+              <a:t>[1] M. Lewis, "Sculpting a Gameplay Scripting Solution," in Game Developer's Conference, San Francisco, 2016.</a:t>
+            </a:r>
+          </a:p>
+          <a:p>
+            <a:pPr>
+              <a:lnSpc>
+                <a:spcPct val="110000"/>
+              </a:lnSpc>
+              <a:spcBef>
+                <a:spcPts val="0"/>
+              </a:spcBef>
+            </a:pPr>
+            <a:r>
+              <a:rPr lang="en-US" sz="1050" dirty="0"/>
+              <a:t>[2] The Legend of Zelda. [Nintendo Entertainment System]. Japan: Nintendo, 1985.</a:t>
+            </a:r>
+          </a:p>
+          <a:p>
+            <a:pPr>
+              <a:lnSpc>
+                <a:spcPct val="110000"/>
+              </a:lnSpc>
+              <a:spcBef>
+                <a:spcPts val="0"/>
+              </a:spcBef>
+            </a:pPr>
+            <a:r>
+              <a:rPr lang="en-US" sz="1050" dirty="0"/>
+              <a:t>[3] Dungeon Explorer. [TurboGrafx-16]. Japan: </a:t>
+            </a:r>
+            <a:r>
+              <a:rPr lang="en-US" sz="1050" dirty="0" err="1"/>
+              <a:t>Atlus</a:t>
+            </a:r>
+            <a:r>
+              <a:rPr lang="en-US" sz="1050" dirty="0"/>
+              <a:t>, 1989.</a:t>
+            </a:r>
+          </a:p>
+          <a:p>
+            <a:pPr>
+              <a:lnSpc>
+                <a:spcPct val="110000"/>
+              </a:lnSpc>
+              <a:spcBef>
+                <a:spcPts val="0"/>
+              </a:spcBef>
+            </a:pPr>
+            <a:r>
+              <a:rPr lang="en-US" sz="1050" dirty="0"/>
+              <a:t>[4] A. Desai, V. Gupta, E. Jackson, S. Qadeer, S. </a:t>
+            </a:r>
+            <a:r>
+              <a:rPr lang="en-US" sz="1050" dirty="0" err="1"/>
+              <a:t>Rajama</a:t>
+            </a:r>
+            <a:r>
+              <a:rPr lang="en-US" sz="1050" dirty="0"/>
+              <a:t> and D. </a:t>
+            </a:r>
+            <a:r>
+              <a:rPr lang="en-US" sz="1050" dirty="0" err="1"/>
+              <a:t>Zufferey</a:t>
+            </a:r>
+            <a:r>
+              <a:rPr lang="en-US" sz="1050" dirty="0"/>
+              <a:t>, "P: A Domain-Specific Language for Asynchronous Event-Driven Programming," July 2014. [Online]. Available: https://www.researchgate.net/publication/266660871_P_a_domain-specific_language_for_asynchronous_event-driven_programming_invited_talk_abstract. [Accessed 9 July 2020].</a:t>
+            </a:r>
+          </a:p>
+          <a:p>
+            <a:pPr>
+              <a:lnSpc>
+                <a:spcPct val="110000"/>
+              </a:lnSpc>
+              <a:spcBef>
+                <a:spcPts val="0"/>
+              </a:spcBef>
+            </a:pPr>
+            <a:r>
+              <a:rPr lang="en-US" sz="1050" dirty="0"/>
+              <a:t>[5] J. Gregory, "Scripting," in Game Engine Architecture, 2nd Ed., Boca Raton, Taylor &amp; Francis, 2014, pp. 954-978.</a:t>
+            </a:r>
+          </a:p>
+          <a:p>
+            <a:pPr>
+              <a:lnSpc>
+                <a:spcPct val="110000"/>
+              </a:lnSpc>
+              <a:spcBef>
+                <a:spcPts val="0"/>
+              </a:spcBef>
+            </a:pPr>
+            <a:r>
+              <a:rPr lang="en-US" sz="1050" dirty="0"/>
+              <a:t>[6] F. Tomasetti, "The complete guide to (external) Domain Specific Languages," 20 February 2017. [Online]. Available: https://tomassetti.me/domain-specific-languages/. [Accessed 11 June 2020].</a:t>
+            </a:r>
+          </a:p>
+          <a:p>
+            <a:pPr>
+              <a:lnSpc>
+                <a:spcPct val="110000"/>
+              </a:lnSpc>
+              <a:spcBef>
+                <a:spcPts val="0"/>
+              </a:spcBef>
+            </a:pPr>
+            <a:r>
+              <a:rPr lang="en-US" sz="1050" dirty="0"/>
+              <a:t>[7] M. </a:t>
+            </a:r>
+            <a:r>
+              <a:rPr lang="en-US" sz="1050" dirty="0" err="1"/>
+              <a:t>Mernik</a:t>
+            </a:r>
+            <a:r>
+              <a:rPr lang="en-US" sz="1050" dirty="0"/>
+              <a:t>, J. </a:t>
+            </a:r>
+            <a:r>
+              <a:rPr lang="en-US" sz="1050" dirty="0" err="1"/>
+              <a:t>Heering</a:t>
+            </a:r>
+            <a:r>
+              <a:rPr lang="en-US" sz="1050" dirty="0"/>
+              <a:t> and A. M. Sloane, "When and How to Develop Domain-Specific Languages," ACM Computing Surveys, vol. 37, no. 4, 2005. </a:t>
+            </a:r>
+          </a:p>
+          <a:p>
+            <a:pPr>
+              <a:lnSpc>
+                <a:spcPct val="110000"/>
+              </a:lnSpc>
+              <a:spcBef>
+                <a:spcPts val="0"/>
+              </a:spcBef>
+            </a:pPr>
+            <a:r>
+              <a:rPr lang="en-US" sz="1050" dirty="0"/>
+              <a:t>[8] M. West, "The Whimsy Of Domain-Specific Languages," </a:t>
+            </a:r>
+            <a:r>
+              <a:rPr lang="en-US" sz="1050" dirty="0" err="1"/>
+              <a:t>Gamasutra</a:t>
+            </a:r>
+            <a:r>
+              <a:rPr lang="en-US" sz="1050" dirty="0"/>
+              <a:t>, 3 September 2008. [Online]. Available: https://www.gamasutra.com/view/feature/130077/the_whimsy_of_domainspecific_.php. [Accessed 18 June 2020].</a:t>
+            </a:r>
+          </a:p>
+          <a:p>
+            <a:pPr>
+              <a:lnSpc>
+                <a:spcPct val="110000"/>
+              </a:lnSpc>
+              <a:spcBef>
+                <a:spcPts val="0"/>
+              </a:spcBef>
+            </a:pPr>
+            <a:r>
+              <a:rPr lang="en-US" sz="1050" dirty="0"/>
+              <a:t>[9] </a:t>
+            </a:r>
+            <a:r>
+              <a:rPr lang="nn-NO" sz="1050" dirty="0"/>
+              <a:t>R. Nystrom, Crafting Interpreters, 2020.</a:t>
+            </a:r>
+            <a:endParaRPr lang="en-US" sz="1050" dirty="0"/>
+          </a:p>
+          <a:p>
+            <a:pPr>
+              <a:lnSpc>
+                <a:spcPct val="110000"/>
+              </a:lnSpc>
+              <a:spcBef>
+                <a:spcPts val="0"/>
+              </a:spcBef>
+            </a:pPr>
+            <a:r>
+              <a:rPr lang="en-US" sz="1050" dirty="0"/>
+              <a:t>[10] R. Nystrom, "Bytecode," in Game Programming Patterns, Coppell, TX, </a:t>
+            </a:r>
+            <a:r>
+              <a:rPr lang="en-US" sz="1050" dirty="0" err="1"/>
+              <a:t>Genever</a:t>
+            </a:r>
+            <a:r>
+              <a:rPr lang="en-US" sz="1050" dirty="0"/>
+              <a:t> Benning, 2014, pp. 155-180.</a:t>
+            </a:r>
+          </a:p>
+          <a:p>
+            <a:pPr>
+              <a:lnSpc>
+                <a:spcPct val="110000"/>
+              </a:lnSpc>
+              <a:spcBef>
+                <a:spcPts val="0"/>
+              </a:spcBef>
+            </a:pPr>
+            <a:r>
+              <a:rPr lang="en-US" sz="1050" dirty="0"/>
+              <a:t>[11] C. Berglund, "Designing a simple game AI using Finite State Machines," </a:t>
+            </a:r>
+            <a:r>
+              <a:rPr lang="en-US" sz="1050" dirty="0" err="1"/>
+              <a:t>Gamasutra</a:t>
+            </a:r>
+            <a:r>
+              <a:rPr lang="en-US" sz="1050" dirty="0"/>
+              <a:t>, 27 February 2017. [Online]. Available: https://www.gamasutra.com/blogs/CarlBerglund/20170227/292378/Designing_a_simple_game_AI_using_Finite_State_Machines.php. [Accessed 25 June 2020].</a:t>
+            </a:r>
+          </a:p>
+          <a:p>
+            <a:pPr>
+              <a:lnSpc>
+                <a:spcPct val="110000"/>
+              </a:lnSpc>
+              <a:spcBef>
+                <a:spcPts val="0"/>
+              </a:spcBef>
+            </a:pPr>
+            <a:r>
+              <a:rPr lang="en-US" sz="1050" dirty="0"/>
+              <a:t>[12] B. </a:t>
+            </a:r>
+            <a:r>
+              <a:rPr lang="en-US" sz="1050" dirty="0" err="1"/>
+              <a:t>Parizek</a:t>
+            </a:r>
+            <a:r>
+              <a:rPr lang="en-US" sz="1050" dirty="0"/>
+              <a:t>, "Notes on how to create a Language Grammar and Custom Theme for a </a:t>
+            </a:r>
+            <a:r>
+              <a:rPr lang="en-US" sz="1050" dirty="0" err="1"/>
+              <a:t>Textmate</a:t>
+            </a:r>
+            <a:r>
+              <a:rPr lang="en-US" sz="1050" dirty="0"/>
+              <a:t> Bundle," [Online]. Available: https://benparizek.com/notebook/notes-on-how-to-create-a-language-grammar-and-custom-theme-for-a-textmate-bundle. [Accessed 10 2020].</a:t>
+            </a:r>
+          </a:p>
+          <a:p>
+            <a:pPr>
+              <a:lnSpc>
+                <a:spcPct val="110000"/>
+              </a:lnSpc>
+              <a:spcBef>
+                <a:spcPts val="0"/>
+              </a:spcBef>
+            </a:pPr>
+            <a:r>
+              <a:rPr lang="en-US" sz="1050" dirty="0"/>
+              <a:t>[13] V. Kaplan, "Writing Your Own Debugger and Language Extensions with Visual Studio Code," Code Magazine, September/October 2018. </a:t>
+            </a:r>
+          </a:p>
+          <a:p>
+            <a:pPr>
+              <a:lnSpc>
+                <a:spcPct val="110000"/>
+              </a:lnSpc>
+              <a:spcBef>
+                <a:spcPts val="0"/>
+              </a:spcBef>
+            </a:pPr>
+            <a:r>
+              <a:rPr lang="en-US" sz="1050" dirty="0"/>
+              <a:t>[14] Gregory, J., 2009. State-Based Scripting In Uncharted 2: Among Thieves.</a:t>
+            </a:r>
+          </a:p>
+          <a:p>
+            <a:pPr>
+              <a:lnSpc>
+                <a:spcPct val="110000"/>
+              </a:lnSpc>
+              <a:spcBef>
+                <a:spcPts val="0"/>
+              </a:spcBef>
+            </a:pPr>
+            <a:r>
+              <a:rPr lang="en-US" sz="1050" dirty="0"/>
+              <a:t>[15] H. Wu, J. Gray and M. </a:t>
+            </a:r>
+            <a:r>
+              <a:rPr lang="en-US" sz="1050" dirty="0" err="1"/>
+              <a:t>Mernik</a:t>
+            </a:r>
+            <a:r>
+              <a:rPr lang="en-US" sz="1050" dirty="0"/>
+              <a:t>, "Demonstration of a Domain-Specific Language Debugging Framework," Elsevier Science B. V., Amsterdam, 2007.</a:t>
+            </a:r>
+          </a:p>
+          <a:p>
+            <a:pPr>
+              <a:lnSpc>
+                <a:spcPct val="110000"/>
+              </a:lnSpc>
+              <a:spcBef>
+                <a:spcPts val="0"/>
+              </a:spcBef>
+            </a:pPr>
+            <a:r>
+              <a:rPr lang="en-US" sz="1050" dirty="0"/>
+              <a:t>[16] M. Brockington, "Choosing, Designing and Implementing Scripting Languages: Tales from the Script," in Game Developer's Conference, San Francisco, 2001.</a:t>
+            </a:r>
+          </a:p>
+        </p:txBody>
+      </p:sp>
+      <p:sp>
+        <p:nvSpPr>
+          <p:cNvPr id="4" name="TextBox 3">
+            <a:extLst>
+              <a:ext uri="{FF2B5EF4-FFF2-40B4-BE49-F238E27FC236}">
+                <a16:creationId xmlns:a16="http://schemas.microsoft.com/office/drawing/2014/main" id="{A12BD9C5-99E7-47EF-8232-B34D4C5F7531}"/>
+              </a:ext>
+            </a:extLst>
+          </p:cNvPr>
+          <p:cNvSpPr txBox="1"/>
+          <p:nvPr/>
+        </p:nvSpPr>
+        <p:spPr>
+          <a:xfrm>
+            <a:off x="226646" y="220785"/>
+            <a:ext cx="1258277" cy="2308324"/>
+          </a:xfrm>
+          <a:prstGeom prst="rect">
+            <a:avLst/>
+          </a:prstGeom>
+          <a:noFill/>
+        </p:spPr>
+        <p:txBody>
+          <a:bodyPr wrap="square" rtlCol="0">
+            <a:spAutoFit/>
+          </a:bodyPr>
+          <a:lstStyle/>
+          <a:p>
+            <a:r>
+              <a:rPr lang="en-US" sz="1200" dirty="0">
+                <a:solidFill>
+                  <a:schemeClr val="accent1"/>
+                </a:solidFill>
+              </a:rPr>
+              <a:t>Introduction</a:t>
+            </a:r>
+          </a:p>
+          <a:p>
+            <a:r>
+              <a:rPr lang="en-US" sz="1200" dirty="0">
+                <a:solidFill>
+                  <a:schemeClr val="accent1"/>
+                </a:solidFill>
+              </a:rPr>
+              <a:t>Scope</a:t>
+            </a:r>
+          </a:p>
+          <a:p>
+            <a:r>
+              <a:rPr lang="en-US" sz="1200" dirty="0">
+                <a:solidFill>
+                  <a:schemeClr val="accent1"/>
+                </a:solidFill>
+              </a:rPr>
+              <a:t>Schedule</a:t>
+            </a:r>
+          </a:p>
+          <a:p>
+            <a:r>
+              <a:rPr lang="en-US" sz="1200" dirty="0">
+                <a:solidFill>
+                  <a:schemeClr val="accent1"/>
+                </a:solidFill>
+              </a:rPr>
+              <a:t>Theory</a:t>
+            </a:r>
+          </a:p>
+          <a:p>
+            <a:r>
+              <a:rPr lang="en-US" sz="1200" dirty="0">
+                <a:solidFill>
+                  <a:schemeClr val="accent1"/>
+                </a:solidFill>
+              </a:rPr>
+              <a:t>Previous Work</a:t>
+            </a:r>
+          </a:p>
+          <a:p>
+            <a:r>
+              <a:rPr lang="en-US" sz="1200" dirty="0">
+                <a:solidFill>
+                  <a:schemeClr val="accent1"/>
+                </a:solidFill>
+              </a:rPr>
+              <a:t>Artifact</a:t>
+            </a:r>
+          </a:p>
+          <a:p>
+            <a:r>
+              <a:rPr lang="en-US" sz="1200" dirty="0">
+                <a:solidFill>
+                  <a:schemeClr val="accent1"/>
+                </a:solidFill>
+              </a:rPr>
+              <a:t>Implementation</a:t>
+            </a:r>
+          </a:p>
+          <a:p>
+            <a:r>
+              <a:rPr lang="en-US" sz="1200" dirty="0">
+                <a:solidFill>
+                  <a:schemeClr val="accent1"/>
+                </a:solidFill>
+              </a:rPr>
+              <a:t>Architecture</a:t>
+            </a:r>
+          </a:p>
+          <a:p>
+            <a:r>
+              <a:rPr lang="en-US" sz="1200" dirty="0">
+                <a:solidFill>
+                  <a:schemeClr val="accent1"/>
+                </a:solidFill>
+              </a:rPr>
+              <a:t>Syntax</a:t>
+            </a:r>
+          </a:p>
+          <a:p>
+            <a:r>
+              <a:rPr lang="en-US" sz="1200" dirty="0">
+                <a:solidFill>
+                  <a:schemeClr val="accent1"/>
+                </a:solidFill>
+              </a:rPr>
+              <a:t>User Feedback</a:t>
+            </a:r>
+          </a:p>
+          <a:p>
+            <a:r>
+              <a:rPr lang="en-US" sz="1200" dirty="0">
+                <a:solidFill>
+                  <a:schemeClr val="accent1"/>
+                </a:solidFill>
+              </a:rPr>
+              <a:t>Profiling Results</a:t>
+            </a:r>
+          </a:p>
+          <a:p>
+            <a:r>
+              <a:rPr lang="en-US" sz="1200" b="1" dirty="0">
+                <a:solidFill>
+                  <a:schemeClr val="accent1"/>
+                </a:solidFill>
+              </a:rPr>
+              <a:t>Bibliography</a:t>
+            </a:r>
+          </a:p>
+        </p:txBody>
+      </p:sp>
+    </p:spTree>
+    <p:extLst>
+      <p:ext uri="{BB962C8B-B14F-4D97-AF65-F5344CB8AC3E}">
+        <p14:creationId xmlns:p14="http://schemas.microsoft.com/office/powerpoint/2010/main" val="1397362302"/>
       </p:ext>
     </p:extLst>
   </p:cSld>
@@ -9707,6 +13455,222 @@
   <p:clrMapOvr>
     <a:masterClrMapping/>
   </p:clrMapOvr>
+  <p:timing>
+    <p:tnLst>
+      <p:par>
+        <p:cTn id="1" dur="indefinite" restart="never" nodeType="tmRoot">
+          <p:childTnLst>
+            <p:seq concurrent="1" nextAc="seek">
+              <p:cTn id="2" dur="indefinite" nodeType="mainSeq">
+                <p:childTnLst>
+                  <p:par>
+                    <p:cTn id="3" fill="hold">
+                      <p:stCondLst>
+                        <p:cond delay="indefinite"/>
+                      </p:stCondLst>
+                      <p:childTnLst>
+                        <p:par>
+                          <p:cTn id="4" fill="hold">
+                            <p:stCondLst>
+                              <p:cond delay="0"/>
+                            </p:stCondLst>
+                            <p:childTnLst>
+                              <p:par>
+                                <p:cTn id="5" presetID="10" presetClass="entr" presetSubtype="0" fill="hold" grpId="0" nodeType="clickEffect">
+                                  <p:stCondLst>
+                                    <p:cond delay="0"/>
+                                  </p:stCondLst>
+                                  <p:childTnLst>
+                                    <p:set>
+                                      <p:cBhvr>
+                                        <p:cTn id="6" dur="1" fill="hold">
+                                          <p:stCondLst>
+                                            <p:cond delay="0"/>
+                                          </p:stCondLst>
+                                        </p:cTn>
+                                        <p:tgtEl>
+                                          <p:spTgt spid="3">
+                                            <p:txEl>
+                                              <p:pRg st="0" end="0"/>
+                                            </p:txEl>
+                                          </p:spTgt>
+                                        </p:tgtEl>
+                                        <p:attrNameLst>
+                                          <p:attrName>style.visibility</p:attrName>
+                                        </p:attrNameLst>
+                                      </p:cBhvr>
+                                      <p:to>
+                                        <p:strVal val="visible"/>
+                                      </p:to>
+                                    </p:set>
+                                    <p:animEffect transition="in" filter="fade">
+                                      <p:cBhvr>
+                                        <p:cTn id="7" dur="500"/>
+                                        <p:tgtEl>
+                                          <p:spTgt spid="3">
+                                            <p:txEl>
+                                              <p:pRg st="0" end="0"/>
+                                            </p:txEl>
+                                          </p:spTgt>
+                                        </p:tgtEl>
+                                      </p:cBhvr>
+                                    </p:animEffect>
+                                  </p:childTnLst>
+                                </p:cTn>
+                              </p:par>
+                            </p:childTnLst>
+                          </p:cTn>
+                        </p:par>
+                      </p:childTnLst>
+                    </p:cTn>
+                  </p:par>
+                  <p:par>
+                    <p:cTn id="8" fill="hold">
+                      <p:stCondLst>
+                        <p:cond delay="indefinite"/>
+                      </p:stCondLst>
+                      <p:childTnLst>
+                        <p:par>
+                          <p:cTn id="9" fill="hold">
+                            <p:stCondLst>
+                              <p:cond delay="0"/>
+                            </p:stCondLst>
+                            <p:childTnLst>
+                              <p:par>
+                                <p:cTn id="10" presetID="10" presetClass="entr" presetSubtype="0" fill="hold" grpId="0" nodeType="clickEffect">
+                                  <p:stCondLst>
+                                    <p:cond delay="0"/>
+                                  </p:stCondLst>
+                                  <p:childTnLst>
+                                    <p:set>
+                                      <p:cBhvr>
+                                        <p:cTn id="11" dur="1" fill="hold">
+                                          <p:stCondLst>
+                                            <p:cond delay="0"/>
+                                          </p:stCondLst>
+                                        </p:cTn>
+                                        <p:tgtEl>
+                                          <p:spTgt spid="3">
+                                            <p:txEl>
+                                              <p:pRg st="1" end="1"/>
+                                            </p:txEl>
+                                          </p:spTgt>
+                                        </p:tgtEl>
+                                        <p:attrNameLst>
+                                          <p:attrName>style.visibility</p:attrName>
+                                        </p:attrNameLst>
+                                      </p:cBhvr>
+                                      <p:to>
+                                        <p:strVal val="visible"/>
+                                      </p:to>
+                                    </p:set>
+                                    <p:animEffect transition="in" filter="fade">
+                                      <p:cBhvr>
+                                        <p:cTn id="12" dur="500"/>
+                                        <p:tgtEl>
+                                          <p:spTgt spid="3">
+                                            <p:txEl>
+                                              <p:pRg st="1" end="1"/>
+                                            </p:txEl>
+                                          </p:spTgt>
+                                        </p:tgtEl>
+                                      </p:cBhvr>
+                                    </p:animEffect>
+                                  </p:childTnLst>
+                                </p:cTn>
+                              </p:par>
+                            </p:childTnLst>
+                          </p:cTn>
+                        </p:par>
+                      </p:childTnLst>
+                    </p:cTn>
+                  </p:par>
+                  <p:par>
+                    <p:cTn id="13" fill="hold">
+                      <p:stCondLst>
+                        <p:cond delay="indefinite"/>
+                      </p:stCondLst>
+                      <p:childTnLst>
+                        <p:par>
+                          <p:cTn id="14" fill="hold">
+                            <p:stCondLst>
+                              <p:cond delay="0"/>
+                            </p:stCondLst>
+                            <p:childTnLst>
+                              <p:par>
+                                <p:cTn id="15" presetID="10" presetClass="entr" presetSubtype="0" fill="hold" grpId="0" nodeType="clickEffect">
+                                  <p:stCondLst>
+                                    <p:cond delay="0"/>
+                                  </p:stCondLst>
+                                  <p:childTnLst>
+                                    <p:set>
+                                      <p:cBhvr>
+                                        <p:cTn id="16" dur="1" fill="hold">
+                                          <p:stCondLst>
+                                            <p:cond delay="0"/>
+                                          </p:stCondLst>
+                                        </p:cTn>
+                                        <p:tgtEl>
+                                          <p:spTgt spid="3">
+                                            <p:txEl>
+                                              <p:pRg st="2" end="2"/>
+                                            </p:txEl>
+                                          </p:spTgt>
+                                        </p:tgtEl>
+                                        <p:attrNameLst>
+                                          <p:attrName>style.visibility</p:attrName>
+                                        </p:attrNameLst>
+                                      </p:cBhvr>
+                                      <p:to>
+                                        <p:strVal val="visible"/>
+                                      </p:to>
+                                    </p:set>
+                                    <p:animEffect transition="in" filter="fade">
+                                      <p:cBhvr>
+                                        <p:cTn id="17" dur="500"/>
+                                        <p:tgtEl>
+                                          <p:spTgt spid="3">
+                                            <p:txEl>
+                                              <p:pRg st="2" end="2"/>
+                                            </p:txEl>
+                                          </p:spTgt>
+                                        </p:tgtEl>
+                                      </p:cBhvr>
+                                    </p:animEffect>
+                                  </p:childTnLst>
+                                </p:cTn>
+                              </p:par>
+                            </p:childTnLst>
+                          </p:cTn>
+                        </p:par>
+                      </p:childTnLst>
+                    </p:cTn>
+                  </p:par>
+                </p:childTnLst>
+              </p:cTn>
+              <p:prevCondLst>
+                <p:cond evt="onPrev" delay="0">
+                  <p:tgtEl>
+                    <p:sldTgt/>
+                  </p:tgtEl>
+                </p:cond>
+              </p:prevCondLst>
+              <p:nextCondLst>
+                <p:cond evt="onNext" delay="0">
+                  <p:tgtEl>
+                    <p:sldTgt/>
+                  </p:tgtEl>
+                </p:cond>
+              </p:nextCondLst>
+            </p:seq>
+          </p:childTnLst>
+        </p:cTn>
+      </p:par>
+    </p:tnLst>
+    <p:bldLst>
+      <p:bldP spid="3" grpId="0" build="p"/>
+    </p:bldLst>
+  </p:timing>
 </p:sld>
 </file>
 
@@ -10456,6 +14420,419 @@
   <p:clrMapOvr>
     <a:masterClrMapping/>
   </p:clrMapOvr>
+  <p:timing>
+    <p:tnLst>
+      <p:par>
+        <p:cTn id="1" dur="indefinite" restart="never" nodeType="tmRoot">
+          <p:childTnLst>
+            <p:seq concurrent="1" nextAc="seek">
+              <p:cTn id="2" dur="indefinite" nodeType="mainSeq">
+                <p:childTnLst>
+                  <p:par>
+                    <p:cTn id="3" fill="hold">
+                      <p:stCondLst>
+                        <p:cond delay="indefinite"/>
+                      </p:stCondLst>
+                      <p:childTnLst>
+                        <p:par>
+                          <p:cTn id="4" fill="hold">
+                            <p:stCondLst>
+                              <p:cond delay="0"/>
+                            </p:stCondLst>
+                            <p:childTnLst>
+                              <p:par>
+                                <p:cTn id="5" presetID="10" presetClass="entr" presetSubtype="0" fill="hold" grpId="0" nodeType="clickEffect">
+                                  <p:stCondLst>
+                                    <p:cond delay="0"/>
+                                  </p:stCondLst>
+                                  <p:childTnLst>
+                                    <p:set>
+                                      <p:cBhvr>
+                                        <p:cTn id="6" dur="1" fill="hold">
+                                          <p:stCondLst>
+                                            <p:cond delay="0"/>
+                                          </p:stCondLst>
+                                        </p:cTn>
+                                        <p:tgtEl>
+                                          <p:spTgt spid="3">
+                                            <p:txEl>
+                                              <p:pRg st="0" end="0"/>
+                                            </p:txEl>
+                                          </p:spTgt>
+                                        </p:tgtEl>
+                                        <p:attrNameLst>
+                                          <p:attrName>style.visibility</p:attrName>
+                                        </p:attrNameLst>
+                                      </p:cBhvr>
+                                      <p:to>
+                                        <p:strVal val="visible"/>
+                                      </p:to>
+                                    </p:set>
+                                    <p:animEffect transition="in" filter="fade">
+                                      <p:cBhvr>
+                                        <p:cTn id="7" dur="500"/>
+                                        <p:tgtEl>
+                                          <p:spTgt spid="3">
+                                            <p:txEl>
+                                              <p:pRg st="0" end="0"/>
+                                            </p:txEl>
+                                          </p:spTgt>
+                                        </p:tgtEl>
+                                      </p:cBhvr>
+                                    </p:animEffect>
+                                  </p:childTnLst>
+                                </p:cTn>
+                              </p:par>
+                              <p:par>
+                                <p:cTn id="8" presetID="10" presetClass="entr" presetSubtype="0" fill="hold" grpId="0" nodeType="withEffect">
+                                  <p:stCondLst>
+                                    <p:cond delay="0"/>
+                                  </p:stCondLst>
+                                  <p:childTnLst>
+                                    <p:set>
+                                      <p:cBhvr>
+                                        <p:cTn id="9" dur="1" fill="hold">
+                                          <p:stCondLst>
+                                            <p:cond delay="0"/>
+                                          </p:stCondLst>
+                                        </p:cTn>
+                                        <p:tgtEl>
+                                          <p:spTgt spid="3">
+                                            <p:txEl>
+                                              <p:pRg st="1" end="1"/>
+                                            </p:txEl>
+                                          </p:spTgt>
+                                        </p:tgtEl>
+                                        <p:attrNameLst>
+                                          <p:attrName>style.visibility</p:attrName>
+                                        </p:attrNameLst>
+                                      </p:cBhvr>
+                                      <p:to>
+                                        <p:strVal val="visible"/>
+                                      </p:to>
+                                    </p:set>
+                                    <p:animEffect transition="in" filter="fade">
+                                      <p:cBhvr>
+                                        <p:cTn id="10" dur="500"/>
+                                        <p:tgtEl>
+                                          <p:spTgt spid="3">
+                                            <p:txEl>
+                                              <p:pRg st="1" end="1"/>
+                                            </p:txEl>
+                                          </p:spTgt>
+                                        </p:tgtEl>
+                                      </p:cBhvr>
+                                    </p:animEffect>
+                                  </p:childTnLst>
+                                </p:cTn>
+                              </p:par>
+                              <p:par>
+                                <p:cTn id="11" presetID="10" presetClass="entr" presetSubtype="0" fill="hold" grpId="0" nodeType="withEffect">
+                                  <p:stCondLst>
+                                    <p:cond delay="0"/>
+                                  </p:stCondLst>
+                                  <p:childTnLst>
+                                    <p:set>
+                                      <p:cBhvr>
+                                        <p:cTn id="12" dur="1" fill="hold">
+                                          <p:stCondLst>
+                                            <p:cond delay="0"/>
+                                          </p:stCondLst>
+                                        </p:cTn>
+                                        <p:tgtEl>
+                                          <p:spTgt spid="3">
+                                            <p:txEl>
+                                              <p:pRg st="2" end="2"/>
+                                            </p:txEl>
+                                          </p:spTgt>
+                                        </p:tgtEl>
+                                        <p:attrNameLst>
+                                          <p:attrName>style.visibility</p:attrName>
+                                        </p:attrNameLst>
+                                      </p:cBhvr>
+                                      <p:to>
+                                        <p:strVal val="visible"/>
+                                      </p:to>
+                                    </p:set>
+                                    <p:animEffect transition="in" filter="fade">
+                                      <p:cBhvr>
+                                        <p:cTn id="13" dur="500"/>
+                                        <p:tgtEl>
+                                          <p:spTgt spid="3">
+                                            <p:txEl>
+                                              <p:pRg st="2" end="2"/>
+                                            </p:txEl>
+                                          </p:spTgt>
+                                        </p:tgtEl>
+                                      </p:cBhvr>
+                                    </p:animEffect>
+                                  </p:childTnLst>
+                                </p:cTn>
+                              </p:par>
+                              <p:par>
+                                <p:cTn id="14" presetID="10" presetClass="entr" presetSubtype="0" fill="hold" grpId="0" nodeType="withEffect">
+                                  <p:stCondLst>
+                                    <p:cond delay="0"/>
+                                  </p:stCondLst>
+                                  <p:childTnLst>
+                                    <p:set>
+                                      <p:cBhvr>
+                                        <p:cTn id="15" dur="1" fill="hold">
+                                          <p:stCondLst>
+                                            <p:cond delay="0"/>
+                                          </p:stCondLst>
+                                        </p:cTn>
+                                        <p:tgtEl>
+                                          <p:spTgt spid="3">
+                                            <p:txEl>
+                                              <p:pRg st="3" end="3"/>
+                                            </p:txEl>
+                                          </p:spTgt>
+                                        </p:tgtEl>
+                                        <p:attrNameLst>
+                                          <p:attrName>style.visibility</p:attrName>
+                                        </p:attrNameLst>
+                                      </p:cBhvr>
+                                      <p:to>
+                                        <p:strVal val="visible"/>
+                                      </p:to>
+                                    </p:set>
+                                    <p:animEffect transition="in" filter="fade">
+                                      <p:cBhvr>
+                                        <p:cTn id="16" dur="500"/>
+                                        <p:tgtEl>
+                                          <p:spTgt spid="3">
+                                            <p:txEl>
+                                              <p:pRg st="3" end="3"/>
+                                            </p:txEl>
+                                          </p:spTgt>
+                                        </p:tgtEl>
+                                      </p:cBhvr>
+                                    </p:animEffect>
+                                  </p:childTnLst>
+                                </p:cTn>
+                              </p:par>
+                              <p:par>
+                                <p:cTn id="17" presetID="10" presetClass="entr" presetSubtype="0" fill="hold" grpId="0" nodeType="withEffect">
+                                  <p:stCondLst>
+                                    <p:cond delay="0"/>
+                                  </p:stCondLst>
+                                  <p:childTnLst>
+                                    <p:set>
+                                      <p:cBhvr>
+                                        <p:cTn id="18" dur="1" fill="hold">
+                                          <p:stCondLst>
+                                            <p:cond delay="0"/>
+                                          </p:stCondLst>
+                                        </p:cTn>
+                                        <p:tgtEl>
+                                          <p:spTgt spid="3">
+                                            <p:txEl>
+                                              <p:pRg st="4" end="4"/>
+                                            </p:txEl>
+                                          </p:spTgt>
+                                        </p:tgtEl>
+                                        <p:attrNameLst>
+                                          <p:attrName>style.visibility</p:attrName>
+                                        </p:attrNameLst>
+                                      </p:cBhvr>
+                                      <p:to>
+                                        <p:strVal val="visible"/>
+                                      </p:to>
+                                    </p:set>
+                                    <p:animEffect transition="in" filter="fade">
+                                      <p:cBhvr>
+                                        <p:cTn id="19" dur="500"/>
+                                        <p:tgtEl>
+                                          <p:spTgt spid="3">
+                                            <p:txEl>
+                                              <p:pRg st="4" end="4"/>
+                                            </p:txEl>
+                                          </p:spTgt>
+                                        </p:tgtEl>
+                                      </p:cBhvr>
+                                    </p:animEffect>
+                                  </p:childTnLst>
+                                </p:cTn>
+                              </p:par>
+                              <p:par>
+                                <p:cTn id="20" presetID="10" presetClass="entr" presetSubtype="0" fill="hold" grpId="0" nodeType="withEffect">
+                                  <p:stCondLst>
+                                    <p:cond delay="0"/>
+                                  </p:stCondLst>
+                                  <p:childTnLst>
+                                    <p:set>
+                                      <p:cBhvr>
+                                        <p:cTn id="21" dur="1" fill="hold">
+                                          <p:stCondLst>
+                                            <p:cond delay="0"/>
+                                          </p:stCondLst>
+                                        </p:cTn>
+                                        <p:tgtEl>
+                                          <p:spTgt spid="3">
+                                            <p:txEl>
+                                              <p:pRg st="5" end="5"/>
+                                            </p:txEl>
+                                          </p:spTgt>
+                                        </p:tgtEl>
+                                        <p:attrNameLst>
+                                          <p:attrName>style.visibility</p:attrName>
+                                        </p:attrNameLst>
+                                      </p:cBhvr>
+                                      <p:to>
+                                        <p:strVal val="visible"/>
+                                      </p:to>
+                                    </p:set>
+                                    <p:animEffect transition="in" filter="fade">
+                                      <p:cBhvr>
+                                        <p:cTn id="22" dur="500"/>
+                                        <p:tgtEl>
+                                          <p:spTgt spid="3">
+                                            <p:txEl>
+                                              <p:pRg st="5" end="5"/>
+                                            </p:txEl>
+                                          </p:spTgt>
+                                        </p:tgtEl>
+                                      </p:cBhvr>
+                                    </p:animEffect>
+                                  </p:childTnLst>
+                                </p:cTn>
+                              </p:par>
+                            </p:childTnLst>
+                          </p:cTn>
+                        </p:par>
+                      </p:childTnLst>
+                    </p:cTn>
+                  </p:par>
+                  <p:par>
+                    <p:cTn id="23" fill="hold">
+                      <p:stCondLst>
+                        <p:cond delay="indefinite"/>
+                      </p:stCondLst>
+                      <p:childTnLst>
+                        <p:par>
+                          <p:cTn id="24" fill="hold">
+                            <p:stCondLst>
+                              <p:cond delay="0"/>
+                            </p:stCondLst>
+                            <p:childTnLst>
+                              <p:par>
+                                <p:cTn id="25" presetID="10" presetClass="entr" presetSubtype="0" fill="hold" grpId="0" nodeType="clickEffect">
+                                  <p:stCondLst>
+                                    <p:cond delay="0"/>
+                                  </p:stCondLst>
+                                  <p:childTnLst>
+                                    <p:set>
+                                      <p:cBhvr>
+                                        <p:cTn id="26" dur="1" fill="hold">
+                                          <p:stCondLst>
+                                            <p:cond delay="0"/>
+                                          </p:stCondLst>
+                                        </p:cTn>
+                                        <p:tgtEl>
+                                          <p:spTgt spid="3">
+                                            <p:txEl>
+                                              <p:pRg st="6" end="6"/>
+                                            </p:txEl>
+                                          </p:spTgt>
+                                        </p:tgtEl>
+                                        <p:attrNameLst>
+                                          <p:attrName>style.visibility</p:attrName>
+                                        </p:attrNameLst>
+                                      </p:cBhvr>
+                                      <p:to>
+                                        <p:strVal val="visible"/>
+                                      </p:to>
+                                    </p:set>
+                                    <p:animEffect transition="in" filter="fade">
+                                      <p:cBhvr>
+                                        <p:cTn id="27" dur="500"/>
+                                        <p:tgtEl>
+                                          <p:spTgt spid="3">
+                                            <p:txEl>
+                                              <p:pRg st="6" end="6"/>
+                                            </p:txEl>
+                                          </p:spTgt>
+                                        </p:tgtEl>
+                                      </p:cBhvr>
+                                    </p:animEffect>
+                                  </p:childTnLst>
+                                </p:cTn>
+                              </p:par>
+                              <p:par>
+                                <p:cTn id="28" presetID="10" presetClass="entr" presetSubtype="0" fill="hold" grpId="0" nodeType="withEffect">
+                                  <p:stCondLst>
+                                    <p:cond delay="0"/>
+                                  </p:stCondLst>
+                                  <p:childTnLst>
+                                    <p:set>
+                                      <p:cBhvr>
+                                        <p:cTn id="29" dur="1" fill="hold">
+                                          <p:stCondLst>
+                                            <p:cond delay="0"/>
+                                          </p:stCondLst>
+                                        </p:cTn>
+                                        <p:tgtEl>
+                                          <p:spTgt spid="3">
+                                            <p:txEl>
+                                              <p:pRg st="7" end="7"/>
+                                            </p:txEl>
+                                          </p:spTgt>
+                                        </p:tgtEl>
+                                        <p:attrNameLst>
+                                          <p:attrName>style.visibility</p:attrName>
+                                        </p:attrNameLst>
+                                      </p:cBhvr>
+                                      <p:to>
+                                        <p:strVal val="visible"/>
+                                      </p:to>
+                                    </p:set>
+                                    <p:animEffect transition="in" filter="fade">
+                                      <p:cBhvr>
+                                        <p:cTn id="30" dur="500"/>
+                                        <p:tgtEl>
+                                          <p:spTgt spid="3">
+                                            <p:txEl>
+                                              <p:pRg st="7" end="7"/>
+                                            </p:txEl>
+                                          </p:spTgt>
+                                        </p:tgtEl>
+                                      </p:cBhvr>
+                                    </p:animEffect>
+                                  </p:childTnLst>
+                                </p:cTn>
+                              </p:par>
+                            </p:childTnLst>
+                          </p:cTn>
+                        </p:par>
+                      </p:childTnLst>
+                    </p:cTn>
+                  </p:par>
+                </p:childTnLst>
+              </p:cTn>
+              <p:prevCondLst>
+                <p:cond evt="onPrev" delay="0">
+                  <p:tgtEl>
+                    <p:sldTgt/>
+                  </p:tgtEl>
+                </p:cond>
+              </p:prevCondLst>
+              <p:nextCondLst>
+                <p:cond evt="onNext" delay="0">
+                  <p:tgtEl>
+                    <p:sldTgt/>
+                  </p:tgtEl>
+                </p:cond>
+              </p:nextCondLst>
+            </p:seq>
+          </p:childTnLst>
+        </p:cTn>
+      </p:par>
+    </p:tnLst>
+    <p:bldLst>
+      <p:bldP spid="3" grpId="0" build="p"/>
+    </p:bldLst>
+  </p:timing>
 </p:sld>
 </file>
 
